--- a/_images/bbu_diagrams.pptx
+++ b/_images/bbu_diagrams.pptx
@@ -8,7 +8,8 @@
     <p:sldId id="257" r:id="rId2"/>
     <p:sldId id="262" r:id="rId3"/>
     <p:sldId id="261" r:id="rId4"/>
-    <p:sldId id="260" r:id="rId5"/>
+    <p:sldId id="263" r:id="rId5"/>
+    <p:sldId id="260" r:id="rId6"/>
   </p:sldIdLst>
   <p:sldSz cx="9144000" cy="5143500" type="screen16x9"/>
   <p:notesSz cx="6858000" cy="9144000"/>
@@ -317,7 +318,7 @@
           <a:p>
             <a:fld id="{4D3278EA-B993-FD47-AFDF-D51540CA8FA6}" type="datetimeFigureOut">
               <a:rPr lang="en-US" smtClean="0"/>
-              <a:t>4/22/20</a:t>
+              <a:t>4/24/20</a:t>
             </a:fld>
             <a:endParaRPr lang="en-US"/>
           </a:p>
@@ -485,7 +486,7 @@
           <a:p>
             <a:fld id="{4D3278EA-B993-FD47-AFDF-D51540CA8FA6}" type="datetimeFigureOut">
               <a:rPr lang="en-US" smtClean="0"/>
-              <a:t>4/22/20</a:t>
+              <a:t>4/24/20</a:t>
             </a:fld>
             <a:endParaRPr lang="en-US"/>
           </a:p>
@@ -663,7 +664,7 @@
           <a:p>
             <a:fld id="{4D3278EA-B993-FD47-AFDF-D51540CA8FA6}" type="datetimeFigureOut">
               <a:rPr lang="en-US" smtClean="0"/>
-              <a:t>4/22/20</a:t>
+              <a:t>4/24/20</a:t>
             </a:fld>
             <a:endParaRPr lang="en-US"/>
           </a:p>
@@ -985,7 +986,7 @@
           <a:p>
             <a:fld id="{4D3278EA-B993-FD47-AFDF-D51540CA8FA6}" type="datetimeFigureOut">
               <a:rPr lang="en-US" smtClean="0"/>
-              <a:t>4/22/20</a:t>
+              <a:t>4/24/20</a:t>
             </a:fld>
             <a:endParaRPr lang="en-US"/>
           </a:p>
@@ -1230,7 +1231,7 @@
           <a:p>
             <a:fld id="{4D3278EA-B993-FD47-AFDF-D51540CA8FA6}" type="datetimeFigureOut">
               <a:rPr lang="en-US" smtClean="0"/>
-              <a:t>4/22/20</a:t>
+              <a:t>4/24/20</a:t>
             </a:fld>
             <a:endParaRPr lang="en-US"/>
           </a:p>
@@ -1515,7 +1516,7 @@
           <a:p>
             <a:fld id="{4D3278EA-B993-FD47-AFDF-D51540CA8FA6}" type="datetimeFigureOut">
               <a:rPr lang="en-US" smtClean="0"/>
-              <a:t>4/22/20</a:t>
+              <a:t>4/24/20</a:t>
             </a:fld>
             <a:endParaRPr lang="en-US"/>
           </a:p>
@@ -1934,7 +1935,7 @@
           <a:p>
             <a:fld id="{4D3278EA-B993-FD47-AFDF-D51540CA8FA6}" type="datetimeFigureOut">
               <a:rPr lang="en-US" smtClean="0"/>
-              <a:t>4/22/20</a:t>
+              <a:t>4/24/20</a:t>
             </a:fld>
             <a:endParaRPr lang="en-US"/>
           </a:p>
@@ -2051,7 +2052,7 @@
           <a:p>
             <a:fld id="{4D3278EA-B993-FD47-AFDF-D51540CA8FA6}" type="datetimeFigureOut">
               <a:rPr lang="en-US" smtClean="0"/>
-              <a:t>4/22/20</a:t>
+              <a:t>4/24/20</a:t>
             </a:fld>
             <a:endParaRPr lang="en-US"/>
           </a:p>
@@ -2146,7 +2147,7 @@
           <a:p>
             <a:fld id="{4D3278EA-B993-FD47-AFDF-D51540CA8FA6}" type="datetimeFigureOut">
               <a:rPr lang="en-US" smtClean="0"/>
-              <a:t>4/22/20</a:t>
+              <a:t>4/24/20</a:t>
             </a:fld>
             <a:endParaRPr lang="en-US"/>
           </a:p>
@@ -2421,7 +2422,7 @@
           <a:p>
             <a:fld id="{4D3278EA-B993-FD47-AFDF-D51540CA8FA6}" type="datetimeFigureOut">
               <a:rPr lang="en-US" smtClean="0"/>
-              <a:t>4/22/20</a:t>
+              <a:t>4/24/20</a:t>
             </a:fld>
             <a:endParaRPr lang="en-US"/>
           </a:p>
@@ -2673,7 +2674,7 @@
           <a:p>
             <a:fld id="{4D3278EA-B993-FD47-AFDF-D51540CA8FA6}" type="datetimeFigureOut">
               <a:rPr lang="en-US" smtClean="0"/>
-              <a:t>4/22/20</a:t>
+              <a:t>4/24/20</a:t>
             </a:fld>
             <a:endParaRPr lang="en-US"/>
           </a:p>
@@ -2884,7 +2885,7 @@
           <a:p>
             <a:fld id="{4D3278EA-B993-FD47-AFDF-D51540CA8FA6}" type="datetimeFigureOut">
               <a:rPr lang="en-US" smtClean="0"/>
-              <a:t>4/22/20</a:t>
+              <a:t>4/24/20</a:t>
             </a:fld>
             <a:endParaRPr lang="en-US"/>
           </a:p>
@@ -7460,6 +7461,574 @@
       </p:grpSpPr>
       <p:sp>
         <p:nvSpPr>
+          <p:cNvPr id="10" name="Rectangle 9">
+            <a:extLst>
+              <a:ext uri="{FF2B5EF4-FFF2-40B4-BE49-F238E27FC236}">
+                <a16:creationId xmlns:a16="http://schemas.microsoft.com/office/drawing/2014/main" id="{2EA8BAFB-B89A-574F-AC3D-93B1255FE2C5}"/>
+              </a:ext>
+            </a:extLst>
+          </p:cNvPr>
+          <p:cNvSpPr/>
+          <p:nvPr/>
+        </p:nvSpPr>
+        <p:spPr>
+          <a:xfrm>
+            <a:off x="2833060" y="335560"/>
+            <a:ext cx="3338542" cy="785124"/>
+          </a:xfrm>
+          <a:prstGeom prst="rect">
+            <a:avLst/>
+          </a:prstGeom>
+        </p:spPr>
+        <p:style>
+          <a:lnRef idx="2">
+            <a:schemeClr val="accent1">
+              <a:shade val="50000"/>
+            </a:schemeClr>
+          </a:lnRef>
+          <a:fillRef idx="1">
+            <a:schemeClr val="accent1"/>
+          </a:fillRef>
+          <a:effectRef idx="0">
+            <a:schemeClr val="accent1"/>
+          </a:effectRef>
+          <a:fontRef idx="minor">
+            <a:schemeClr val="lt1"/>
+          </a:fontRef>
+        </p:style>
+        <p:txBody>
+          <a:bodyPr rtlCol="0" anchor="ctr"/>
+          <a:lstStyle/>
+          <a:p>
+            <a:pPr algn="ctr"/>
+            <a:r>
+              <a:rPr lang="en-US" sz="1600" b="1" dirty="0"/>
+              <a:t>The Linux Foundation</a:t>
+            </a:r>
+          </a:p>
+          <a:p>
+            <a:pPr algn="ctr"/>
+            <a:r>
+              <a:rPr lang="en-US" sz="1200" dirty="0"/>
+              <a:t>Oregon Mutual Benefit Corporation, 501(c)6</a:t>
+            </a:r>
+          </a:p>
+        </p:txBody>
+      </p:sp>
+      <p:cxnSp>
+        <p:nvCxnSpPr>
+          <p:cNvPr id="12" name="Straight Connector 11">
+            <a:extLst>
+              <a:ext uri="{FF2B5EF4-FFF2-40B4-BE49-F238E27FC236}">
+                <a16:creationId xmlns:a16="http://schemas.microsoft.com/office/drawing/2014/main" id="{A06C6700-C4CA-DA47-B6F6-3E09647153C7}"/>
+              </a:ext>
+            </a:extLst>
+          </p:cNvPr>
+          <p:cNvCxnSpPr>
+            <a:cxnSpLocks/>
+            <a:endCxn id="6" idx="0"/>
+          </p:cNvCxnSpPr>
+          <p:nvPr/>
+        </p:nvCxnSpPr>
+        <p:spPr>
+          <a:xfrm>
+            <a:off x="4572000" y="1120684"/>
+            <a:ext cx="0" cy="653210"/>
+          </a:xfrm>
+          <a:prstGeom prst="line">
+            <a:avLst/>
+          </a:prstGeom>
+          <a:ln w="28575">
+            <a:solidFill>
+              <a:schemeClr val="tx1"/>
+            </a:solidFill>
+          </a:ln>
+        </p:spPr>
+        <p:style>
+          <a:lnRef idx="2">
+            <a:schemeClr val="accent1"/>
+          </a:lnRef>
+          <a:fillRef idx="0">
+            <a:schemeClr val="accent1"/>
+          </a:fillRef>
+          <a:effectRef idx="1">
+            <a:schemeClr val="accent1"/>
+          </a:effectRef>
+          <a:fontRef idx="minor">
+            <a:schemeClr val="tx1"/>
+          </a:fontRef>
+        </p:style>
+      </p:cxnSp>
+      <p:cxnSp>
+        <p:nvCxnSpPr>
+          <p:cNvPr id="14" name="Straight Connector 13">
+            <a:extLst>
+              <a:ext uri="{FF2B5EF4-FFF2-40B4-BE49-F238E27FC236}">
+                <a16:creationId xmlns:a16="http://schemas.microsoft.com/office/drawing/2014/main" id="{E842242B-9923-9E49-BDEA-A2B3A0682B4B}"/>
+              </a:ext>
+            </a:extLst>
+          </p:cNvPr>
+          <p:cNvCxnSpPr>
+            <a:cxnSpLocks/>
+            <a:endCxn id="8" idx="0"/>
+          </p:cNvCxnSpPr>
+          <p:nvPr/>
+        </p:nvCxnSpPr>
+        <p:spPr>
+          <a:xfrm flipH="1">
+            <a:off x="2277662" y="2785042"/>
+            <a:ext cx="1354687" cy="657565"/>
+          </a:xfrm>
+          <a:prstGeom prst="line">
+            <a:avLst/>
+          </a:prstGeom>
+          <a:ln w="28575">
+            <a:solidFill>
+              <a:schemeClr val="tx1"/>
+            </a:solidFill>
+          </a:ln>
+        </p:spPr>
+        <p:style>
+          <a:lnRef idx="2">
+            <a:schemeClr val="accent1"/>
+          </a:lnRef>
+          <a:fillRef idx="0">
+            <a:schemeClr val="accent1"/>
+          </a:fillRef>
+          <a:effectRef idx="1">
+            <a:schemeClr val="accent1"/>
+          </a:effectRef>
+          <a:fontRef idx="minor">
+            <a:schemeClr val="tx1"/>
+          </a:fontRef>
+        </p:style>
+      </p:cxnSp>
+      <p:cxnSp>
+        <p:nvCxnSpPr>
+          <p:cNvPr id="16" name="Straight Connector 15">
+            <a:extLst>
+              <a:ext uri="{FF2B5EF4-FFF2-40B4-BE49-F238E27FC236}">
+                <a16:creationId xmlns:a16="http://schemas.microsoft.com/office/drawing/2014/main" id="{A16E51B0-5061-0F46-8C79-07B284A8E27C}"/>
+              </a:ext>
+            </a:extLst>
+          </p:cNvPr>
+          <p:cNvCxnSpPr>
+            <a:cxnSpLocks/>
+            <a:endCxn id="7" idx="0"/>
+          </p:cNvCxnSpPr>
+          <p:nvPr/>
+        </p:nvCxnSpPr>
+        <p:spPr>
+          <a:xfrm>
+            <a:off x="5686699" y="2785042"/>
+            <a:ext cx="1172735" cy="657565"/>
+          </a:xfrm>
+          <a:prstGeom prst="line">
+            <a:avLst/>
+          </a:prstGeom>
+          <a:ln w="28575">
+            <a:solidFill>
+              <a:schemeClr val="tx1"/>
+            </a:solidFill>
+          </a:ln>
+        </p:spPr>
+        <p:style>
+          <a:lnRef idx="2">
+            <a:schemeClr val="accent1"/>
+          </a:lnRef>
+          <a:fillRef idx="0">
+            <a:schemeClr val="accent1"/>
+          </a:fillRef>
+          <a:effectRef idx="1">
+            <a:schemeClr val="accent1"/>
+          </a:effectRef>
+          <a:fontRef idx="minor">
+            <a:schemeClr val="tx1"/>
+          </a:fontRef>
+        </p:style>
+      </p:cxnSp>
+      <p:sp>
+        <p:nvSpPr>
+          <p:cNvPr id="8" name="Rounded Rectangle 7">
+            <a:extLst>
+              <a:ext uri="{FF2B5EF4-FFF2-40B4-BE49-F238E27FC236}">
+                <a16:creationId xmlns:a16="http://schemas.microsoft.com/office/drawing/2014/main" id="{586D5DA2-E025-F447-9944-A6F11813979E}"/>
+              </a:ext>
+            </a:extLst>
+          </p:cNvPr>
+          <p:cNvSpPr/>
+          <p:nvPr/>
+        </p:nvSpPr>
+        <p:spPr>
+          <a:xfrm>
+            <a:off x="794284" y="3442607"/>
+            <a:ext cx="2966755" cy="1138101"/>
+          </a:xfrm>
+          <a:prstGeom prst="roundRect">
+            <a:avLst/>
+          </a:prstGeom>
+          <a:solidFill>
+            <a:srgbClr val="E7E0EC"/>
+          </a:solidFill>
+        </p:spPr>
+        <p:style>
+          <a:lnRef idx="1">
+            <a:schemeClr val="accent1"/>
+          </a:lnRef>
+          <a:fillRef idx="3">
+            <a:schemeClr val="accent1"/>
+          </a:fillRef>
+          <a:effectRef idx="2">
+            <a:schemeClr val="accent1"/>
+          </a:effectRef>
+          <a:fontRef idx="minor">
+            <a:schemeClr val="lt1"/>
+          </a:fontRef>
+        </p:style>
+        <p:txBody>
+          <a:bodyPr rtlCol="0" anchor="ctr"/>
+          <a:lstStyle/>
+          <a:p>
+            <a:pPr algn="ctr"/>
+            <a:r>
+              <a:rPr lang="en-US" sz="1600" b="1" dirty="0">
+                <a:solidFill>
+                  <a:schemeClr val="tx1"/>
+                </a:solidFill>
+                <a:latin typeface="IBM Plex Sans Condensed Text" panose="020B0506050203000203" pitchFamily="34" charset="77"/>
+              </a:rPr>
+              <a:t>Bedrock Consortium Project</a:t>
+            </a:r>
+          </a:p>
+          <a:p>
+            <a:pPr algn="ctr"/>
+            <a:r>
+              <a:rPr lang="en-US" sz="1100" b="1" dirty="0">
+                <a:solidFill>
+                  <a:schemeClr val="tx1"/>
+                </a:solidFill>
+                <a:latin typeface="American Typewriter" panose="02090604020004020304" pitchFamily="18" charset="77"/>
+              </a:rPr>
+              <a:t>Technical Project</a:t>
+            </a:r>
+          </a:p>
+          <a:p>
+            <a:pPr algn="ctr"/>
+            <a:r>
+              <a:rPr lang="en-US" sz="1000" i="1" dirty="0">
+                <a:solidFill>
+                  <a:schemeClr val="tx1"/>
+                </a:solidFill>
+                <a:latin typeface="American Typewriter" panose="02090604020004020304" pitchFamily="18" charset="77"/>
+              </a:rPr>
+              <a:t>Delaware Series LLC</a:t>
+            </a:r>
+          </a:p>
+          <a:p>
+            <a:pPr algn="ctr"/>
+            <a:endParaRPr lang="en-US" sz="1100" b="1" dirty="0">
+              <a:solidFill>
+                <a:schemeClr val="tx1"/>
+              </a:solidFill>
+              <a:latin typeface="IBM Plex Sans Condensed Text" panose="020B0506050203000203" pitchFamily="34" charset="77"/>
+            </a:endParaRPr>
+          </a:p>
+          <a:p>
+            <a:pPr algn="ctr"/>
+            <a:r>
+              <a:rPr lang="en-US" sz="1100" b="1" dirty="0">
+                <a:solidFill>
+                  <a:schemeClr val="tx1"/>
+                </a:solidFill>
+                <a:latin typeface="IBM Plex Sans Condensed Text" panose="020B0506050203000203" pitchFamily="34" charset="77"/>
+              </a:rPr>
+              <a:t>GitHub Repo:  </a:t>
+            </a:r>
+            <a:r>
+              <a:rPr lang="en-US" sz="1100" dirty="0">
+                <a:solidFill>
+                  <a:schemeClr val="tx1"/>
+                </a:solidFill>
+              </a:rPr>
+              <a:t>bedrock-consortium/tsc</a:t>
+            </a:r>
+            <a:endParaRPr lang="en-US" sz="1100" b="1" dirty="0">
+              <a:solidFill>
+                <a:schemeClr val="tx1"/>
+              </a:solidFill>
+              <a:latin typeface="IBM Plex Sans Condensed Text" panose="020B0506050203000203" pitchFamily="34" charset="77"/>
+            </a:endParaRPr>
+          </a:p>
+        </p:txBody>
+      </p:sp>
+      <p:sp>
+        <p:nvSpPr>
+          <p:cNvPr id="7" name="Rounded Rectangle 6">
+            <a:extLst>
+              <a:ext uri="{FF2B5EF4-FFF2-40B4-BE49-F238E27FC236}">
+                <a16:creationId xmlns:a16="http://schemas.microsoft.com/office/drawing/2014/main" id="{9785FF17-1A64-B148-A447-5A467571FDE6}"/>
+              </a:ext>
+            </a:extLst>
+          </p:cNvPr>
+          <p:cNvSpPr/>
+          <p:nvPr/>
+        </p:nvSpPr>
+        <p:spPr>
+          <a:xfrm>
+            <a:off x="5376056" y="3442607"/>
+            <a:ext cx="2966755" cy="1138101"/>
+          </a:xfrm>
+          <a:prstGeom prst="roundRect">
+            <a:avLst/>
+          </a:prstGeom>
+          <a:solidFill>
+            <a:srgbClr val="5F4A7A"/>
+          </a:solidFill>
+        </p:spPr>
+        <p:style>
+          <a:lnRef idx="1">
+            <a:schemeClr val="accent1"/>
+          </a:lnRef>
+          <a:fillRef idx="3">
+            <a:schemeClr val="accent1"/>
+          </a:fillRef>
+          <a:effectRef idx="2">
+            <a:schemeClr val="accent1"/>
+          </a:effectRef>
+          <a:fontRef idx="minor">
+            <a:schemeClr val="lt1"/>
+          </a:fontRef>
+        </p:style>
+        <p:txBody>
+          <a:bodyPr rtlCol="0" anchor="ctr"/>
+          <a:lstStyle/>
+          <a:p>
+            <a:pPr algn="ctr"/>
+            <a:r>
+              <a:rPr lang="en-US" sz="1600" b="1" dirty="0">
+                <a:solidFill>
+                  <a:srgbClr val="FFFF00"/>
+                </a:solidFill>
+                <a:latin typeface="IBM Plex Sans Condensed Text" panose="020B0506050203000203" pitchFamily="34" charset="77"/>
+              </a:rPr>
+              <a:t>Bedrock Business Utility</a:t>
+            </a:r>
+          </a:p>
+          <a:p>
+            <a:pPr algn="ctr"/>
+            <a:r>
+              <a:rPr lang="en-US" sz="1100" dirty="0">
+                <a:solidFill>
+                  <a:schemeClr val="bg1"/>
+                </a:solidFill>
+                <a:latin typeface="American Typewriter" panose="02090604020004020304" pitchFamily="18" charset="77"/>
+              </a:rPr>
+              <a:t>Operational Project</a:t>
+            </a:r>
+          </a:p>
+          <a:p>
+            <a:pPr algn="ctr"/>
+            <a:r>
+              <a:rPr lang="en-US" sz="1000" i="1" dirty="0">
+                <a:solidFill>
+                  <a:schemeClr val="bg1">
+                    <a:lumMod val="85000"/>
+                  </a:schemeClr>
+                </a:solidFill>
+                <a:latin typeface="American Typewriter" panose="02090604020004020304" pitchFamily="18" charset="77"/>
+              </a:rPr>
+              <a:t>Delaware LLC</a:t>
+            </a:r>
+          </a:p>
+          <a:p>
+            <a:pPr algn="ctr"/>
+            <a:endParaRPr lang="en-US" sz="1100" b="1" dirty="0">
+              <a:solidFill>
+                <a:schemeClr val="tx1"/>
+              </a:solidFill>
+              <a:latin typeface="IBM Plex Sans Condensed Text" panose="020B0506050203000203" pitchFamily="34" charset="77"/>
+            </a:endParaRPr>
+          </a:p>
+          <a:p>
+            <a:pPr algn="ctr"/>
+            <a:r>
+              <a:rPr lang="en-US" sz="1100" b="1" dirty="0">
+                <a:solidFill>
+                  <a:schemeClr val="bg1"/>
+                </a:solidFill>
+                <a:latin typeface="IBM Plex Sans Condensed Text" panose="020B0506050203000203" pitchFamily="34" charset="77"/>
+              </a:rPr>
+              <a:t>Utility DID Root Namespace</a:t>
+            </a:r>
+            <a:r>
+              <a:rPr lang="en-US" sz="1100" b="1" dirty="0">
+                <a:solidFill>
+                  <a:schemeClr val="tx1"/>
+                </a:solidFill>
+                <a:latin typeface="IBM Plex Sans Condensed Text" panose="020B0506050203000203" pitchFamily="34" charset="77"/>
+              </a:rPr>
+              <a:t>:  </a:t>
+            </a:r>
+            <a:r>
+              <a:rPr lang="en-US" sz="1100" dirty="0">
+                <a:solidFill>
+                  <a:srgbClr val="FFFF00"/>
+                </a:solidFill>
+              </a:rPr>
+              <a:t>did:bbu</a:t>
+            </a:r>
+            <a:endParaRPr lang="en-US" sz="1100" b="1" dirty="0">
+              <a:solidFill>
+                <a:srgbClr val="FFFF00"/>
+              </a:solidFill>
+              <a:latin typeface="IBM Plex Sans Condensed Text" panose="020B0506050203000203" pitchFamily="34" charset="77"/>
+            </a:endParaRPr>
+          </a:p>
+        </p:txBody>
+      </p:sp>
+      <p:sp>
+        <p:nvSpPr>
+          <p:cNvPr id="6" name="Rounded Rectangle 5">
+            <a:extLst>
+              <a:ext uri="{FF2B5EF4-FFF2-40B4-BE49-F238E27FC236}">
+                <a16:creationId xmlns:a16="http://schemas.microsoft.com/office/drawing/2014/main" id="{87487B8C-A7B3-0049-96C4-F8406214B0FA}"/>
+              </a:ext>
+            </a:extLst>
+          </p:cNvPr>
+          <p:cNvSpPr/>
+          <p:nvPr/>
+        </p:nvSpPr>
+        <p:spPr>
+          <a:xfrm>
+            <a:off x="2535043" y="1773894"/>
+            <a:ext cx="4073914" cy="1015503"/>
+          </a:xfrm>
+          <a:prstGeom prst="roundRect">
+            <a:avLst/>
+          </a:prstGeom>
+          <a:solidFill>
+            <a:srgbClr val="C6DAF2"/>
+          </a:solidFill>
+        </p:spPr>
+        <p:style>
+          <a:lnRef idx="1">
+            <a:schemeClr val="accent1"/>
+          </a:lnRef>
+          <a:fillRef idx="3">
+            <a:schemeClr val="accent1"/>
+          </a:fillRef>
+          <a:effectRef idx="2">
+            <a:schemeClr val="accent1"/>
+          </a:effectRef>
+          <a:fontRef idx="minor">
+            <a:schemeClr val="lt1"/>
+          </a:fontRef>
+        </p:style>
+        <p:txBody>
+          <a:bodyPr rtlCol="0" anchor="ctr"/>
+          <a:lstStyle/>
+          <a:p>
+            <a:pPr algn="ctr"/>
+            <a:r>
+              <a:rPr lang="en-US" sz="1600" b="1" dirty="0">
+                <a:solidFill>
+                  <a:schemeClr val="tx1"/>
+                </a:solidFill>
+                <a:latin typeface="IBM Plex Sans Condensed Text" panose="020B0506050203000203" pitchFamily="34" charset="77"/>
+              </a:rPr>
+              <a:t>Bedrock Business Utility Fund</a:t>
+            </a:r>
+          </a:p>
+          <a:p>
+            <a:pPr algn="ctr"/>
+            <a:r>
+              <a:rPr lang="en-US" sz="1100" b="1" dirty="0">
+                <a:solidFill>
+                  <a:schemeClr val="tx1"/>
+                </a:solidFill>
+                <a:latin typeface="American Typewriter" panose="02090604020004020304" pitchFamily="18" charset="77"/>
+              </a:rPr>
+              <a:t>Directed Fund</a:t>
+            </a:r>
+          </a:p>
+          <a:p>
+            <a:pPr algn="ctr"/>
+            <a:endParaRPr lang="en-US" sz="1100" b="1" dirty="0">
+              <a:solidFill>
+                <a:schemeClr val="tx1"/>
+              </a:solidFill>
+              <a:latin typeface="IBM Plex Sans Condensed Text" panose="020B0506050203000203" pitchFamily="34" charset="77"/>
+            </a:endParaRPr>
+          </a:p>
+          <a:p>
+            <a:pPr algn="ctr"/>
+            <a:r>
+              <a:rPr lang="en-US" sz="1100" b="1" dirty="0">
+                <a:solidFill>
+                  <a:schemeClr val="tx1"/>
+                </a:solidFill>
+                <a:latin typeface="IBM Plex Sans Condensed Text" panose="020B0506050203000203" pitchFamily="34" charset="77"/>
+              </a:rPr>
+              <a:t>GitHub Repo:  </a:t>
+            </a:r>
+            <a:r>
+              <a:rPr lang="en-US" sz="1100" dirty="0">
+                <a:solidFill>
+                  <a:schemeClr val="tx1"/>
+                </a:solidFill>
+              </a:rPr>
+              <a:t>bedrock-consortium/bbu-gf</a:t>
+            </a:r>
+            <a:endParaRPr lang="en-US" sz="1100" b="1" dirty="0">
+              <a:solidFill>
+                <a:schemeClr val="tx1"/>
+              </a:solidFill>
+              <a:latin typeface="IBM Plex Sans Condensed Text" panose="020B0506050203000203" pitchFamily="34" charset="77"/>
+            </a:endParaRPr>
+          </a:p>
+          <a:p>
+            <a:pPr algn="ctr"/>
+            <a:endParaRPr lang="en-US" sz="1100" b="1" dirty="0">
+              <a:solidFill>
+                <a:schemeClr val="tx1"/>
+              </a:solidFill>
+              <a:latin typeface="IBM Plex Sans Condensed Text" panose="020B0506050203000203" pitchFamily="34" charset="77"/>
+            </a:endParaRPr>
+          </a:p>
+        </p:txBody>
+      </p:sp>
+    </p:spTree>
+    <p:extLst>
+      <p:ext uri="{BB962C8B-B14F-4D97-AF65-F5344CB8AC3E}">
+        <p14:creationId xmlns:p14="http://schemas.microsoft.com/office/powerpoint/2010/main" val="10841595"/>
+      </p:ext>
+    </p:extLst>
+  </p:cSld>
+  <p:clrMapOvr>
+    <a:masterClrMapping/>
+  </p:clrMapOvr>
+</p:sld>
+</file>
+
+<file path=ppt/slides/slide5.xml><?xml version="1.0" encoding="utf-8"?>
+<p:sld xmlns:a="http://schemas.openxmlformats.org/drawingml/2006/main" xmlns:r="http://schemas.openxmlformats.org/officeDocument/2006/relationships" xmlns:p="http://schemas.openxmlformats.org/presentationml/2006/main">
+  <p:cSld>
+    <p:spTree>
+      <p:nvGrpSpPr>
+        <p:cNvPr id="1" name=""/>
+        <p:cNvGrpSpPr/>
+        <p:nvPr/>
+      </p:nvGrpSpPr>
+      <p:grpSpPr>
+        <a:xfrm>
+          <a:off x="0" y="0"/>
+          <a:ext cx="0" cy="0"/>
+          <a:chOff x="0" y="0"/>
+          <a:chExt cx="0" cy="0"/>
+        </a:xfrm>
+      </p:grpSpPr>
+      <p:sp>
+        <p:nvSpPr>
           <p:cNvPr id="6" name="Slide Number Placeholder 5">
             <a:extLst>
               <a:ext uri="{FF2B5EF4-FFF2-40B4-BE49-F238E27FC236}">
@@ -7487,7 +8056,7 @@
             <a:fld id="{AD86CF49-6971-4508-8862-A2909EA0DB5B}" type="slidenum">
               <a:rPr lang="en-US" smtClean="0"/>
               <a:pPr/>
-              <a:t>4</a:t>
+              <a:t>5</a:t>
             </a:fld>
             <a:endParaRPr lang="en-US" dirty="0"/>
           </a:p>

--- a/_images/bbu_diagrams.pptx
+++ b/_images/bbu_diagrams.pptx
@@ -5,11 +5,15 @@
     <p:sldMasterId id="2147483648" r:id="rId1"/>
   </p:sldMasterIdLst>
   <p:sldIdLst>
-    <p:sldId id="257" r:id="rId2"/>
-    <p:sldId id="262" r:id="rId3"/>
-    <p:sldId id="261" r:id="rId4"/>
-    <p:sldId id="263" r:id="rId5"/>
-    <p:sldId id="260" r:id="rId6"/>
+    <p:sldId id="265" r:id="rId2"/>
+    <p:sldId id="267" r:id="rId3"/>
+    <p:sldId id="268" r:id="rId4"/>
+    <p:sldId id="257" r:id="rId5"/>
+    <p:sldId id="264" r:id="rId6"/>
+    <p:sldId id="262" r:id="rId7"/>
+    <p:sldId id="261" r:id="rId8"/>
+    <p:sldId id="263" r:id="rId9"/>
+    <p:sldId id="266" r:id="rId10"/>
   </p:sldIdLst>
   <p:sldSz cx="9144000" cy="5143500" type="screen16x9"/>
   <p:notesSz cx="6858000" cy="9144000"/>
@@ -318,7 +322,7 @@
           <a:p>
             <a:fld id="{4D3278EA-B993-FD47-AFDF-D51540CA8FA6}" type="datetimeFigureOut">
               <a:rPr lang="en-US" smtClean="0"/>
-              <a:t>4/24/20</a:t>
+              <a:t>6/22/20</a:t>
             </a:fld>
             <a:endParaRPr lang="en-US"/>
           </a:p>
@@ -486,7 +490,7 @@
           <a:p>
             <a:fld id="{4D3278EA-B993-FD47-AFDF-D51540CA8FA6}" type="datetimeFigureOut">
               <a:rPr lang="en-US" smtClean="0"/>
-              <a:t>4/24/20</a:t>
+              <a:t>6/22/20</a:t>
             </a:fld>
             <a:endParaRPr lang="en-US"/>
           </a:p>
@@ -664,7 +668,7 @@
           <a:p>
             <a:fld id="{4D3278EA-B993-FD47-AFDF-D51540CA8FA6}" type="datetimeFigureOut">
               <a:rPr lang="en-US" smtClean="0"/>
-              <a:t>4/24/20</a:t>
+              <a:t>6/22/20</a:t>
             </a:fld>
             <a:endParaRPr lang="en-US"/>
           </a:p>
@@ -986,7 +990,7 @@
           <a:p>
             <a:fld id="{4D3278EA-B993-FD47-AFDF-D51540CA8FA6}" type="datetimeFigureOut">
               <a:rPr lang="en-US" smtClean="0"/>
-              <a:t>4/24/20</a:t>
+              <a:t>6/22/20</a:t>
             </a:fld>
             <a:endParaRPr lang="en-US"/>
           </a:p>
@@ -1231,7 +1235,7 @@
           <a:p>
             <a:fld id="{4D3278EA-B993-FD47-AFDF-D51540CA8FA6}" type="datetimeFigureOut">
               <a:rPr lang="en-US" smtClean="0"/>
-              <a:t>4/24/20</a:t>
+              <a:t>6/22/20</a:t>
             </a:fld>
             <a:endParaRPr lang="en-US"/>
           </a:p>
@@ -1516,7 +1520,7 @@
           <a:p>
             <a:fld id="{4D3278EA-B993-FD47-AFDF-D51540CA8FA6}" type="datetimeFigureOut">
               <a:rPr lang="en-US" smtClean="0"/>
-              <a:t>4/24/20</a:t>
+              <a:t>6/22/20</a:t>
             </a:fld>
             <a:endParaRPr lang="en-US"/>
           </a:p>
@@ -1935,7 +1939,7 @@
           <a:p>
             <a:fld id="{4D3278EA-B993-FD47-AFDF-D51540CA8FA6}" type="datetimeFigureOut">
               <a:rPr lang="en-US" smtClean="0"/>
-              <a:t>4/24/20</a:t>
+              <a:t>6/22/20</a:t>
             </a:fld>
             <a:endParaRPr lang="en-US"/>
           </a:p>
@@ -2052,7 +2056,7 @@
           <a:p>
             <a:fld id="{4D3278EA-B993-FD47-AFDF-D51540CA8FA6}" type="datetimeFigureOut">
               <a:rPr lang="en-US" smtClean="0"/>
-              <a:t>4/24/20</a:t>
+              <a:t>6/22/20</a:t>
             </a:fld>
             <a:endParaRPr lang="en-US"/>
           </a:p>
@@ -2147,7 +2151,7 @@
           <a:p>
             <a:fld id="{4D3278EA-B993-FD47-AFDF-D51540CA8FA6}" type="datetimeFigureOut">
               <a:rPr lang="en-US" smtClean="0"/>
-              <a:t>4/24/20</a:t>
+              <a:t>6/22/20</a:t>
             </a:fld>
             <a:endParaRPr lang="en-US"/>
           </a:p>
@@ -2422,7 +2426,7 @@
           <a:p>
             <a:fld id="{4D3278EA-B993-FD47-AFDF-D51540CA8FA6}" type="datetimeFigureOut">
               <a:rPr lang="en-US" smtClean="0"/>
-              <a:t>4/24/20</a:t>
+              <a:t>6/22/20</a:t>
             </a:fld>
             <a:endParaRPr lang="en-US"/>
           </a:p>
@@ -2674,7 +2678,7 @@
           <a:p>
             <a:fld id="{4D3278EA-B993-FD47-AFDF-D51540CA8FA6}" type="datetimeFigureOut">
               <a:rPr lang="en-US" smtClean="0"/>
-              <a:t>4/24/20</a:t>
+              <a:t>6/22/20</a:t>
             </a:fld>
             <a:endParaRPr lang="en-US"/>
           </a:p>
@@ -2885,7 +2889,7 @@
           <a:p>
             <a:fld id="{4D3278EA-B993-FD47-AFDF-D51540CA8FA6}" type="datetimeFigureOut">
               <a:rPr lang="en-US" smtClean="0"/>
-              <a:t>4/24/20</a:t>
+              <a:t>6/22/20</a:t>
             </a:fld>
             <a:endParaRPr lang="en-US"/>
           </a:p>
@@ -3404,8 +3408,8 @@
         </p:nvSpPr>
         <p:spPr>
           <a:xfrm>
-            <a:off x="792014" y="3380327"/>
-            <a:ext cx="736251" cy="445035"/>
+            <a:off x="792014" y="3377020"/>
+            <a:ext cx="808439" cy="445035"/>
           </a:xfrm>
           <a:prstGeom prst="rect">
             <a:avLst/>
@@ -3463,8 +3467,8 @@
         </p:nvSpPr>
         <p:spPr>
           <a:xfrm>
-            <a:off x="1634153" y="3377020"/>
-            <a:ext cx="736251" cy="445035"/>
+            <a:off x="1747011" y="3377020"/>
+            <a:ext cx="775617" cy="445035"/>
           </a:xfrm>
           <a:prstGeom prst="rect">
             <a:avLst/>
@@ -3523,7 +3527,7 @@
         <p:spPr>
           <a:xfrm>
             <a:off x="792014" y="3963584"/>
-            <a:ext cx="736251" cy="445035"/>
+            <a:ext cx="808439" cy="445035"/>
           </a:xfrm>
           <a:prstGeom prst="rect">
             <a:avLst/>
@@ -3581,8 +3585,8 @@
         </p:nvSpPr>
         <p:spPr>
           <a:xfrm>
-            <a:off x="1634154" y="3963584"/>
-            <a:ext cx="736251" cy="445035"/>
+            <a:off x="1747012" y="3963584"/>
+            <a:ext cx="774071" cy="445035"/>
           </a:xfrm>
           <a:prstGeom prst="rect">
             <a:avLst/>
@@ -3640,7 +3644,7 @@
         </p:nvSpPr>
         <p:spPr>
           <a:xfrm>
-            <a:off x="1772964" y="841133"/>
+            <a:off x="1510621" y="841133"/>
             <a:ext cx="2097417" cy="785124"/>
           </a:xfrm>
           <a:prstGeom prst="rect">
@@ -3997,7 +4001,7 @@
         <p:spPr>
           <a:xfrm>
             <a:off x="5470396" y="841133"/>
-            <a:ext cx="1885626" cy="785124"/>
+            <a:ext cx="2016282" cy="785124"/>
           </a:xfrm>
           <a:prstGeom prst="rect">
             <a:avLst/>
@@ -4052,7 +4056,7 @@
         </p:nvSpPr>
         <p:spPr>
           <a:xfrm>
-            <a:off x="4466939" y="1024451"/>
+            <a:off x="3592614" y="1017183"/>
             <a:ext cx="829073" cy="230832"/>
           </a:xfrm>
           <a:prstGeom prst="rect">
@@ -4067,7 +4071,7 @@
           <a:lstStyle/>
           <a:p>
             <a:r>
-              <a:rPr lang="en-US" sz="900" b="1" dirty="0"/>
+              <a:rPr lang="en-US" sz="900" dirty="0"/>
               <a:t>Sole Member</a:t>
             </a:r>
           </a:p>
@@ -4091,8 +4095,8 @@
         </p:nvCxnSpPr>
         <p:spPr>
           <a:xfrm>
-            <a:off x="3870381" y="1233695"/>
-            <a:ext cx="1600015" cy="0"/>
+            <a:off x="3608038" y="1233695"/>
+            <a:ext cx="1862358" cy="0"/>
           </a:xfrm>
           <a:prstGeom prst="line">
             <a:avLst/>
@@ -4131,8 +4135,8 @@
         </p:nvCxnSpPr>
         <p:spPr>
           <a:xfrm>
-            <a:off x="2821673" y="1626257"/>
-            <a:ext cx="756747" cy="835657"/>
+            <a:off x="2559330" y="1626257"/>
+            <a:ext cx="1019090" cy="835657"/>
           </a:xfrm>
           <a:prstGeom prst="line">
             <a:avLst/>
@@ -4172,7 +4176,7 @@
         <p:spPr>
           <a:xfrm flipV="1">
             <a:off x="1657322" y="1626257"/>
-            <a:ext cx="1164351" cy="835657"/>
+            <a:ext cx="902008" cy="835657"/>
           </a:xfrm>
           <a:prstGeom prst="line">
             <a:avLst/>
@@ -4242,7 +4246,7 @@
         </p:nvSpPr>
         <p:spPr>
           <a:xfrm>
-            <a:off x="874611" y="2163083"/>
+            <a:off x="969977" y="2146260"/>
             <a:ext cx="817853" cy="230832"/>
           </a:xfrm>
           <a:prstGeom prst="rect">
@@ -4277,8 +4281,8 @@
         </p:nvSpPr>
         <p:spPr>
           <a:xfrm>
-            <a:off x="5579535" y="1710175"/>
-            <a:ext cx="736251" cy="445035"/>
+            <a:off x="5464037" y="1724667"/>
+            <a:ext cx="778508" cy="445035"/>
           </a:xfrm>
           <a:prstGeom prst="rect">
             <a:avLst/>
@@ -4336,8 +4340,8 @@
         </p:nvSpPr>
         <p:spPr>
           <a:xfrm>
-            <a:off x="6570966" y="1710175"/>
-            <a:ext cx="736251" cy="445035"/>
+            <a:off x="6708169" y="1706874"/>
+            <a:ext cx="781405" cy="445035"/>
           </a:xfrm>
           <a:prstGeom prst="rect">
             <a:avLst/>
@@ -4381,67 +4385,6 @@
           </a:p>
         </p:txBody>
       </p:sp>
-      <p:sp>
-        <p:nvSpPr>
-          <p:cNvPr id="35" name="Rectangle 34">
-            <a:extLst>
-              <a:ext uri="{FF2B5EF4-FFF2-40B4-BE49-F238E27FC236}">
-                <a16:creationId xmlns:a16="http://schemas.microsoft.com/office/drawing/2014/main" id="{1AF2F794-F527-2F45-9498-8B9822E71E33}"/>
-              </a:ext>
-            </a:extLst>
-          </p:cNvPr>
-          <p:cNvSpPr/>
-          <p:nvPr/>
-        </p:nvSpPr>
-        <p:spPr>
-          <a:xfrm>
-            <a:off x="5475616" y="3220094"/>
-            <a:ext cx="1895987" cy="593268"/>
-          </a:xfrm>
-          <a:prstGeom prst="rect">
-            <a:avLst/>
-          </a:prstGeom>
-          <a:solidFill>
-            <a:schemeClr val="accent4">
-              <a:lumMod val="75000"/>
-            </a:schemeClr>
-          </a:solidFill>
-        </p:spPr>
-        <p:style>
-          <a:lnRef idx="2">
-            <a:schemeClr val="accent1">
-              <a:shade val="50000"/>
-            </a:schemeClr>
-          </a:lnRef>
-          <a:fillRef idx="1">
-            <a:schemeClr val="accent1"/>
-          </a:fillRef>
-          <a:effectRef idx="0">
-            <a:schemeClr val="accent1"/>
-          </a:effectRef>
-          <a:fontRef idx="minor">
-            <a:schemeClr val="lt1"/>
-          </a:fontRef>
-        </p:style>
-        <p:txBody>
-          <a:bodyPr rtlCol="0" anchor="ctr"/>
-          <a:lstStyle/>
-          <a:p>
-            <a:pPr algn="ctr"/>
-            <a:r>
-              <a:rPr lang="en-US" sz="1200" dirty="0"/>
-              <a:t>LF Network Projects LLC</a:t>
-            </a:r>
-          </a:p>
-          <a:p>
-            <a:pPr algn="ctr"/>
-            <a:r>
-              <a:rPr lang="en-US" sz="1200" dirty="0"/>
-              <a:t>(Delaware Series LLC)</a:t>
-            </a:r>
-          </a:p>
-        </p:txBody>
-      </p:sp>
       <p:cxnSp>
         <p:nvCxnSpPr>
           <p:cNvPr id="37" name="Straight Connector 36">
@@ -4453,15 +4396,13 @@
           </p:cNvPr>
           <p:cNvCxnSpPr>
             <a:cxnSpLocks/>
-            <a:stCxn id="31" idx="2"/>
-            <a:endCxn id="35" idx="0"/>
           </p:cNvCxnSpPr>
           <p:nvPr/>
         </p:nvCxnSpPr>
         <p:spPr>
           <a:xfrm>
-            <a:off x="6413209" y="1626257"/>
-            <a:ext cx="10401" cy="1593837"/>
+            <a:off x="6475357" y="1459238"/>
+            <a:ext cx="0" cy="1045511"/>
           </a:xfrm>
           <a:prstGeom prst="line">
             <a:avLst/>
@@ -4496,7 +4437,7 @@
         </p:nvSpPr>
         <p:spPr>
           <a:xfrm>
-            <a:off x="6615849" y="2201010"/>
+            <a:off x="6445739" y="2240883"/>
             <a:ext cx="817853" cy="230832"/>
           </a:xfrm>
           <a:prstGeom prst="rect">
@@ -4519,10 +4460,10 @@
       </p:sp>
       <p:sp>
         <p:nvSpPr>
-          <p:cNvPr id="39" name="Rectangle 38">
-            <a:extLst>
-              <a:ext uri="{FF2B5EF4-FFF2-40B4-BE49-F238E27FC236}">
-                <a16:creationId xmlns:a16="http://schemas.microsoft.com/office/drawing/2014/main" id="{BD403882-CAE1-2748-8B79-DE4E2C78E440}"/>
+          <p:cNvPr id="43" name="Rectangle 42">
+            <a:extLst>
+              <a:ext uri="{FF2B5EF4-FFF2-40B4-BE49-F238E27FC236}">
+                <a16:creationId xmlns:a16="http://schemas.microsoft.com/office/drawing/2014/main" id="{D8B42254-1D34-AE4E-A9CB-064C2E5EF755}"/>
               </a:ext>
             </a:extLst>
           </p:cNvPr>
@@ -4531,16 +4472,15 @@
         </p:nvSpPr>
         <p:spPr>
           <a:xfrm>
-            <a:off x="5478300" y="3900588"/>
-            <a:ext cx="945310" cy="445035"/>
+            <a:off x="5464036" y="2468496"/>
+            <a:ext cx="2022641" cy="445034"/>
           </a:xfrm>
           <a:prstGeom prst="rect">
             <a:avLst/>
           </a:prstGeom>
           <a:solidFill>
             <a:schemeClr val="accent4">
-              <a:lumMod val="20000"/>
-              <a:lumOff val="80000"/>
+              <a:lumMod val="75000"/>
             </a:schemeClr>
           </a:solidFill>
         </p:spPr>
@@ -4566,253 +4506,25 @@
           <a:p>
             <a:pPr algn="ctr"/>
             <a:r>
-              <a:rPr lang="en-US" sz="900" dirty="0">
-                <a:solidFill>
-                  <a:schemeClr val="tx1"/>
-                </a:solidFill>
-              </a:rPr>
-              <a:t>Series 1</a:t>
-            </a:r>
-          </a:p>
-        </p:txBody>
-      </p:sp>
-      <p:sp>
-        <p:nvSpPr>
-          <p:cNvPr id="40" name="Rectangle 39">
-            <a:extLst>
-              <a:ext uri="{FF2B5EF4-FFF2-40B4-BE49-F238E27FC236}">
-                <a16:creationId xmlns:a16="http://schemas.microsoft.com/office/drawing/2014/main" id="{B85A9BC4-0982-CB4D-A740-AF61E0FBD49F}"/>
-              </a:ext>
-            </a:extLst>
-          </p:cNvPr>
-          <p:cNvSpPr/>
-          <p:nvPr/>
-        </p:nvSpPr>
-        <p:spPr>
-          <a:xfrm>
-            <a:off x="6499680" y="3897280"/>
-            <a:ext cx="865306" cy="445035"/>
-          </a:xfrm>
-          <a:prstGeom prst="rect">
-            <a:avLst/>
-          </a:prstGeom>
-          <a:solidFill>
-            <a:schemeClr val="accent4">
-              <a:lumMod val="20000"/>
-              <a:lumOff val="80000"/>
-            </a:schemeClr>
-          </a:solidFill>
-        </p:spPr>
-        <p:style>
-          <a:lnRef idx="2">
-            <a:schemeClr val="accent1">
-              <a:shade val="50000"/>
-            </a:schemeClr>
-          </a:lnRef>
-          <a:fillRef idx="1">
-            <a:schemeClr val="accent1"/>
-          </a:fillRef>
-          <a:effectRef idx="0">
-            <a:schemeClr val="accent1"/>
-          </a:effectRef>
-          <a:fontRef idx="minor">
-            <a:schemeClr val="lt1"/>
-          </a:fontRef>
-        </p:style>
-        <p:txBody>
-          <a:bodyPr rtlCol="0" anchor="ctr"/>
-          <a:lstStyle/>
-          <a:p>
-            <a:pPr algn="ctr"/>
-            <a:r>
-              <a:rPr lang="en-US" sz="900" dirty="0">
-                <a:solidFill>
-                  <a:schemeClr val="tx1"/>
-                </a:solidFill>
-              </a:rPr>
-              <a:t>Series …n</a:t>
-            </a:r>
-          </a:p>
-        </p:txBody>
-      </p:sp>
-      <p:sp>
-        <p:nvSpPr>
-          <p:cNvPr id="41" name="Rectangle 40">
-            <a:extLst>
-              <a:ext uri="{FF2B5EF4-FFF2-40B4-BE49-F238E27FC236}">
-                <a16:creationId xmlns:a16="http://schemas.microsoft.com/office/drawing/2014/main" id="{0FDC8FA4-2C91-794A-9E9A-BB5DDE3ADADF}"/>
-              </a:ext>
-            </a:extLst>
-          </p:cNvPr>
-          <p:cNvSpPr/>
-          <p:nvPr/>
-        </p:nvSpPr>
-        <p:spPr>
-          <a:xfrm>
-            <a:off x="5478300" y="4483845"/>
-            <a:ext cx="945310" cy="445035"/>
-          </a:xfrm>
-          <a:prstGeom prst="rect">
-            <a:avLst/>
-          </a:prstGeom>
-          <a:solidFill>
-            <a:schemeClr val="accent4">
-              <a:lumMod val="20000"/>
-              <a:lumOff val="80000"/>
-            </a:schemeClr>
-          </a:solidFill>
-        </p:spPr>
-        <p:style>
-          <a:lnRef idx="2">
-            <a:schemeClr val="accent1">
-              <a:shade val="50000"/>
-            </a:schemeClr>
-          </a:lnRef>
-          <a:fillRef idx="1">
-            <a:schemeClr val="accent1"/>
-          </a:fillRef>
-          <a:effectRef idx="0">
-            <a:schemeClr val="accent1"/>
-          </a:effectRef>
-          <a:fontRef idx="minor">
-            <a:schemeClr val="lt1"/>
-          </a:fontRef>
-        </p:style>
-        <p:txBody>
-          <a:bodyPr rtlCol="0" anchor="ctr"/>
-          <a:lstStyle/>
-          <a:p>
-            <a:pPr algn="ctr"/>
-            <a:r>
-              <a:rPr lang="en-US" sz="900" dirty="0">
-                <a:solidFill>
-                  <a:schemeClr val="tx1"/>
-                </a:solidFill>
-              </a:rPr>
-              <a:t>Contributors</a:t>
-            </a:r>
-          </a:p>
-        </p:txBody>
-      </p:sp>
-      <p:sp>
-        <p:nvSpPr>
-          <p:cNvPr id="42" name="Rectangle 41">
-            <a:extLst>
-              <a:ext uri="{FF2B5EF4-FFF2-40B4-BE49-F238E27FC236}">
-                <a16:creationId xmlns:a16="http://schemas.microsoft.com/office/drawing/2014/main" id="{CF2E906E-9771-264D-AAAE-18ECCBAC52D0}"/>
-              </a:ext>
-            </a:extLst>
-          </p:cNvPr>
-          <p:cNvSpPr/>
-          <p:nvPr/>
-        </p:nvSpPr>
-        <p:spPr>
-          <a:xfrm>
-            <a:off x="6490716" y="4483845"/>
-            <a:ext cx="865306" cy="445035"/>
-          </a:xfrm>
-          <a:prstGeom prst="rect">
-            <a:avLst/>
-          </a:prstGeom>
-          <a:solidFill>
-            <a:schemeClr val="accent4">
-              <a:lumMod val="20000"/>
-              <a:lumOff val="80000"/>
-            </a:schemeClr>
-          </a:solidFill>
-        </p:spPr>
-        <p:style>
-          <a:lnRef idx="2">
-            <a:schemeClr val="accent1">
-              <a:shade val="50000"/>
-            </a:schemeClr>
-          </a:lnRef>
-          <a:fillRef idx="1">
-            <a:schemeClr val="accent1"/>
-          </a:fillRef>
-          <a:effectRef idx="0">
-            <a:schemeClr val="accent1"/>
-          </a:effectRef>
-          <a:fontRef idx="minor">
-            <a:schemeClr val="lt1"/>
-          </a:fontRef>
-        </p:style>
-        <p:txBody>
-          <a:bodyPr rtlCol="0" anchor="ctr"/>
-          <a:lstStyle/>
-          <a:p>
-            <a:pPr algn="ctr"/>
-            <a:r>
-              <a:rPr lang="en-US" sz="900" dirty="0">
-                <a:solidFill>
-                  <a:schemeClr val="tx1"/>
-                </a:solidFill>
-              </a:rPr>
-              <a:t>Contributors</a:t>
-            </a:r>
-          </a:p>
-        </p:txBody>
-      </p:sp>
-      <p:sp>
-        <p:nvSpPr>
-          <p:cNvPr id="43" name="Rectangle 42">
-            <a:extLst>
-              <a:ext uri="{FF2B5EF4-FFF2-40B4-BE49-F238E27FC236}">
-                <a16:creationId xmlns:a16="http://schemas.microsoft.com/office/drawing/2014/main" id="{D8B42254-1D34-AE4E-A9CB-064C2E5EF755}"/>
-              </a:ext>
-            </a:extLst>
-          </p:cNvPr>
-          <p:cNvSpPr/>
-          <p:nvPr/>
-        </p:nvSpPr>
-        <p:spPr>
-          <a:xfrm>
-            <a:off x="5464037" y="2414509"/>
-            <a:ext cx="1895987" cy="445034"/>
-          </a:xfrm>
-          <a:prstGeom prst="rect">
-            <a:avLst/>
-          </a:prstGeom>
-          <a:solidFill>
-            <a:schemeClr val="accent4">
-              <a:lumMod val="75000"/>
-            </a:schemeClr>
-          </a:solidFill>
-        </p:spPr>
-        <p:style>
-          <a:lnRef idx="2">
-            <a:schemeClr val="accent1">
-              <a:shade val="50000"/>
-            </a:schemeClr>
-          </a:lnRef>
-          <a:fillRef idx="1">
-            <a:schemeClr val="accent1"/>
-          </a:fillRef>
-          <a:effectRef idx="0">
-            <a:schemeClr val="accent1"/>
-          </a:effectRef>
-          <a:fontRef idx="minor">
-            <a:schemeClr val="lt1"/>
-          </a:fontRef>
-        </p:style>
-        <p:txBody>
-          <a:bodyPr rtlCol="0" anchor="ctr"/>
-          <a:lstStyle/>
-          <a:p>
-            <a:pPr algn="ctr"/>
-            <a:r>
               <a:rPr lang="en-US" sz="1200" dirty="0"/>
-              <a:t>LF Operational Projects LLC (Delaware LLC)</a:t>
-            </a:r>
-          </a:p>
-        </p:txBody>
-      </p:sp>
-      <p:sp>
-        <p:nvSpPr>
-          <p:cNvPr id="44" name="TextBox 43">
-            <a:extLst>
-              <a:ext uri="{FF2B5EF4-FFF2-40B4-BE49-F238E27FC236}">
-                <a16:creationId xmlns:a16="http://schemas.microsoft.com/office/drawing/2014/main" id="{6D25638F-3D5E-794A-A51B-38EC76FEC8D9}"/>
+              <a:t>LF Governance Networks, Inc.</a:t>
+            </a:r>
+          </a:p>
+          <a:p>
+            <a:pPr algn="ctr"/>
+            <a:r>
+              <a:rPr lang="en-US" sz="1200" dirty="0"/>
+              <a:t>(Delaware Nonprofit Corp)</a:t>
+            </a:r>
+          </a:p>
+        </p:txBody>
+      </p:sp>
+      <p:sp>
+        <p:nvSpPr>
+          <p:cNvPr id="2" name="TextBox 1">
+            <a:extLst>
+              <a:ext uri="{FF2B5EF4-FFF2-40B4-BE49-F238E27FC236}">
+                <a16:creationId xmlns:a16="http://schemas.microsoft.com/office/drawing/2014/main" id="{81FB850D-BF11-3841-A35C-657C3F16F12C}"/>
               </a:ext>
             </a:extLst>
           </p:cNvPr>
@@ -4821,8 +4533,8 @@
         </p:nvSpPr>
         <p:spPr>
           <a:xfrm>
-            <a:off x="5381320" y="2983985"/>
-            <a:ext cx="817853" cy="230832"/>
+            <a:off x="8274423" y="0"/>
+            <a:ext cx="869577" cy="369332"/>
           </a:xfrm>
           <a:prstGeom prst="rect">
             <a:avLst/>
@@ -4836,8 +4548,12 @@
           <a:lstStyle/>
           <a:p>
             <a:r>
-              <a:rPr lang="en-US" sz="900" dirty="0"/>
-              <a:t>Sole Member</a:t>
+              <a:rPr lang="en-US" dirty="0">
+                <a:solidFill>
+                  <a:srgbClr val="FF0000"/>
+                </a:solidFill>
+              </a:rPr>
+              <a:t>LATEST</a:t>
             </a:r>
           </a:p>
         </p:txBody>
@@ -4845,7 +4561,7 @@
     </p:spTree>
     <p:extLst>
       <p:ext uri="{BB962C8B-B14F-4D97-AF65-F5344CB8AC3E}">
-        <p14:creationId xmlns:p14="http://schemas.microsoft.com/office/powerpoint/2010/main" val="566394635"/>
+        <p14:creationId xmlns:p14="http://schemas.microsoft.com/office/powerpoint/2010/main" val="3001941720"/>
       </p:ext>
     </p:extLst>
   </p:cSld>
@@ -4877,80 +4593,10 @@
       </p:grpSpPr>
       <p:sp>
         <p:nvSpPr>
-          <p:cNvPr id="8" name="Title 7">
-            <a:extLst>
-              <a:ext uri="{FF2B5EF4-FFF2-40B4-BE49-F238E27FC236}">
-                <a16:creationId xmlns:a16="http://schemas.microsoft.com/office/drawing/2014/main" id="{B2FA13F5-C6F4-46C1-838A-EC69FC41AADA}"/>
-              </a:ext>
-            </a:extLst>
-          </p:cNvPr>
-          <p:cNvSpPr>
-            <a:spLocks noGrp="1"/>
-          </p:cNvSpPr>
-          <p:nvPr>
-            <p:ph type="title"/>
-          </p:nvPr>
-        </p:nvSpPr>
-        <p:spPr>
-          <a:xfrm>
-            <a:off x="591875" y="46794"/>
-            <a:ext cx="1133339" cy="435392"/>
-          </a:xfrm>
-        </p:spPr>
-        <p:txBody>
-          <a:bodyPr>
-            <a:noAutofit/>
-          </a:bodyPr>
-          <a:lstStyle/>
-          <a:p>
-            <a:r>
-              <a:rPr lang="en-US" sz="2000" dirty="0"/>
-              <a:t>Entity</a:t>
-            </a:r>
-          </a:p>
-        </p:txBody>
-      </p:sp>
-      <p:sp>
-        <p:nvSpPr>
-          <p:cNvPr id="6" name="Slide Number Placeholder 5">
-            <a:extLst>
-              <a:ext uri="{FF2B5EF4-FFF2-40B4-BE49-F238E27FC236}">
-                <a16:creationId xmlns:a16="http://schemas.microsoft.com/office/drawing/2014/main" id="{6DC3E9BB-401E-4CDB-A1AD-CE0F2D418BB1}"/>
-              </a:ext>
-            </a:extLst>
-          </p:cNvPr>
-          <p:cNvSpPr>
-            <a:spLocks noGrp="1"/>
-          </p:cNvSpPr>
-          <p:nvPr>
-            <p:ph type="sldNum" sz="quarter" idx="4294967295"/>
-          </p:nvPr>
-        </p:nvSpPr>
-        <p:spPr>
-          <a:xfrm>
-            <a:off x="8868255" y="4937760"/>
-            <a:ext cx="275746" cy="205740"/>
-          </a:xfrm>
-        </p:spPr>
-        <p:txBody>
-          <a:bodyPr/>
-          <a:lstStyle/>
-          <a:p>
-            <a:fld id="{AD86CF49-6971-4508-8862-A2909EA0DB5B}" type="slidenum">
-              <a:rPr lang="en-US" smtClean="0"/>
-              <a:pPr/>
-              <a:t>2</a:t>
-            </a:fld>
-            <a:endParaRPr lang="en-US" dirty="0"/>
-          </a:p>
-        </p:txBody>
-      </p:sp>
-      <p:sp>
-        <p:nvSpPr>
-          <p:cNvPr id="31" name="Rectangle 30">
-            <a:extLst>
-              <a:ext uri="{FF2B5EF4-FFF2-40B4-BE49-F238E27FC236}">
-                <a16:creationId xmlns:a16="http://schemas.microsoft.com/office/drawing/2014/main" id="{37D5FEA2-1CD5-8C4F-A004-71C4DAA92698}"/>
+          <p:cNvPr id="10" name="Rectangle 9">
+            <a:extLst>
+              <a:ext uri="{FF2B5EF4-FFF2-40B4-BE49-F238E27FC236}">
+                <a16:creationId xmlns:a16="http://schemas.microsoft.com/office/drawing/2014/main" id="{2EA8BAFB-B89A-574F-AC3D-93B1255FE2C5}"/>
               </a:ext>
             </a:extLst>
           </p:cNvPr>
@@ -4959,8 +4605,8 @@
         </p:nvSpPr>
         <p:spPr>
           <a:xfrm>
-            <a:off x="269689" y="550513"/>
-            <a:ext cx="1730615" cy="785124"/>
+            <a:off x="2833060" y="335560"/>
+            <a:ext cx="3338542" cy="785124"/>
           </a:xfrm>
           <a:prstGeom prst="rect">
             <a:avLst/>
@@ -4988,132 +4634,56 @@
           <a:p>
             <a:pPr algn="ctr"/>
             <a:r>
+              <a:rPr lang="en-US" sz="1600" b="1" dirty="0"/>
+              <a:t>The Linux Foundation</a:t>
+            </a:r>
+          </a:p>
+          <a:p>
+            <a:pPr algn="ctr"/>
+            <a:r>
               <a:rPr lang="en-US" sz="1200" dirty="0"/>
-              <a:t>The Linux Foundation</a:t>
-            </a:r>
-          </a:p>
-          <a:p>
-            <a:pPr algn="ctr"/>
-            <a:r>
-              <a:rPr lang="en-US" sz="1200" dirty="0"/>
-              <a:t>(Oregon Mutual Benefit Corporation, 501(c)6)</a:t>
-            </a:r>
-          </a:p>
-        </p:txBody>
-      </p:sp>
-      <p:sp>
-        <p:nvSpPr>
-          <p:cNvPr id="30" name="Rectangle 29">
-            <a:extLst>
-              <a:ext uri="{FF2B5EF4-FFF2-40B4-BE49-F238E27FC236}">
-                <a16:creationId xmlns:a16="http://schemas.microsoft.com/office/drawing/2014/main" id="{BBC32AE8-5F7E-1044-AC13-644AB626F69C}"/>
-              </a:ext>
-            </a:extLst>
-          </p:cNvPr>
-          <p:cNvSpPr/>
-          <p:nvPr/>
-        </p:nvSpPr>
-        <p:spPr>
-          <a:xfrm>
-            <a:off x="231025" y="1425105"/>
-            <a:ext cx="849236" cy="445035"/>
-          </a:xfrm>
-          <a:prstGeom prst="rect">
-            <a:avLst/>
-          </a:prstGeom>
-          <a:solidFill>
-            <a:schemeClr val="tx2">
-              <a:lumMod val="20000"/>
-              <a:lumOff val="80000"/>
-            </a:schemeClr>
-          </a:solidFill>
+              <a:t>Oregon Mutual Benefit Corporation, 501(c)6</a:t>
+            </a:r>
+          </a:p>
+        </p:txBody>
+      </p:sp>
+      <p:cxnSp>
+        <p:nvCxnSpPr>
+          <p:cNvPr id="12" name="Straight Connector 11">
+            <a:extLst>
+              <a:ext uri="{FF2B5EF4-FFF2-40B4-BE49-F238E27FC236}">
+                <a16:creationId xmlns:a16="http://schemas.microsoft.com/office/drawing/2014/main" id="{A06C6700-C4CA-DA47-B6F6-3E09647153C7}"/>
+              </a:ext>
+            </a:extLst>
+          </p:cNvPr>
+          <p:cNvCxnSpPr>
+            <a:cxnSpLocks/>
+            <a:endCxn id="6" idx="0"/>
+          </p:cNvCxnSpPr>
+          <p:nvPr/>
+        </p:nvCxnSpPr>
+        <p:spPr>
+          <a:xfrm>
+            <a:off x="4572000" y="1120684"/>
+            <a:ext cx="0" cy="653210"/>
+          </a:xfrm>
+          <a:prstGeom prst="line">
+            <a:avLst/>
+          </a:prstGeom>
+          <a:ln w="28575">
+            <a:solidFill>
+              <a:schemeClr val="tx1"/>
+            </a:solidFill>
+          </a:ln>
         </p:spPr>
         <p:style>
           <a:lnRef idx="2">
-            <a:schemeClr val="accent1">
-              <a:shade val="50000"/>
-            </a:schemeClr>
-          </a:lnRef>
-          <a:fillRef idx="1">
-            <a:schemeClr val="accent1"/>
-          </a:fillRef>
-          <a:effectRef idx="0">
-            <a:schemeClr val="accent1"/>
-          </a:effectRef>
-          <a:fontRef idx="minor">
-            <a:schemeClr val="lt1"/>
-          </a:fontRef>
-        </p:style>
-        <p:txBody>
-          <a:bodyPr rtlCol="0" anchor="ctr"/>
-          <a:lstStyle/>
-          <a:p>
-            <a:pPr algn="ctr"/>
-            <a:r>
-              <a:rPr lang="en-US" sz="900" dirty="0">
-                <a:solidFill>
-                  <a:schemeClr val="tx1"/>
-                </a:solidFill>
-              </a:rPr>
-              <a:t>Utility </a:t>
-            </a:r>
-          </a:p>
-          <a:p>
-            <a:pPr algn="ctr"/>
-            <a:r>
-              <a:rPr lang="en-US" sz="900" dirty="0">
-                <a:solidFill>
-                  <a:schemeClr val="tx1"/>
-                </a:solidFill>
-              </a:rPr>
-              <a:t>Directed </a:t>
-            </a:r>
-          </a:p>
-          <a:p>
-            <a:pPr algn="ctr"/>
-            <a:r>
-              <a:rPr lang="en-US" sz="900" dirty="0">
-                <a:solidFill>
-                  <a:schemeClr val="tx1"/>
-                </a:solidFill>
-              </a:rPr>
-              <a:t>Fund 1</a:t>
-            </a:r>
-          </a:p>
-        </p:txBody>
-      </p:sp>
-      <p:cxnSp>
-        <p:nvCxnSpPr>
-          <p:cNvPr id="37" name="Straight Connector 36">
-            <a:extLst>
-              <a:ext uri="{FF2B5EF4-FFF2-40B4-BE49-F238E27FC236}">
-                <a16:creationId xmlns:a16="http://schemas.microsoft.com/office/drawing/2014/main" id="{49DAF085-0225-6E42-80EC-35DB671179DE}"/>
-              </a:ext>
-            </a:extLst>
-          </p:cNvPr>
-          <p:cNvCxnSpPr>
-            <a:cxnSpLocks/>
-            <a:stCxn id="31" idx="2"/>
-          </p:cNvCxnSpPr>
-          <p:nvPr/>
-        </p:nvCxnSpPr>
-        <p:spPr>
-          <a:xfrm>
-            <a:off x="1134997" y="1335637"/>
-            <a:ext cx="0" cy="1615011"/>
-          </a:xfrm>
-          <a:prstGeom prst="line">
-            <a:avLst/>
-          </a:prstGeom>
-        </p:spPr>
-        <p:style>
-          <a:lnRef idx="1">
             <a:schemeClr val="accent1"/>
           </a:lnRef>
           <a:fillRef idx="0">
             <a:schemeClr val="accent1"/>
           </a:fillRef>
-          <a:effectRef idx="0">
+          <a:effectRef idx="1">
             <a:schemeClr val="accent1"/>
           </a:effectRef>
           <a:fontRef idx="minor">
@@ -5121,812 +4691,34 @@
           </a:fontRef>
         </p:style>
       </p:cxnSp>
-      <p:sp>
-        <p:nvSpPr>
-          <p:cNvPr id="39" name="Rectangle 38">
-            <a:extLst>
-              <a:ext uri="{FF2B5EF4-FFF2-40B4-BE49-F238E27FC236}">
-                <a16:creationId xmlns:a16="http://schemas.microsoft.com/office/drawing/2014/main" id="{BD403882-CAE1-2748-8B79-DE4E2C78E440}"/>
-              </a:ext>
-            </a:extLst>
-          </p:cNvPr>
-          <p:cNvSpPr/>
-          <p:nvPr/>
-        </p:nvSpPr>
-        <p:spPr>
-          <a:xfrm>
-            <a:off x="230979" y="3628183"/>
-            <a:ext cx="1169982" cy="469641"/>
-          </a:xfrm>
-          <a:prstGeom prst="rect">
-            <a:avLst/>
-          </a:prstGeom>
-          <a:solidFill>
-            <a:schemeClr val="accent4">
-              <a:lumMod val="20000"/>
-              <a:lumOff val="80000"/>
-            </a:schemeClr>
-          </a:solidFill>
-        </p:spPr>
-        <p:style>
-          <a:lnRef idx="2">
-            <a:schemeClr val="accent1">
-              <a:shade val="50000"/>
-            </a:schemeClr>
-          </a:lnRef>
-          <a:fillRef idx="1">
-            <a:schemeClr val="accent1"/>
-          </a:fillRef>
-          <a:effectRef idx="0">
-            <a:schemeClr val="accent1"/>
-          </a:effectRef>
-          <a:fontRef idx="minor">
-            <a:schemeClr val="lt1"/>
-          </a:fontRef>
-        </p:style>
-        <p:txBody>
-          <a:bodyPr rtlCol="0" anchor="ctr"/>
-          <a:lstStyle/>
-          <a:p>
-            <a:pPr algn="ctr"/>
-            <a:r>
-              <a:rPr lang="en-US" sz="900" dirty="0">
-                <a:solidFill>
-                  <a:schemeClr val="tx1"/>
-                </a:solidFill>
-              </a:rPr>
-              <a:t>Technical Governance </a:t>
-            </a:r>
-          </a:p>
-          <a:p>
-            <a:pPr algn="ctr"/>
-            <a:r>
-              <a:rPr lang="en-US" sz="900" dirty="0">
-                <a:solidFill>
-                  <a:schemeClr val="tx1"/>
-                </a:solidFill>
-              </a:rPr>
-              <a:t>Project 1, Series LLC</a:t>
-            </a:r>
-          </a:p>
-        </p:txBody>
-      </p:sp>
-      <p:sp>
-        <p:nvSpPr>
-          <p:cNvPr id="41" name="Rectangle 40">
-            <a:extLst>
-              <a:ext uri="{FF2B5EF4-FFF2-40B4-BE49-F238E27FC236}">
-                <a16:creationId xmlns:a16="http://schemas.microsoft.com/office/drawing/2014/main" id="{0FDC8FA4-2C91-794A-9E9A-BB5DDE3ADADF}"/>
-              </a:ext>
-            </a:extLst>
-          </p:cNvPr>
-          <p:cNvSpPr/>
-          <p:nvPr/>
-        </p:nvSpPr>
-        <p:spPr>
-          <a:xfrm>
-            <a:off x="225072" y="4169636"/>
-            <a:ext cx="1169982" cy="445035"/>
-          </a:xfrm>
-          <a:prstGeom prst="rect">
-            <a:avLst/>
-          </a:prstGeom>
-          <a:solidFill>
-            <a:schemeClr val="accent4">
-              <a:lumMod val="20000"/>
-              <a:lumOff val="80000"/>
-            </a:schemeClr>
-          </a:solidFill>
-        </p:spPr>
-        <p:style>
-          <a:lnRef idx="2">
-            <a:schemeClr val="accent1">
-              <a:shade val="50000"/>
-            </a:schemeClr>
-          </a:lnRef>
-          <a:fillRef idx="1">
-            <a:schemeClr val="accent1"/>
-          </a:fillRef>
-          <a:effectRef idx="0">
-            <a:schemeClr val="accent1"/>
-          </a:effectRef>
-          <a:fontRef idx="minor">
-            <a:schemeClr val="lt1"/>
-          </a:fontRef>
-        </p:style>
-        <p:txBody>
-          <a:bodyPr rtlCol="0" anchor="ctr"/>
-          <a:lstStyle/>
-          <a:p>
-            <a:pPr algn="ctr"/>
-            <a:r>
-              <a:rPr lang="en-US" sz="900" dirty="0">
-                <a:solidFill>
-                  <a:schemeClr val="tx1"/>
-                </a:solidFill>
-              </a:rPr>
-              <a:t>Contributors</a:t>
-            </a:r>
-          </a:p>
-        </p:txBody>
-      </p:sp>
-      <p:sp>
-        <p:nvSpPr>
-          <p:cNvPr id="2" name="TextBox 1">
-            <a:extLst>
-              <a:ext uri="{FF2B5EF4-FFF2-40B4-BE49-F238E27FC236}">
-                <a16:creationId xmlns:a16="http://schemas.microsoft.com/office/drawing/2014/main" id="{3A0097A2-E146-2048-86E5-1DFEA643AEF6}"/>
-              </a:ext>
-            </a:extLst>
-          </p:cNvPr>
-          <p:cNvSpPr txBox="1"/>
-          <p:nvPr/>
-        </p:nvSpPr>
-        <p:spPr>
-          <a:xfrm>
-            <a:off x="4562739" y="789474"/>
-            <a:ext cx="3093091" cy="276999"/>
-          </a:xfrm>
-          <a:prstGeom prst="rect">
-            <a:avLst/>
-          </a:prstGeom>
-          <a:noFill/>
-        </p:spPr>
-        <p:txBody>
-          <a:bodyPr wrap="none" rtlCol="0">
-            <a:spAutoFit/>
-          </a:bodyPr>
-          <a:lstStyle/>
-          <a:p>
-            <a:r>
-              <a:rPr lang="en-US" sz="1200" dirty="0"/>
-              <a:t>Legal membership entity for the Directed Fund</a:t>
-            </a:r>
-          </a:p>
-        </p:txBody>
-      </p:sp>
-      <p:sp>
-        <p:nvSpPr>
-          <p:cNvPr id="45" name="TextBox 44">
-            <a:extLst>
-              <a:ext uri="{FF2B5EF4-FFF2-40B4-BE49-F238E27FC236}">
-                <a16:creationId xmlns:a16="http://schemas.microsoft.com/office/drawing/2014/main" id="{0E1593EC-5665-D440-B020-876D718708A9}"/>
-              </a:ext>
-            </a:extLst>
-          </p:cNvPr>
-          <p:cNvSpPr txBox="1"/>
-          <p:nvPr/>
-        </p:nvSpPr>
-        <p:spPr>
-          <a:xfrm>
-            <a:off x="4562737" y="3049949"/>
-            <a:ext cx="3188526" cy="276999"/>
-          </a:xfrm>
-          <a:prstGeom prst="rect">
-            <a:avLst/>
-          </a:prstGeom>
-          <a:noFill/>
-        </p:spPr>
-        <p:txBody>
-          <a:bodyPr wrap="square" rtlCol="0">
-            <a:spAutoFit/>
-          </a:bodyPr>
-          <a:lstStyle/>
-          <a:p>
-            <a:r>
-              <a:rPr lang="en-US" sz="1200" dirty="0"/>
-              <a:t>Hold trademark assets for series entities </a:t>
-            </a:r>
-          </a:p>
-        </p:txBody>
-      </p:sp>
-      <p:sp>
-        <p:nvSpPr>
-          <p:cNvPr id="46" name="TextBox 45">
-            <a:extLst>
-              <a:ext uri="{FF2B5EF4-FFF2-40B4-BE49-F238E27FC236}">
-                <a16:creationId xmlns:a16="http://schemas.microsoft.com/office/drawing/2014/main" id="{807005F5-7701-CB45-A5C7-10D0623147A7}"/>
-              </a:ext>
-            </a:extLst>
-          </p:cNvPr>
-          <p:cNvSpPr txBox="1"/>
-          <p:nvPr/>
-        </p:nvSpPr>
-        <p:spPr>
-          <a:xfrm>
-            <a:off x="4562737" y="2225779"/>
-            <a:ext cx="4523925" cy="461665"/>
-          </a:xfrm>
-          <a:prstGeom prst="rect">
-            <a:avLst/>
-          </a:prstGeom>
-          <a:noFill/>
-        </p:spPr>
-        <p:txBody>
-          <a:bodyPr wrap="square" rtlCol="0">
-            <a:spAutoFit/>
-          </a:bodyPr>
-          <a:lstStyle/>
-          <a:p>
-            <a:r>
-              <a:rPr lang="en-US" sz="1200" dirty="0"/>
-              <a:t>Transaction entity (e.g. transaction fees), adopts and publishes core agreements for the network (e.g. steward agreement, policies, etc.) </a:t>
-            </a:r>
-          </a:p>
-        </p:txBody>
-      </p:sp>
-      <p:sp>
-        <p:nvSpPr>
-          <p:cNvPr id="47" name="TextBox 46">
-            <a:extLst>
-              <a:ext uri="{FF2B5EF4-FFF2-40B4-BE49-F238E27FC236}">
-                <a16:creationId xmlns:a16="http://schemas.microsoft.com/office/drawing/2014/main" id="{89BFA241-B877-6745-B708-A48C4A32F0A9}"/>
-              </a:ext>
-            </a:extLst>
-          </p:cNvPr>
-          <p:cNvSpPr txBox="1"/>
-          <p:nvPr/>
-        </p:nvSpPr>
-        <p:spPr>
-          <a:xfrm>
-            <a:off x="4562738" y="1374395"/>
-            <a:ext cx="4523924" cy="646331"/>
-          </a:xfrm>
-          <a:prstGeom prst="rect">
-            <a:avLst/>
-          </a:prstGeom>
-          <a:noFill/>
-        </p:spPr>
-        <p:txBody>
-          <a:bodyPr wrap="square" rtlCol="0">
-            <a:spAutoFit/>
-          </a:bodyPr>
-          <a:lstStyle/>
-          <a:p>
-            <a:r>
-              <a:rPr lang="en-US" sz="1200" dirty="0"/>
-              <a:t>Project Participation Agreement, binds member to project funding commitments, policies, etc. Governance of directed fund and customized network agreements (hosted by LF Data Networks, LLC)</a:t>
-            </a:r>
-          </a:p>
-        </p:txBody>
-      </p:sp>
-      <p:sp>
-        <p:nvSpPr>
-          <p:cNvPr id="4" name="Rectangle 3">
-            <a:extLst>
-              <a:ext uri="{FF2B5EF4-FFF2-40B4-BE49-F238E27FC236}">
-                <a16:creationId xmlns:a16="http://schemas.microsoft.com/office/drawing/2014/main" id="{9ADEDA97-D236-C049-942A-9F0559210A53}"/>
-              </a:ext>
-            </a:extLst>
-          </p:cNvPr>
-          <p:cNvSpPr/>
-          <p:nvPr/>
-        </p:nvSpPr>
-        <p:spPr>
-          <a:xfrm>
-            <a:off x="4562738" y="3688023"/>
-            <a:ext cx="4123132" cy="461665"/>
-          </a:xfrm>
-          <a:prstGeom prst="rect">
-            <a:avLst/>
-          </a:prstGeom>
-        </p:spPr>
-        <p:txBody>
-          <a:bodyPr wrap="square">
-            <a:spAutoFit/>
-          </a:bodyPr>
-          <a:lstStyle/>
-          <a:p>
-            <a:r>
-              <a:rPr lang="en-US" sz="1200" dirty="0"/>
-              <a:t>Technical Charter for open source project, plus CLA for capturing IP commitments to open source projects</a:t>
-            </a:r>
-          </a:p>
-        </p:txBody>
-      </p:sp>
-      <p:sp>
-        <p:nvSpPr>
-          <p:cNvPr id="48" name="Rectangle 47">
-            <a:extLst>
-              <a:ext uri="{FF2B5EF4-FFF2-40B4-BE49-F238E27FC236}">
-                <a16:creationId xmlns:a16="http://schemas.microsoft.com/office/drawing/2014/main" id="{7088B30D-4020-DC4B-A5AA-72934B573516}"/>
-              </a:ext>
-            </a:extLst>
-          </p:cNvPr>
-          <p:cNvSpPr/>
-          <p:nvPr/>
-        </p:nvSpPr>
-        <p:spPr>
-          <a:xfrm>
-            <a:off x="4562738" y="4198671"/>
-            <a:ext cx="3998441" cy="461665"/>
-          </a:xfrm>
-          <a:prstGeom prst="rect">
-            <a:avLst/>
-          </a:prstGeom>
-        </p:spPr>
-        <p:txBody>
-          <a:bodyPr wrap="square">
-            <a:spAutoFit/>
-          </a:bodyPr>
-          <a:lstStyle/>
-          <a:p>
-            <a:r>
-              <a:rPr lang="en-US" sz="1200" dirty="0"/>
-              <a:t>Anyone can contribute to the technical project or use the code under the open source license</a:t>
-            </a:r>
-          </a:p>
-        </p:txBody>
-      </p:sp>
-      <p:sp>
-        <p:nvSpPr>
-          <p:cNvPr id="5" name="Document 4">
-            <a:extLst>
-              <a:ext uri="{FF2B5EF4-FFF2-40B4-BE49-F238E27FC236}">
-                <a16:creationId xmlns:a16="http://schemas.microsoft.com/office/drawing/2014/main" id="{B9FA2F98-85EF-264E-8BCA-31BAD91AA600}"/>
-              </a:ext>
-            </a:extLst>
-          </p:cNvPr>
-          <p:cNvSpPr/>
-          <p:nvPr/>
-        </p:nvSpPr>
-        <p:spPr>
-          <a:xfrm>
-            <a:off x="2964072" y="1420838"/>
-            <a:ext cx="732800" cy="444998"/>
-          </a:xfrm>
-          <a:prstGeom prst="flowChartDocument">
-            <a:avLst/>
-          </a:prstGeom>
-          <a:solidFill>
-            <a:schemeClr val="accent6">
-              <a:lumMod val="40000"/>
-              <a:lumOff val="60000"/>
-            </a:schemeClr>
-          </a:solidFill>
-        </p:spPr>
-        <p:style>
-          <a:lnRef idx="1">
-            <a:schemeClr val="accent1"/>
-          </a:lnRef>
-          <a:fillRef idx="3">
-            <a:schemeClr val="accent1"/>
-          </a:fillRef>
-          <a:effectRef idx="2">
-            <a:schemeClr val="accent1"/>
-          </a:effectRef>
-          <a:fontRef idx="minor">
-            <a:schemeClr val="lt1"/>
-          </a:fontRef>
-        </p:style>
-        <p:txBody>
-          <a:bodyPr rot="0" spcFirstLastPara="0" vertOverflow="overflow" horzOverflow="overflow" vert="horz" wrap="square" lIns="68580" tIns="34290" rIns="68580" bIns="34290" numCol="1" spcCol="0" rtlCol="0" fromWordArt="0" anchor="ctr" anchorCtr="0" forceAA="0" compatLnSpc="1">
-            <a:prstTxWarp prst="textNoShape">
-              <a:avLst/>
-            </a:prstTxWarp>
-            <a:noAutofit/>
-          </a:bodyPr>
-          <a:lstStyle/>
-          <a:p>
-            <a:pPr algn="ctr"/>
-            <a:r>
-              <a:rPr lang="en-US" sz="825" dirty="0">
-                <a:solidFill>
-                  <a:schemeClr val="tx1"/>
-                </a:solidFill>
-              </a:rPr>
-              <a:t>Sign Participation Agreement</a:t>
-            </a:r>
-          </a:p>
-        </p:txBody>
-      </p:sp>
-      <p:sp>
-        <p:nvSpPr>
-          <p:cNvPr id="49" name="Document 48">
-            <a:extLst>
-              <a:ext uri="{FF2B5EF4-FFF2-40B4-BE49-F238E27FC236}">
-                <a16:creationId xmlns:a16="http://schemas.microsoft.com/office/drawing/2014/main" id="{1B1ADC89-8433-8C4F-8918-7DA05E714AE6}"/>
-              </a:ext>
-            </a:extLst>
-          </p:cNvPr>
-          <p:cNvSpPr/>
-          <p:nvPr/>
-        </p:nvSpPr>
-        <p:spPr>
-          <a:xfrm>
-            <a:off x="2174829" y="3659024"/>
-            <a:ext cx="732800" cy="444998"/>
-          </a:xfrm>
-          <a:prstGeom prst="flowChartDocument">
-            <a:avLst/>
-          </a:prstGeom>
-          <a:solidFill>
-            <a:schemeClr val="accent6">
-              <a:lumMod val="40000"/>
-              <a:lumOff val="60000"/>
-            </a:schemeClr>
-          </a:solidFill>
-        </p:spPr>
-        <p:style>
-          <a:lnRef idx="1">
-            <a:schemeClr val="accent1"/>
-          </a:lnRef>
-          <a:fillRef idx="3">
-            <a:schemeClr val="accent1"/>
-          </a:fillRef>
-          <a:effectRef idx="2">
-            <a:schemeClr val="accent1"/>
-          </a:effectRef>
-          <a:fontRef idx="minor">
-            <a:schemeClr val="lt1"/>
-          </a:fontRef>
-        </p:style>
-        <p:txBody>
-          <a:bodyPr rot="0" spcFirstLastPara="0" vertOverflow="overflow" horzOverflow="overflow" vert="horz" wrap="square" lIns="68580" tIns="34290" rIns="68580" bIns="34290" numCol="1" spcCol="0" rtlCol="0" fromWordArt="0" anchor="ctr" anchorCtr="0" forceAA="0" compatLnSpc="1">
-            <a:prstTxWarp prst="textNoShape">
-              <a:avLst/>
-            </a:prstTxWarp>
-            <a:noAutofit/>
-          </a:bodyPr>
-          <a:lstStyle/>
-          <a:p>
-            <a:pPr algn="ctr"/>
-            <a:r>
-              <a:rPr lang="en-US" sz="825" dirty="0">
-                <a:solidFill>
-                  <a:schemeClr val="tx1"/>
-                </a:solidFill>
-              </a:rPr>
-              <a:t>Sign CLA (optional)</a:t>
-            </a:r>
-          </a:p>
-        </p:txBody>
-      </p:sp>
-      <p:sp>
-        <p:nvSpPr>
-          <p:cNvPr id="51" name="Document 50">
-            <a:extLst>
-              <a:ext uri="{FF2B5EF4-FFF2-40B4-BE49-F238E27FC236}">
-                <a16:creationId xmlns:a16="http://schemas.microsoft.com/office/drawing/2014/main" id="{645ED636-825B-3446-A49B-A84D4372CA3F}"/>
-              </a:ext>
-            </a:extLst>
-          </p:cNvPr>
-          <p:cNvSpPr/>
-          <p:nvPr/>
-        </p:nvSpPr>
-        <p:spPr>
-          <a:xfrm>
-            <a:off x="3751608" y="1420801"/>
-            <a:ext cx="732800" cy="444998"/>
-          </a:xfrm>
-          <a:prstGeom prst="flowChartDocument">
-            <a:avLst/>
-          </a:prstGeom>
-          <a:solidFill>
-            <a:schemeClr val="accent6">
-              <a:lumMod val="40000"/>
-              <a:lumOff val="60000"/>
-            </a:schemeClr>
-          </a:solidFill>
-        </p:spPr>
-        <p:style>
-          <a:lnRef idx="1">
-            <a:schemeClr val="accent1"/>
-          </a:lnRef>
-          <a:fillRef idx="3">
-            <a:schemeClr val="accent1"/>
-          </a:fillRef>
-          <a:effectRef idx="2">
-            <a:schemeClr val="accent1"/>
-          </a:effectRef>
-          <a:fontRef idx="minor">
-            <a:schemeClr val="lt1"/>
-          </a:fontRef>
-        </p:style>
-        <p:txBody>
-          <a:bodyPr rot="0" spcFirstLastPara="0" vertOverflow="overflow" horzOverflow="overflow" vert="horz" wrap="square" lIns="68580" tIns="34290" rIns="68580" bIns="34290" numCol="1" spcCol="0" rtlCol="0" fromWordArt="0" anchor="ctr" anchorCtr="0" forceAA="0" compatLnSpc="1">
-            <a:prstTxWarp prst="textNoShape">
-              <a:avLst/>
-            </a:prstTxWarp>
-            <a:noAutofit/>
-          </a:bodyPr>
-          <a:lstStyle/>
-          <a:p>
-            <a:pPr algn="ctr"/>
-            <a:r>
-              <a:rPr lang="en-US" sz="825" dirty="0">
-                <a:solidFill>
-                  <a:schemeClr val="tx1"/>
-                </a:solidFill>
-              </a:rPr>
-              <a:t>Sign Network Agreements</a:t>
-            </a:r>
-          </a:p>
-        </p:txBody>
-      </p:sp>
-      <p:sp>
-        <p:nvSpPr>
-          <p:cNvPr id="52" name="Document 51">
-            <a:extLst>
-              <a:ext uri="{FF2B5EF4-FFF2-40B4-BE49-F238E27FC236}">
-                <a16:creationId xmlns:a16="http://schemas.microsoft.com/office/drawing/2014/main" id="{D7DFF022-7A09-7B46-A0B3-F27800F5B065}"/>
-              </a:ext>
-            </a:extLst>
-          </p:cNvPr>
-          <p:cNvSpPr/>
-          <p:nvPr/>
-        </p:nvSpPr>
-        <p:spPr>
-          <a:xfrm>
-            <a:off x="2176536" y="1434094"/>
-            <a:ext cx="732800" cy="444998"/>
-          </a:xfrm>
-          <a:prstGeom prst="flowChartDocument">
-            <a:avLst/>
-          </a:prstGeom>
-          <a:solidFill>
-            <a:schemeClr val="accent6">
-              <a:lumMod val="40000"/>
-              <a:lumOff val="60000"/>
-            </a:schemeClr>
-          </a:solidFill>
-        </p:spPr>
-        <p:style>
-          <a:lnRef idx="1">
-            <a:schemeClr val="accent1"/>
-          </a:lnRef>
-          <a:fillRef idx="3">
-            <a:schemeClr val="accent1"/>
-          </a:fillRef>
-          <a:effectRef idx="2">
-            <a:schemeClr val="accent1"/>
-          </a:effectRef>
-          <a:fontRef idx="minor">
-            <a:schemeClr val="lt1"/>
-          </a:fontRef>
-        </p:style>
-        <p:txBody>
-          <a:bodyPr rot="0" spcFirstLastPara="0" vertOverflow="overflow" horzOverflow="overflow" vert="horz" wrap="square" lIns="68580" tIns="34290" rIns="68580" bIns="34290" numCol="1" spcCol="0" rtlCol="0" fromWordArt="0" anchor="ctr" anchorCtr="0" forceAA="0" compatLnSpc="1">
-            <a:prstTxWarp prst="textNoShape">
-              <a:avLst/>
-            </a:prstTxWarp>
-            <a:noAutofit/>
-          </a:bodyPr>
-          <a:lstStyle/>
-          <a:p>
-            <a:pPr algn="ctr"/>
-            <a:r>
-              <a:rPr lang="en-US" sz="825" dirty="0">
-                <a:solidFill>
-                  <a:schemeClr val="tx1"/>
-                </a:solidFill>
-              </a:rPr>
-              <a:t>Sign LF Membership Agreement</a:t>
-            </a:r>
-          </a:p>
-        </p:txBody>
-      </p:sp>
-      <p:sp>
-        <p:nvSpPr>
-          <p:cNvPr id="53" name="Document 52">
-            <a:extLst>
-              <a:ext uri="{FF2B5EF4-FFF2-40B4-BE49-F238E27FC236}">
-                <a16:creationId xmlns:a16="http://schemas.microsoft.com/office/drawing/2014/main" id="{00DCAF59-8396-2C4C-AC6D-8DB5FBFDA796}"/>
-              </a:ext>
-            </a:extLst>
-          </p:cNvPr>
-          <p:cNvSpPr/>
-          <p:nvPr/>
-        </p:nvSpPr>
-        <p:spPr>
-          <a:xfrm>
-            <a:off x="3706784" y="2256708"/>
-            <a:ext cx="777624" cy="484905"/>
-          </a:xfrm>
-          <a:prstGeom prst="flowChartDocument">
-            <a:avLst/>
-          </a:prstGeom>
-          <a:solidFill>
-            <a:schemeClr val="accent6">
-              <a:lumMod val="40000"/>
-              <a:lumOff val="60000"/>
-            </a:schemeClr>
-          </a:solidFill>
-        </p:spPr>
-        <p:style>
-          <a:lnRef idx="1">
-            <a:schemeClr val="accent1"/>
-          </a:lnRef>
-          <a:fillRef idx="3">
-            <a:schemeClr val="accent1"/>
-          </a:fillRef>
-          <a:effectRef idx="2">
-            <a:schemeClr val="accent1"/>
-          </a:effectRef>
-          <a:fontRef idx="minor">
-            <a:schemeClr val="lt1"/>
-          </a:fontRef>
-        </p:style>
-        <p:txBody>
-          <a:bodyPr rot="0" spcFirstLastPara="0" vertOverflow="overflow" horzOverflow="overflow" vert="horz" wrap="square" lIns="68580" tIns="34290" rIns="68580" bIns="34290" numCol="1" spcCol="0" rtlCol="0" fromWordArt="0" anchor="ctr" anchorCtr="0" forceAA="0" compatLnSpc="1">
-            <a:prstTxWarp prst="textNoShape">
-              <a:avLst/>
-            </a:prstTxWarp>
-            <a:noAutofit/>
-          </a:bodyPr>
-          <a:lstStyle/>
-          <a:p>
-            <a:pPr algn="ctr"/>
-            <a:r>
-              <a:rPr lang="en-US" sz="825" dirty="0">
-                <a:solidFill>
-                  <a:schemeClr val="tx1"/>
-                </a:solidFill>
-              </a:rPr>
-              <a:t>Sign Network Agreements (non-member)</a:t>
-            </a:r>
-          </a:p>
-        </p:txBody>
-      </p:sp>
-      <p:sp>
-        <p:nvSpPr>
-          <p:cNvPr id="7" name="TextBox 6">
-            <a:extLst>
-              <a:ext uri="{FF2B5EF4-FFF2-40B4-BE49-F238E27FC236}">
-                <a16:creationId xmlns:a16="http://schemas.microsoft.com/office/drawing/2014/main" id="{1ACD1966-A1DC-A74A-AFBE-97F006D0E996}"/>
-              </a:ext>
-            </a:extLst>
-          </p:cNvPr>
-          <p:cNvSpPr txBox="1"/>
-          <p:nvPr/>
-        </p:nvSpPr>
-        <p:spPr>
-          <a:xfrm>
-            <a:off x="3917576" y="1895216"/>
-            <a:ext cx="327334" cy="261610"/>
-          </a:xfrm>
-          <a:prstGeom prst="rect">
-            <a:avLst/>
-          </a:prstGeom>
-          <a:noFill/>
-        </p:spPr>
-        <p:txBody>
-          <a:bodyPr wrap="none" rtlCol="0">
-            <a:spAutoFit/>
-          </a:bodyPr>
-          <a:lstStyle/>
-          <a:p>
-            <a:r>
-              <a:rPr lang="en-US" sz="1100" dirty="0"/>
-              <a:t>Or</a:t>
-            </a:r>
-          </a:p>
-        </p:txBody>
-      </p:sp>
-      <p:sp>
-        <p:nvSpPr>
-          <p:cNvPr id="54" name="Title 7">
-            <a:extLst>
-              <a:ext uri="{FF2B5EF4-FFF2-40B4-BE49-F238E27FC236}">
-                <a16:creationId xmlns:a16="http://schemas.microsoft.com/office/drawing/2014/main" id="{1A2A3853-C3E3-B54C-ADF5-2D994B3CFBDB}"/>
-              </a:ext>
-            </a:extLst>
-          </p:cNvPr>
-          <p:cNvSpPr txBox="1">
-            <a:spLocks/>
-          </p:cNvSpPr>
-          <p:nvPr/>
-        </p:nvSpPr>
-        <p:spPr>
-          <a:xfrm>
-            <a:off x="2031651" y="45859"/>
-            <a:ext cx="2531086" cy="435392"/>
-          </a:xfrm>
-          <a:prstGeom prst="rect">
-            <a:avLst/>
-          </a:prstGeom>
-        </p:spPr>
-        <p:txBody>
-          <a:bodyPr vert="horz" lIns="91440" tIns="45720" rIns="91440" bIns="45720" rtlCol="0" anchor="ctr">
-            <a:noAutofit/>
-          </a:bodyPr>
-          <a:lstStyle>
-            <a:lvl1pPr algn="ctr" defTabSz="342900" rtl="0" eaLnBrk="1" latinLnBrk="0" hangingPunct="1">
-              <a:spcBef>
-                <a:spcPct val="0"/>
-              </a:spcBef>
-              <a:buNone/>
-              <a:defRPr sz="3300" kern="1200">
-                <a:solidFill>
-                  <a:srgbClr val="168FDF"/>
-                </a:solidFill>
-                <a:latin typeface="+mj-lt"/>
-                <a:ea typeface="+mj-ea"/>
-                <a:cs typeface="+mj-cs"/>
-              </a:defRPr>
-            </a:lvl1pPr>
-          </a:lstStyle>
-          <a:p>
-            <a:r>
-              <a:rPr lang="en-US" sz="2000" dirty="0"/>
-              <a:t>Signing Requirements</a:t>
-            </a:r>
-          </a:p>
-        </p:txBody>
-      </p:sp>
-      <p:sp>
-        <p:nvSpPr>
-          <p:cNvPr id="55" name="Title 7">
-            <a:extLst>
-              <a:ext uri="{FF2B5EF4-FFF2-40B4-BE49-F238E27FC236}">
-                <a16:creationId xmlns:a16="http://schemas.microsoft.com/office/drawing/2014/main" id="{6748F80D-5D4F-DC4E-BD58-EC7D7AECE51E}"/>
-              </a:ext>
-            </a:extLst>
-          </p:cNvPr>
-          <p:cNvSpPr txBox="1">
-            <a:spLocks/>
-          </p:cNvSpPr>
-          <p:nvPr/>
-        </p:nvSpPr>
-        <p:spPr>
-          <a:xfrm>
-            <a:off x="4484408" y="45859"/>
-            <a:ext cx="3093091" cy="435392"/>
-          </a:xfrm>
-          <a:prstGeom prst="rect">
-            <a:avLst/>
-          </a:prstGeom>
-        </p:spPr>
-        <p:txBody>
-          <a:bodyPr vert="horz" lIns="91440" tIns="45720" rIns="91440" bIns="45720" rtlCol="0" anchor="ctr">
-            <a:noAutofit/>
-          </a:bodyPr>
-          <a:lstStyle>
-            <a:lvl1pPr algn="ctr" defTabSz="342900" rtl="0" eaLnBrk="1" latinLnBrk="0" hangingPunct="1">
-              <a:spcBef>
-                <a:spcPct val="0"/>
-              </a:spcBef>
-              <a:buNone/>
-              <a:defRPr sz="3300" kern="1200">
-                <a:solidFill>
-                  <a:srgbClr val="168FDF"/>
-                </a:solidFill>
-                <a:latin typeface="+mj-lt"/>
-                <a:ea typeface="+mj-ea"/>
-                <a:cs typeface="+mj-cs"/>
-              </a:defRPr>
-            </a:lvl1pPr>
-          </a:lstStyle>
-          <a:p>
-            <a:r>
-              <a:rPr lang="en-US" sz="2000" dirty="0"/>
-              <a:t>Description / Role</a:t>
-            </a:r>
-          </a:p>
-        </p:txBody>
-      </p:sp>
       <p:cxnSp>
         <p:nvCxnSpPr>
-          <p:cNvPr id="11" name="Straight Connector 10">
-            <a:extLst>
-              <a:ext uri="{FF2B5EF4-FFF2-40B4-BE49-F238E27FC236}">
-                <a16:creationId xmlns:a16="http://schemas.microsoft.com/office/drawing/2014/main" id="{247C2C39-A761-D24F-AFB9-DDF72398E8D6}"/>
+          <p:cNvPr id="14" name="Straight Connector 13">
+            <a:extLst>
+              <a:ext uri="{FF2B5EF4-FFF2-40B4-BE49-F238E27FC236}">
+                <a16:creationId xmlns:a16="http://schemas.microsoft.com/office/drawing/2014/main" id="{E842242B-9923-9E49-BDEA-A2B3A0682B4B}"/>
               </a:ext>
             </a:extLst>
           </p:cNvPr>
           <p:cNvCxnSpPr>
             <a:cxnSpLocks/>
+            <a:endCxn id="8" idx="0"/>
           </p:cNvCxnSpPr>
           <p:nvPr/>
         </p:nvCxnSpPr>
         <p:spPr>
-          <a:xfrm>
-            <a:off x="109057" y="2104961"/>
-            <a:ext cx="8759198" cy="35331"/>
+          <a:xfrm flipH="1">
+            <a:off x="2277662" y="2785042"/>
+            <a:ext cx="1354687" cy="657565"/>
           </a:xfrm>
           <a:prstGeom prst="line">
             <a:avLst/>
           </a:prstGeom>
+          <a:ln w="28575">
+            <a:solidFill>
+              <a:schemeClr val="tx1"/>
+            </a:solidFill>
+          </a:ln>
         </p:spPr>
         <p:style>
           <a:lnRef idx="2">
@@ -5943,112 +4735,82 @@
           </a:fontRef>
         </p:style>
       </p:cxnSp>
-      <p:sp>
-        <p:nvSpPr>
-          <p:cNvPr id="12" name="TextBox 11">
-            <a:extLst>
-              <a:ext uri="{FF2B5EF4-FFF2-40B4-BE49-F238E27FC236}">
-                <a16:creationId xmlns:a16="http://schemas.microsoft.com/office/drawing/2014/main" id="{FCB30ED3-2250-3449-AED9-D159D4807A20}"/>
-              </a:ext>
-            </a:extLst>
-          </p:cNvPr>
-          <p:cNvSpPr txBox="1"/>
-          <p:nvPr/>
-        </p:nvSpPr>
-        <p:spPr>
-          <a:xfrm>
-            <a:off x="17362" y="1870507"/>
-            <a:ext cx="736099" cy="261610"/>
-          </a:xfrm>
-          <a:prstGeom prst="rect">
-            <a:avLst/>
-          </a:prstGeom>
-          <a:noFill/>
-        </p:spPr>
-        <p:txBody>
-          <a:bodyPr wrap="none" rtlCol="0">
-            <a:spAutoFit/>
-          </a:bodyPr>
-          <a:lstStyle/>
-          <a:p>
-            <a:r>
-              <a:rPr lang="en-US" sz="1100" dirty="0"/>
-              <a:t>Members</a:t>
-            </a:r>
-          </a:p>
-        </p:txBody>
-      </p:sp>
-      <p:sp>
-        <p:nvSpPr>
-          <p:cNvPr id="33" name="TextBox 32">
-            <a:extLst>
-              <a:ext uri="{FF2B5EF4-FFF2-40B4-BE49-F238E27FC236}">
-                <a16:creationId xmlns:a16="http://schemas.microsoft.com/office/drawing/2014/main" id="{529EB88E-10A1-564F-A390-38EF37B9F96F}"/>
-              </a:ext>
-            </a:extLst>
-          </p:cNvPr>
-          <p:cNvSpPr txBox="1"/>
-          <p:nvPr/>
-        </p:nvSpPr>
-        <p:spPr>
-          <a:xfrm>
-            <a:off x="6418" y="2104961"/>
-            <a:ext cx="1018227" cy="261610"/>
-          </a:xfrm>
-          <a:prstGeom prst="rect">
-            <a:avLst/>
-          </a:prstGeom>
-          <a:noFill/>
-        </p:spPr>
-        <p:txBody>
-          <a:bodyPr wrap="none" rtlCol="0">
-            <a:spAutoFit/>
-          </a:bodyPr>
-          <a:lstStyle/>
-          <a:p>
-            <a:r>
-              <a:rPr lang="en-US" sz="1100" dirty="0"/>
-              <a:t>Non-Members</a:t>
-            </a:r>
-          </a:p>
-        </p:txBody>
-      </p:sp>
-      <p:sp>
-        <p:nvSpPr>
-          <p:cNvPr id="32" name="Rectangle 31">
-            <a:extLst>
-              <a:ext uri="{FF2B5EF4-FFF2-40B4-BE49-F238E27FC236}">
-                <a16:creationId xmlns:a16="http://schemas.microsoft.com/office/drawing/2014/main" id="{9B53D409-F987-8444-AE22-9780785EA6A8}"/>
-              </a:ext>
-            </a:extLst>
-          </p:cNvPr>
-          <p:cNvSpPr/>
-          <p:nvPr/>
-        </p:nvSpPr>
-        <p:spPr>
-          <a:xfrm>
-            <a:off x="230979" y="2932630"/>
-            <a:ext cx="1769325" cy="599135"/>
-          </a:xfrm>
-          <a:prstGeom prst="rect">
-            <a:avLst/>
-          </a:prstGeom>
-          <a:solidFill>
-            <a:schemeClr val="accent4">
-              <a:lumMod val="75000"/>
-            </a:schemeClr>
-          </a:solidFill>
+      <p:cxnSp>
+        <p:nvCxnSpPr>
+          <p:cNvPr id="16" name="Straight Connector 15">
+            <a:extLst>
+              <a:ext uri="{FF2B5EF4-FFF2-40B4-BE49-F238E27FC236}">
+                <a16:creationId xmlns:a16="http://schemas.microsoft.com/office/drawing/2014/main" id="{A16E51B0-5061-0F46-8C79-07B284A8E27C}"/>
+              </a:ext>
+            </a:extLst>
+          </p:cNvPr>
+          <p:cNvCxnSpPr>
+            <a:cxnSpLocks/>
+            <a:endCxn id="7" idx="0"/>
+          </p:cNvCxnSpPr>
+          <p:nvPr/>
+        </p:nvCxnSpPr>
+        <p:spPr>
+          <a:xfrm>
+            <a:off x="5686699" y="2785042"/>
+            <a:ext cx="1172735" cy="657565"/>
+          </a:xfrm>
+          <a:prstGeom prst="line">
+            <a:avLst/>
+          </a:prstGeom>
+          <a:ln w="28575">
+            <a:solidFill>
+              <a:schemeClr val="tx1"/>
+            </a:solidFill>
+          </a:ln>
         </p:spPr>
         <p:style>
           <a:lnRef idx="2">
-            <a:schemeClr val="accent1">
-              <a:shade val="50000"/>
-            </a:schemeClr>
+            <a:schemeClr val="accent1"/>
           </a:lnRef>
-          <a:fillRef idx="1">
+          <a:fillRef idx="0">
             <a:schemeClr val="accent1"/>
           </a:fillRef>
-          <a:effectRef idx="0">
+          <a:effectRef idx="1">
+            <a:schemeClr val="accent1"/>
+          </a:effectRef>
+          <a:fontRef idx="minor">
+            <a:schemeClr val="tx1"/>
+          </a:fontRef>
+        </p:style>
+      </p:cxnSp>
+      <p:sp>
+        <p:nvSpPr>
+          <p:cNvPr id="8" name="Rounded Rectangle 7">
+            <a:extLst>
+              <a:ext uri="{FF2B5EF4-FFF2-40B4-BE49-F238E27FC236}">
+                <a16:creationId xmlns:a16="http://schemas.microsoft.com/office/drawing/2014/main" id="{586D5DA2-E025-F447-9944-A6F11813979E}"/>
+              </a:ext>
+            </a:extLst>
+          </p:cNvPr>
+          <p:cNvSpPr/>
+          <p:nvPr/>
+        </p:nvSpPr>
+        <p:spPr>
+          <a:xfrm>
+            <a:off x="794284" y="3442607"/>
+            <a:ext cx="2966755" cy="1138101"/>
+          </a:xfrm>
+          <a:prstGeom prst="roundRect">
+            <a:avLst/>
+          </a:prstGeom>
+          <a:solidFill>
+            <a:srgbClr val="EBF3DF"/>
+          </a:solidFill>
+        </p:spPr>
+        <p:style>
+          <a:lnRef idx="1">
+            <a:schemeClr val="accent1"/>
+          </a:lnRef>
+          <a:fillRef idx="3">
+            <a:schemeClr val="accent1"/>
+          </a:fillRef>
+          <a:effectRef idx="2">
             <a:schemeClr val="accent1"/>
           </a:effectRef>
           <a:fontRef idx="minor">
@@ -6061,25 +4823,82 @@
           <a:p>
             <a:pPr algn="ctr"/>
             <a:r>
-              <a:rPr lang="en-US" sz="1200" dirty="0"/>
-              <a:t>LF Network Projects LLC</a:t>
-            </a:r>
-          </a:p>
-          <a:p>
-            <a:pPr algn="ctr"/>
-            <a:r>
-              <a:rPr lang="en-US" sz="1200" dirty="0"/>
-              <a:t>(Delaware Series LLC)</a:t>
-            </a:r>
-          </a:p>
-        </p:txBody>
-      </p:sp>
-      <p:sp>
-        <p:nvSpPr>
-          <p:cNvPr id="34" name="Rectangle 33">
-            <a:extLst>
-              <a:ext uri="{FF2B5EF4-FFF2-40B4-BE49-F238E27FC236}">
-                <a16:creationId xmlns:a16="http://schemas.microsoft.com/office/drawing/2014/main" id="{B9B63B45-1E46-CC40-AB43-213A1C3D9B5A}"/>
+              <a:rPr lang="en-US" sz="1600" b="1" dirty="0">
+                <a:solidFill>
+                  <a:schemeClr val="tx1"/>
+                </a:solidFill>
+                <a:latin typeface="IBM Plex Sans Condensed Text" panose="020B0506050203000203" pitchFamily="34" charset="77"/>
+              </a:rPr>
+              <a:t>Bedrock Technical Project</a:t>
+            </a:r>
+          </a:p>
+          <a:p>
+            <a:pPr algn="ctr"/>
+            <a:r>
+              <a:rPr lang="en-US" sz="1100" b="1" dirty="0">
+                <a:solidFill>
+                  <a:schemeClr val="tx1"/>
+                </a:solidFill>
+                <a:latin typeface="American Typewriter" panose="02090604020004020304" pitchFamily="18" charset="77"/>
+              </a:rPr>
+              <a:t>Technical Project</a:t>
+            </a:r>
+          </a:p>
+          <a:p>
+            <a:pPr algn="ctr"/>
+            <a:r>
+              <a:rPr lang="en-US" sz="1000" i="1" dirty="0">
+                <a:solidFill>
+                  <a:schemeClr val="tx1"/>
+                </a:solidFill>
+                <a:latin typeface="American Typewriter" panose="02090604020004020304" pitchFamily="18" charset="77"/>
+              </a:rPr>
+              <a:t>Delaware Series LLC</a:t>
+            </a:r>
+          </a:p>
+          <a:p>
+            <a:pPr algn="ctr"/>
+            <a:endParaRPr lang="en-US" sz="1100" b="1" dirty="0">
+              <a:solidFill>
+                <a:schemeClr val="tx1"/>
+              </a:solidFill>
+              <a:latin typeface="IBM Plex Sans Condensed Text" panose="020B0506050203000203" pitchFamily="34" charset="77"/>
+            </a:endParaRPr>
+          </a:p>
+          <a:p>
+            <a:pPr algn="ctr"/>
+            <a:r>
+              <a:rPr lang="en-US" sz="1100" b="1" dirty="0">
+                <a:solidFill>
+                  <a:schemeClr val="tx1"/>
+                </a:solidFill>
+                <a:latin typeface="IBM Plex Sans Condensed Text" panose="020B0506050203000203" pitchFamily="34" charset="77"/>
+              </a:rPr>
+              <a:t>GitHub Repo:  </a:t>
+            </a:r>
+            <a:r>
+              <a:rPr lang="en-US" sz="1100" dirty="0">
+                <a:solidFill>
+                  <a:schemeClr val="tx1"/>
+                </a:solidFill>
+              </a:rPr>
+              <a:t>bedrock-consortium/tsc</a:t>
+            </a:r>
+            <a:endParaRPr lang="en-US" sz="1100" b="1" dirty="0">
+              <a:solidFill>
+                <a:schemeClr val="tx1"/>
+              </a:solidFill>
+              <a:latin typeface="IBM Plex Sans Condensed Text" panose="020B0506050203000203" pitchFamily="34" charset="77"/>
+            </a:endParaRPr>
+          </a:p>
+        </p:txBody>
+      </p:sp>
+      <p:sp>
+        <p:nvSpPr>
+          <p:cNvPr id="7" name="Rounded Rectangle 6">
+            <a:extLst>
+              <a:ext uri="{FF2B5EF4-FFF2-40B4-BE49-F238E27FC236}">
+                <a16:creationId xmlns:a16="http://schemas.microsoft.com/office/drawing/2014/main" id="{9785FF17-1A64-B148-A447-5A467571FDE6}"/>
               </a:ext>
             </a:extLst>
           </p:cNvPr>
@@ -6088,28 +4907,24 @@
         </p:nvSpPr>
         <p:spPr>
           <a:xfrm>
-            <a:off x="247339" y="2391178"/>
-            <a:ext cx="1752966" cy="445034"/>
-          </a:xfrm>
-          <a:prstGeom prst="rect">
+            <a:off x="5376056" y="3442607"/>
+            <a:ext cx="2966755" cy="1138101"/>
+          </a:xfrm>
+          <a:prstGeom prst="roundRect">
             <a:avLst/>
           </a:prstGeom>
           <a:solidFill>
-            <a:schemeClr val="accent4">
-              <a:lumMod val="75000"/>
-            </a:schemeClr>
+            <a:srgbClr val="E7E0EC"/>
           </a:solidFill>
         </p:spPr>
         <p:style>
-          <a:lnRef idx="2">
-            <a:schemeClr val="accent1">
-              <a:shade val="50000"/>
-            </a:schemeClr>
+          <a:lnRef idx="1">
+            <a:schemeClr val="accent1"/>
           </a:lnRef>
-          <a:fillRef idx="1">
+          <a:fillRef idx="3">
             <a:schemeClr val="accent1"/>
           </a:fillRef>
-          <a:effectRef idx="0">
+          <a:effectRef idx="2">
             <a:schemeClr val="accent1"/>
           </a:effectRef>
           <a:fontRef idx="minor">
@@ -6122,18 +4937,82 @@
           <a:p>
             <a:pPr algn="ctr"/>
             <a:r>
-              <a:rPr lang="en-US" sz="1200" dirty="0"/>
-              <a:t>LF Operational Projects LLC (Delaware LLC)</a:t>
-            </a:r>
-          </a:p>
-        </p:txBody>
-      </p:sp>
-      <p:sp>
-        <p:nvSpPr>
-          <p:cNvPr id="28" name="Rectangle 27">
-            <a:extLst>
-              <a:ext uri="{FF2B5EF4-FFF2-40B4-BE49-F238E27FC236}">
-                <a16:creationId xmlns:a16="http://schemas.microsoft.com/office/drawing/2014/main" id="{E8A33F06-F77A-CB40-B4DB-0D6D87456465}"/>
+              <a:rPr lang="en-US" sz="1600" b="1" dirty="0">
+                <a:solidFill>
+                  <a:schemeClr val="tx1"/>
+                </a:solidFill>
+                <a:latin typeface="IBM Plex Sans Condensed Text" panose="020B0506050203000203" pitchFamily="34" charset="77"/>
+              </a:rPr>
+              <a:t>Bedrock Business Utility</a:t>
+            </a:r>
+          </a:p>
+          <a:p>
+            <a:pPr algn="ctr"/>
+            <a:r>
+              <a:rPr lang="en-US" sz="1100" b="1" dirty="0">
+                <a:solidFill>
+                  <a:schemeClr val="tx1"/>
+                </a:solidFill>
+                <a:latin typeface="American Typewriter" panose="02090604020004020304" pitchFamily="18" charset="77"/>
+              </a:rPr>
+              <a:t>Governance Networks, Inc.</a:t>
+            </a:r>
+          </a:p>
+          <a:p>
+            <a:pPr algn="ctr"/>
+            <a:r>
+              <a:rPr lang="en-US" sz="1000" i="1" dirty="0">
+                <a:solidFill>
+                  <a:schemeClr val="tx1"/>
+                </a:solidFill>
+                <a:latin typeface="American Typewriter" panose="02090604020004020304" pitchFamily="18" charset="77"/>
+              </a:rPr>
+              <a:t>Delaware Nonprofit Corp</a:t>
+            </a:r>
+          </a:p>
+          <a:p>
+            <a:pPr algn="ctr"/>
+            <a:endParaRPr lang="en-US" sz="1100" b="1" dirty="0">
+              <a:solidFill>
+                <a:schemeClr val="tx1"/>
+              </a:solidFill>
+              <a:latin typeface="IBM Plex Sans Condensed Text" panose="020B0506050203000203" pitchFamily="34" charset="77"/>
+            </a:endParaRPr>
+          </a:p>
+          <a:p>
+            <a:pPr algn="ctr"/>
+            <a:r>
+              <a:rPr lang="en-US" sz="1100" b="1" dirty="0">
+                <a:solidFill>
+                  <a:schemeClr val="tx1"/>
+                </a:solidFill>
+                <a:latin typeface="IBM Plex Sans Condensed Text" panose="020B0506050203000203" pitchFamily="34" charset="77"/>
+              </a:rPr>
+              <a:t>Utility DID Root Namespace:  </a:t>
+            </a:r>
+            <a:r>
+              <a:rPr lang="en-US" sz="1100" dirty="0">
+                <a:solidFill>
+                  <a:schemeClr val="tx1"/>
+                </a:solidFill>
+              </a:rPr>
+              <a:t>did:bbu</a:t>
+            </a:r>
+            <a:endParaRPr lang="en-US" sz="1100" b="1" dirty="0">
+              <a:solidFill>
+                <a:schemeClr val="tx1"/>
+              </a:solidFill>
+              <a:latin typeface="IBM Plex Sans Condensed Text" panose="020B0506050203000203" pitchFamily="34" charset="77"/>
+            </a:endParaRPr>
+          </a:p>
+        </p:txBody>
+      </p:sp>
+      <p:sp>
+        <p:nvSpPr>
+          <p:cNvPr id="6" name="Rounded Rectangle 5">
+            <a:extLst>
+              <a:ext uri="{FF2B5EF4-FFF2-40B4-BE49-F238E27FC236}">
+                <a16:creationId xmlns:a16="http://schemas.microsoft.com/office/drawing/2014/main" id="{87487B8C-A7B3-0049-96C4-F8406214B0FA}"/>
               </a:ext>
             </a:extLst>
           </p:cNvPr>
@@ -6142,29 +5021,24 @@
         </p:nvSpPr>
         <p:spPr>
           <a:xfrm>
-            <a:off x="1187729" y="1434075"/>
-            <a:ext cx="812575" cy="445035"/>
-          </a:xfrm>
-          <a:prstGeom prst="rect">
+            <a:off x="2535043" y="1773894"/>
+            <a:ext cx="4073914" cy="1015503"/>
+          </a:xfrm>
+          <a:prstGeom prst="roundRect">
             <a:avLst/>
           </a:prstGeom>
           <a:solidFill>
-            <a:schemeClr val="tx2">
-              <a:lumMod val="20000"/>
-              <a:lumOff val="80000"/>
-            </a:schemeClr>
+            <a:srgbClr val="C6DAF2"/>
           </a:solidFill>
         </p:spPr>
         <p:style>
-          <a:lnRef idx="2">
-            <a:schemeClr val="accent1">
-              <a:shade val="50000"/>
-            </a:schemeClr>
+          <a:lnRef idx="1">
+            <a:schemeClr val="accent1"/>
           </a:lnRef>
-          <a:fillRef idx="1">
+          <a:fillRef idx="3">
             <a:schemeClr val="accent1"/>
           </a:fillRef>
-          <a:effectRef idx="0">
+          <a:effectRef idx="2">
             <a:schemeClr val="accent1"/>
           </a:effectRef>
           <a:fontRef idx="minor">
@@ -6177,34 +5051,108 @@
           <a:p>
             <a:pPr algn="ctr"/>
             <a:r>
-              <a:rPr lang="en-US" sz="900" dirty="0">
+              <a:rPr lang="en-US" sz="1600" b="1" dirty="0">
                 <a:solidFill>
                   <a:schemeClr val="tx1"/>
                 </a:solidFill>
+                <a:latin typeface="IBM Plex Sans Condensed Text" panose="020B0506050203000203" pitchFamily="34" charset="77"/>
               </a:rPr>
-              <a:t>Ecosystem </a:t>
-            </a:r>
-          </a:p>
-          <a:p>
-            <a:pPr algn="ctr"/>
-            <a:r>
-              <a:rPr lang="en-US" sz="900" dirty="0">
+              <a:t>Bedrock Consortium</a:t>
+            </a:r>
+          </a:p>
+          <a:p>
+            <a:pPr algn="ctr"/>
+            <a:r>
+              <a:rPr lang="en-US" sz="1100" b="1" dirty="0">
                 <a:solidFill>
                   <a:schemeClr val="tx1"/>
                 </a:solidFill>
+                <a:latin typeface="American Typewriter" panose="02090604020004020304" pitchFamily="18" charset="77"/>
               </a:rPr>
-              <a:t>Directed </a:t>
-            </a:r>
-          </a:p>
-          <a:p>
-            <a:pPr algn="ctr"/>
-            <a:r>
-              <a:rPr lang="en-US" sz="900" dirty="0">
+              <a:t>Directed Fund</a:t>
+            </a:r>
+          </a:p>
+          <a:p>
+            <a:pPr algn="ctr"/>
+            <a:endParaRPr lang="en-US" sz="1100" b="1" dirty="0">
+              <a:solidFill>
+                <a:schemeClr val="tx1"/>
+              </a:solidFill>
+              <a:latin typeface="IBM Plex Sans Condensed Text" panose="020B0506050203000203" pitchFamily="34" charset="77"/>
+            </a:endParaRPr>
+          </a:p>
+          <a:p>
+            <a:pPr algn="ctr"/>
+            <a:r>
+              <a:rPr lang="en-US" sz="1100" b="1" dirty="0">
                 <a:solidFill>
                   <a:schemeClr val="tx1"/>
                 </a:solidFill>
+                <a:latin typeface="IBM Plex Sans Condensed Text" panose="020B0506050203000203" pitchFamily="34" charset="77"/>
               </a:rPr>
-              <a:t>Fund 1</a:t>
+              <a:t>GitHub Repo:  </a:t>
+            </a:r>
+            <a:r>
+              <a:rPr lang="en-US" sz="1100" dirty="0">
+                <a:solidFill>
+                  <a:schemeClr val="tx1"/>
+                </a:solidFill>
+              </a:rPr>
+              <a:t>bedrock-consortium/bbu-gf</a:t>
+            </a:r>
+            <a:endParaRPr lang="en-US" sz="1100" b="1" dirty="0">
+              <a:solidFill>
+                <a:schemeClr val="tx1"/>
+              </a:solidFill>
+              <a:latin typeface="IBM Plex Sans Condensed Text" panose="020B0506050203000203" pitchFamily="34" charset="77"/>
+            </a:endParaRPr>
+          </a:p>
+          <a:p>
+            <a:pPr algn="ctr"/>
+            <a:endParaRPr lang="en-US" sz="1100" b="1" dirty="0">
+              <a:solidFill>
+                <a:schemeClr val="tx1"/>
+              </a:solidFill>
+              <a:latin typeface="IBM Plex Sans Condensed Text" panose="020B0506050203000203" pitchFamily="34" charset="77"/>
+            </a:endParaRPr>
+          </a:p>
+        </p:txBody>
+      </p:sp>
+      <p:sp>
+        <p:nvSpPr>
+          <p:cNvPr id="9" name="TextBox 8">
+            <a:extLst>
+              <a:ext uri="{FF2B5EF4-FFF2-40B4-BE49-F238E27FC236}">
+                <a16:creationId xmlns:a16="http://schemas.microsoft.com/office/drawing/2014/main" id="{58C01281-82FD-384E-AF7B-768C4516131D}"/>
+              </a:ext>
+            </a:extLst>
+          </p:cNvPr>
+          <p:cNvSpPr txBox="1"/>
+          <p:nvPr/>
+        </p:nvSpPr>
+        <p:spPr>
+          <a:xfrm>
+            <a:off x="8274423" y="0"/>
+            <a:ext cx="869577" cy="369332"/>
+          </a:xfrm>
+          <a:prstGeom prst="rect">
+            <a:avLst/>
+          </a:prstGeom>
+          <a:noFill/>
+        </p:spPr>
+        <p:txBody>
+          <a:bodyPr wrap="square" rtlCol="0">
+            <a:spAutoFit/>
+          </a:bodyPr>
+          <a:lstStyle/>
+          <a:p>
+            <a:r>
+              <a:rPr lang="en-US" dirty="0">
+                <a:solidFill>
+                  <a:srgbClr val="FF0000"/>
+                </a:solidFill>
+              </a:rPr>
+              <a:t>LATEST</a:t>
             </a:r>
           </a:p>
         </p:txBody>
@@ -6212,16 +5160,13 @@
     </p:spTree>
     <p:extLst>
       <p:ext uri="{BB962C8B-B14F-4D97-AF65-F5344CB8AC3E}">
-        <p14:creationId xmlns:p14="http://schemas.microsoft.com/office/powerpoint/2010/main" val="41796395"/>
+        <p14:creationId xmlns:p14="http://schemas.microsoft.com/office/powerpoint/2010/main" val="4281862804"/>
       </p:ext>
     </p:extLst>
   </p:cSld>
   <p:clrMapOvr>
     <a:masterClrMapping/>
   </p:clrMapOvr>
-  <p:transition>
-    <p:wipe dir="r"/>
-  </p:transition>
 </p:sld>
 </file>
 
@@ -6479,17 +5424,14 @@
         </p:nvSpPr>
         <p:spPr>
           <a:xfrm>
-            <a:off x="230979" y="3628183"/>
+            <a:off x="291011" y="3850699"/>
             <a:ext cx="1694465" cy="445035"/>
           </a:xfrm>
           <a:prstGeom prst="rect">
             <a:avLst/>
           </a:prstGeom>
           <a:solidFill>
-            <a:schemeClr val="accent4">
-              <a:lumMod val="20000"/>
-              <a:lumOff val="80000"/>
-            </a:schemeClr>
+            <a:srgbClr val="EAF2E0"/>
           </a:solidFill>
         </p:spPr>
         <p:style>
@@ -6519,7 +5461,18 @@
                   <a:schemeClr val="tx1"/>
                 </a:solidFill>
               </a:rPr>
-              <a:t>Bedrock Consortium Project Series LLC</a:t>
+              <a:t>Bedrock Technical Project </a:t>
+            </a:r>
+          </a:p>
+          <a:p>
+            <a:pPr algn="ctr"/>
+            <a:r>
+              <a:rPr lang="en-US" sz="900" dirty="0">
+                <a:solidFill>
+                  <a:schemeClr val="tx1"/>
+                </a:solidFill>
+              </a:rPr>
+              <a:t>Series LLC</a:t>
             </a:r>
           </a:p>
         </p:txBody>
@@ -6538,17 +5491,14 @@
         </p:nvSpPr>
         <p:spPr>
           <a:xfrm>
-            <a:off x="225072" y="4169636"/>
+            <a:off x="285104" y="4392152"/>
             <a:ext cx="1694464" cy="445035"/>
           </a:xfrm>
           <a:prstGeom prst="rect">
             <a:avLst/>
           </a:prstGeom>
           <a:solidFill>
-            <a:schemeClr val="accent4">
-              <a:lumMod val="20000"/>
-              <a:lumOff val="80000"/>
-            </a:schemeClr>
+            <a:srgbClr val="EAF2E0"/>
           </a:solidFill>
         </p:spPr>
         <p:style>
@@ -6632,7 +5582,7 @@
         </p:nvSpPr>
         <p:spPr>
           <a:xfrm>
-            <a:off x="4562737" y="3049949"/>
+            <a:off x="4572000" y="3305224"/>
             <a:ext cx="3188526" cy="276999"/>
           </a:xfrm>
           <a:prstGeom prst="rect">
@@ -6667,7 +5617,7 @@
         </p:nvSpPr>
         <p:spPr>
           <a:xfrm>
-            <a:off x="4562737" y="2225779"/>
+            <a:off x="4572000" y="2861821"/>
             <a:ext cx="4523925" cy="461665"/>
           </a:xfrm>
           <a:prstGeom prst="rect">
@@ -6683,7 +5633,7 @@
           <a:p>
             <a:r>
               <a:rPr lang="en-US" sz="1200" dirty="0"/>
-              <a:t>Transaction entity (e.g. transaction fees), adopts and publishes core agreements for the network (e.g. steward agreement, policies, etc.) </a:t>
+              <a:t>Transaction entity (e.g. transaction fees), adopts and publishes core agreements for the utility (e.g. steward agreement, policies, etc.) </a:t>
             </a:r>
           </a:p>
         </p:txBody>
@@ -6737,7 +5687,7 @@
         </p:nvSpPr>
         <p:spPr>
           <a:xfrm>
-            <a:off x="4562738" y="3688023"/>
+            <a:off x="4562737" y="3850699"/>
             <a:ext cx="4123132" cy="461665"/>
           </a:xfrm>
           <a:prstGeom prst="rect">
@@ -6771,7 +5721,7 @@
         </p:nvSpPr>
         <p:spPr>
           <a:xfrm>
-            <a:off x="4562738" y="4198671"/>
+            <a:off x="4562737" y="4361347"/>
             <a:ext cx="3998441" cy="461665"/>
           </a:xfrm>
           <a:prstGeom prst="rect">
@@ -6867,7 +5817,7 @@
         </p:nvSpPr>
         <p:spPr>
           <a:xfrm>
-            <a:off x="2174829" y="3659024"/>
+            <a:off x="2176536" y="3850736"/>
             <a:ext cx="732800" cy="444998"/>
           </a:xfrm>
           <a:prstGeom prst="flowChartDocument">
@@ -6972,7 +5922,7 @@
                   <a:schemeClr val="tx1"/>
                 </a:solidFill>
               </a:rPr>
-              <a:t>Sign Network Agreements</a:t>
+              <a:t>Sign Utility Agreements</a:t>
             </a:r>
           </a:p>
         </p:txBody>
@@ -7053,7 +6003,7 @@
         </p:nvSpPr>
         <p:spPr>
           <a:xfrm>
-            <a:off x="3706784" y="2256708"/>
+            <a:off x="3751608" y="3110333"/>
             <a:ext cx="777624" cy="484905"/>
           </a:xfrm>
           <a:prstGeom prst="flowChartDocument">
@@ -7096,7 +6046,7 @@
                   <a:schemeClr val="tx1"/>
                 </a:solidFill>
               </a:rPr>
-              <a:t>Sign Network Agreements (non-member)</a:t>
+              <a:t>Sign Utility Agreements (non-member)</a:t>
             </a:r>
           </a:p>
         </p:txBody>
@@ -7313,10 +6263,49 @@
       </p:sp>
       <p:sp>
         <p:nvSpPr>
-          <p:cNvPr id="32" name="Rectangle 31">
-            <a:extLst>
-              <a:ext uri="{FF2B5EF4-FFF2-40B4-BE49-F238E27FC236}">
-                <a16:creationId xmlns:a16="http://schemas.microsoft.com/office/drawing/2014/main" id="{9B53D409-F987-8444-AE22-9780785EA6A8}"/>
+          <p:cNvPr id="27" name="TextBox 26">
+            <a:extLst>
+              <a:ext uri="{FF2B5EF4-FFF2-40B4-BE49-F238E27FC236}">
+                <a16:creationId xmlns:a16="http://schemas.microsoft.com/office/drawing/2014/main" id="{09B86223-2BC0-BC4D-BCCD-22A39773B330}"/>
+              </a:ext>
+            </a:extLst>
+          </p:cNvPr>
+          <p:cNvSpPr txBox="1"/>
+          <p:nvPr/>
+        </p:nvSpPr>
+        <p:spPr>
+          <a:xfrm>
+            <a:off x="8274423" y="0"/>
+            <a:ext cx="869577" cy="369332"/>
+          </a:xfrm>
+          <a:prstGeom prst="rect">
+            <a:avLst/>
+          </a:prstGeom>
+          <a:noFill/>
+        </p:spPr>
+        <p:txBody>
+          <a:bodyPr wrap="square" rtlCol="0">
+            <a:spAutoFit/>
+          </a:bodyPr>
+          <a:lstStyle/>
+          <a:p>
+            <a:r>
+              <a:rPr lang="en-US" dirty="0">
+                <a:solidFill>
+                  <a:srgbClr val="FF0000"/>
+                </a:solidFill>
+              </a:rPr>
+              <a:t>LATEST</a:t>
+            </a:r>
+          </a:p>
+        </p:txBody>
+      </p:sp>
+      <p:sp>
+        <p:nvSpPr>
+          <p:cNvPr id="28" name="Rectangle 27">
+            <a:extLst>
+              <a:ext uri="{FF2B5EF4-FFF2-40B4-BE49-F238E27FC236}">
+                <a16:creationId xmlns:a16="http://schemas.microsoft.com/office/drawing/2014/main" id="{20321D87-4AE9-4C43-8025-0F0E39FCFC93}"/>
               </a:ext>
             </a:extLst>
           </p:cNvPr>
@@ -7325,8 +6314,8 @@
         </p:nvSpPr>
         <p:spPr>
           <a:xfrm>
-            <a:off x="230979" y="2932630"/>
-            <a:ext cx="1769325" cy="599135"/>
+            <a:off x="269690" y="2446117"/>
+            <a:ext cx="1730614" cy="575270"/>
           </a:xfrm>
           <a:prstGeom prst="rect">
             <a:avLst/>
@@ -7360,24 +6349,24 @@
             <a:pPr algn="ctr"/>
             <a:r>
               <a:rPr lang="en-US" sz="1200" dirty="0"/>
-              <a:t>LF Network Projects LLC</a:t>
-            </a:r>
-          </a:p>
-          <a:p>
-            <a:pPr algn="ctr"/>
-            <a:r>
-              <a:rPr lang="en-US" sz="1200" dirty="0"/>
-              <a:t>(Delaware Series LLC)</a:t>
-            </a:r>
-          </a:p>
-        </p:txBody>
-      </p:sp>
-      <p:sp>
-        <p:nvSpPr>
-          <p:cNvPr id="34" name="Rectangle 33">
-            <a:extLst>
-              <a:ext uri="{FF2B5EF4-FFF2-40B4-BE49-F238E27FC236}">
-                <a16:creationId xmlns:a16="http://schemas.microsoft.com/office/drawing/2014/main" id="{B9B63B45-1E46-CC40-AB43-213A1C3D9B5A}"/>
+              <a:t>LF Governance Networks, Inc.</a:t>
+            </a:r>
+          </a:p>
+          <a:p>
+            <a:pPr algn="ctr"/>
+            <a:r>
+              <a:rPr lang="en-US" sz="1100" dirty="0"/>
+              <a:t>(Delaware Nonprofit Corp)</a:t>
+            </a:r>
+          </a:p>
+        </p:txBody>
+      </p:sp>
+      <p:sp>
+        <p:nvSpPr>
+          <p:cNvPr id="35" name="Rectangle 34">
+            <a:extLst>
+              <a:ext uri="{FF2B5EF4-FFF2-40B4-BE49-F238E27FC236}">
+                <a16:creationId xmlns:a16="http://schemas.microsoft.com/office/drawing/2014/main" id="{35D0890F-1369-5C4B-A01B-143E7FC0F1BF}"/>
               </a:ext>
             </a:extLst>
           </p:cNvPr>
@@ -7386,15 +6375,16 @@
         </p:nvSpPr>
         <p:spPr>
           <a:xfrm>
-            <a:off x="247339" y="2391178"/>
-            <a:ext cx="1752966" cy="445034"/>
+            <a:off x="269689" y="3110333"/>
+            <a:ext cx="1730614" cy="469641"/>
           </a:xfrm>
           <a:prstGeom prst="rect">
             <a:avLst/>
           </a:prstGeom>
           <a:solidFill>
             <a:schemeClr val="accent4">
-              <a:lumMod val="75000"/>
+              <a:lumMod val="20000"/>
+              <a:lumOff val="80000"/>
             </a:schemeClr>
           </a:solidFill>
         </p:spPr>
@@ -7420,8 +6410,12 @@
           <a:p>
             <a:pPr algn="ctr"/>
             <a:r>
-              <a:rPr lang="en-US" sz="1200" dirty="0"/>
-              <a:t>LF Operational Projects LLC (Delaware LLC)</a:t>
+              <a:rPr lang="en-US" sz="900" dirty="0">
+                <a:solidFill>
+                  <a:schemeClr val="tx1"/>
+                </a:solidFill>
+              </a:rPr>
+              <a:t>Bedrock Business Utility</a:t>
             </a:r>
           </a:p>
         </p:txBody>
@@ -7429,7 +6423,7 @@
     </p:spTree>
     <p:extLst>
       <p:ext uri="{BB962C8B-B14F-4D97-AF65-F5344CB8AC3E}">
-        <p14:creationId xmlns:p14="http://schemas.microsoft.com/office/powerpoint/2010/main" val="607870131"/>
+        <p14:creationId xmlns:p14="http://schemas.microsoft.com/office/powerpoint/2010/main" val="1402853837"/>
       </p:ext>
     </p:extLst>
   </p:cSld>
@@ -7461,10 +6455,80 @@
       </p:grpSpPr>
       <p:sp>
         <p:nvSpPr>
+          <p:cNvPr id="8" name="Title 7">
+            <a:extLst>
+              <a:ext uri="{FF2B5EF4-FFF2-40B4-BE49-F238E27FC236}">
+                <a16:creationId xmlns:a16="http://schemas.microsoft.com/office/drawing/2014/main" id="{B2FA13F5-C6F4-46C1-838A-EC69FC41AADA}"/>
+              </a:ext>
+            </a:extLst>
+          </p:cNvPr>
+          <p:cNvSpPr>
+            <a:spLocks noGrp="1"/>
+          </p:cNvSpPr>
+          <p:nvPr>
+            <p:ph type="title"/>
+          </p:nvPr>
+        </p:nvSpPr>
+        <p:spPr>
+          <a:xfrm>
+            <a:off x="471792" y="139377"/>
+            <a:ext cx="8200415" cy="567235"/>
+          </a:xfrm>
+        </p:spPr>
+        <p:txBody>
+          <a:bodyPr>
+            <a:normAutofit/>
+          </a:bodyPr>
+          <a:lstStyle/>
+          <a:p>
+            <a:r>
+              <a:rPr lang="en-US" sz="2400" dirty="0"/>
+              <a:t>Entity Structure</a:t>
+            </a:r>
+          </a:p>
+        </p:txBody>
+      </p:sp>
+      <p:sp>
+        <p:nvSpPr>
+          <p:cNvPr id="6" name="Slide Number Placeholder 5">
+            <a:extLst>
+              <a:ext uri="{FF2B5EF4-FFF2-40B4-BE49-F238E27FC236}">
+                <a16:creationId xmlns:a16="http://schemas.microsoft.com/office/drawing/2014/main" id="{6DC3E9BB-401E-4CDB-A1AD-CE0F2D418BB1}"/>
+              </a:ext>
+            </a:extLst>
+          </p:cNvPr>
+          <p:cNvSpPr>
+            <a:spLocks noGrp="1"/>
+          </p:cNvSpPr>
+          <p:nvPr>
+            <p:ph type="sldNum" sz="quarter" idx="4294967295"/>
+          </p:nvPr>
+        </p:nvSpPr>
+        <p:spPr>
+          <a:xfrm>
+            <a:off x="8868255" y="4937760"/>
+            <a:ext cx="275746" cy="205740"/>
+          </a:xfrm>
+        </p:spPr>
+        <p:txBody>
+          <a:bodyPr/>
+          <a:lstStyle/>
+          <a:p>
+            <a:fld id="{AD86CF49-6971-4508-8862-A2909EA0DB5B}" type="slidenum">
+              <a:rPr lang="en-US" smtClean="0"/>
+              <a:pPr/>
+              <a:t>4</a:t>
+            </a:fld>
+            <a:endParaRPr lang="en-US" dirty="0"/>
+          </a:p>
+        </p:txBody>
+      </p:sp>
+      <p:sp>
+        <p:nvSpPr>
           <p:cNvPr id="10" name="Rectangle 9">
             <a:extLst>
               <a:ext uri="{FF2B5EF4-FFF2-40B4-BE49-F238E27FC236}">
-                <a16:creationId xmlns:a16="http://schemas.microsoft.com/office/drawing/2014/main" id="{2EA8BAFB-B89A-574F-AC3D-93B1255FE2C5}"/>
+                <a16:creationId xmlns:a16="http://schemas.microsoft.com/office/drawing/2014/main" id="{CCBD4ED3-F1A7-DA40-BBF0-5008037507DB}"/>
               </a:ext>
             </a:extLst>
           </p:cNvPr>
@@ -7473,12 +6537,15 @@
         </p:nvSpPr>
         <p:spPr>
           <a:xfrm>
-            <a:off x="2833060" y="335560"/>
-            <a:ext cx="3338542" cy="785124"/>
+            <a:off x="792014" y="2461914"/>
+            <a:ext cx="1730615" cy="783893"/>
           </a:xfrm>
           <a:prstGeom prst="rect">
             <a:avLst/>
           </a:prstGeom>
+          <a:solidFill>
+            <a:srgbClr val="C00000"/>
+          </a:solidFill>
         </p:spPr>
         <p:style>
           <a:lnRef idx="2">
@@ -7502,7 +6569,655 @@
           <a:p>
             <a:pPr algn="ctr"/>
             <a:r>
-              <a:rPr lang="en-US" sz="1600" b="1" dirty="0"/>
+              <a:rPr lang="en-US" sz="1200" dirty="0"/>
+              <a:t>Joint Development Foundation Projects LLC</a:t>
+            </a:r>
+          </a:p>
+          <a:p>
+            <a:pPr algn="ctr"/>
+            <a:r>
+              <a:rPr lang="en-US" sz="1200" dirty="0"/>
+              <a:t>(Delaware Series LLC)</a:t>
+            </a:r>
+          </a:p>
+        </p:txBody>
+      </p:sp>
+      <p:sp>
+        <p:nvSpPr>
+          <p:cNvPr id="11" name="Rectangle 10">
+            <a:extLst>
+              <a:ext uri="{FF2B5EF4-FFF2-40B4-BE49-F238E27FC236}">
+                <a16:creationId xmlns:a16="http://schemas.microsoft.com/office/drawing/2014/main" id="{500008A7-39AF-7341-8497-2F75401E301D}"/>
+              </a:ext>
+            </a:extLst>
+          </p:cNvPr>
+          <p:cNvSpPr/>
+          <p:nvPr/>
+        </p:nvSpPr>
+        <p:spPr>
+          <a:xfrm>
+            <a:off x="792014" y="3380327"/>
+            <a:ext cx="736251" cy="445035"/>
+          </a:xfrm>
+          <a:prstGeom prst="rect">
+            <a:avLst/>
+          </a:prstGeom>
+          <a:solidFill>
+            <a:schemeClr val="accent2">
+              <a:lumMod val="20000"/>
+              <a:lumOff val="80000"/>
+            </a:schemeClr>
+          </a:solidFill>
+        </p:spPr>
+        <p:style>
+          <a:lnRef idx="2">
+            <a:schemeClr val="accent1">
+              <a:shade val="50000"/>
+            </a:schemeClr>
+          </a:lnRef>
+          <a:fillRef idx="1">
+            <a:schemeClr val="accent1"/>
+          </a:fillRef>
+          <a:effectRef idx="0">
+            <a:schemeClr val="accent1"/>
+          </a:effectRef>
+          <a:fontRef idx="minor">
+            <a:schemeClr val="lt1"/>
+          </a:fontRef>
+        </p:style>
+        <p:txBody>
+          <a:bodyPr rtlCol="0" anchor="ctr"/>
+          <a:lstStyle/>
+          <a:p>
+            <a:pPr algn="ctr"/>
+            <a:r>
+              <a:rPr lang="en-US" sz="900" dirty="0">
+                <a:solidFill>
+                  <a:schemeClr val="tx1"/>
+                </a:solidFill>
+              </a:rPr>
+              <a:t>Series 1</a:t>
+            </a:r>
+          </a:p>
+        </p:txBody>
+      </p:sp>
+      <p:sp>
+        <p:nvSpPr>
+          <p:cNvPr id="13" name="Rectangle 12">
+            <a:extLst>
+              <a:ext uri="{FF2B5EF4-FFF2-40B4-BE49-F238E27FC236}">
+                <a16:creationId xmlns:a16="http://schemas.microsoft.com/office/drawing/2014/main" id="{AA799048-E26B-644A-8166-3A7DC18A1C32}"/>
+              </a:ext>
+            </a:extLst>
+          </p:cNvPr>
+          <p:cNvSpPr/>
+          <p:nvPr/>
+        </p:nvSpPr>
+        <p:spPr>
+          <a:xfrm>
+            <a:off x="1634153" y="3377020"/>
+            <a:ext cx="736251" cy="445035"/>
+          </a:xfrm>
+          <a:prstGeom prst="rect">
+            <a:avLst/>
+          </a:prstGeom>
+          <a:solidFill>
+            <a:schemeClr val="accent2">
+              <a:lumMod val="20000"/>
+              <a:lumOff val="80000"/>
+            </a:schemeClr>
+          </a:solidFill>
+        </p:spPr>
+        <p:style>
+          <a:lnRef idx="2">
+            <a:schemeClr val="accent1">
+              <a:shade val="50000"/>
+            </a:schemeClr>
+          </a:lnRef>
+          <a:fillRef idx="1">
+            <a:schemeClr val="accent1"/>
+          </a:fillRef>
+          <a:effectRef idx="0">
+            <a:schemeClr val="accent1"/>
+          </a:effectRef>
+          <a:fontRef idx="minor">
+            <a:schemeClr val="lt1"/>
+          </a:fontRef>
+        </p:style>
+        <p:txBody>
+          <a:bodyPr rtlCol="0" anchor="ctr"/>
+          <a:lstStyle/>
+          <a:p>
+            <a:pPr algn="ctr"/>
+            <a:r>
+              <a:rPr lang="en-US" sz="900" dirty="0">
+                <a:solidFill>
+                  <a:schemeClr val="tx1"/>
+                </a:solidFill>
+              </a:rPr>
+              <a:t>Series …n</a:t>
+            </a:r>
+          </a:p>
+        </p:txBody>
+      </p:sp>
+      <p:sp>
+        <p:nvSpPr>
+          <p:cNvPr id="14" name="Rectangle 13">
+            <a:extLst>
+              <a:ext uri="{FF2B5EF4-FFF2-40B4-BE49-F238E27FC236}">
+                <a16:creationId xmlns:a16="http://schemas.microsoft.com/office/drawing/2014/main" id="{358DC0CE-1E25-1340-AC2A-DBB52130B9C0}"/>
+              </a:ext>
+            </a:extLst>
+          </p:cNvPr>
+          <p:cNvSpPr/>
+          <p:nvPr/>
+        </p:nvSpPr>
+        <p:spPr>
+          <a:xfrm>
+            <a:off x="792014" y="3963584"/>
+            <a:ext cx="736251" cy="445035"/>
+          </a:xfrm>
+          <a:prstGeom prst="rect">
+            <a:avLst/>
+          </a:prstGeom>
+          <a:solidFill>
+            <a:schemeClr val="accent2">
+              <a:lumMod val="20000"/>
+              <a:lumOff val="80000"/>
+            </a:schemeClr>
+          </a:solidFill>
+        </p:spPr>
+        <p:style>
+          <a:lnRef idx="2">
+            <a:schemeClr val="accent1">
+              <a:shade val="50000"/>
+            </a:schemeClr>
+          </a:lnRef>
+          <a:fillRef idx="1">
+            <a:schemeClr val="accent1"/>
+          </a:fillRef>
+          <a:effectRef idx="0">
+            <a:schemeClr val="accent1"/>
+          </a:effectRef>
+          <a:fontRef idx="minor">
+            <a:schemeClr val="lt1"/>
+          </a:fontRef>
+        </p:style>
+        <p:txBody>
+          <a:bodyPr rtlCol="0" anchor="ctr"/>
+          <a:lstStyle/>
+          <a:p>
+            <a:pPr algn="ctr"/>
+            <a:r>
+              <a:rPr lang="en-US" sz="900" dirty="0">
+                <a:solidFill>
+                  <a:schemeClr val="tx1"/>
+                </a:solidFill>
+              </a:rPr>
+              <a:t>Members</a:t>
+            </a:r>
+          </a:p>
+        </p:txBody>
+      </p:sp>
+      <p:sp>
+        <p:nvSpPr>
+          <p:cNvPr id="18" name="Rectangle 17">
+            <a:extLst>
+              <a:ext uri="{FF2B5EF4-FFF2-40B4-BE49-F238E27FC236}">
+                <a16:creationId xmlns:a16="http://schemas.microsoft.com/office/drawing/2014/main" id="{ED6CCB6A-0380-3740-A55F-1F3C37C456D8}"/>
+              </a:ext>
+            </a:extLst>
+          </p:cNvPr>
+          <p:cNvSpPr/>
+          <p:nvPr/>
+        </p:nvSpPr>
+        <p:spPr>
+          <a:xfrm>
+            <a:off x="1634154" y="3963584"/>
+            <a:ext cx="736251" cy="445035"/>
+          </a:xfrm>
+          <a:prstGeom prst="rect">
+            <a:avLst/>
+          </a:prstGeom>
+          <a:solidFill>
+            <a:schemeClr val="accent2">
+              <a:lumMod val="20000"/>
+              <a:lumOff val="80000"/>
+            </a:schemeClr>
+          </a:solidFill>
+        </p:spPr>
+        <p:style>
+          <a:lnRef idx="2">
+            <a:schemeClr val="accent1">
+              <a:shade val="50000"/>
+            </a:schemeClr>
+          </a:lnRef>
+          <a:fillRef idx="1">
+            <a:schemeClr val="accent1"/>
+          </a:fillRef>
+          <a:effectRef idx="0">
+            <a:schemeClr val="accent1"/>
+          </a:effectRef>
+          <a:fontRef idx="minor">
+            <a:schemeClr val="lt1"/>
+          </a:fontRef>
+        </p:style>
+        <p:txBody>
+          <a:bodyPr rtlCol="0" anchor="ctr"/>
+          <a:lstStyle/>
+          <a:p>
+            <a:pPr algn="ctr"/>
+            <a:r>
+              <a:rPr lang="en-US" sz="900" dirty="0">
+                <a:solidFill>
+                  <a:schemeClr val="tx1"/>
+                </a:solidFill>
+              </a:rPr>
+              <a:t>Members</a:t>
+            </a:r>
+          </a:p>
+        </p:txBody>
+      </p:sp>
+      <p:sp>
+        <p:nvSpPr>
+          <p:cNvPr id="20" name="Rectangle 19">
+            <a:extLst>
+              <a:ext uri="{FF2B5EF4-FFF2-40B4-BE49-F238E27FC236}">
+                <a16:creationId xmlns:a16="http://schemas.microsoft.com/office/drawing/2014/main" id="{3D48B8B4-14C1-DF47-8B5F-2F0A30138798}"/>
+              </a:ext>
+            </a:extLst>
+          </p:cNvPr>
+          <p:cNvSpPr/>
+          <p:nvPr/>
+        </p:nvSpPr>
+        <p:spPr>
+          <a:xfrm>
+            <a:off x="1772964" y="841133"/>
+            <a:ext cx="2097417" cy="785124"/>
+          </a:xfrm>
+          <a:prstGeom prst="rect">
+            <a:avLst/>
+          </a:prstGeom>
+          <a:solidFill>
+            <a:schemeClr val="accent6">
+              <a:lumMod val="75000"/>
+            </a:schemeClr>
+          </a:solidFill>
+        </p:spPr>
+        <p:style>
+          <a:lnRef idx="2">
+            <a:schemeClr val="accent1">
+              <a:shade val="50000"/>
+            </a:schemeClr>
+          </a:lnRef>
+          <a:fillRef idx="1">
+            <a:schemeClr val="accent1"/>
+          </a:fillRef>
+          <a:effectRef idx="0">
+            <a:schemeClr val="accent1"/>
+          </a:effectRef>
+          <a:fontRef idx="minor">
+            <a:schemeClr val="lt1"/>
+          </a:fontRef>
+        </p:style>
+        <p:txBody>
+          <a:bodyPr rtlCol="0" anchor="ctr"/>
+          <a:lstStyle/>
+          <a:p>
+            <a:pPr algn="ctr"/>
+            <a:r>
+              <a:rPr lang="en-US" sz="1200" dirty="0"/>
+              <a:t>Joint Development Foundation</a:t>
+            </a:r>
+          </a:p>
+          <a:p>
+            <a:pPr algn="ctr"/>
+            <a:r>
+              <a:rPr lang="en-US" sz="1200" dirty="0"/>
+              <a:t>(Washington Nonprofit Corp, 501(c)6)</a:t>
+            </a:r>
+          </a:p>
+        </p:txBody>
+      </p:sp>
+      <p:sp>
+        <p:nvSpPr>
+          <p:cNvPr id="21" name="Rectangle 20">
+            <a:extLst>
+              <a:ext uri="{FF2B5EF4-FFF2-40B4-BE49-F238E27FC236}">
+                <a16:creationId xmlns:a16="http://schemas.microsoft.com/office/drawing/2014/main" id="{27269BFE-BE37-C444-81F3-3AAC5BEDD27C}"/>
+              </a:ext>
+            </a:extLst>
+          </p:cNvPr>
+          <p:cNvSpPr/>
+          <p:nvPr/>
+        </p:nvSpPr>
+        <p:spPr>
+          <a:xfrm>
+            <a:off x="2713112" y="2461914"/>
+            <a:ext cx="1730615" cy="783893"/>
+          </a:xfrm>
+          <a:prstGeom prst="rect">
+            <a:avLst/>
+          </a:prstGeom>
+          <a:solidFill>
+            <a:srgbClr val="00B050"/>
+          </a:solidFill>
+        </p:spPr>
+        <p:style>
+          <a:lnRef idx="2">
+            <a:schemeClr val="accent1">
+              <a:shade val="50000"/>
+            </a:schemeClr>
+          </a:lnRef>
+          <a:fillRef idx="1">
+            <a:schemeClr val="accent1"/>
+          </a:fillRef>
+          <a:effectRef idx="0">
+            <a:schemeClr val="accent1"/>
+          </a:effectRef>
+          <a:fontRef idx="minor">
+            <a:schemeClr val="lt1"/>
+          </a:fontRef>
+        </p:style>
+        <p:txBody>
+          <a:bodyPr rtlCol="0" anchor="ctr"/>
+          <a:lstStyle/>
+          <a:p>
+            <a:pPr algn="ctr"/>
+            <a:r>
+              <a:rPr lang="en-US" sz="1200" dirty="0"/>
+              <a:t>LF Projects LLC</a:t>
+            </a:r>
+          </a:p>
+          <a:p>
+            <a:pPr algn="ctr"/>
+            <a:r>
+              <a:rPr lang="en-US" sz="1200" dirty="0"/>
+              <a:t>(Delaware Series LLC)</a:t>
+            </a:r>
+          </a:p>
+        </p:txBody>
+      </p:sp>
+      <p:sp>
+        <p:nvSpPr>
+          <p:cNvPr id="22" name="Rectangle 21">
+            <a:extLst>
+              <a:ext uri="{FF2B5EF4-FFF2-40B4-BE49-F238E27FC236}">
+                <a16:creationId xmlns:a16="http://schemas.microsoft.com/office/drawing/2014/main" id="{69B46024-BD3E-F04D-8DE0-0C48013D16E2}"/>
+              </a:ext>
+            </a:extLst>
+          </p:cNvPr>
+          <p:cNvSpPr/>
+          <p:nvPr/>
+        </p:nvSpPr>
+        <p:spPr>
+          <a:xfrm>
+            <a:off x="2721440" y="3377020"/>
+            <a:ext cx="808439" cy="445035"/>
+          </a:xfrm>
+          <a:prstGeom prst="rect">
+            <a:avLst/>
+          </a:prstGeom>
+          <a:solidFill>
+            <a:schemeClr val="accent3">
+              <a:lumMod val="20000"/>
+              <a:lumOff val="80000"/>
+            </a:schemeClr>
+          </a:solidFill>
+        </p:spPr>
+        <p:style>
+          <a:lnRef idx="2">
+            <a:schemeClr val="accent1">
+              <a:shade val="50000"/>
+            </a:schemeClr>
+          </a:lnRef>
+          <a:fillRef idx="1">
+            <a:schemeClr val="accent1"/>
+          </a:fillRef>
+          <a:effectRef idx="0">
+            <a:schemeClr val="accent1"/>
+          </a:effectRef>
+          <a:fontRef idx="minor">
+            <a:schemeClr val="lt1"/>
+          </a:fontRef>
+        </p:style>
+        <p:txBody>
+          <a:bodyPr rtlCol="0" anchor="ctr"/>
+          <a:lstStyle/>
+          <a:p>
+            <a:pPr algn="ctr"/>
+            <a:r>
+              <a:rPr lang="en-US" sz="900" dirty="0">
+                <a:solidFill>
+                  <a:schemeClr val="tx1"/>
+                </a:solidFill>
+              </a:rPr>
+              <a:t>Series 1</a:t>
+            </a:r>
+          </a:p>
+        </p:txBody>
+      </p:sp>
+      <p:sp>
+        <p:nvSpPr>
+          <p:cNvPr id="24" name="Rectangle 23">
+            <a:extLst>
+              <a:ext uri="{FF2B5EF4-FFF2-40B4-BE49-F238E27FC236}">
+                <a16:creationId xmlns:a16="http://schemas.microsoft.com/office/drawing/2014/main" id="{A209DD98-33ED-5444-AA38-04F26AD49EF2}"/>
+              </a:ext>
+            </a:extLst>
+          </p:cNvPr>
+          <p:cNvSpPr/>
+          <p:nvPr/>
+        </p:nvSpPr>
+        <p:spPr>
+          <a:xfrm>
+            <a:off x="3624339" y="3377020"/>
+            <a:ext cx="819388" cy="445035"/>
+          </a:xfrm>
+          <a:prstGeom prst="rect">
+            <a:avLst/>
+          </a:prstGeom>
+          <a:solidFill>
+            <a:schemeClr val="accent3">
+              <a:lumMod val="20000"/>
+              <a:lumOff val="80000"/>
+            </a:schemeClr>
+          </a:solidFill>
+        </p:spPr>
+        <p:style>
+          <a:lnRef idx="2">
+            <a:schemeClr val="accent1">
+              <a:shade val="50000"/>
+            </a:schemeClr>
+          </a:lnRef>
+          <a:fillRef idx="1">
+            <a:schemeClr val="accent1"/>
+          </a:fillRef>
+          <a:effectRef idx="0">
+            <a:schemeClr val="accent1"/>
+          </a:effectRef>
+          <a:fontRef idx="minor">
+            <a:schemeClr val="lt1"/>
+          </a:fontRef>
+        </p:style>
+        <p:txBody>
+          <a:bodyPr rtlCol="0" anchor="ctr"/>
+          <a:lstStyle/>
+          <a:p>
+            <a:pPr algn="ctr"/>
+            <a:r>
+              <a:rPr lang="en-US" sz="900" dirty="0">
+                <a:solidFill>
+                  <a:schemeClr val="tx1"/>
+                </a:solidFill>
+              </a:rPr>
+              <a:t>Series …n</a:t>
+            </a:r>
+          </a:p>
+        </p:txBody>
+      </p:sp>
+      <p:sp>
+        <p:nvSpPr>
+          <p:cNvPr id="25" name="Rectangle 24">
+            <a:extLst>
+              <a:ext uri="{FF2B5EF4-FFF2-40B4-BE49-F238E27FC236}">
+                <a16:creationId xmlns:a16="http://schemas.microsoft.com/office/drawing/2014/main" id="{D8522A15-33B6-8749-A761-D55118D8BC62}"/>
+              </a:ext>
+            </a:extLst>
+          </p:cNvPr>
+          <p:cNvSpPr/>
+          <p:nvPr/>
+        </p:nvSpPr>
+        <p:spPr>
+          <a:xfrm>
+            <a:off x="2739830" y="3963584"/>
+            <a:ext cx="808439" cy="445035"/>
+          </a:xfrm>
+          <a:prstGeom prst="rect">
+            <a:avLst/>
+          </a:prstGeom>
+          <a:solidFill>
+            <a:schemeClr val="accent3">
+              <a:lumMod val="20000"/>
+              <a:lumOff val="80000"/>
+            </a:schemeClr>
+          </a:solidFill>
+        </p:spPr>
+        <p:style>
+          <a:lnRef idx="2">
+            <a:schemeClr val="accent1">
+              <a:shade val="50000"/>
+            </a:schemeClr>
+          </a:lnRef>
+          <a:fillRef idx="1">
+            <a:schemeClr val="accent1"/>
+          </a:fillRef>
+          <a:effectRef idx="0">
+            <a:schemeClr val="accent1"/>
+          </a:effectRef>
+          <a:fontRef idx="minor">
+            <a:schemeClr val="lt1"/>
+          </a:fontRef>
+        </p:style>
+        <p:txBody>
+          <a:bodyPr rtlCol="0" anchor="ctr"/>
+          <a:lstStyle/>
+          <a:p>
+            <a:pPr algn="ctr"/>
+            <a:r>
+              <a:rPr lang="en-US" sz="900" dirty="0">
+                <a:solidFill>
+                  <a:schemeClr val="tx1"/>
+                </a:solidFill>
+              </a:rPr>
+              <a:t>Contributors</a:t>
+            </a:r>
+          </a:p>
+        </p:txBody>
+      </p:sp>
+      <p:sp>
+        <p:nvSpPr>
+          <p:cNvPr id="29" name="Rectangle 28">
+            <a:extLst>
+              <a:ext uri="{FF2B5EF4-FFF2-40B4-BE49-F238E27FC236}">
+                <a16:creationId xmlns:a16="http://schemas.microsoft.com/office/drawing/2014/main" id="{6D632D33-FBEE-F848-BABA-41858DCA864A}"/>
+              </a:ext>
+            </a:extLst>
+          </p:cNvPr>
+          <p:cNvSpPr/>
+          <p:nvPr/>
+        </p:nvSpPr>
+        <p:spPr>
+          <a:xfrm>
+            <a:off x="3624339" y="3963584"/>
+            <a:ext cx="852851" cy="445035"/>
+          </a:xfrm>
+          <a:prstGeom prst="rect">
+            <a:avLst/>
+          </a:prstGeom>
+          <a:solidFill>
+            <a:schemeClr val="accent3">
+              <a:lumMod val="20000"/>
+              <a:lumOff val="80000"/>
+            </a:schemeClr>
+          </a:solidFill>
+        </p:spPr>
+        <p:style>
+          <a:lnRef idx="2">
+            <a:schemeClr val="accent1">
+              <a:shade val="50000"/>
+            </a:schemeClr>
+          </a:lnRef>
+          <a:fillRef idx="1">
+            <a:schemeClr val="accent1"/>
+          </a:fillRef>
+          <a:effectRef idx="0">
+            <a:schemeClr val="accent1"/>
+          </a:effectRef>
+          <a:fontRef idx="minor">
+            <a:schemeClr val="lt1"/>
+          </a:fontRef>
+        </p:style>
+        <p:txBody>
+          <a:bodyPr rtlCol="0" anchor="ctr"/>
+          <a:lstStyle/>
+          <a:p>
+            <a:pPr algn="ctr"/>
+            <a:r>
+              <a:rPr lang="en-US" sz="900" dirty="0">
+                <a:solidFill>
+                  <a:schemeClr val="tx1"/>
+                </a:solidFill>
+              </a:rPr>
+              <a:t>Contributors</a:t>
+            </a:r>
+          </a:p>
+        </p:txBody>
+      </p:sp>
+      <p:sp>
+        <p:nvSpPr>
+          <p:cNvPr id="31" name="Rectangle 30">
+            <a:extLst>
+              <a:ext uri="{FF2B5EF4-FFF2-40B4-BE49-F238E27FC236}">
+                <a16:creationId xmlns:a16="http://schemas.microsoft.com/office/drawing/2014/main" id="{37D5FEA2-1CD5-8C4F-A004-71C4DAA92698}"/>
+              </a:ext>
+            </a:extLst>
+          </p:cNvPr>
+          <p:cNvSpPr/>
+          <p:nvPr/>
+        </p:nvSpPr>
+        <p:spPr>
+          <a:xfrm>
+            <a:off x="5470396" y="841133"/>
+            <a:ext cx="1885626" cy="785124"/>
+          </a:xfrm>
+          <a:prstGeom prst="rect">
+            <a:avLst/>
+          </a:prstGeom>
+        </p:spPr>
+        <p:style>
+          <a:lnRef idx="2">
+            <a:schemeClr val="accent1">
+              <a:shade val="50000"/>
+            </a:schemeClr>
+          </a:lnRef>
+          <a:fillRef idx="1">
+            <a:schemeClr val="accent1"/>
+          </a:fillRef>
+          <a:effectRef idx="0">
+            <a:schemeClr val="accent1"/>
+          </a:effectRef>
+          <a:fontRef idx="minor">
+            <a:schemeClr val="lt1"/>
+          </a:fontRef>
+        </p:style>
+        <p:txBody>
+          <a:bodyPr rtlCol="0" anchor="ctr"/>
+          <a:lstStyle/>
+          <a:p>
+            <a:pPr algn="ctr"/>
+            <a:r>
+              <a:rPr lang="en-US" sz="1200" dirty="0"/>
               <a:t>The Linux Foundation</a:t>
             </a:r>
           </a:p>
@@ -7510,48 +7225,79 @@
             <a:pPr algn="ctr"/>
             <a:r>
               <a:rPr lang="en-US" sz="1200" dirty="0"/>
-              <a:t>Oregon Mutual Benefit Corporation, 501(c)6</a:t>
+              <a:t>(Oregon Mutual Benefit Corporation, 501(c)6)</a:t>
+            </a:r>
+          </a:p>
+        </p:txBody>
+      </p:sp>
+      <p:sp>
+        <p:nvSpPr>
+          <p:cNvPr id="3" name="TextBox 2">
+            <a:extLst>
+              <a:ext uri="{FF2B5EF4-FFF2-40B4-BE49-F238E27FC236}">
+                <a16:creationId xmlns:a16="http://schemas.microsoft.com/office/drawing/2014/main" id="{B2A59E8A-6483-3C41-9431-51A4E360E730}"/>
+              </a:ext>
+            </a:extLst>
+          </p:cNvPr>
+          <p:cNvSpPr txBox="1"/>
+          <p:nvPr/>
+        </p:nvSpPr>
+        <p:spPr>
+          <a:xfrm>
+            <a:off x="4466939" y="1024451"/>
+            <a:ext cx="829073" cy="230832"/>
+          </a:xfrm>
+          <a:prstGeom prst="rect">
+            <a:avLst/>
+          </a:prstGeom>
+          <a:noFill/>
+        </p:spPr>
+        <p:txBody>
+          <a:bodyPr wrap="none" rtlCol="0">
+            <a:spAutoFit/>
+          </a:bodyPr>
+          <a:lstStyle/>
+          <a:p>
+            <a:r>
+              <a:rPr lang="en-US" sz="900" b="1" dirty="0"/>
+              <a:t>Sole Member</a:t>
             </a:r>
           </a:p>
         </p:txBody>
       </p:sp>
       <p:cxnSp>
         <p:nvCxnSpPr>
-          <p:cNvPr id="12" name="Straight Connector 11">
-            <a:extLst>
-              <a:ext uri="{FF2B5EF4-FFF2-40B4-BE49-F238E27FC236}">
-                <a16:creationId xmlns:a16="http://schemas.microsoft.com/office/drawing/2014/main" id="{A06C6700-C4CA-DA47-B6F6-3E09647153C7}"/>
+          <p:cNvPr id="32" name="Straight Connector 31">
+            <a:extLst>
+              <a:ext uri="{FF2B5EF4-FFF2-40B4-BE49-F238E27FC236}">
+                <a16:creationId xmlns:a16="http://schemas.microsoft.com/office/drawing/2014/main" id="{CAE2017F-6963-714C-8566-2F767DA06DC4}"/>
               </a:ext>
             </a:extLst>
           </p:cNvPr>
           <p:cNvCxnSpPr>
             <a:cxnSpLocks/>
-            <a:endCxn id="6" idx="0"/>
+            <a:stCxn id="20" idx="3"/>
+            <a:endCxn id="31" idx="1"/>
           </p:cNvCxnSpPr>
           <p:nvPr/>
         </p:nvCxnSpPr>
         <p:spPr>
           <a:xfrm>
-            <a:off x="4572000" y="1120684"/>
-            <a:ext cx="0" cy="653210"/>
+            <a:off x="3870381" y="1233695"/>
+            <a:ext cx="1600015" cy="0"/>
           </a:xfrm>
           <a:prstGeom prst="line">
             <a:avLst/>
           </a:prstGeom>
-          <a:ln w="28575">
-            <a:solidFill>
-              <a:schemeClr val="tx1"/>
-            </a:solidFill>
-          </a:ln>
         </p:spPr>
         <p:style>
-          <a:lnRef idx="2">
+          <a:lnRef idx="1">
             <a:schemeClr val="accent1"/>
           </a:lnRef>
           <a:fillRef idx="0">
             <a:schemeClr val="accent1"/>
           </a:fillRef>
-          <a:effectRef idx="1">
+          <a:effectRef idx="0">
             <a:schemeClr val="accent1"/>
           </a:effectRef>
           <a:fontRef idx="minor">
@@ -7561,41 +7307,37 @@
       </p:cxnSp>
       <p:cxnSp>
         <p:nvCxnSpPr>
-          <p:cNvPr id="14" name="Straight Connector 13">
-            <a:extLst>
-              <a:ext uri="{FF2B5EF4-FFF2-40B4-BE49-F238E27FC236}">
-                <a16:creationId xmlns:a16="http://schemas.microsoft.com/office/drawing/2014/main" id="{E842242B-9923-9E49-BDEA-A2B3A0682B4B}"/>
+          <p:cNvPr id="34" name="Straight Connector 33">
+            <a:extLst>
+              <a:ext uri="{FF2B5EF4-FFF2-40B4-BE49-F238E27FC236}">
+                <a16:creationId xmlns:a16="http://schemas.microsoft.com/office/drawing/2014/main" id="{EDCBC2EA-0A59-4745-9DF4-59B89F5951D4}"/>
               </a:ext>
             </a:extLst>
           </p:cNvPr>
           <p:cNvCxnSpPr>
             <a:cxnSpLocks/>
-            <a:endCxn id="8" idx="0"/>
+            <a:stCxn id="20" idx="2"/>
+            <a:endCxn id="21" idx="0"/>
           </p:cNvCxnSpPr>
           <p:nvPr/>
         </p:nvCxnSpPr>
         <p:spPr>
-          <a:xfrm flipH="1">
-            <a:off x="2277662" y="2785042"/>
-            <a:ext cx="1354687" cy="657565"/>
+          <a:xfrm>
+            <a:off x="2821673" y="1626257"/>
+            <a:ext cx="756747" cy="835657"/>
           </a:xfrm>
           <a:prstGeom prst="line">
             <a:avLst/>
           </a:prstGeom>
-          <a:ln w="28575">
-            <a:solidFill>
-              <a:schemeClr val="tx1"/>
-            </a:solidFill>
-          </a:ln>
         </p:spPr>
         <p:style>
-          <a:lnRef idx="2">
+          <a:lnRef idx="1">
             <a:schemeClr val="accent1"/>
           </a:lnRef>
           <a:fillRef idx="0">
             <a:schemeClr val="accent1"/>
           </a:fillRef>
-          <a:effectRef idx="1">
+          <a:effectRef idx="0">
             <a:schemeClr val="accent1"/>
           </a:effectRef>
           <a:fontRef idx="minor">
@@ -7605,41 +7347,37 @@
       </p:cxnSp>
       <p:cxnSp>
         <p:nvCxnSpPr>
-          <p:cNvPr id="16" name="Straight Connector 15">
-            <a:extLst>
-              <a:ext uri="{FF2B5EF4-FFF2-40B4-BE49-F238E27FC236}">
-                <a16:creationId xmlns:a16="http://schemas.microsoft.com/office/drawing/2014/main" id="{A16E51B0-5061-0F46-8C79-07B284A8E27C}"/>
+          <p:cNvPr id="36" name="Straight Connector 35">
+            <a:extLst>
+              <a:ext uri="{FF2B5EF4-FFF2-40B4-BE49-F238E27FC236}">
+                <a16:creationId xmlns:a16="http://schemas.microsoft.com/office/drawing/2014/main" id="{29CC41A6-5572-2440-8B66-678965363842}"/>
               </a:ext>
             </a:extLst>
           </p:cNvPr>
           <p:cNvCxnSpPr>
             <a:cxnSpLocks/>
-            <a:endCxn id="7" idx="0"/>
+            <a:stCxn id="10" idx="0"/>
+            <a:endCxn id="20" idx="2"/>
           </p:cNvCxnSpPr>
           <p:nvPr/>
         </p:nvCxnSpPr>
         <p:spPr>
-          <a:xfrm>
-            <a:off x="5686699" y="2785042"/>
-            <a:ext cx="1172735" cy="657565"/>
+          <a:xfrm flipV="1">
+            <a:off x="1657322" y="1626257"/>
+            <a:ext cx="1164351" cy="835657"/>
           </a:xfrm>
           <a:prstGeom prst="line">
             <a:avLst/>
           </a:prstGeom>
-          <a:ln w="28575">
-            <a:solidFill>
-              <a:schemeClr val="tx1"/>
-            </a:solidFill>
-          </a:ln>
         </p:spPr>
         <p:style>
-          <a:lnRef idx="2">
+          <a:lnRef idx="1">
             <a:schemeClr val="accent1"/>
           </a:lnRef>
           <a:fillRef idx="0">
             <a:schemeClr val="accent1"/>
           </a:fillRef>
-          <a:effectRef idx="1">
+          <a:effectRef idx="0">
             <a:schemeClr val="accent1"/>
           </a:effectRef>
           <a:fontRef idx="minor">
@@ -7649,10 +7387,80 @@
       </p:cxnSp>
       <p:sp>
         <p:nvSpPr>
-          <p:cNvPr id="8" name="Rounded Rectangle 7">
-            <a:extLst>
-              <a:ext uri="{FF2B5EF4-FFF2-40B4-BE49-F238E27FC236}">
-                <a16:creationId xmlns:a16="http://schemas.microsoft.com/office/drawing/2014/main" id="{586D5DA2-E025-F447-9944-A6F11813979E}"/>
+          <p:cNvPr id="26" name="TextBox 25">
+            <a:extLst>
+              <a:ext uri="{FF2B5EF4-FFF2-40B4-BE49-F238E27FC236}">
+                <a16:creationId xmlns:a16="http://schemas.microsoft.com/office/drawing/2014/main" id="{77693885-C5B3-3341-91B2-F968F9A0B131}"/>
+              </a:ext>
+            </a:extLst>
+          </p:cNvPr>
+          <p:cNvSpPr txBox="1"/>
+          <p:nvPr/>
+        </p:nvSpPr>
+        <p:spPr>
+          <a:xfrm>
+            <a:off x="3421214" y="2151909"/>
+            <a:ext cx="817853" cy="230832"/>
+          </a:xfrm>
+          <a:prstGeom prst="rect">
+            <a:avLst/>
+          </a:prstGeom>
+          <a:noFill/>
+        </p:spPr>
+        <p:txBody>
+          <a:bodyPr wrap="none" rtlCol="0">
+            <a:spAutoFit/>
+          </a:bodyPr>
+          <a:lstStyle/>
+          <a:p>
+            <a:r>
+              <a:rPr lang="en-US" sz="900" dirty="0"/>
+              <a:t>Sole Member</a:t>
+            </a:r>
+          </a:p>
+        </p:txBody>
+      </p:sp>
+      <p:sp>
+        <p:nvSpPr>
+          <p:cNvPr id="28" name="TextBox 27">
+            <a:extLst>
+              <a:ext uri="{FF2B5EF4-FFF2-40B4-BE49-F238E27FC236}">
+                <a16:creationId xmlns:a16="http://schemas.microsoft.com/office/drawing/2014/main" id="{2400133F-C0A8-924E-B8F2-8883EE1E5408}"/>
+              </a:ext>
+            </a:extLst>
+          </p:cNvPr>
+          <p:cNvSpPr txBox="1"/>
+          <p:nvPr/>
+        </p:nvSpPr>
+        <p:spPr>
+          <a:xfrm>
+            <a:off x="874611" y="2163083"/>
+            <a:ext cx="817853" cy="230832"/>
+          </a:xfrm>
+          <a:prstGeom prst="rect">
+            <a:avLst/>
+          </a:prstGeom>
+          <a:noFill/>
+        </p:spPr>
+        <p:txBody>
+          <a:bodyPr wrap="none" rtlCol="0">
+            <a:spAutoFit/>
+          </a:bodyPr>
+          <a:lstStyle/>
+          <a:p>
+            <a:r>
+              <a:rPr lang="en-US" sz="900" dirty="0"/>
+              <a:t>Sole Member</a:t>
+            </a:r>
+          </a:p>
+        </p:txBody>
+      </p:sp>
+      <p:sp>
+        <p:nvSpPr>
+          <p:cNvPr id="30" name="Rectangle 29">
+            <a:extLst>
+              <a:ext uri="{FF2B5EF4-FFF2-40B4-BE49-F238E27FC236}">
+                <a16:creationId xmlns:a16="http://schemas.microsoft.com/office/drawing/2014/main" id="{BBC32AE8-5F7E-1044-AC13-644AB626F69C}"/>
               </a:ext>
             </a:extLst>
           </p:cNvPr>
@@ -7661,24 +7469,29 @@
         </p:nvSpPr>
         <p:spPr>
           <a:xfrm>
-            <a:off x="794284" y="3442607"/>
-            <a:ext cx="2966755" cy="1138101"/>
-          </a:xfrm>
-          <a:prstGeom prst="roundRect">
+            <a:off x="5579535" y="1710175"/>
+            <a:ext cx="736251" cy="445035"/>
+          </a:xfrm>
+          <a:prstGeom prst="rect">
             <a:avLst/>
           </a:prstGeom>
           <a:solidFill>
-            <a:srgbClr val="E7E0EC"/>
+            <a:schemeClr val="tx2">
+              <a:lumMod val="20000"/>
+              <a:lumOff val="80000"/>
+            </a:schemeClr>
           </a:solidFill>
         </p:spPr>
         <p:style>
-          <a:lnRef idx="1">
-            <a:schemeClr val="accent1"/>
+          <a:lnRef idx="2">
+            <a:schemeClr val="accent1">
+              <a:shade val="50000"/>
+            </a:schemeClr>
           </a:lnRef>
-          <a:fillRef idx="3">
+          <a:fillRef idx="1">
             <a:schemeClr val="accent1"/>
           </a:fillRef>
-          <a:effectRef idx="2">
+          <a:effectRef idx="0">
             <a:schemeClr val="accent1"/>
           </a:effectRef>
           <a:fontRef idx="minor">
@@ -7691,82 +7504,22 @@
           <a:p>
             <a:pPr algn="ctr"/>
             <a:r>
-              <a:rPr lang="en-US" sz="1600" b="1" dirty="0">
+              <a:rPr lang="en-US" sz="900" dirty="0">
                 <a:solidFill>
                   <a:schemeClr val="tx1"/>
                 </a:solidFill>
-                <a:latin typeface="IBM Plex Sans Condensed Text" panose="020B0506050203000203" pitchFamily="34" charset="77"/>
               </a:rPr>
-              <a:t>Bedrock Consortium Project</a:t>
-            </a:r>
-          </a:p>
-          <a:p>
-            <a:pPr algn="ctr"/>
-            <a:r>
-              <a:rPr lang="en-US" sz="1100" b="1" dirty="0">
-                <a:solidFill>
-                  <a:schemeClr val="tx1"/>
-                </a:solidFill>
-                <a:latin typeface="American Typewriter" panose="02090604020004020304" pitchFamily="18" charset="77"/>
-              </a:rPr>
-              <a:t>Technical Project</a:t>
-            </a:r>
-          </a:p>
-          <a:p>
-            <a:pPr algn="ctr"/>
-            <a:r>
-              <a:rPr lang="en-US" sz="1000" i="1" dirty="0">
-                <a:solidFill>
-                  <a:schemeClr val="tx1"/>
-                </a:solidFill>
-                <a:latin typeface="American Typewriter" panose="02090604020004020304" pitchFamily="18" charset="77"/>
-              </a:rPr>
-              <a:t>Delaware Series LLC</a:t>
-            </a:r>
-          </a:p>
-          <a:p>
-            <a:pPr algn="ctr"/>
-            <a:endParaRPr lang="en-US" sz="1100" b="1" dirty="0">
-              <a:solidFill>
-                <a:schemeClr val="tx1"/>
-              </a:solidFill>
-              <a:latin typeface="IBM Plex Sans Condensed Text" panose="020B0506050203000203" pitchFamily="34" charset="77"/>
-            </a:endParaRPr>
-          </a:p>
-          <a:p>
-            <a:pPr algn="ctr"/>
-            <a:r>
-              <a:rPr lang="en-US" sz="1100" b="1" dirty="0">
-                <a:solidFill>
-                  <a:schemeClr val="tx1"/>
-                </a:solidFill>
-                <a:latin typeface="IBM Plex Sans Condensed Text" panose="020B0506050203000203" pitchFamily="34" charset="77"/>
-              </a:rPr>
-              <a:t>GitHub Repo:  </a:t>
-            </a:r>
-            <a:r>
-              <a:rPr lang="en-US" sz="1100" dirty="0">
-                <a:solidFill>
-                  <a:schemeClr val="tx1"/>
-                </a:solidFill>
-              </a:rPr>
-              <a:t>bedrock-consortium/tsc</a:t>
-            </a:r>
-            <a:endParaRPr lang="en-US" sz="1100" b="1" dirty="0">
-              <a:solidFill>
-                <a:schemeClr val="tx1"/>
-              </a:solidFill>
-              <a:latin typeface="IBM Plex Sans Condensed Text" panose="020B0506050203000203" pitchFamily="34" charset="77"/>
-            </a:endParaRPr>
-          </a:p>
-        </p:txBody>
-      </p:sp>
-      <p:sp>
-        <p:nvSpPr>
-          <p:cNvPr id="7" name="Rounded Rectangle 6">
-            <a:extLst>
-              <a:ext uri="{FF2B5EF4-FFF2-40B4-BE49-F238E27FC236}">
-                <a16:creationId xmlns:a16="http://schemas.microsoft.com/office/drawing/2014/main" id="{9785FF17-1A64-B148-A447-5A467571FDE6}"/>
+              <a:t>Directed Fund 1</a:t>
+            </a:r>
+          </a:p>
+        </p:txBody>
+      </p:sp>
+      <p:sp>
+        <p:nvSpPr>
+          <p:cNvPr id="33" name="Rectangle 32">
+            <a:extLst>
+              <a:ext uri="{FF2B5EF4-FFF2-40B4-BE49-F238E27FC236}">
+                <a16:creationId xmlns:a16="http://schemas.microsoft.com/office/drawing/2014/main" id="{BF0C5177-DB65-B648-92BC-CD94D9DDB5DE}"/>
               </a:ext>
             </a:extLst>
           </p:cNvPr>
@@ -7775,24 +7528,29 @@
         </p:nvSpPr>
         <p:spPr>
           <a:xfrm>
-            <a:off x="5376056" y="3442607"/>
-            <a:ext cx="2966755" cy="1138101"/>
-          </a:xfrm>
-          <a:prstGeom prst="roundRect">
+            <a:off x="6570966" y="1710175"/>
+            <a:ext cx="736251" cy="445035"/>
+          </a:xfrm>
+          <a:prstGeom prst="rect">
             <a:avLst/>
           </a:prstGeom>
           <a:solidFill>
-            <a:srgbClr val="5F4A7A"/>
+            <a:schemeClr val="tx2">
+              <a:lumMod val="20000"/>
+              <a:lumOff val="80000"/>
+            </a:schemeClr>
           </a:solidFill>
         </p:spPr>
         <p:style>
-          <a:lnRef idx="1">
-            <a:schemeClr val="accent1"/>
+          <a:lnRef idx="2">
+            <a:schemeClr val="accent1">
+              <a:shade val="50000"/>
+            </a:schemeClr>
           </a:lnRef>
-          <a:fillRef idx="3">
+          <a:fillRef idx="1">
             <a:schemeClr val="accent1"/>
           </a:fillRef>
-          <a:effectRef idx="2">
+          <a:effectRef idx="0">
             <a:schemeClr val="accent1"/>
           </a:effectRef>
           <a:fontRef idx="minor">
@@ -7805,93 +7563,22 @@
           <a:p>
             <a:pPr algn="ctr"/>
             <a:r>
-              <a:rPr lang="en-US" sz="1600" b="1" dirty="0">
-                <a:solidFill>
-                  <a:srgbClr val="FFFF00"/>
-                </a:solidFill>
-                <a:latin typeface="IBM Plex Sans Condensed Text" panose="020B0506050203000203" pitchFamily="34" charset="77"/>
+              <a:rPr lang="en-US" sz="900" dirty="0">
+                <a:solidFill>
+                  <a:schemeClr val="tx1"/>
+                </a:solidFill>
               </a:rPr>
-              <a:t>Bedrock Business Utility</a:t>
-            </a:r>
-          </a:p>
-          <a:p>
-            <a:pPr algn="ctr"/>
-            <a:r>
-              <a:rPr lang="en-US" sz="1100" dirty="0">
-                <a:solidFill>
-                  <a:schemeClr val="bg1"/>
-                </a:solidFill>
-                <a:latin typeface="American Typewriter" panose="02090604020004020304" pitchFamily="18" charset="77"/>
-              </a:rPr>
-              <a:t>Operational Project</a:t>
-            </a:r>
-          </a:p>
-          <a:p>
-            <a:pPr algn="ctr"/>
-            <a:r>
-              <a:rPr lang="en-US" sz="1000" i="1" dirty="0">
-                <a:solidFill>
-                  <a:schemeClr val="bg1">
-                    <a:lumMod val="85000"/>
-                  </a:schemeClr>
-                </a:solidFill>
-                <a:latin typeface="American Typewriter" panose="02090604020004020304" pitchFamily="18" charset="77"/>
-              </a:rPr>
-              <a:t>Delaware LLC</a:t>
-            </a:r>
-          </a:p>
-          <a:p>
-            <a:pPr algn="ctr"/>
-            <a:endParaRPr lang="en-US" sz="1100" b="1" dirty="0">
-              <a:solidFill>
-                <a:schemeClr val="tx1"/>
-              </a:solidFill>
-              <a:latin typeface="IBM Plex Sans Condensed Text" panose="020B0506050203000203" pitchFamily="34" charset="77"/>
-            </a:endParaRPr>
-          </a:p>
-          <a:p>
-            <a:pPr algn="ctr"/>
-            <a:r>
-              <a:rPr lang="en-US" sz="1100" b="1" dirty="0">
-                <a:solidFill>
-                  <a:schemeClr val="bg1"/>
-                </a:solidFill>
-                <a:latin typeface="IBM Plex Sans Condensed Text" panose="020B0506050203000203" pitchFamily="34" charset="77"/>
-              </a:rPr>
-              <a:t>Utility DID Root Namespace</a:t>
-            </a:r>
-            <a:r>
-              <a:rPr lang="en-US" sz="1100" b="1" dirty="0">
-                <a:solidFill>
-                  <a:schemeClr val="tx1"/>
-                </a:solidFill>
-                <a:latin typeface="IBM Plex Sans Condensed Text" panose="020B0506050203000203" pitchFamily="34" charset="77"/>
-              </a:rPr>
-              <a:t>:  </a:t>
-            </a:r>
-            <a:r>
-              <a:rPr lang="en-US" sz="1100" dirty="0">
-                <a:solidFill>
-                  <a:srgbClr val="FFFF00"/>
-                </a:solidFill>
-              </a:rPr>
-              <a:t>did:bbu</a:t>
-            </a:r>
-            <a:endParaRPr lang="en-US" sz="1100" b="1" dirty="0">
-              <a:solidFill>
-                <a:srgbClr val="FFFF00"/>
-              </a:solidFill>
-              <a:latin typeface="IBM Plex Sans Condensed Text" panose="020B0506050203000203" pitchFamily="34" charset="77"/>
-            </a:endParaRPr>
-          </a:p>
-        </p:txBody>
-      </p:sp>
-      <p:sp>
-        <p:nvSpPr>
-          <p:cNvPr id="6" name="Rounded Rectangle 5">
-            <a:extLst>
-              <a:ext uri="{FF2B5EF4-FFF2-40B4-BE49-F238E27FC236}">
-                <a16:creationId xmlns:a16="http://schemas.microsoft.com/office/drawing/2014/main" id="{87487B8C-A7B3-0049-96C4-F8406214B0FA}"/>
+              <a:t>Directed Fund …n</a:t>
+            </a:r>
+          </a:p>
+        </p:txBody>
+      </p:sp>
+      <p:sp>
+        <p:nvSpPr>
+          <p:cNvPr id="35" name="Rectangle 34">
+            <a:extLst>
+              <a:ext uri="{FF2B5EF4-FFF2-40B4-BE49-F238E27FC236}">
+                <a16:creationId xmlns:a16="http://schemas.microsoft.com/office/drawing/2014/main" id="{1AF2F794-F527-2F45-9498-8B9822E71E33}"/>
               </a:ext>
             </a:extLst>
           </p:cNvPr>
@@ -7900,24 +7587,28 @@
         </p:nvSpPr>
         <p:spPr>
           <a:xfrm>
-            <a:off x="2535043" y="1773894"/>
-            <a:ext cx="4073914" cy="1015503"/>
-          </a:xfrm>
-          <a:prstGeom prst="roundRect">
+            <a:off x="5475616" y="3220094"/>
+            <a:ext cx="1895987" cy="593268"/>
+          </a:xfrm>
+          <a:prstGeom prst="rect">
             <a:avLst/>
           </a:prstGeom>
           <a:solidFill>
-            <a:srgbClr val="C6DAF2"/>
+            <a:schemeClr val="accent4">
+              <a:lumMod val="75000"/>
+            </a:schemeClr>
           </a:solidFill>
         </p:spPr>
         <p:style>
-          <a:lnRef idx="1">
-            <a:schemeClr val="accent1"/>
+          <a:lnRef idx="2">
+            <a:schemeClr val="accent1">
+              <a:shade val="50000"/>
+            </a:schemeClr>
           </a:lnRef>
-          <a:fillRef idx="3">
+          <a:fillRef idx="1">
             <a:schemeClr val="accent1"/>
           </a:fillRef>
-          <a:effectRef idx="2">
+          <a:effectRef idx="0">
             <a:schemeClr val="accent1"/>
           </a:effectRef>
           <a:fontRef idx="minor">
@@ -7930,83 +7621,432 @@
           <a:p>
             <a:pPr algn="ctr"/>
             <a:r>
-              <a:rPr lang="en-US" sz="1600" b="1" dirty="0">
+              <a:rPr lang="en-US" sz="1200" dirty="0"/>
+              <a:t>LF Network Projects LLC</a:t>
+            </a:r>
+          </a:p>
+          <a:p>
+            <a:pPr algn="ctr"/>
+            <a:r>
+              <a:rPr lang="en-US" sz="1200" dirty="0"/>
+              <a:t>(Delaware Series LLC)</a:t>
+            </a:r>
+          </a:p>
+        </p:txBody>
+      </p:sp>
+      <p:cxnSp>
+        <p:nvCxnSpPr>
+          <p:cNvPr id="37" name="Straight Connector 36">
+            <a:extLst>
+              <a:ext uri="{FF2B5EF4-FFF2-40B4-BE49-F238E27FC236}">
+                <a16:creationId xmlns:a16="http://schemas.microsoft.com/office/drawing/2014/main" id="{49DAF085-0225-6E42-80EC-35DB671179DE}"/>
+              </a:ext>
+            </a:extLst>
+          </p:cNvPr>
+          <p:cNvCxnSpPr>
+            <a:cxnSpLocks/>
+            <a:stCxn id="31" idx="2"/>
+            <a:endCxn id="35" idx="0"/>
+          </p:cNvCxnSpPr>
+          <p:nvPr/>
+        </p:nvCxnSpPr>
+        <p:spPr>
+          <a:xfrm>
+            <a:off x="6413209" y="1626257"/>
+            <a:ext cx="10401" cy="1593837"/>
+          </a:xfrm>
+          <a:prstGeom prst="line">
+            <a:avLst/>
+          </a:prstGeom>
+        </p:spPr>
+        <p:style>
+          <a:lnRef idx="1">
+            <a:schemeClr val="accent1"/>
+          </a:lnRef>
+          <a:fillRef idx="0">
+            <a:schemeClr val="accent1"/>
+          </a:fillRef>
+          <a:effectRef idx="0">
+            <a:schemeClr val="accent1"/>
+          </a:effectRef>
+          <a:fontRef idx="minor">
+            <a:schemeClr val="tx1"/>
+          </a:fontRef>
+        </p:style>
+      </p:cxnSp>
+      <p:sp>
+        <p:nvSpPr>
+          <p:cNvPr id="38" name="TextBox 37">
+            <a:extLst>
+              <a:ext uri="{FF2B5EF4-FFF2-40B4-BE49-F238E27FC236}">
+                <a16:creationId xmlns:a16="http://schemas.microsoft.com/office/drawing/2014/main" id="{4BD41668-435D-444B-84BD-7752AD3CEB72}"/>
+              </a:ext>
+            </a:extLst>
+          </p:cNvPr>
+          <p:cNvSpPr txBox="1"/>
+          <p:nvPr/>
+        </p:nvSpPr>
+        <p:spPr>
+          <a:xfrm>
+            <a:off x="6615849" y="2201010"/>
+            <a:ext cx="817853" cy="230832"/>
+          </a:xfrm>
+          <a:prstGeom prst="rect">
+            <a:avLst/>
+          </a:prstGeom>
+          <a:noFill/>
+        </p:spPr>
+        <p:txBody>
+          <a:bodyPr wrap="none" rtlCol="0">
+            <a:spAutoFit/>
+          </a:bodyPr>
+          <a:lstStyle/>
+          <a:p>
+            <a:r>
+              <a:rPr lang="en-US" sz="900" dirty="0"/>
+              <a:t>Sole Member</a:t>
+            </a:r>
+          </a:p>
+        </p:txBody>
+      </p:sp>
+      <p:sp>
+        <p:nvSpPr>
+          <p:cNvPr id="39" name="Rectangle 38">
+            <a:extLst>
+              <a:ext uri="{FF2B5EF4-FFF2-40B4-BE49-F238E27FC236}">
+                <a16:creationId xmlns:a16="http://schemas.microsoft.com/office/drawing/2014/main" id="{BD403882-CAE1-2748-8B79-DE4E2C78E440}"/>
+              </a:ext>
+            </a:extLst>
+          </p:cNvPr>
+          <p:cNvSpPr/>
+          <p:nvPr/>
+        </p:nvSpPr>
+        <p:spPr>
+          <a:xfrm>
+            <a:off x="5478300" y="3900588"/>
+            <a:ext cx="945310" cy="445035"/>
+          </a:xfrm>
+          <a:prstGeom prst="rect">
+            <a:avLst/>
+          </a:prstGeom>
+          <a:solidFill>
+            <a:schemeClr val="accent4">
+              <a:lumMod val="20000"/>
+              <a:lumOff val="80000"/>
+            </a:schemeClr>
+          </a:solidFill>
+        </p:spPr>
+        <p:style>
+          <a:lnRef idx="2">
+            <a:schemeClr val="accent1">
+              <a:shade val="50000"/>
+            </a:schemeClr>
+          </a:lnRef>
+          <a:fillRef idx="1">
+            <a:schemeClr val="accent1"/>
+          </a:fillRef>
+          <a:effectRef idx="0">
+            <a:schemeClr val="accent1"/>
+          </a:effectRef>
+          <a:fontRef idx="minor">
+            <a:schemeClr val="lt1"/>
+          </a:fontRef>
+        </p:style>
+        <p:txBody>
+          <a:bodyPr rtlCol="0" anchor="ctr"/>
+          <a:lstStyle/>
+          <a:p>
+            <a:pPr algn="ctr"/>
+            <a:r>
+              <a:rPr lang="en-US" sz="900" dirty="0">
                 <a:solidFill>
                   <a:schemeClr val="tx1"/>
                 </a:solidFill>
-                <a:latin typeface="IBM Plex Sans Condensed Text" panose="020B0506050203000203" pitchFamily="34" charset="77"/>
               </a:rPr>
-              <a:t>Bedrock Business Utility Fund</a:t>
-            </a:r>
-          </a:p>
-          <a:p>
-            <a:pPr algn="ctr"/>
-            <a:r>
-              <a:rPr lang="en-US" sz="1100" b="1" dirty="0">
+              <a:t>Series 1</a:t>
+            </a:r>
+          </a:p>
+        </p:txBody>
+      </p:sp>
+      <p:sp>
+        <p:nvSpPr>
+          <p:cNvPr id="40" name="Rectangle 39">
+            <a:extLst>
+              <a:ext uri="{FF2B5EF4-FFF2-40B4-BE49-F238E27FC236}">
+                <a16:creationId xmlns:a16="http://schemas.microsoft.com/office/drawing/2014/main" id="{B85A9BC4-0982-CB4D-A740-AF61E0FBD49F}"/>
+              </a:ext>
+            </a:extLst>
+          </p:cNvPr>
+          <p:cNvSpPr/>
+          <p:nvPr/>
+        </p:nvSpPr>
+        <p:spPr>
+          <a:xfrm>
+            <a:off x="6499680" y="3897280"/>
+            <a:ext cx="865306" cy="445035"/>
+          </a:xfrm>
+          <a:prstGeom prst="rect">
+            <a:avLst/>
+          </a:prstGeom>
+          <a:solidFill>
+            <a:schemeClr val="accent4">
+              <a:lumMod val="20000"/>
+              <a:lumOff val="80000"/>
+            </a:schemeClr>
+          </a:solidFill>
+        </p:spPr>
+        <p:style>
+          <a:lnRef idx="2">
+            <a:schemeClr val="accent1">
+              <a:shade val="50000"/>
+            </a:schemeClr>
+          </a:lnRef>
+          <a:fillRef idx="1">
+            <a:schemeClr val="accent1"/>
+          </a:fillRef>
+          <a:effectRef idx="0">
+            <a:schemeClr val="accent1"/>
+          </a:effectRef>
+          <a:fontRef idx="minor">
+            <a:schemeClr val="lt1"/>
+          </a:fontRef>
+        </p:style>
+        <p:txBody>
+          <a:bodyPr rtlCol="0" anchor="ctr"/>
+          <a:lstStyle/>
+          <a:p>
+            <a:pPr algn="ctr"/>
+            <a:r>
+              <a:rPr lang="en-US" sz="900" dirty="0">
                 <a:solidFill>
                   <a:schemeClr val="tx1"/>
                 </a:solidFill>
-                <a:latin typeface="American Typewriter" panose="02090604020004020304" pitchFamily="18" charset="77"/>
               </a:rPr>
-              <a:t>Directed Fund</a:t>
-            </a:r>
-          </a:p>
-          <a:p>
-            <a:pPr algn="ctr"/>
-            <a:endParaRPr lang="en-US" sz="1100" b="1" dirty="0">
-              <a:solidFill>
-                <a:schemeClr val="tx1"/>
-              </a:solidFill>
-              <a:latin typeface="IBM Plex Sans Condensed Text" panose="020B0506050203000203" pitchFamily="34" charset="77"/>
-            </a:endParaRPr>
-          </a:p>
-          <a:p>
-            <a:pPr algn="ctr"/>
-            <a:r>
-              <a:rPr lang="en-US" sz="1100" b="1" dirty="0">
+              <a:t>Series …n</a:t>
+            </a:r>
+          </a:p>
+        </p:txBody>
+      </p:sp>
+      <p:sp>
+        <p:nvSpPr>
+          <p:cNvPr id="41" name="Rectangle 40">
+            <a:extLst>
+              <a:ext uri="{FF2B5EF4-FFF2-40B4-BE49-F238E27FC236}">
+                <a16:creationId xmlns:a16="http://schemas.microsoft.com/office/drawing/2014/main" id="{0FDC8FA4-2C91-794A-9E9A-BB5DDE3ADADF}"/>
+              </a:ext>
+            </a:extLst>
+          </p:cNvPr>
+          <p:cNvSpPr/>
+          <p:nvPr/>
+        </p:nvSpPr>
+        <p:spPr>
+          <a:xfrm>
+            <a:off x="5478300" y="4483845"/>
+            <a:ext cx="945310" cy="445035"/>
+          </a:xfrm>
+          <a:prstGeom prst="rect">
+            <a:avLst/>
+          </a:prstGeom>
+          <a:solidFill>
+            <a:schemeClr val="accent4">
+              <a:lumMod val="20000"/>
+              <a:lumOff val="80000"/>
+            </a:schemeClr>
+          </a:solidFill>
+        </p:spPr>
+        <p:style>
+          <a:lnRef idx="2">
+            <a:schemeClr val="accent1">
+              <a:shade val="50000"/>
+            </a:schemeClr>
+          </a:lnRef>
+          <a:fillRef idx="1">
+            <a:schemeClr val="accent1"/>
+          </a:fillRef>
+          <a:effectRef idx="0">
+            <a:schemeClr val="accent1"/>
+          </a:effectRef>
+          <a:fontRef idx="minor">
+            <a:schemeClr val="lt1"/>
+          </a:fontRef>
+        </p:style>
+        <p:txBody>
+          <a:bodyPr rtlCol="0" anchor="ctr"/>
+          <a:lstStyle/>
+          <a:p>
+            <a:pPr algn="ctr"/>
+            <a:r>
+              <a:rPr lang="en-US" sz="900" dirty="0">
                 <a:solidFill>
                   <a:schemeClr val="tx1"/>
                 </a:solidFill>
-                <a:latin typeface="IBM Plex Sans Condensed Text" panose="020B0506050203000203" pitchFamily="34" charset="77"/>
               </a:rPr>
-              <a:t>GitHub Repo:  </a:t>
-            </a:r>
-            <a:r>
-              <a:rPr lang="en-US" sz="1100" dirty="0">
+              <a:t>Contributors</a:t>
+            </a:r>
+          </a:p>
+        </p:txBody>
+      </p:sp>
+      <p:sp>
+        <p:nvSpPr>
+          <p:cNvPr id="42" name="Rectangle 41">
+            <a:extLst>
+              <a:ext uri="{FF2B5EF4-FFF2-40B4-BE49-F238E27FC236}">
+                <a16:creationId xmlns:a16="http://schemas.microsoft.com/office/drawing/2014/main" id="{CF2E906E-9771-264D-AAAE-18ECCBAC52D0}"/>
+              </a:ext>
+            </a:extLst>
+          </p:cNvPr>
+          <p:cNvSpPr/>
+          <p:nvPr/>
+        </p:nvSpPr>
+        <p:spPr>
+          <a:xfrm>
+            <a:off x="6490716" y="4483845"/>
+            <a:ext cx="865306" cy="445035"/>
+          </a:xfrm>
+          <a:prstGeom prst="rect">
+            <a:avLst/>
+          </a:prstGeom>
+          <a:solidFill>
+            <a:schemeClr val="accent4">
+              <a:lumMod val="20000"/>
+              <a:lumOff val="80000"/>
+            </a:schemeClr>
+          </a:solidFill>
+        </p:spPr>
+        <p:style>
+          <a:lnRef idx="2">
+            <a:schemeClr val="accent1">
+              <a:shade val="50000"/>
+            </a:schemeClr>
+          </a:lnRef>
+          <a:fillRef idx="1">
+            <a:schemeClr val="accent1"/>
+          </a:fillRef>
+          <a:effectRef idx="0">
+            <a:schemeClr val="accent1"/>
+          </a:effectRef>
+          <a:fontRef idx="minor">
+            <a:schemeClr val="lt1"/>
+          </a:fontRef>
+        </p:style>
+        <p:txBody>
+          <a:bodyPr rtlCol="0" anchor="ctr"/>
+          <a:lstStyle/>
+          <a:p>
+            <a:pPr algn="ctr"/>
+            <a:r>
+              <a:rPr lang="en-US" sz="900" dirty="0">
                 <a:solidFill>
                   <a:schemeClr val="tx1"/>
                 </a:solidFill>
               </a:rPr>
-              <a:t>bedrock-consortium/bbu-gf</a:t>
-            </a:r>
-            <a:endParaRPr lang="en-US" sz="1100" b="1" dirty="0">
-              <a:solidFill>
-                <a:schemeClr val="tx1"/>
-              </a:solidFill>
-              <a:latin typeface="IBM Plex Sans Condensed Text" panose="020B0506050203000203" pitchFamily="34" charset="77"/>
-            </a:endParaRPr>
-          </a:p>
-          <a:p>
-            <a:pPr algn="ctr"/>
-            <a:endParaRPr lang="en-US" sz="1100" b="1" dirty="0">
-              <a:solidFill>
-                <a:schemeClr val="tx1"/>
-              </a:solidFill>
-              <a:latin typeface="IBM Plex Sans Condensed Text" panose="020B0506050203000203" pitchFamily="34" charset="77"/>
-            </a:endParaRPr>
+              <a:t>Contributors</a:t>
+            </a:r>
+          </a:p>
+        </p:txBody>
+      </p:sp>
+      <p:sp>
+        <p:nvSpPr>
+          <p:cNvPr id="43" name="Rectangle 42">
+            <a:extLst>
+              <a:ext uri="{FF2B5EF4-FFF2-40B4-BE49-F238E27FC236}">
+                <a16:creationId xmlns:a16="http://schemas.microsoft.com/office/drawing/2014/main" id="{D8B42254-1D34-AE4E-A9CB-064C2E5EF755}"/>
+              </a:ext>
+            </a:extLst>
+          </p:cNvPr>
+          <p:cNvSpPr/>
+          <p:nvPr/>
+        </p:nvSpPr>
+        <p:spPr>
+          <a:xfrm>
+            <a:off x="5464037" y="2414509"/>
+            <a:ext cx="1895987" cy="445034"/>
+          </a:xfrm>
+          <a:prstGeom prst="rect">
+            <a:avLst/>
+          </a:prstGeom>
+          <a:solidFill>
+            <a:schemeClr val="accent4">
+              <a:lumMod val="75000"/>
+            </a:schemeClr>
+          </a:solidFill>
+        </p:spPr>
+        <p:style>
+          <a:lnRef idx="2">
+            <a:schemeClr val="accent1">
+              <a:shade val="50000"/>
+            </a:schemeClr>
+          </a:lnRef>
+          <a:fillRef idx="1">
+            <a:schemeClr val="accent1"/>
+          </a:fillRef>
+          <a:effectRef idx="0">
+            <a:schemeClr val="accent1"/>
+          </a:effectRef>
+          <a:fontRef idx="minor">
+            <a:schemeClr val="lt1"/>
+          </a:fontRef>
+        </p:style>
+        <p:txBody>
+          <a:bodyPr rtlCol="0" anchor="ctr"/>
+          <a:lstStyle/>
+          <a:p>
+            <a:pPr algn="ctr"/>
+            <a:r>
+              <a:rPr lang="en-US" sz="1200" dirty="0"/>
+              <a:t>LF Operational Projects LLC (Delaware LLC)</a:t>
+            </a:r>
+          </a:p>
+        </p:txBody>
+      </p:sp>
+      <p:sp>
+        <p:nvSpPr>
+          <p:cNvPr id="44" name="TextBox 43">
+            <a:extLst>
+              <a:ext uri="{FF2B5EF4-FFF2-40B4-BE49-F238E27FC236}">
+                <a16:creationId xmlns:a16="http://schemas.microsoft.com/office/drawing/2014/main" id="{6D25638F-3D5E-794A-A51B-38EC76FEC8D9}"/>
+              </a:ext>
+            </a:extLst>
+          </p:cNvPr>
+          <p:cNvSpPr txBox="1"/>
+          <p:nvPr/>
+        </p:nvSpPr>
+        <p:spPr>
+          <a:xfrm>
+            <a:off x="5381320" y="2983985"/>
+            <a:ext cx="817853" cy="230832"/>
+          </a:xfrm>
+          <a:prstGeom prst="rect">
+            <a:avLst/>
+          </a:prstGeom>
+          <a:noFill/>
+        </p:spPr>
+        <p:txBody>
+          <a:bodyPr wrap="square" rtlCol="0">
+            <a:spAutoFit/>
+          </a:bodyPr>
+          <a:lstStyle/>
+          <a:p>
+            <a:r>
+              <a:rPr lang="en-US" sz="900" dirty="0"/>
+              <a:t>Sole Member</a:t>
+            </a:r>
           </a:p>
         </p:txBody>
       </p:sp>
     </p:spTree>
     <p:extLst>
       <p:ext uri="{BB962C8B-B14F-4D97-AF65-F5344CB8AC3E}">
-        <p14:creationId xmlns:p14="http://schemas.microsoft.com/office/powerpoint/2010/main" val="10841595"/>
+        <p14:creationId xmlns:p14="http://schemas.microsoft.com/office/powerpoint/2010/main" val="566394635"/>
       </p:ext>
     </p:extLst>
   </p:cSld>
   <p:clrMapOvr>
     <a:masterClrMapping/>
   </p:clrMapOvr>
+  <p:transition>
+    <p:wipe dir="r"/>
+  </p:transition>
 </p:sld>
 </file>
 
@@ -8029,6 +8069,1429 @@
       </p:grpSpPr>
       <p:sp>
         <p:nvSpPr>
+          <p:cNvPr id="8" name="Title 7">
+            <a:extLst>
+              <a:ext uri="{FF2B5EF4-FFF2-40B4-BE49-F238E27FC236}">
+                <a16:creationId xmlns:a16="http://schemas.microsoft.com/office/drawing/2014/main" id="{B2FA13F5-C6F4-46C1-838A-EC69FC41AADA}"/>
+              </a:ext>
+            </a:extLst>
+          </p:cNvPr>
+          <p:cNvSpPr>
+            <a:spLocks noGrp="1"/>
+          </p:cNvSpPr>
+          <p:nvPr>
+            <p:ph type="title"/>
+          </p:nvPr>
+        </p:nvSpPr>
+        <p:spPr>
+          <a:xfrm>
+            <a:off x="471792" y="139377"/>
+            <a:ext cx="8200415" cy="567235"/>
+          </a:xfrm>
+        </p:spPr>
+        <p:txBody>
+          <a:bodyPr>
+            <a:normAutofit/>
+          </a:bodyPr>
+          <a:lstStyle/>
+          <a:p>
+            <a:r>
+              <a:rPr lang="en-US" sz="2400" dirty="0"/>
+              <a:t>Entity Structure</a:t>
+            </a:r>
+          </a:p>
+        </p:txBody>
+      </p:sp>
+      <p:sp>
+        <p:nvSpPr>
+          <p:cNvPr id="6" name="Slide Number Placeholder 5">
+            <a:extLst>
+              <a:ext uri="{FF2B5EF4-FFF2-40B4-BE49-F238E27FC236}">
+                <a16:creationId xmlns:a16="http://schemas.microsoft.com/office/drawing/2014/main" id="{6DC3E9BB-401E-4CDB-A1AD-CE0F2D418BB1}"/>
+              </a:ext>
+            </a:extLst>
+          </p:cNvPr>
+          <p:cNvSpPr>
+            <a:spLocks noGrp="1"/>
+          </p:cNvSpPr>
+          <p:nvPr>
+            <p:ph type="sldNum" sz="quarter" idx="4"/>
+          </p:nvPr>
+        </p:nvSpPr>
+        <p:spPr>
+          <a:xfrm>
+            <a:off x="8868255" y="4937760"/>
+            <a:ext cx="275746" cy="205740"/>
+          </a:xfrm>
+          <a:prstGeom prst="rect">
+            <a:avLst/>
+          </a:prstGeom>
+          <a:noFill/>
+        </p:spPr>
+        <p:txBody>
+          <a:bodyPr vert="horz" lIns="91440" tIns="45720" rIns="91440" bIns="45720" rtlCol="0" anchor="ctr"/>
+          <a:lstStyle>
+            <a:defPPr>
+              <a:defRPr lang="en-US"/>
+            </a:defPPr>
+            <a:lvl1pPr marL="0" algn="r" defTabSz="457200" rtl="0" eaLnBrk="1" latinLnBrk="0" hangingPunct="1">
+              <a:defRPr sz="825" b="0" i="0" kern="1200">
+                <a:solidFill>
+                  <a:schemeClr val="tx1">
+                    <a:lumMod val="75000"/>
+                  </a:schemeClr>
+                </a:solidFill>
+                <a:latin typeface="Calibri" panose="020F0502020204030204" pitchFamily="34" charset="0"/>
+                <a:ea typeface="+mn-ea"/>
+                <a:cs typeface="Calibri" panose="020F0502020204030204" pitchFamily="34" charset="0"/>
+              </a:defRPr>
+            </a:lvl1pPr>
+            <a:lvl2pPr marL="457200" algn="l" defTabSz="457200" rtl="0" eaLnBrk="1" latinLnBrk="0" hangingPunct="1">
+              <a:defRPr sz="1800" kern="1200">
+                <a:solidFill>
+                  <a:schemeClr val="tx1"/>
+                </a:solidFill>
+                <a:latin typeface="+mn-lt"/>
+                <a:ea typeface="+mn-ea"/>
+                <a:cs typeface="+mn-cs"/>
+              </a:defRPr>
+            </a:lvl2pPr>
+            <a:lvl3pPr marL="914400" algn="l" defTabSz="457200" rtl="0" eaLnBrk="1" latinLnBrk="0" hangingPunct="1">
+              <a:defRPr sz="1800" kern="1200">
+                <a:solidFill>
+                  <a:schemeClr val="tx1"/>
+                </a:solidFill>
+                <a:latin typeface="+mn-lt"/>
+                <a:ea typeface="+mn-ea"/>
+                <a:cs typeface="+mn-cs"/>
+              </a:defRPr>
+            </a:lvl3pPr>
+            <a:lvl4pPr marL="1371600" algn="l" defTabSz="457200" rtl="0" eaLnBrk="1" latinLnBrk="0" hangingPunct="1">
+              <a:defRPr sz="1800" kern="1200">
+                <a:solidFill>
+                  <a:schemeClr val="tx1"/>
+                </a:solidFill>
+                <a:latin typeface="+mn-lt"/>
+                <a:ea typeface="+mn-ea"/>
+                <a:cs typeface="+mn-cs"/>
+              </a:defRPr>
+            </a:lvl4pPr>
+            <a:lvl5pPr marL="1828800" algn="l" defTabSz="457200" rtl="0" eaLnBrk="1" latinLnBrk="0" hangingPunct="1">
+              <a:defRPr sz="1800" kern="1200">
+                <a:solidFill>
+                  <a:schemeClr val="tx1"/>
+                </a:solidFill>
+                <a:latin typeface="+mn-lt"/>
+                <a:ea typeface="+mn-ea"/>
+                <a:cs typeface="+mn-cs"/>
+              </a:defRPr>
+            </a:lvl5pPr>
+            <a:lvl6pPr marL="2286000" algn="l" defTabSz="457200" rtl="0" eaLnBrk="1" latinLnBrk="0" hangingPunct="1">
+              <a:defRPr sz="1800" kern="1200">
+                <a:solidFill>
+                  <a:schemeClr val="tx1"/>
+                </a:solidFill>
+                <a:latin typeface="+mn-lt"/>
+                <a:ea typeface="+mn-ea"/>
+                <a:cs typeface="+mn-cs"/>
+              </a:defRPr>
+            </a:lvl6pPr>
+            <a:lvl7pPr marL="2743200" algn="l" defTabSz="457200" rtl="0" eaLnBrk="1" latinLnBrk="0" hangingPunct="1">
+              <a:defRPr sz="1800" kern="1200">
+                <a:solidFill>
+                  <a:schemeClr val="tx1"/>
+                </a:solidFill>
+                <a:latin typeface="+mn-lt"/>
+                <a:ea typeface="+mn-ea"/>
+                <a:cs typeface="+mn-cs"/>
+              </a:defRPr>
+            </a:lvl7pPr>
+            <a:lvl8pPr marL="3200400" algn="l" defTabSz="457200" rtl="0" eaLnBrk="1" latinLnBrk="0" hangingPunct="1">
+              <a:defRPr sz="1800" kern="1200">
+                <a:solidFill>
+                  <a:schemeClr val="tx1"/>
+                </a:solidFill>
+                <a:latin typeface="+mn-lt"/>
+                <a:ea typeface="+mn-ea"/>
+                <a:cs typeface="+mn-cs"/>
+              </a:defRPr>
+            </a:lvl8pPr>
+            <a:lvl9pPr marL="3657600" algn="l" defTabSz="457200" rtl="0" eaLnBrk="1" latinLnBrk="0" hangingPunct="1">
+              <a:defRPr sz="1800" kern="1200">
+                <a:solidFill>
+                  <a:schemeClr val="tx1"/>
+                </a:solidFill>
+                <a:latin typeface="+mn-lt"/>
+                <a:ea typeface="+mn-ea"/>
+                <a:cs typeface="+mn-cs"/>
+              </a:defRPr>
+            </a:lvl9pPr>
+          </a:lstStyle>
+          <a:p>
+            <a:fld id="{AD86CF49-6971-4508-8862-A2909EA0DB5B}" type="slidenum">
+              <a:rPr lang="en-US" smtClean="0"/>
+              <a:pPr/>
+              <a:t>5</a:t>
+            </a:fld>
+            <a:endParaRPr lang="en-US" dirty="0"/>
+          </a:p>
+        </p:txBody>
+      </p:sp>
+      <p:sp>
+        <p:nvSpPr>
+          <p:cNvPr id="10" name="Rectangle 9">
+            <a:extLst>
+              <a:ext uri="{FF2B5EF4-FFF2-40B4-BE49-F238E27FC236}">
+                <a16:creationId xmlns:a16="http://schemas.microsoft.com/office/drawing/2014/main" id="{CCBD4ED3-F1A7-DA40-BBF0-5008037507DB}"/>
+              </a:ext>
+            </a:extLst>
+          </p:cNvPr>
+          <p:cNvSpPr/>
+          <p:nvPr/>
+        </p:nvSpPr>
+        <p:spPr>
+          <a:xfrm>
+            <a:off x="720595" y="2461913"/>
+            <a:ext cx="1730615" cy="783893"/>
+          </a:xfrm>
+          <a:prstGeom prst="rect">
+            <a:avLst/>
+          </a:prstGeom>
+          <a:solidFill>
+            <a:srgbClr val="C00000"/>
+          </a:solidFill>
+        </p:spPr>
+        <p:style>
+          <a:lnRef idx="2">
+            <a:schemeClr val="accent1">
+              <a:shade val="50000"/>
+            </a:schemeClr>
+          </a:lnRef>
+          <a:fillRef idx="1">
+            <a:schemeClr val="accent1"/>
+          </a:fillRef>
+          <a:effectRef idx="0">
+            <a:schemeClr val="accent1"/>
+          </a:effectRef>
+          <a:fontRef idx="minor">
+            <a:schemeClr val="lt1"/>
+          </a:fontRef>
+        </p:style>
+        <p:txBody>
+          <a:bodyPr rtlCol="0" anchor="ctr"/>
+          <a:lstStyle/>
+          <a:p>
+            <a:pPr algn="ctr"/>
+            <a:r>
+              <a:rPr lang="en-US" sz="1200" dirty="0"/>
+              <a:t>Joint Development Foundation Projects LLC</a:t>
+            </a:r>
+          </a:p>
+          <a:p>
+            <a:pPr algn="ctr"/>
+            <a:r>
+              <a:rPr lang="en-US" sz="1200" dirty="0"/>
+              <a:t>(Delaware Series LLC)</a:t>
+            </a:r>
+          </a:p>
+        </p:txBody>
+      </p:sp>
+      <p:sp>
+        <p:nvSpPr>
+          <p:cNvPr id="11" name="Rectangle 10">
+            <a:extLst>
+              <a:ext uri="{FF2B5EF4-FFF2-40B4-BE49-F238E27FC236}">
+                <a16:creationId xmlns:a16="http://schemas.microsoft.com/office/drawing/2014/main" id="{500008A7-39AF-7341-8497-2F75401E301D}"/>
+              </a:ext>
+            </a:extLst>
+          </p:cNvPr>
+          <p:cNvSpPr/>
+          <p:nvPr/>
+        </p:nvSpPr>
+        <p:spPr>
+          <a:xfrm>
+            <a:off x="792014" y="3380327"/>
+            <a:ext cx="736251" cy="445035"/>
+          </a:xfrm>
+          <a:prstGeom prst="rect">
+            <a:avLst/>
+          </a:prstGeom>
+          <a:solidFill>
+            <a:schemeClr val="accent2">
+              <a:lumMod val="20000"/>
+              <a:lumOff val="80000"/>
+            </a:schemeClr>
+          </a:solidFill>
+        </p:spPr>
+        <p:style>
+          <a:lnRef idx="2">
+            <a:schemeClr val="accent1">
+              <a:shade val="50000"/>
+            </a:schemeClr>
+          </a:lnRef>
+          <a:fillRef idx="1">
+            <a:schemeClr val="accent1"/>
+          </a:fillRef>
+          <a:effectRef idx="0">
+            <a:schemeClr val="accent1"/>
+          </a:effectRef>
+          <a:fontRef idx="minor">
+            <a:schemeClr val="lt1"/>
+          </a:fontRef>
+        </p:style>
+        <p:txBody>
+          <a:bodyPr rtlCol="0" anchor="ctr"/>
+          <a:lstStyle/>
+          <a:p>
+            <a:pPr algn="ctr"/>
+            <a:r>
+              <a:rPr lang="en-US" sz="900" dirty="0">
+                <a:solidFill>
+                  <a:schemeClr val="tx1"/>
+                </a:solidFill>
+              </a:rPr>
+              <a:t>Series 1</a:t>
+            </a:r>
+          </a:p>
+        </p:txBody>
+      </p:sp>
+      <p:sp>
+        <p:nvSpPr>
+          <p:cNvPr id="13" name="Rectangle 12">
+            <a:extLst>
+              <a:ext uri="{FF2B5EF4-FFF2-40B4-BE49-F238E27FC236}">
+                <a16:creationId xmlns:a16="http://schemas.microsoft.com/office/drawing/2014/main" id="{AA799048-E26B-644A-8166-3A7DC18A1C32}"/>
+              </a:ext>
+            </a:extLst>
+          </p:cNvPr>
+          <p:cNvSpPr/>
+          <p:nvPr/>
+        </p:nvSpPr>
+        <p:spPr>
+          <a:xfrm>
+            <a:off x="1634153" y="3377020"/>
+            <a:ext cx="736251" cy="445035"/>
+          </a:xfrm>
+          <a:prstGeom prst="rect">
+            <a:avLst/>
+          </a:prstGeom>
+          <a:solidFill>
+            <a:schemeClr val="accent2">
+              <a:lumMod val="20000"/>
+              <a:lumOff val="80000"/>
+            </a:schemeClr>
+          </a:solidFill>
+        </p:spPr>
+        <p:style>
+          <a:lnRef idx="2">
+            <a:schemeClr val="accent1">
+              <a:shade val="50000"/>
+            </a:schemeClr>
+          </a:lnRef>
+          <a:fillRef idx="1">
+            <a:schemeClr val="accent1"/>
+          </a:fillRef>
+          <a:effectRef idx="0">
+            <a:schemeClr val="accent1"/>
+          </a:effectRef>
+          <a:fontRef idx="minor">
+            <a:schemeClr val="lt1"/>
+          </a:fontRef>
+        </p:style>
+        <p:txBody>
+          <a:bodyPr rtlCol="0" anchor="ctr"/>
+          <a:lstStyle/>
+          <a:p>
+            <a:pPr algn="ctr"/>
+            <a:r>
+              <a:rPr lang="en-US" sz="900" dirty="0">
+                <a:solidFill>
+                  <a:schemeClr val="tx1"/>
+                </a:solidFill>
+              </a:rPr>
+              <a:t>Series …n</a:t>
+            </a:r>
+          </a:p>
+        </p:txBody>
+      </p:sp>
+      <p:sp>
+        <p:nvSpPr>
+          <p:cNvPr id="14" name="Rectangle 13">
+            <a:extLst>
+              <a:ext uri="{FF2B5EF4-FFF2-40B4-BE49-F238E27FC236}">
+                <a16:creationId xmlns:a16="http://schemas.microsoft.com/office/drawing/2014/main" id="{358DC0CE-1E25-1340-AC2A-DBB52130B9C0}"/>
+              </a:ext>
+            </a:extLst>
+          </p:cNvPr>
+          <p:cNvSpPr/>
+          <p:nvPr/>
+        </p:nvSpPr>
+        <p:spPr>
+          <a:xfrm>
+            <a:off x="792014" y="3963584"/>
+            <a:ext cx="736251" cy="445035"/>
+          </a:xfrm>
+          <a:prstGeom prst="rect">
+            <a:avLst/>
+          </a:prstGeom>
+          <a:solidFill>
+            <a:schemeClr val="accent2">
+              <a:lumMod val="20000"/>
+              <a:lumOff val="80000"/>
+            </a:schemeClr>
+          </a:solidFill>
+        </p:spPr>
+        <p:style>
+          <a:lnRef idx="2">
+            <a:schemeClr val="accent1">
+              <a:shade val="50000"/>
+            </a:schemeClr>
+          </a:lnRef>
+          <a:fillRef idx="1">
+            <a:schemeClr val="accent1"/>
+          </a:fillRef>
+          <a:effectRef idx="0">
+            <a:schemeClr val="accent1"/>
+          </a:effectRef>
+          <a:fontRef idx="minor">
+            <a:schemeClr val="lt1"/>
+          </a:fontRef>
+        </p:style>
+        <p:txBody>
+          <a:bodyPr rtlCol="0" anchor="ctr"/>
+          <a:lstStyle/>
+          <a:p>
+            <a:pPr algn="ctr"/>
+            <a:r>
+              <a:rPr lang="en-US" sz="900" dirty="0">
+                <a:solidFill>
+                  <a:schemeClr val="tx1"/>
+                </a:solidFill>
+              </a:rPr>
+              <a:t>Members</a:t>
+            </a:r>
+          </a:p>
+        </p:txBody>
+      </p:sp>
+      <p:sp>
+        <p:nvSpPr>
+          <p:cNvPr id="18" name="Rectangle 17">
+            <a:extLst>
+              <a:ext uri="{FF2B5EF4-FFF2-40B4-BE49-F238E27FC236}">
+                <a16:creationId xmlns:a16="http://schemas.microsoft.com/office/drawing/2014/main" id="{ED6CCB6A-0380-3740-A55F-1F3C37C456D8}"/>
+              </a:ext>
+            </a:extLst>
+          </p:cNvPr>
+          <p:cNvSpPr/>
+          <p:nvPr/>
+        </p:nvSpPr>
+        <p:spPr>
+          <a:xfrm>
+            <a:off x="1634154" y="3963584"/>
+            <a:ext cx="736251" cy="445035"/>
+          </a:xfrm>
+          <a:prstGeom prst="rect">
+            <a:avLst/>
+          </a:prstGeom>
+          <a:solidFill>
+            <a:schemeClr val="accent2">
+              <a:lumMod val="20000"/>
+              <a:lumOff val="80000"/>
+            </a:schemeClr>
+          </a:solidFill>
+        </p:spPr>
+        <p:style>
+          <a:lnRef idx="2">
+            <a:schemeClr val="accent1">
+              <a:shade val="50000"/>
+            </a:schemeClr>
+          </a:lnRef>
+          <a:fillRef idx="1">
+            <a:schemeClr val="accent1"/>
+          </a:fillRef>
+          <a:effectRef idx="0">
+            <a:schemeClr val="accent1"/>
+          </a:effectRef>
+          <a:fontRef idx="minor">
+            <a:schemeClr val="lt1"/>
+          </a:fontRef>
+        </p:style>
+        <p:txBody>
+          <a:bodyPr rtlCol="0" anchor="ctr"/>
+          <a:lstStyle/>
+          <a:p>
+            <a:pPr algn="ctr"/>
+            <a:r>
+              <a:rPr lang="en-US" sz="900" dirty="0">
+                <a:solidFill>
+                  <a:schemeClr val="tx1"/>
+                </a:solidFill>
+              </a:rPr>
+              <a:t>Members</a:t>
+            </a:r>
+          </a:p>
+        </p:txBody>
+      </p:sp>
+      <p:sp>
+        <p:nvSpPr>
+          <p:cNvPr id="20" name="Rectangle 19">
+            <a:extLst>
+              <a:ext uri="{FF2B5EF4-FFF2-40B4-BE49-F238E27FC236}">
+                <a16:creationId xmlns:a16="http://schemas.microsoft.com/office/drawing/2014/main" id="{3D48B8B4-14C1-DF47-8B5F-2F0A30138798}"/>
+              </a:ext>
+            </a:extLst>
+          </p:cNvPr>
+          <p:cNvSpPr/>
+          <p:nvPr/>
+        </p:nvSpPr>
+        <p:spPr>
+          <a:xfrm>
+            <a:off x="1772964" y="841133"/>
+            <a:ext cx="2097417" cy="785124"/>
+          </a:xfrm>
+          <a:prstGeom prst="rect">
+            <a:avLst/>
+          </a:prstGeom>
+          <a:solidFill>
+            <a:schemeClr val="accent6">
+              <a:lumMod val="75000"/>
+            </a:schemeClr>
+          </a:solidFill>
+        </p:spPr>
+        <p:style>
+          <a:lnRef idx="2">
+            <a:schemeClr val="accent1">
+              <a:shade val="50000"/>
+            </a:schemeClr>
+          </a:lnRef>
+          <a:fillRef idx="1">
+            <a:schemeClr val="accent1"/>
+          </a:fillRef>
+          <a:effectRef idx="0">
+            <a:schemeClr val="accent1"/>
+          </a:effectRef>
+          <a:fontRef idx="minor">
+            <a:schemeClr val="lt1"/>
+          </a:fontRef>
+        </p:style>
+        <p:txBody>
+          <a:bodyPr rtlCol="0" anchor="ctr"/>
+          <a:lstStyle/>
+          <a:p>
+            <a:pPr algn="ctr"/>
+            <a:r>
+              <a:rPr lang="en-US" sz="1200" dirty="0"/>
+              <a:t>Joint Development Foundation</a:t>
+            </a:r>
+          </a:p>
+          <a:p>
+            <a:pPr algn="ctr"/>
+            <a:r>
+              <a:rPr lang="en-US" sz="1200" dirty="0"/>
+              <a:t>(Washington Nonprofit Corp, 501(c)6)</a:t>
+            </a:r>
+          </a:p>
+        </p:txBody>
+      </p:sp>
+      <p:sp>
+        <p:nvSpPr>
+          <p:cNvPr id="21" name="Rectangle 20">
+            <a:extLst>
+              <a:ext uri="{FF2B5EF4-FFF2-40B4-BE49-F238E27FC236}">
+                <a16:creationId xmlns:a16="http://schemas.microsoft.com/office/drawing/2014/main" id="{27269BFE-BE37-C444-81F3-3AAC5BEDD27C}"/>
+              </a:ext>
+            </a:extLst>
+          </p:cNvPr>
+          <p:cNvSpPr/>
+          <p:nvPr/>
+        </p:nvSpPr>
+        <p:spPr>
+          <a:xfrm>
+            <a:off x="2713112" y="2461914"/>
+            <a:ext cx="1858888" cy="783893"/>
+          </a:xfrm>
+          <a:prstGeom prst="rect">
+            <a:avLst/>
+          </a:prstGeom>
+          <a:solidFill>
+            <a:srgbClr val="00B050"/>
+          </a:solidFill>
+        </p:spPr>
+        <p:style>
+          <a:lnRef idx="2">
+            <a:schemeClr val="accent1">
+              <a:shade val="50000"/>
+            </a:schemeClr>
+          </a:lnRef>
+          <a:fillRef idx="1">
+            <a:schemeClr val="accent1"/>
+          </a:fillRef>
+          <a:effectRef idx="0">
+            <a:schemeClr val="accent1"/>
+          </a:effectRef>
+          <a:fontRef idx="minor">
+            <a:schemeClr val="lt1"/>
+          </a:fontRef>
+        </p:style>
+        <p:txBody>
+          <a:bodyPr rtlCol="0" anchor="ctr"/>
+          <a:lstStyle/>
+          <a:p>
+            <a:pPr algn="ctr"/>
+            <a:r>
+              <a:rPr lang="en-US" sz="1200" dirty="0"/>
+              <a:t>LF Projects LLC</a:t>
+            </a:r>
+          </a:p>
+          <a:p>
+            <a:pPr algn="ctr"/>
+            <a:r>
+              <a:rPr lang="en-US" sz="1200" dirty="0"/>
+              <a:t>(Delaware Series LLC)</a:t>
+            </a:r>
+          </a:p>
+        </p:txBody>
+      </p:sp>
+      <p:sp>
+        <p:nvSpPr>
+          <p:cNvPr id="24" name="Rectangle 23">
+            <a:extLst>
+              <a:ext uri="{FF2B5EF4-FFF2-40B4-BE49-F238E27FC236}">
+                <a16:creationId xmlns:a16="http://schemas.microsoft.com/office/drawing/2014/main" id="{A209DD98-33ED-5444-AA38-04F26AD49EF2}"/>
+              </a:ext>
+            </a:extLst>
+          </p:cNvPr>
+          <p:cNvSpPr/>
+          <p:nvPr/>
+        </p:nvSpPr>
+        <p:spPr>
+          <a:xfrm>
+            <a:off x="3719148" y="3377021"/>
+            <a:ext cx="876064" cy="445034"/>
+          </a:xfrm>
+          <a:prstGeom prst="rect">
+            <a:avLst/>
+          </a:prstGeom>
+          <a:solidFill>
+            <a:schemeClr val="accent3">
+              <a:lumMod val="20000"/>
+              <a:lumOff val="80000"/>
+            </a:schemeClr>
+          </a:solidFill>
+        </p:spPr>
+        <p:style>
+          <a:lnRef idx="2">
+            <a:schemeClr val="accent1">
+              <a:shade val="50000"/>
+            </a:schemeClr>
+          </a:lnRef>
+          <a:fillRef idx="1">
+            <a:schemeClr val="accent1"/>
+          </a:fillRef>
+          <a:effectRef idx="0">
+            <a:schemeClr val="accent1"/>
+          </a:effectRef>
+          <a:fontRef idx="minor">
+            <a:schemeClr val="lt1"/>
+          </a:fontRef>
+        </p:style>
+        <p:txBody>
+          <a:bodyPr rtlCol="0" anchor="ctr"/>
+          <a:lstStyle/>
+          <a:p>
+            <a:pPr algn="ctr"/>
+            <a:r>
+              <a:rPr lang="en-US" sz="900" dirty="0">
+                <a:solidFill>
+                  <a:schemeClr val="tx1"/>
+                </a:solidFill>
+              </a:rPr>
+              <a:t>Series …n</a:t>
+            </a:r>
+          </a:p>
+        </p:txBody>
+      </p:sp>
+      <p:sp>
+        <p:nvSpPr>
+          <p:cNvPr id="29" name="Rectangle 28">
+            <a:extLst>
+              <a:ext uri="{FF2B5EF4-FFF2-40B4-BE49-F238E27FC236}">
+                <a16:creationId xmlns:a16="http://schemas.microsoft.com/office/drawing/2014/main" id="{6D632D33-FBEE-F848-BABA-41858DCA864A}"/>
+              </a:ext>
+            </a:extLst>
+          </p:cNvPr>
+          <p:cNvSpPr/>
+          <p:nvPr/>
+        </p:nvSpPr>
+        <p:spPr>
+          <a:xfrm>
+            <a:off x="3719149" y="3963584"/>
+            <a:ext cx="852851" cy="445035"/>
+          </a:xfrm>
+          <a:prstGeom prst="rect">
+            <a:avLst/>
+          </a:prstGeom>
+          <a:solidFill>
+            <a:schemeClr val="accent3">
+              <a:lumMod val="20000"/>
+              <a:lumOff val="80000"/>
+            </a:schemeClr>
+          </a:solidFill>
+        </p:spPr>
+        <p:style>
+          <a:lnRef idx="2">
+            <a:schemeClr val="accent1">
+              <a:shade val="50000"/>
+            </a:schemeClr>
+          </a:lnRef>
+          <a:fillRef idx="1">
+            <a:schemeClr val="accent1"/>
+          </a:fillRef>
+          <a:effectRef idx="0">
+            <a:schemeClr val="accent1"/>
+          </a:effectRef>
+          <a:fontRef idx="minor">
+            <a:schemeClr val="lt1"/>
+          </a:fontRef>
+        </p:style>
+        <p:txBody>
+          <a:bodyPr rtlCol="0" anchor="ctr"/>
+          <a:lstStyle/>
+          <a:p>
+            <a:pPr algn="ctr"/>
+            <a:r>
+              <a:rPr lang="en-US" sz="900" dirty="0">
+                <a:solidFill>
+                  <a:schemeClr val="tx1"/>
+                </a:solidFill>
+              </a:rPr>
+              <a:t>Contributors</a:t>
+            </a:r>
+          </a:p>
+        </p:txBody>
+      </p:sp>
+      <p:sp>
+        <p:nvSpPr>
+          <p:cNvPr id="31" name="Rectangle 30">
+            <a:extLst>
+              <a:ext uri="{FF2B5EF4-FFF2-40B4-BE49-F238E27FC236}">
+                <a16:creationId xmlns:a16="http://schemas.microsoft.com/office/drawing/2014/main" id="{37D5FEA2-1CD5-8C4F-A004-71C4DAA92698}"/>
+              </a:ext>
+            </a:extLst>
+          </p:cNvPr>
+          <p:cNvSpPr/>
+          <p:nvPr/>
+        </p:nvSpPr>
+        <p:spPr>
+          <a:xfrm>
+            <a:off x="5470396" y="841133"/>
+            <a:ext cx="1885626" cy="785124"/>
+          </a:xfrm>
+          <a:prstGeom prst="rect">
+            <a:avLst/>
+          </a:prstGeom>
+        </p:spPr>
+        <p:style>
+          <a:lnRef idx="2">
+            <a:schemeClr val="accent1">
+              <a:shade val="50000"/>
+            </a:schemeClr>
+          </a:lnRef>
+          <a:fillRef idx="1">
+            <a:schemeClr val="accent1"/>
+          </a:fillRef>
+          <a:effectRef idx="0">
+            <a:schemeClr val="accent1"/>
+          </a:effectRef>
+          <a:fontRef idx="minor">
+            <a:schemeClr val="lt1"/>
+          </a:fontRef>
+        </p:style>
+        <p:txBody>
+          <a:bodyPr rtlCol="0" anchor="ctr"/>
+          <a:lstStyle/>
+          <a:p>
+            <a:pPr algn="ctr"/>
+            <a:r>
+              <a:rPr lang="en-US" sz="1200" dirty="0"/>
+              <a:t>The Linux Foundation</a:t>
+            </a:r>
+          </a:p>
+          <a:p>
+            <a:pPr algn="ctr"/>
+            <a:r>
+              <a:rPr lang="en-US" sz="1200" dirty="0"/>
+              <a:t>(Oregon Mutual Benefit Corporation, 501(c)6)</a:t>
+            </a:r>
+          </a:p>
+        </p:txBody>
+      </p:sp>
+      <p:sp>
+        <p:nvSpPr>
+          <p:cNvPr id="3" name="TextBox 2">
+            <a:extLst>
+              <a:ext uri="{FF2B5EF4-FFF2-40B4-BE49-F238E27FC236}">
+                <a16:creationId xmlns:a16="http://schemas.microsoft.com/office/drawing/2014/main" id="{B2A59E8A-6483-3C41-9431-51A4E360E730}"/>
+              </a:ext>
+            </a:extLst>
+          </p:cNvPr>
+          <p:cNvSpPr txBox="1"/>
+          <p:nvPr/>
+        </p:nvSpPr>
+        <p:spPr>
+          <a:xfrm>
+            <a:off x="4466939" y="1024451"/>
+            <a:ext cx="829073" cy="230832"/>
+          </a:xfrm>
+          <a:prstGeom prst="rect">
+            <a:avLst/>
+          </a:prstGeom>
+          <a:noFill/>
+        </p:spPr>
+        <p:txBody>
+          <a:bodyPr wrap="none" rtlCol="0">
+            <a:spAutoFit/>
+          </a:bodyPr>
+          <a:lstStyle/>
+          <a:p>
+            <a:r>
+              <a:rPr lang="en-US" sz="900" b="1" dirty="0"/>
+              <a:t>Sole Member</a:t>
+            </a:r>
+          </a:p>
+        </p:txBody>
+      </p:sp>
+      <p:cxnSp>
+        <p:nvCxnSpPr>
+          <p:cNvPr id="32" name="Straight Connector 31">
+            <a:extLst>
+              <a:ext uri="{FF2B5EF4-FFF2-40B4-BE49-F238E27FC236}">
+                <a16:creationId xmlns:a16="http://schemas.microsoft.com/office/drawing/2014/main" id="{CAE2017F-6963-714C-8566-2F767DA06DC4}"/>
+              </a:ext>
+            </a:extLst>
+          </p:cNvPr>
+          <p:cNvCxnSpPr>
+            <a:cxnSpLocks/>
+            <a:stCxn id="20" idx="3"/>
+            <a:endCxn id="31" idx="1"/>
+          </p:cNvCxnSpPr>
+          <p:nvPr/>
+        </p:nvCxnSpPr>
+        <p:spPr>
+          <a:xfrm>
+            <a:off x="3870381" y="1233695"/>
+            <a:ext cx="1600015" cy="0"/>
+          </a:xfrm>
+          <a:prstGeom prst="line">
+            <a:avLst/>
+          </a:prstGeom>
+        </p:spPr>
+        <p:style>
+          <a:lnRef idx="1">
+            <a:schemeClr val="accent1"/>
+          </a:lnRef>
+          <a:fillRef idx="0">
+            <a:schemeClr val="accent1"/>
+          </a:fillRef>
+          <a:effectRef idx="0">
+            <a:schemeClr val="accent1"/>
+          </a:effectRef>
+          <a:fontRef idx="minor">
+            <a:schemeClr val="tx1"/>
+          </a:fontRef>
+        </p:style>
+      </p:cxnSp>
+      <p:cxnSp>
+        <p:nvCxnSpPr>
+          <p:cNvPr id="34" name="Straight Connector 33">
+            <a:extLst>
+              <a:ext uri="{FF2B5EF4-FFF2-40B4-BE49-F238E27FC236}">
+                <a16:creationId xmlns:a16="http://schemas.microsoft.com/office/drawing/2014/main" id="{EDCBC2EA-0A59-4745-9DF4-59B89F5951D4}"/>
+              </a:ext>
+            </a:extLst>
+          </p:cNvPr>
+          <p:cNvCxnSpPr>
+            <a:cxnSpLocks/>
+            <a:stCxn id="20" idx="2"/>
+            <a:endCxn id="21" idx="0"/>
+          </p:cNvCxnSpPr>
+          <p:nvPr/>
+        </p:nvCxnSpPr>
+        <p:spPr>
+          <a:xfrm>
+            <a:off x="2821673" y="1626257"/>
+            <a:ext cx="820883" cy="835657"/>
+          </a:xfrm>
+          <a:prstGeom prst="line">
+            <a:avLst/>
+          </a:prstGeom>
+        </p:spPr>
+        <p:style>
+          <a:lnRef idx="1">
+            <a:schemeClr val="accent1"/>
+          </a:lnRef>
+          <a:fillRef idx="0">
+            <a:schemeClr val="accent1"/>
+          </a:fillRef>
+          <a:effectRef idx="0">
+            <a:schemeClr val="accent1"/>
+          </a:effectRef>
+          <a:fontRef idx="minor">
+            <a:schemeClr val="tx1"/>
+          </a:fontRef>
+        </p:style>
+      </p:cxnSp>
+      <p:cxnSp>
+        <p:nvCxnSpPr>
+          <p:cNvPr id="36" name="Straight Connector 35">
+            <a:extLst>
+              <a:ext uri="{FF2B5EF4-FFF2-40B4-BE49-F238E27FC236}">
+                <a16:creationId xmlns:a16="http://schemas.microsoft.com/office/drawing/2014/main" id="{29CC41A6-5572-2440-8B66-678965363842}"/>
+              </a:ext>
+            </a:extLst>
+          </p:cNvPr>
+          <p:cNvCxnSpPr>
+            <a:cxnSpLocks/>
+            <a:stCxn id="10" idx="0"/>
+            <a:endCxn id="20" idx="2"/>
+          </p:cNvCxnSpPr>
+          <p:nvPr/>
+        </p:nvCxnSpPr>
+        <p:spPr>
+          <a:xfrm flipV="1">
+            <a:off x="1585903" y="1626257"/>
+            <a:ext cx="1235770" cy="835656"/>
+          </a:xfrm>
+          <a:prstGeom prst="line">
+            <a:avLst/>
+          </a:prstGeom>
+        </p:spPr>
+        <p:style>
+          <a:lnRef idx="1">
+            <a:schemeClr val="accent1"/>
+          </a:lnRef>
+          <a:fillRef idx="0">
+            <a:schemeClr val="accent1"/>
+          </a:fillRef>
+          <a:effectRef idx="0">
+            <a:schemeClr val="accent1"/>
+          </a:effectRef>
+          <a:fontRef idx="minor">
+            <a:schemeClr val="tx1"/>
+          </a:fontRef>
+        </p:style>
+      </p:cxnSp>
+      <p:sp>
+        <p:nvSpPr>
+          <p:cNvPr id="26" name="TextBox 25">
+            <a:extLst>
+              <a:ext uri="{FF2B5EF4-FFF2-40B4-BE49-F238E27FC236}">
+                <a16:creationId xmlns:a16="http://schemas.microsoft.com/office/drawing/2014/main" id="{77693885-C5B3-3341-91B2-F968F9A0B131}"/>
+              </a:ext>
+            </a:extLst>
+          </p:cNvPr>
+          <p:cNvSpPr txBox="1"/>
+          <p:nvPr/>
+        </p:nvSpPr>
+        <p:spPr>
+          <a:xfrm>
+            <a:off x="2421061" y="1965653"/>
+            <a:ext cx="817853" cy="230832"/>
+          </a:xfrm>
+          <a:prstGeom prst="rect">
+            <a:avLst/>
+          </a:prstGeom>
+          <a:noFill/>
+        </p:spPr>
+        <p:txBody>
+          <a:bodyPr wrap="none" rtlCol="0">
+            <a:spAutoFit/>
+          </a:bodyPr>
+          <a:lstStyle/>
+          <a:p>
+            <a:r>
+              <a:rPr lang="en-US" sz="900" dirty="0"/>
+              <a:t>Sole Member</a:t>
+            </a:r>
+          </a:p>
+        </p:txBody>
+      </p:sp>
+      <p:sp>
+        <p:nvSpPr>
+          <p:cNvPr id="28" name="TextBox 27">
+            <a:extLst>
+              <a:ext uri="{FF2B5EF4-FFF2-40B4-BE49-F238E27FC236}">
+                <a16:creationId xmlns:a16="http://schemas.microsoft.com/office/drawing/2014/main" id="{2400133F-C0A8-924E-B8F2-8883EE1E5408}"/>
+              </a:ext>
+            </a:extLst>
+          </p:cNvPr>
+          <p:cNvSpPr txBox="1"/>
+          <p:nvPr/>
+        </p:nvSpPr>
+        <p:spPr>
+          <a:xfrm>
+            <a:off x="1366209" y="1965653"/>
+            <a:ext cx="817853" cy="230832"/>
+          </a:xfrm>
+          <a:prstGeom prst="rect">
+            <a:avLst/>
+          </a:prstGeom>
+          <a:noFill/>
+        </p:spPr>
+        <p:txBody>
+          <a:bodyPr wrap="none" rtlCol="0">
+            <a:spAutoFit/>
+          </a:bodyPr>
+          <a:lstStyle/>
+          <a:p>
+            <a:r>
+              <a:rPr lang="en-US" sz="900" dirty="0"/>
+              <a:t>Sole Member</a:t>
+            </a:r>
+          </a:p>
+        </p:txBody>
+      </p:sp>
+      <p:sp>
+        <p:nvSpPr>
+          <p:cNvPr id="30" name="Rectangle 29">
+            <a:extLst>
+              <a:ext uri="{FF2B5EF4-FFF2-40B4-BE49-F238E27FC236}">
+                <a16:creationId xmlns:a16="http://schemas.microsoft.com/office/drawing/2014/main" id="{BBC32AE8-5F7E-1044-AC13-644AB626F69C}"/>
+              </a:ext>
+            </a:extLst>
+          </p:cNvPr>
+          <p:cNvSpPr/>
+          <p:nvPr/>
+        </p:nvSpPr>
+        <p:spPr>
+          <a:xfrm>
+            <a:off x="5540560" y="1701468"/>
+            <a:ext cx="736251" cy="445035"/>
+          </a:xfrm>
+          <a:prstGeom prst="rect">
+            <a:avLst/>
+          </a:prstGeom>
+          <a:solidFill>
+            <a:schemeClr val="tx2">
+              <a:lumMod val="20000"/>
+              <a:lumOff val="80000"/>
+            </a:schemeClr>
+          </a:solidFill>
+        </p:spPr>
+        <p:style>
+          <a:lnRef idx="2">
+            <a:schemeClr val="accent1">
+              <a:shade val="50000"/>
+            </a:schemeClr>
+          </a:lnRef>
+          <a:fillRef idx="1">
+            <a:schemeClr val="accent1"/>
+          </a:fillRef>
+          <a:effectRef idx="0">
+            <a:schemeClr val="accent1"/>
+          </a:effectRef>
+          <a:fontRef idx="minor">
+            <a:schemeClr val="lt1"/>
+          </a:fontRef>
+        </p:style>
+        <p:txBody>
+          <a:bodyPr rtlCol="0" anchor="ctr"/>
+          <a:lstStyle/>
+          <a:p>
+            <a:pPr algn="ctr"/>
+            <a:r>
+              <a:rPr lang="en-US" sz="900" dirty="0">
+                <a:solidFill>
+                  <a:schemeClr val="tx1"/>
+                </a:solidFill>
+              </a:rPr>
+              <a:t>Directed Fund 1</a:t>
+            </a:r>
+          </a:p>
+        </p:txBody>
+      </p:sp>
+      <p:sp>
+        <p:nvSpPr>
+          <p:cNvPr id="33" name="Rectangle 32">
+            <a:extLst>
+              <a:ext uri="{FF2B5EF4-FFF2-40B4-BE49-F238E27FC236}">
+                <a16:creationId xmlns:a16="http://schemas.microsoft.com/office/drawing/2014/main" id="{BF0C5177-DB65-B648-92BC-CD94D9DDB5DE}"/>
+              </a:ext>
+            </a:extLst>
+          </p:cNvPr>
+          <p:cNvSpPr/>
+          <p:nvPr/>
+        </p:nvSpPr>
+        <p:spPr>
+          <a:xfrm>
+            <a:off x="6531991" y="1701468"/>
+            <a:ext cx="736251" cy="445035"/>
+          </a:xfrm>
+          <a:prstGeom prst="rect">
+            <a:avLst/>
+          </a:prstGeom>
+          <a:solidFill>
+            <a:schemeClr val="tx2">
+              <a:lumMod val="20000"/>
+              <a:lumOff val="80000"/>
+            </a:schemeClr>
+          </a:solidFill>
+        </p:spPr>
+        <p:style>
+          <a:lnRef idx="2">
+            <a:schemeClr val="accent1">
+              <a:shade val="50000"/>
+            </a:schemeClr>
+          </a:lnRef>
+          <a:fillRef idx="1">
+            <a:schemeClr val="accent1"/>
+          </a:fillRef>
+          <a:effectRef idx="0">
+            <a:schemeClr val="accent1"/>
+          </a:effectRef>
+          <a:fontRef idx="minor">
+            <a:schemeClr val="lt1"/>
+          </a:fontRef>
+        </p:style>
+        <p:txBody>
+          <a:bodyPr rtlCol="0" anchor="ctr"/>
+          <a:lstStyle/>
+          <a:p>
+            <a:pPr algn="ctr"/>
+            <a:r>
+              <a:rPr lang="en-US" sz="900" dirty="0">
+                <a:solidFill>
+                  <a:schemeClr val="tx1"/>
+                </a:solidFill>
+              </a:rPr>
+              <a:t>Directed Fund …n</a:t>
+            </a:r>
+          </a:p>
+        </p:txBody>
+      </p:sp>
+      <p:cxnSp>
+        <p:nvCxnSpPr>
+          <p:cNvPr id="37" name="Straight Connector 36">
+            <a:extLst>
+              <a:ext uri="{FF2B5EF4-FFF2-40B4-BE49-F238E27FC236}">
+                <a16:creationId xmlns:a16="http://schemas.microsoft.com/office/drawing/2014/main" id="{49DAF085-0225-6E42-80EC-35DB671179DE}"/>
+              </a:ext>
+            </a:extLst>
+          </p:cNvPr>
+          <p:cNvCxnSpPr>
+            <a:cxnSpLocks/>
+            <a:stCxn id="31" idx="2"/>
+          </p:cNvCxnSpPr>
+          <p:nvPr/>
+        </p:nvCxnSpPr>
+        <p:spPr>
+          <a:xfrm>
+            <a:off x="6413209" y="1626257"/>
+            <a:ext cx="0" cy="945493"/>
+          </a:xfrm>
+          <a:prstGeom prst="line">
+            <a:avLst/>
+          </a:prstGeom>
+        </p:spPr>
+        <p:style>
+          <a:lnRef idx="1">
+            <a:schemeClr val="accent1"/>
+          </a:lnRef>
+          <a:fillRef idx="0">
+            <a:schemeClr val="accent1"/>
+          </a:fillRef>
+          <a:effectRef idx="0">
+            <a:schemeClr val="accent1"/>
+          </a:effectRef>
+          <a:fontRef idx="minor">
+            <a:schemeClr val="tx1"/>
+          </a:fontRef>
+        </p:style>
+      </p:cxnSp>
+      <p:sp>
+        <p:nvSpPr>
+          <p:cNvPr id="38" name="TextBox 37">
+            <a:extLst>
+              <a:ext uri="{FF2B5EF4-FFF2-40B4-BE49-F238E27FC236}">
+                <a16:creationId xmlns:a16="http://schemas.microsoft.com/office/drawing/2014/main" id="{4BD41668-435D-444B-84BD-7752AD3CEB72}"/>
+              </a:ext>
+            </a:extLst>
+          </p:cNvPr>
+          <p:cNvSpPr txBox="1"/>
+          <p:nvPr/>
+        </p:nvSpPr>
+        <p:spPr>
+          <a:xfrm>
+            <a:off x="5937892" y="2164826"/>
+            <a:ext cx="817853" cy="230832"/>
+          </a:xfrm>
+          <a:prstGeom prst="rect">
+            <a:avLst/>
+          </a:prstGeom>
+          <a:noFill/>
+        </p:spPr>
+        <p:txBody>
+          <a:bodyPr wrap="none" rtlCol="0">
+            <a:spAutoFit/>
+          </a:bodyPr>
+          <a:lstStyle/>
+          <a:p>
+            <a:r>
+              <a:rPr lang="en-US" sz="900" dirty="0"/>
+              <a:t>Sole Member</a:t>
+            </a:r>
+          </a:p>
+        </p:txBody>
+      </p:sp>
+      <p:sp>
+        <p:nvSpPr>
+          <p:cNvPr id="43" name="Rectangle 42">
+            <a:extLst>
+              <a:ext uri="{FF2B5EF4-FFF2-40B4-BE49-F238E27FC236}">
+                <a16:creationId xmlns:a16="http://schemas.microsoft.com/office/drawing/2014/main" id="{D8B42254-1D34-AE4E-A9CB-064C2E5EF755}"/>
+              </a:ext>
+            </a:extLst>
+          </p:cNvPr>
+          <p:cNvSpPr/>
+          <p:nvPr/>
+        </p:nvSpPr>
+        <p:spPr>
+          <a:xfrm>
+            <a:off x="5312925" y="2355845"/>
+            <a:ext cx="2200568" cy="582231"/>
+          </a:xfrm>
+          <a:prstGeom prst="rect">
+            <a:avLst/>
+          </a:prstGeom>
+          <a:solidFill>
+            <a:schemeClr val="accent4">
+              <a:lumMod val="75000"/>
+            </a:schemeClr>
+          </a:solidFill>
+        </p:spPr>
+        <p:style>
+          <a:lnRef idx="2">
+            <a:schemeClr val="accent1">
+              <a:shade val="50000"/>
+            </a:schemeClr>
+          </a:lnRef>
+          <a:fillRef idx="1">
+            <a:schemeClr val="accent1"/>
+          </a:fillRef>
+          <a:effectRef idx="0">
+            <a:schemeClr val="accent1"/>
+          </a:effectRef>
+          <a:fontRef idx="minor">
+            <a:schemeClr val="lt1"/>
+          </a:fontRef>
+        </p:style>
+        <p:txBody>
+          <a:bodyPr rtlCol="0" anchor="ctr"/>
+          <a:lstStyle/>
+          <a:p>
+            <a:pPr algn="ctr"/>
+            <a:r>
+              <a:rPr lang="en-US" sz="1200" dirty="0"/>
+              <a:t>LF Governance Networks, Inc.</a:t>
+            </a:r>
+          </a:p>
+          <a:p>
+            <a:pPr algn="ctr"/>
+            <a:r>
+              <a:rPr lang="en-US" sz="1200" dirty="0"/>
+              <a:t>(Delaware Nonprofit Corp)</a:t>
+            </a:r>
+          </a:p>
+        </p:txBody>
+      </p:sp>
+      <p:sp>
+        <p:nvSpPr>
+          <p:cNvPr id="27" name="Rectangle 26">
+            <a:extLst>
+              <a:ext uri="{FF2B5EF4-FFF2-40B4-BE49-F238E27FC236}">
+                <a16:creationId xmlns:a16="http://schemas.microsoft.com/office/drawing/2014/main" id="{63AB1907-8F53-6446-B071-515725F1AADA}"/>
+              </a:ext>
+            </a:extLst>
+          </p:cNvPr>
+          <p:cNvSpPr/>
+          <p:nvPr/>
+        </p:nvSpPr>
+        <p:spPr>
+          <a:xfrm>
+            <a:off x="2711822" y="3377021"/>
+            <a:ext cx="876064" cy="445034"/>
+          </a:xfrm>
+          <a:prstGeom prst="rect">
+            <a:avLst/>
+          </a:prstGeom>
+          <a:solidFill>
+            <a:schemeClr val="accent3">
+              <a:lumMod val="20000"/>
+              <a:lumOff val="80000"/>
+            </a:schemeClr>
+          </a:solidFill>
+        </p:spPr>
+        <p:style>
+          <a:lnRef idx="2">
+            <a:schemeClr val="accent1">
+              <a:shade val="50000"/>
+            </a:schemeClr>
+          </a:lnRef>
+          <a:fillRef idx="1">
+            <a:schemeClr val="accent1"/>
+          </a:fillRef>
+          <a:effectRef idx="0">
+            <a:schemeClr val="accent1"/>
+          </a:effectRef>
+          <a:fontRef idx="minor">
+            <a:schemeClr val="lt1"/>
+          </a:fontRef>
+        </p:style>
+        <p:txBody>
+          <a:bodyPr rtlCol="0" anchor="ctr"/>
+          <a:lstStyle/>
+          <a:p>
+            <a:pPr algn="ctr"/>
+            <a:r>
+              <a:rPr lang="en-US" sz="900" dirty="0">
+                <a:solidFill>
+                  <a:schemeClr val="tx1"/>
+                </a:solidFill>
+              </a:rPr>
+              <a:t>Series 1</a:t>
+            </a:r>
+          </a:p>
+        </p:txBody>
+      </p:sp>
+      <p:sp>
+        <p:nvSpPr>
+          <p:cNvPr id="35" name="Rectangle 34">
+            <a:extLst>
+              <a:ext uri="{FF2B5EF4-FFF2-40B4-BE49-F238E27FC236}">
+                <a16:creationId xmlns:a16="http://schemas.microsoft.com/office/drawing/2014/main" id="{A3834D64-72DB-DB46-8B54-F7AE33105ED3}"/>
+              </a:ext>
+            </a:extLst>
+          </p:cNvPr>
+          <p:cNvSpPr/>
+          <p:nvPr/>
+        </p:nvSpPr>
+        <p:spPr>
+          <a:xfrm>
+            <a:off x="2711823" y="3963584"/>
+            <a:ext cx="852851" cy="445035"/>
+          </a:xfrm>
+          <a:prstGeom prst="rect">
+            <a:avLst/>
+          </a:prstGeom>
+          <a:solidFill>
+            <a:schemeClr val="accent3">
+              <a:lumMod val="20000"/>
+              <a:lumOff val="80000"/>
+            </a:schemeClr>
+          </a:solidFill>
+        </p:spPr>
+        <p:style>
+          <a:lnRef idx="2">
+            <a:schemeClr val="accent1">
+              <a:shade val="50000"/>
+            </a:schemeClr>
+          </a:lnRef>
+          <a:fillRef idx="1">
+            <a:schemeClr val="accent1"/>
+          </a:fillRef>
+          <a:effectRef idx="0">
+            <a:schemeClr val="accent1"/>
+          </a:effectRef>
+          <a:fontRef idx="minor">
+            <a:schemeClr val="lt1"/>
+          </a:fontRef>
+        </p:style>
+        <p:txBody>
+          <a:bodyPr rtlCol="0" anchor="ctr"/>
+          <a:lstStyle/>
+          <a:p>
+            <a:pPr algn="ctr"/>
+            <a:r>
+              <a:rPr lang="en-US" sz="900" dirty="0">
+                <a:solidFill>
+                  <a:schemeClr val="tx1"/>
+                </a:solidFill>
+              </a:rPr>
+              <a:t>Contributors</a:t>
+            </a:r>
+          </a:p>
+        </p:txBody>
+      </p:sp>
+    </p:spTree>
+    <p:extLst>
+      <p:ext uri="{BB962C8B-B14F-4D97-AF65-F5344CB8AC3E}">
+        <p14:creationId xmlns:p14="http://schemas.microsoft.com/office/powerpoint/2010/main" val="1757059862"/>
+      </p:ext>
+    </p:extLst>
+  </p:cSld>
+  <p:clrMapOvr>
+    <a:masterClrMapping/>
+  </p:clrMapOvr>
+  <p:transition>
+    <p:wipe dir="r"/>
+  </p:transition>
+</p:sld>
+</file>
+
+<file path=ppt/slides/slide6.xml><?xml version="1.0" encoding="utf-8"?>
+<p:sld xmlns:a="http://schemas.openxmlformats.org/drawingml/2006/main" xmlns:r="http://schemas.openxmlformats.org/officeDocument/2006/relationships" xmlns:p="http://schemas.openxmlformats.org/presentationml/2006/main">
+  <p:cSld>
+    <p:spTree>
+      <p:nvGrpSpPr>
+        <p:cNvPr id="1" name=""/>
+        <p:cNvGrpSpPr/>
+        <p:nvPr/>
+      </p:nvGrpSpPr>
+      <p:grpSpPr>
+        <a:xfrm>
+          <a:off x="0" y="0"/>
+          <a:ext cx="0" cy="0"/>
+          <a:chOff x="0" y="0"/>
+          <a:chExt cx="0" cy="0"/>
+        </a:xfrm>
+      </p:grpSpPr>
+      <p:sp>
+        <p:nvSpPr>
+          <p:cNvPr id="8" name="Title 7">
+            <a:extLst>
+              <a:ext uri="{FF2B5EF4-FFF2-40B4-BE49-F238E27FC236}">
+                <a16:creationId xmlns:a16="http://schemas.microsoft.com/office/drawing/2014/main" id="{B2FA13F5-C6F4-46C1-838A-EC69FC41AADA}"/>
+              </a:ext>
+            </a:extLst>
+          </p:cNvPr>
+          <p:cNvSpPr>
+            <a:spLocks noGrp="1"/>
+          </p:cNvSpPr>
+          <p:nvPr>
+            <p:ph type="title"/>
+          </p:nvPr>
+        </p:nvSpPr>
+        <p:spPr>
+          <a:xfrm>
+            <a:off x="591875" y="46794"/>
+            <a:ext cx="1133339" cy="435392"/>
+          </a:xfrm>
+        </p:spPr>
+        <p:txBody>
+          <a:bodyPr>
+            <a:noAutofit/>
+          </a:bodyPr>
+          <a:lstStyle/>
+          <a:p>
+            <a:r>
+              <a:rPr lang="en-US" sz="2000" dirty="0"/>
+              <a:t>Entity</a:t>
+            </a:r>
+          </a:p>
+        </p:txBody>
+      </p:sp>
+      <p:sp>
+        <p:nvSpPr>
           <p:cNvPr id="6" name="Slide Number Placeholder 5">
             <a:extLst>
               <a:ext uri="{FF2B5EF4-FFF2-40B4-BE49-F238E27FC236}">
@@ -8056,7 +9519,7 @@
             <a:fld id="{AD86CF49-6971-4508-8862-A2909EA0DB5B}" type="slidenum">
               <a:rPr lang="en-US" smtClean="0"/>
               <a:pPr/>
-              <a:t>5</a:t>
+              <a:t>6</a:t>
             </a:fld>
             <a:endParaRPr lang="en-US" dirty="0"/>
           </a:p>
@@ -8132,8 +9595,8 @@
         </p:nvSpPr>
         <p:spPr>
           <a:xfrm>
-            <a:off x="187889" y="1425713"/>
-            <a:ext cx="852678" cy="445035"/>
+            <a:off x="231025" y="1425105"/>
+            <a:ext cx="849236" cy="445035"/>
           </a:xfrm>
           <a:prstGeom prst="rect">
             <a:avLst/>
@@ -8172,7 +9635,29 @@
                   <a:schemeClr val="tx1"/>
                 </a:solidFill>
               </a:rPr>
-              <a:t>Sovrin Public Utility Directed Fund</a:t>
+              <a:t>Utility </a:t>
+            </a:r>
+          </a:p>
+          <a:p>
+            <a:pPr algn="ctr"/>
+            <a:r>
+              <a:rPr lang="en-US" sz="900" dirty="0">
+                <a:solidFill>
+                  <a:schemeClr val="tx1"/>
+                </a:solidFill>
+              </a:rPr>
+              <a:t>Directed </a:t>
+            </a:r>
+          </a:p>
+          <a:p>
+            <a:pPr algn="ctr"/>
+            <a:r>
+              <a:rPr lang="en-US" sz="900" dirty="0">
+                <a:solidFill>
+                  <a:schemeClr val="tx1"/>
+                </a:solidFill>
+              </a:rPr>
+              <a:t>Fund 1</a:t>
             </a:r>
           </a:p>
         </p:txBody>
@@ -8231,7 +9716,7 @@
         <p:spPr>
           <a:xfrm>
             <a:off x="230979" y="3628183"/>
-            <a:ext cx="1047731" cy="445035"/>
+            <a:ext cx="1169982" cy="469641"/>
           </a:xfrm>
           <a:prstGeom prst="rect">
             <a:avLst/>
@@ -8270,7 +9755,7 @@
                   <a:schemeClr val="tx1"/>
                 </a:solidFill>
               </a:rPr>
-              <a:t>Sovrin Technical Governance, </a:t>
+              <a:t>Technical Governance </a:t>
             </a:r>
           </a:p>
           <a:p>
@@ -8281,7 +9766,7 @@
                   <a:schemeClr val="tx1"/>
                 </a:solidFill>
               </a:rPr>
-              <a:t>Series LLC</a:t>
+              <a:t>Project 1, Series LLC</a:t>
             </a:r>
           </a:p>
         </p:txBody>
@@ -8301,7 +9786,7 @@
         <p:spPr>
           <a:xfrm>
             <a:off x="225072" y="4169636"/>
-            <a:ext cx="1047730" cy="445035"/>
+            <a:ext cx="1169982" cy="445035"/>
           </a:xfrm>
           <a:prstGeom prst="rect">
             <a:avLst/>
@@ -8900,292 +10385,10 @@
       </p:sp>
       <p:sp>
         <p:nvSpPr>
-          <p:cNvPr id="29" name="Rectangle 28">
-            <a:extLst>
-              <a:ext uri="{FF2B5EF4-FFF2-40B4-BE49-F238E27FC236}">
-                <a16:creationId xmlns:a16="http://schemas.microsoft.com/office/drawing/2014/main" id="{3E5BF887-0E05-C846-8F69-19810619390B}"/>
-              </a:ext>
-            </a:extLst>
-          </p:cNvPr>
-          <p:cNvSpPr/>
-          <p:nvPr/>
-        </p:nvSpPr>
-        <p:spPr>
-          <a:xfrm>
-            <a:off x="1178973" y="1410699"/>
-            <a:ext cx="852678" cy="445035"/>
-          </a:xfrm>
-          <a:prstGeom prst="rect">
-            <a:avLst/>
-          </a:prstGeom>
-          <a:solidFill>
-            <a:schemeClr val="tx2">
-              <a:lumMod val="20000"/>
-              <a:lumOff val="80000"/>
-            </a:schemeClr>
-          </a:solidFill>
-        </p:spPr>
-        <p:style>
-          <a:lnRef idx="2">
-            <a:schemeClr val="accent1">
-              <a:shade val="50000"/>
-            </a:schemeClr>
-          </a:lnRef>
-          <a:fillRef idx="1">
-            <a:schemeClr val="accent1"/>
-          </a:fillRef>
-          <a:effectRef idx="0">
-            <a:schemeClr val="accent1"/>
-          </a:effectRef>
-          <a:fontRef idx="minor">
-            <a:schemeClr val="lt1"/>
-          </a:fontRef>
-        </p:style>
-        <p:txBody>
-          <a:bodyPr rtlCol="0" anchor="ctr"/>
-          <a:lstStyle/>
-          <a:p>
-            <a:pPr algn="ctr"/>
-            <a:r>
-              <a:rPr lang="en-US" sz="900" dirty="0">
-                <a:solidFill>
-                  <a:schemeClr val="tx1"/>
-                </a:solidFill>
-              </a:rPr>
-              <a:t>Sovrin Ecosystem Directed Fund</a:t>
-            </a:r>
-          </a:p>
-        </p:txBody>
-      </p:sp>
-      <p:cxnSp>
-        <p:nvCxnSpPr>
-          <p:cNvPr id="11" name="Straight Connector 10">
-            <a:extLst>
-              <a:ext uri="{FF2B5EF4-FFF2-40B4-BE49-F238E27FC236}">
-                <a16:creationId xmlns:a16="http://schemas.microsoft.com/office/drawing/2014/main" id="{247C2C39-A761-D24F-AFB9-DDF72398E8D6}"/>
-              </a:ext>
-            </a:extLst>
-          </p:cNvPr>
-          <p:cNvCxnSpPr>
-            <a:cxnSpLocks/>
-          </p:cNvCxnSpPr>
-          <p:nvPr/>
-        </p:nvCxnSpPr>
-        <p:spPr>
-          <a:xfrm>
-            <a:off x="109057" y="2104961"/>
-            <a:ext cx="8759198" cy="35331"/>
-          </a:xfrm>
-          <a:prstGeom prst="line">
-            <a:avLst/>
-          </a:prstGeom>
-        </p:spPr>
-        <p:style>
-          <a:lnRef idx="2">
-            <a:schemeClr val="accent1"/>
-          </a:lnRef>
-          <a:fillRef idx="0">
-            <a:schemeClr val="accent1"/>
-          </a:fillRef>
-          <a:effectRef idx="1">
-            <a:schemeClr val="accent1"/>
-          </a:effectRef>
-          <a:fontRef idx="minor">
-            <a:schemeClr val="tx1"/>
-          </a:fontRef>
-        </p:style>
-      </p:cxnSp>
-      <p:sp>
-        <p:nvSpPr>
-          <p:cNvPr id="12" name="TextBox 11">
-            <a:extLst>
-              <a:ext uri="{FF2B5EF4-FFF2-40B4-BE49-F238E27FC236}">
-                <a16:creationId xmlns:a16="http://schemas.microsoft.com/office/drawing/2014/main" id="{FCB30ED3-2250-3449-AED9-D159D4807A20}"/>
-              </a:ext>
-            </a:extLst>
-          </p:cNvPr>
-          <p:cNvSpPr txBox="1"/>
-          <p:nvPr/>
-        </p:nvSpPr>
-        <p:spPr>
-          <a:xfrm>
-            <a:off x="17362" y="1870507"/>
-            <a:ext cx="736099" cy="261610"/>
-          </a:xfrm>
-          <a:prstGeom prst="rect">
-            <a:avLst/>
-          </a:prstGeom>
-          <a:noFill/>
-        </p:spPr>
-        <p:txBody>
-          <a:bodyPr wrap="none" rtlCol="0">
-            <a:spAutoFit/>
-          </a:bodyPr>
-          <a:lstStyle/>
-          <a:p>
-            <a:r>
-              <a:rPr lang="en-US" sz="1100" dirty="0"/>
-              <a:t>Members</a:t>
-            </a:r>
-          </a:p>
-        </p:txBody>
-      </p:sp>
-      <p:sp>
-        <p:nvSpPr>
-          <p:cNvPr id="33" name="TextBox 32">
-            <a:extLst>
-              <a:ext uri="{FF2B5EF4-FFF2-40B4-BE49-F238E27FC236}">
-                <a16:creationId xmlns:a16="http://schemas.microsoft.com/office/drawing/2014/main" id="{529EB88E-10A1-564F-A390-38EF37B9F96F}"/>
-              </a:ext>
-            </a:extLst>
-          </p:cNvPr>
-          <p:cNvSpPr txBox="1"/>
-          <p:nvPr/>
-        </p:nvSpPr>
-        <p:spPr>
-          <a:xfrm>
-            <a:off x="6418" y="2104961"/>
-            <a:ext cx="1018227" cy="261610"/>
-          </a:xfrm>
-          <a:prstGeom prst="rect">
-            <a:avLst/>
-          </a:prstGeom>
-          <a:noFill/>
-        </p:spPr>
-        <p:txBody>
-          <a:bodyPr wrap="none" rtlCol="0">
-            <a:spAutoFit/>
-          </a:bodyPr>
-          <a:lstStyle/>
-          <a:p>
-            <a:r>
-              <a:rPr lang="en-US" sz="1100" dirty="0"/>
-              <a:t>Non-Members</a:t>
-            </a:r>
-          </a:p>
-        </p:txBody>
-      </p:sp>
-      <p:sp>
-        <p:nvSpPr>
-          <p:cNvPr id="32" name="Rectangle 31">
-            <a:extLst>
-              <a:ext uri="{FF2B5EF4-FFF2-40B4-BE49-F238E27FC236}">
-                <a16:creationId xmlns:a16="http://schemas.microsoft.com/office/drawing/2014/main" id="{9B53D409-F987-8444-AE22-9780785EA6A8}"/>
-              </a:ext>
-            </a:extLst>
-          </p:cNvPr>
-          <p:cNvSpPr/>
-          <p:nvPr/>
-        </p:nvSpPr>
-        <p:spPr>
-          <a:xfrm>
-            <a:off x="230979" y="2932630"/>
-            <a:ext cx="1769325" cy="599135"/>
-          </a:xfrm>
-          <a:prstGeom prst="rect">
-            <a:avLst/>
-          </a:prstGeom>
-          <a:solidFill>
-            <a:schemeClr val="accent4">
-              <a:lumMod val="75000"/>
-            </a:schemeClr>
-          </a:solidFill>
-        </p:spPr>
-        <p:style>
-          <a:lnRef idx="2">
-            <a:schemeClr val="accent1">
-              <a:shade val="50000"/>
-            </a:schemeClr>
-          </a:lnRef>
-          <a:fillRef idx="1">
-            <a:schemeClr val="accent1"/>
-          </a:fillRef>
-          <a:effectRef idx="0">
-            <a:schemeClr val="accent1"/>
-          </a:effectRef>
-          <a:fontRef idx="minor">
-            <a:schemeClr val="lt1"/>
-          </a:fontRef>
-        </p:style>
-        <p:txBody>
-          <a:bodyPr rtlCol="0" anchor="ctr"/>
-          <a:lstStyle/>
-          <a:p>
-            <a:pPr algn="ctr"/>
-            <a:r>
-              <a:rPr lang="en-US" sz="1200" dirty="0"/>
-              <a:t>LF Network Projects LLC</a:t>
-            </a:r>
-          </a:p>
-          <a:p>
-            <a:pPr algn="ctr"/>
-            <a:r>
-              <a:rPr lang="en-US" sz="1200" dirty="0"/>
-              <a:t>(Delaware Series LLC)</a:t>
-            </a:r>
-          </a:p>
-        </p:txBody>
-      </p:sp>
-      <p:sp>
-        <p:nvSpPr>
-          <p:cNvPr id="34" name="Rectangle 33">
-            <a:extLst>
-              <a:ext uri="{FF2B5EF4-FFF2-40B4-BE49-F238E27FC236}">
-                <a16:creationId xmlns:a16="http://schemas.microsoft.com/office/drawing/2014/main" id="{B9B63B45-1E46-CC40-AB43-213A1C3D9B5A}"/>
-              </a:ext>
-            </a:extLst>
-          </p:cNvPr>
-          <p:cNvSpPr/>
-          <p:nvPr/>
-        </p:nvSpPr>
-        <p:spPr>
-          <a:xfrm>
-            <a:off x="247339" y="2391178"/>
-            <a:ext cx="1752966" cy="445034"/>
-          </a:xfrm>
-          <a:prstGeom prst="rect">
-            <a:avLst/>
-          </a:prstGeom>
-          <a:solidFill>
-            <a:schemeClr val="accent4">
-              <a:lumMod val="75000"/>
-            </a:schemeClr>
-          </a:solidFill>
-        </p:spPr>
-        <p:style>
-          <a:lnRef idx="2">
-            <a:schemeClr val="accent1">
-              <a:shade val="50000"/>
-            </a:schemeClr>
-          </a:lnRef>
-          <a:fillRef idx="1">
-            <a:schemeClr val="accent1"/>
-          </a:fillRef>
-          <a:effectRef idx="0">
-            <a:schemeClr val="accent1"/>
-          </a:effectRef>
-          <a:fontRef idx="minor">
-            <a:schemeClr val="lt1"/>
-          </a:fontRef>
-        </p:style>
-        <p:txBody>
-          <a:bodyPr rtlCol="0" anchor="ctr"/>
-          <a:lstStyle/>
-          <a:p>
-            <a:pPr algn="ctr"/>
-            <a:r>
-              <a:rPr lang="en-US" sz="1200" dirty="0"/>
-              <a:t>LF Operational Projects LLC (Delaware LLC)</a:t>
-            </a:r>
-          </a:p>
-        </p:txBody>
-      </p:sp>
-      <p:sp>
-        <p:nvSpPr>
-          <p:cNvPr id="36" name="Title 7">
-            <a:extLst>
-              <a:ext uri="{FF2B5EF4-FFF2-40B4-BE49-F238E27FC236}">
-                <a16:creationId xmlns:a16="http://schemas.microsoft.com/office/drawing/2014/main" id="{C47EBF97-42E3-C94D-B0F5-D2881892970A}"/>
+          <p:cNvPr id="54" name="Title 7">
+            <a:extLst>
+              <a:ext uri="{FF2B5EF4-FFF2-40B4-BE49-F238E27FC236}">
+                <a16:creationId xmlns:a16="http://schemas.microsoft.com/office/drawing/2014/main" id="{1A2A3853-C3E3-B54C-ADF5-2D994B3CFBDB}"/>
               </a:ext>
             </a:extLst>
           </p:cNvPr>
@@ -9196,8 +10399,8 @@
         </p:nvSpPr>
         <p:spPr>
           <a:xfrm>
-            <a:off x="591875" y="46794"/>
-            <a:ext cx="1133339" cy="435392"/>
+            <a:off x="2031651" y="45859"/>
+            <a:ext cx="2531086" cy="435392"/>
           </a:xfrm>
           <a:prstGeom prst="rect">
             <a:avLst/>
@@ -9225,19 +10428,18 @@
           </a:lstStyle>
           <a:p>
             <a:r>
-              <a:rPr lang="en-US" sz="2000"/>
-              <a:t>Entity</a:t>
-            </a:r>
-            <a:endParaRPr lang="en-US" sz="2000" dirty="0"/>
-          </a:p>
-        </p:txBody>
-      </p:sp>
-      <p:sp>
-        <p:nvSpPr>
-          <p:cNvPr id="38" name="Title 7">
-            <a:extLst>
-              <a:ext uri="{FF2B5EF4-FFF2-40B4-BE49-F238E27FC236}">
-                <a16:creationId xmlns:a16="http://schemas.microsoft.com/office/drawing/2014/main" id="{002B1D64-8AF1-5140-90AB-AF078ADF4B2F}"/>
+              <a:rPr lang="en-US" sz="2000" dirty="0"/>
+              <a:t>Signing Requirements</a:t>
+            </a:r>
+          </a:p>
+        </p:txBody>
+      </p:sp>
+      <p:sp>
+        <p:nvSpPr>
+          <p:cNvPr id="55" name="Title 7">
+            <a:extLst>
+              <a:ext uri="{FF2B5EF4-FFF2-40B4-BE49-F238E27FC236}">
+                <a16:creationId xmlns:a16="http://schemas.microsoft.com/office/drawing/2014/main" id="{6748F80D-5D4F-DC4E-BD58-EC7D7AECE51E}"/>
               </a:ext>
             </a:extLst>
           </p:cNvPr>
@@ -9248,8 +10450,8 @@
         </p:nvSpPr>
         <p:spPr>
           <a:xfrm>
-            <a:off x="2031651" y="45859"/>
-            <a:ext cx="2531086" cy="435392"/>
+            <a:off x="4484408" y="45859"/>
+            <a:ext cx="3093091" cy="435392"/>
           </a:xfrm>
           <a:prstGeom prst="rect">
             <a:avLst/>
@@ -9278,17 +10480,1213 @@
           <a:p>
             <a:r>
               <a:rPr lang="en-US" sz="2000" dirty="0"/>
-              <a:t>Signing Requirements</a:t>
-            </a:r>
-          </a:p>
-        </p:txBody>
-      </p:sp>
-      <p:sp>
-        <p:nvSpPr>
-          <p:cNvPr id="40" name="Title 7">
-            <a:extLst>
-              <a:ext uri="{FF2B5EF4-FFF2-40B4-BE49-F238E27FC236}">
-                <a16:creationId xmlns:a16="http://schemas.microsoft.com/office/drawing/2014/main" id="{555D2329-D53F-AB4D-96A4-8714542E5836}"/>
+              <a:t>Description / Role</a:t>
+            </a:r>
+          </a:p>
+        </p:txBody>
+      </p:sp>
+      <p:cxnSp>
+        <p:nvCxnSpPr>
+          <p:cNvPr id="11" name="Straight Connector 10">
+            <a:extLst>
+              <a:ext uri="{FF2B5EF4-FFF2-40B4-BE49-F238E27FC236}">
+                <a16:creationId xmlns:a16="http://schemas.microsoft.com/office/drawing/2014/main" id="{247C2C39-A761-D24F-AFB9-DDF72398E8D6}"/>
+              </a:ext>
+            </a:extLst>
+          </p:cNvPr>
+          <p:cNvCxnSpPr>
+            <a:cxnSpLocks/>
+          </p:cNvCxnSpPr>
+          <p:nvPr/>
+        </p:nvCxnSpPr>
+        <p:spPr>
+          <a:xfrm>
+            <a:off x="109057" y="2104961"/>
+            <a:ext cx="8759198" cy="35331"/>
+          </a:xfrm>
+          <a:prstGeom prst="line">
+            <a:avLst/>
+          </a:prstGeom>
+        </p:spPr>
+        <p:style>
+          <a:lnRef idx="2">
+            <a:schemeClr val="accent1"/>
+          </a:lnRef>
+          <a:fillRef idx="0">
+            <a:schemeClr val="accent1"/>
+          </a:fillRef>
+          <a:effectRef idx="1">
+            <a:schemeClr val="accent1"/>
+          </a:effectRef>
+          <a:fontRef idx="minor">
+            <a:schemeClr val="tx1"/>
+          </a:fontRef>
+        </p:style>
+      </p:cxnSp>
+      <p:sp>
+        <p:nvSpPr>
+          <p:cNvPr id="12" name="TextBox 11">
+            <a:extLst>
+              <a:ext uri="{FF2B5EF4-FFF2-40B4-BE49-F238E27FC236}">
+                <a16:creationId xmlns:a16="http://schemas.microsoft.com/office/drawing/2014/main" id="{FCB30ED3-2250-3449-AED9-D159D4807A20}"/>
+              </a:ext>
+            </a:extLst>
+          </p:cNvPr>
+          <p:cNvSpPr txBox="1"/>
+          <p:nvPr/>
+        </p:nvSpPr>
+        <p:spPr>
+          <a:xfrm>
+            <a:off x="17362" y="1870507"/>
+            <a:ext cx="736099" cy="261610"/>
+          </a:xfrm>
+          <a:prstGeom prst="rect">
+            <a:avLst/>
+          </a:prstGeom>
+          <a:noFill/>
+        </p:spPr>
+        <p:txBody>
+          <a:bodyPr wrap="none" rtlCol="0">
+            <a:spAutoFit/>
+          </a:bodyPr>
+          <a:lstStyle/>
+          <a:p>
+            <a:r>
+              <a:rPr lang="en-US" sz="1100" dirty="0"/>
+              <a:t>Members</a:t>
+            </a:r>
+          </a:p>
+        </p:txBody>
+      </p:sp>
+      <p:sp>
+        <p:nvSpPr>
+          <p:cNvPr id="33" name="TextBox 32">
+            <a:extLst>
+              <a:ext uri="{FF2B5EF4-FFF2-40B4-BE49-F238E27FC236}">
+                <a16:creationId xmlns:a16="http://schemas.microsoft.com/office/drawing/2014/main" id="{529EB88E-10A1-564F-A390-38EF37B9F96F}"/>
+              </a:ext>
+            </a:extLst>
+          </p:cNvPr>
+          <p:cNvSpPr txBox="1"/>
+          <p:nvPr/>
+        </p:nvSpPr>
+        <p:spPr>
+          <a:xfrm>
+            <a:off x="6418" y="2104961"/>
+            <a:ext cx="1018227" cy="261610"/>
+          </a:xfrm>
+          <a:prstGeom prst="rect">
+            <a:avLst/>
+          </a:prstGeom>
+          <a:noFill/>
+        </p:spPr>
+        <p:txBody>
+          <a:bodyPr wrap="none" rtlCol="0">
+            <a:spAutoFit/>
+          </a:bodyPr>
+          <a:lstStyle/>
+          <a:p>
+            <a:r>
+              <a:rPr lang="en-US" sz="1100" dirty="0"/>
+              <a:t>Non-Members</a:t>
+            </a:r>
+          </a:p>
+        </p:txBody>
+      </p:sp>
+      <p:sp>
+        <p:nvSpPr>
+          <p:cNvPr id="32" name="Rectangle 31">
+            <a:extLst>
+              <a:ext uri="{FF2B5EF4-FFF2-40B4-BE49-F238E27FC236}">
+                <a16:creationId xmlns:a16="http://schemas.microsoft.com/office/drawing/2014/main" id="{9B53D409-F987-8444-AE22-9780785EA6A8}"/>
+              </a:ext>
+            </a:extLst>
+          </p:cNvPr>
+          <p:cNvSpPr/>
+          <p:nvPr/>
+        </p:nvSpPr>
+        <p:spPr>
+          <a:xfrm>
+            <a:off x="230979" y="2932630"/>
+            <a:ext cx="1769325" cy="599135"/>
+          </a:xfrm>
+          <a:prstGeom prst="rect">
+            <a:avLst/>
+          </a:prstGeom>
+          <a:solidFill>
+            <a:schemeClr val="accent4">
+              <a:lumMod val="75000"/>
+            </a:schemeClr>
+          </a:solidFill>
+        </p:spPr>
+        <p:style>
+          <a:lnRef idx="2">
+            <a:schemeClr val="accent1">
+              <a:shade val="50000"/>
+            </a:schemeClr>
+          </a:lnRef>
+          <a:fillRef idx="1">
+            <a:schemeClr val="accent1"/>
+          </a:fillRef>
+          <a:effectRef idx="0">
+            <a:schemeClr val="accent1"/>
+          </a:effectRef>
+          <a:fontRef idx="minor">
+            <a:schemeClr val="lt1"/>
+          </a:fontRef>
+        </p:style>
+        <p:txBody>
+          <a:bodyPr rtlCol="0" anchor="ctr"/>
+          <a:lstStyle/>
+          <a:p>
+            <a:pPr algn="ctr"/>
+            <a:r>
+              <a:rPr lang="en-US" sz="1200" dirty="0"/>
+              <a:t>LF Network Projects LLC</a:t>
+            </a:r>
+          </a:p>
+          <a:p>
+            <a:pPr algn="ctr"/>
+            <a:r>
+              <a:rPr lang="en-US" sz="1200" dirty="0"/>
+              <a:t>(Delaware Series LLC)</a:t>
+            </a:r>
+          </a:p>
+        </p:txBody>
+      </p:sp>
+      <p:sp>
+        <p:nvSpPr>
+          <p:cNvPr id="34" name="Rectangle 33">
+            <a:extLst>
+              <a:ext uri="{FF2B5EF4-FFF2-40B4-BE49-F238E27FC236}">
+                <a16:creationId xmlns:a16="http://schemas.microsoft.com/office/drawing/2014/main" id="{B9B63B45-1E46-CC40-AB43-213A1C3D9B5A}"/>
+              </a:ext>
+            </a:extLst>
+          </p:cNvPr>
+          <p:cNvSpPr/>
+          <p:nvPr/>
+        </p:nvSpPr>
+        <p:spPr>
+          <a:xfrm>
+            <a:off x="247339" y="2391178"/>
+            <a:ext cx="1752966" cy="445034"/>
+          </a:xfrm>
+          <a:prstGeom prst="rect">
+            <a:avLst/>
+          </a:prstGeom>
+          <a:solidFill>
+            <a:schemeClr val="accent4">
+              <a:lumMod val="75000"/>
+            </a:schemeClr>
+          </a:solidFill>
+        </p:spPr>
+        <p:style>
+          <a:lnRef idx="2">
+            <a:schemeClr val="accent1">
+              <a:shade val="50000"/>
+            </a:schemeClr>
+          </a:lnRef>
+          <a:fillRef idx="1">
+            <a:schemeClr val="accent1"/>
+          </a:fillRef>
+          <a:effectRef idx="0">
+            <a:schemeClr val="accent1"/>
+          </a:effectRef>
+          <a:fontRef idx="minor">
+            <a:schemeClr val="lt1"/>
+          </a:fontRef>
+        </p:style>
+        <p:txBody>
+          <a:bodyPr rtlCol="0" anchor="ctr"/>
+          <a:lstStyle/>
+          <a:p>
+            <a:pPr algn="ctr"/>
+            <a:r>
+              <a:rPr lang="en-US" sz="1200" dirty="0"/>
+              <a:t>LF Operational Projects LLC (Delaware LLC)</a:t>
+            </a:r>
+          </a:p>
+        </p:txBody>
+      </p:sp>
+      <p:sp>
+        <p:nvSpPr>
+          <p:cNvPr id="28" name="Rectangle 27">
+            <a:extLst>
+              <a:ext uri="{FF2B5EF4-FFF2-40B4-BE49-F238E27FC236}">
+                <a16:creationId xmlns:a16="http://schemas.microsoft.com/office/drawing/2014/main" id="{E8A33F06-F77A-CB40-B4DB-0D6D87456465}"/>
+              </a:ext>
+            </a:extLst>
+          </p:cNvPr>
+          <p:cNvSpPr/>
+          <p:nvPr/>
+        </p:nvSpPr>
+        <p:spPr>
+          <a:xfrm>
+            <a:off x="1187729" y="1434075"/>
+            <a:ext cx="812575" cy="445035"/>
+          </a:xfrm>
+          <a:prstGeom prst="rect">
+            <a:avLst/>
+          </a:prstGeom>
+          <a:solidFill>
+            <a:schemeClr val="tx2">
+              <a:lumMod val="20000"/>
+              <a:lumOff val="80000"/>
+            </a:schemeClr>
+          </a:solidFill>
+        </p:spPr>
+        <p:style>
+          <a:lnRef idx="2">
+            <a:schemeClr val="accent1">
+              <a:shade val="50000"/>
+            </a:schemeClr>
+          </a:lnRef>
+          <a:fillRef idx="1">
+            <a:schemeClr val="accent1"/>
+          </a:fillRef>
+          <a:effectRef idx="0">
+            <a:schemeClr val="accent1"/>
+          </a:effectRef>
+          <a:fontRef idx="minor">
+            <a:schemeClr val="lt1"/>
+          </a:fontRef>
+        </p:style>
+        <p:txBody>
+          <a:bodyPr rtlCol="0" anchor="ctr"/>
+          <a:lstStyle/>
+          <a:p>
+            <a:pPr algn="ctr"/>
+            <a:r>
+              <a:rPr lang="en-US" sz="900" dirty="0">
+                <a:solidFill>
+                  <a:schemeClr val="tx1"/>
+                </a:solidFill>
+              </a:rPr>
+              <a:t>Ecosystem </a:t>
+            </a:r>
+          </a:p>
+          <a:p>
+            <a:pPr algn="ctr"/>
+            <a:r>
+              <a:rPr lang="en-US" sz="900" dirty="0">
+                <a:solidFill>
+                  <a:schemeClr val="tx1"/>
+                </a:solidFill>
+              </a:rPr>
+              <a:t>Directed </a:t>
+            </a:r>
+          </a:p>
+          <a:p>
+            <a:pPr algn="ctr"/>
+            <a:r>
+              <a:rPr lang="en-US" sz="900" dirty="0">
+                <a:solidFill>
+                  <a:schemeClr val="tx1"/>
+                </a:solidFill>
+              </a:rPr>
+              <a:t>Fund 1</a:t>
+            </a:r>
+          </a:p>
+        </p:txBody>
+      </p:sp>
+    </p:spTree>
+    <p:extLst>
+      <p:ext uri="{BB962C8B-B14F-4D97-AF65-F5344CB8AC3E}">
+        <p14:creationId xmlns:p14="http://schemas.microsoft.com/office/powerpoint/2010/main" val="41796395"/>
+      </p:ext>
+    </p:extLst>
+  </p:cSld>
+  <p:clrMapOvr>
+    <a:masterClrMapping/>
+  </p:clrMapOvr>
+  <p:transition>
+    <p:wipe dir="r"/>
+  </p:transition>
+</p:sld>
+</file>
+
+<file path=ppt/slides/slide7.xml><?xml version="1.0" encoding="utf-8"?>
+<p:sld xmlns:a="http://schemas.openxmlformats.org/drawingml/2006/main" xmlns:r="http://schemas.openxmlformats.org/officeDocument/2006/relationships" xmlns:p="http://schemas.openxmlformats.org/presentationml/2006/main">
+  <p:cSld>
+    <p:spTree>
+      <p:nvGrpSpPr>
+        <p:cNvPr id="1" name=""/>
+        <p:cNvGrpSpPr/>
+        <p:nvPr/>
+      </p:nvGrpSpPr>
+      <p:grpSpPr>
+        <a:xfrm>
+          <a:off x="0" y="0"/>
+          <a:ext cx="0" cy="0"/>
+          <a:chOff x="0" y="0"/>
+          <a:chExt cx="0" cy="0"/>
+        </a:xfrm>
+      </p:grpSpPr>
+      <p:sp>
+        <p:nvSpPr>
+          <p:cNvPr id="8" name="Title 7">
+            <a:extLst>
+              <a:ext uri="{FF2B5EF4-FFF2-40B4-BE49-F238E27FC236}">
+                <a16:creationId xmlns:a16="http://schemas.microsoft.com/office/drawing/2014/main" id="{B2FA13F5-C6F4-46C1-838A-EC69FC41AADA}"/>
+              </a:ext>
+            </a:extLst>
+          </p:cNvPr>
+          <p:cNvSpPr>
+            <a:spLocks noGrp="1"/>
+          </p:cNvSpPr>
+          <p:nvPr>
+            <p:ph type="title"/>
+          </p:nvPr>
+        </p:nvSpPr>
+        <p:spPr>
+          <a:xfrm>
+            <a:off x="591875" y="46794"/>
+            <a:ext cx="1133339" cy="435392"/>
+          </a:xfrm>
+        </p:spPr>
+        <p:txBody>
+          <a:bodyPr>
+            <a:noAutofit/>
+          </a:bodyPr>
+          <a:lstStyle/>
+          <a:p>
+            <a:r>
+              <a:rPr lang="en-US" sz="2000" dirty="0"/>
+              <a:t>Entity</a:t>
+            </a:r>
+          </a:p>
+        </p:txBody>
+      </p:sp>
+      <p:sp>
+        <p:nvSpPr>
+          <p:cNvPr id="6" name="Slide Number Placeholder 5">
+            <a:extLst>
+              <a:ext uri="{FF2B5EF4-FFF2-40B4-BE49-F238E27FC236}">
+                <a16:creationId xmlns:a16="http://schemas.microsoft.com/office/drawing/2014/main" id="{6DC3E9BB-401E-4CDB-A1AD-CE0F2D418BB1}"/>
+              </a:ext>
+            </a:extLst>
+          </p:cNvPr>
+          <p:cNvSpPr>
+            <a:spLocks noGrp="1"/>
+          </p:cNvSpPr>
+          <p:nvPr>
+            <p:ph type="sldNum" sz="quarter" idx="4294967295"/>
+          </p:nvPr>
+        </p:nvSpPr>
+        <p:spPr>
+          <a:xfrm>
+            <a:off x="8868255" y="4937760"/>
+            <a:ext cx="275746" cy="205740"/>
+          </a:xfrm>
+        </p:spPr>
+        <p:txBody>
+          <a:bodyPr/>
+          <a:lstStyle/>
+          <a:p>
+            <a:fld id="{AD86CF49-6971-4508-8862-A2909EA0DB5B}" type="slidenum">
+              <a:rPr lang="en-US" smtClean="0"/>
+              <a:pPr/>
+              <a:t>7</a:t>
+            </a:fld>
+            <a:endParaRPr lang="en-US" dirty="0"/>
+          </a:p>
+        </p:txBody>
+      </p:sp>
+      <p:sp>
+        <p:nvSpPr>
+          <p:cNvPr id="31" name="Rectangle 30">
+            <a:extLst>
+              <a:ext uri="{FF2B5EF4-FFF2-40B4-BE49-F238E27FC236}">
+                <a16:creationId xmlns:a16="http://schemas.microsoft.com/office/drawing/2014/main" id="{37D5FEA2-1CD5-8C4F-A004-71C4DAA92698}"/>
+              </a:ext>
+            </a:extLst>
+          </p:cNvPr>
+          <p:cNvSpPr/>
+          <p:nvPr/>
+        </p:nvSpPr>
+        <p:spPr>
+          <a:xfrm>
+            <a:off x="269689" y="550513"/>
+            <a:ext cx="1730615" cy="785124"/>
+          </a:xfrm>
+          <a:prstGeom prst="rect">
+            <a:avLst/>
+          </a:prstGeom>
+        </p:spPr>
+        <p:style>
+          <a:lnRef idx="2">
+            <a:schemeClr val="accent1">
+              <a:shade val="50000"/>
+            </a:schemeClr>
+          </a:lnRef>
+          <a:fillRef idx="1">
+            <a:schemeClr val="accent1"/>
+          </a:fillRef>
+          <a:effectRef idx="0">
+            <a:schemeClr val="accent1"/>
+          </a:effectRef>
+          <a:fontRef idx="minor">
+            <a:schemeClr val="lt1"/>
+          </a:fontRef>
+        </p:style>
+        <p:txBody>
+          <a:bodyPr rtlCol="0" anchor="ctr"/>
+          <a:lstStyle/>
+          <a:p>
+            <a:pPr algn="ctr"/>
+            <a:r>
+              <a:rPr lang="en-US" sz="1200" dirty="0"/>
+              <a:t>The Linux Foundation</a:t>
+            </a:r>
+          </a:p>
+          <a:p>
+            <a:pPr algn="ctr"/>
+            <a:r>
+              <a:rPr lang="en-US" sz="1200" dirty="0"/>
+              <a:t>(Oregon Mutual Benefit Corporation, 501(c)6)</a:t>
+            </a:r>
+          </a:p>
+        </p:txBody>
+      </p:sp>
+      <p:sp>
+        <p:nvSpPr>
+          <p:cNvPr id="30" name="Rectangle 29">
+            <a:extLst>
+              <a:ext uri="{FF2B5EF4-FFF2-40B4-BE49-F238E27FC236}">
+                <a16:creationId xmlns:a16="http://schemas.microsoft.com/office/drawing/2014/main" id="{BBC32AE8-5F7E-1044-AC13-644AB626F69C}"/>
+              </a:ext>
+            </a:extLst>
+          </p:cNvPr>
+          <p:cNvSpPr/>
+          <p:nvPr/>
+        </p:nvSpPr>
+        <p:spPr>
+          <a:xfrm>
+            <a:off x="1035972" y="1419700"/>
+            <a:ext cx="964332" cy="445035"/>
+          </a:xfrm>
+          <a:prstGeom prst="rect">
+            <a:avLst/>
+          </a:prstGeom>
+          <a:solidFill>
+            <a:schemeClr val="tx2">
+              <a:lumMod val="20000"/>
+              <a:lumOff val="80000"/>
+            </a:schemeClr>
+          </a:solidFill>
+        </p:spPr>
+        <p:style>
+          <a:lnRef idx="2">
+            <a:schemeClr val="accent1">
+              <a:shade val="50000"/>
+            </a:schemeClr>
+          </a:lnRef>
+          <a:fillRef idx="1">
+            <a:schemeClr val="accent1"/>
+          </a:fillRef>
+          <a:effectRef idx="0">
+            <a:schemeClr val="accent1"/>
+          </a:effectRef>
+          <a:fontRef idx="minor">
+            <a:schemeClr val="lt1"/>
+          </a:fontRef>
+        </p:style>
+        <p:txBody>
+          <a:bodyPr rtlCol="0" anchor="ctr"/>
+          <a:lstStyle/>
+          <a:p>
+            <a:pPr algn="ctr"/>
+            <a:r>
+              <a:rPr lang="en-US" sz="900" dirty="0">
+                <a:solidFill>
+                  <a:schemeClr val="tx1"/>
+                </a:solidFill>
+              </a:rPr>
+              <a:t>Bedrock Business Utility Directed Fund</a:t>
+            </a:r>
+          </a:p>
+        </p:txBody>
+      </p:sp>
+      <p:cxnSp>
+        <p:nvCxnSpPr>
+          <p:cNvPr id="37" name="Straight Connector 36">
+            <a:extLst>
+              <a:ext uri="{FF2B5EF4-FFF2-40B4-BE49-F238E27FC236}">
+                <a16:creationId xmlns:a16="http://schemas.microsoft.com/office/drawing/2014/main" id="{49DAF085-0225-6E42-80EC-35DB671179DE}"/>
+              </a:ext>
+            </a:extLst>
+          </p:cNvPr>
+          <p:cNvCxnSpPr>
+            <a:cxnSpLocks/>
+          </p:cNvCxnSpPr>
+          <p:nvPr/>
+        </p:nvCxnSpPr>
+        <p:spPr>
+          <a:xfrm>
+            <a:off x="964012" y="1349320"/>
+            <a:ext cx="0" cy="1615011"/>
+          </a:xfrm>
+          <a:prstGeom prst="line">
+            <a:avLst/>
+          </a:prstGeom>
+        </p:spPr>
+        <p:style>
+          <a:lnRef idx="1">
+            <a:schemeClr val="accent1"/>
+          </a:lnRef>
+          <a:fillRef idx="0">
+            <a:schemeClr val="accent1"/>
+          </a:fillRef>
+          <a:effectRef idx="0">
+            <a:schemeClr val="accent1"/>
+          </a:effectRef>
+          <a:fontRef idx="minor">
+            <a:schemeClr val="tx1"/>
+          </a:fontRef>
+        </p:style>
+      </p:cxnSp>
+      <p:sp>
+        <p:nvSpPr>
+          <p:cNvPr id="39" name="Rectangle 38">
+            <a:extLst>
+              <a:ext uri="{FF2B5EF4-FFF2-40B4-BE49-F238E27FC236}">
+                <a16:creationId xmlns:a16="http://schemas.microsoft.com/office/drawing/2014/main" id="{BD403882-CAE1-2748-8B79-DE4E2C78E440}"/>
+              </a:ext>
+            </a:extLst>
+          </p:cNvPr>
+          <p:cNvSpPr/>
+          <p:nvPr/>
+        </p:nvSpPr>
+        <p:spPr>
+          <a:xfrm>
+            <a:off x="230979" y="3628183"/>
+            <a:ext cx="1694465" cy="445035"/>
+          </a:xfrm>
+          <a:prstGeom prst="rect">
+            <a:avLst/>
+          </a:prstGeom>
+          <a:solidFill>
+            <a:schemeClr val="accent4">
+              <a:lumMod val="20000"/>
+              <a:lumOff val="80000"/>
+            </a:schemeClr>
+          </a:solidFill>
+        </p:spPr>
+        <p:style>
+          <a:lnRef idx="2">
+            <a:schemeClr val="accent1">
+              <a:shade val="50000"/>
+            </a:schemeClr>
+          </a:lnRef>
+          <a:fillRef idx="1">
+            <a:schemeClr val="accent1"/>
+          </a:fillRef>
+          <a:effectRef idx="0">
+            <a:schemeClr val="accent1"/>
+          </a:effectRef>
+          <a:fontRef idx="minor">
+            <a:schemeClr val="lt1"/>
+          </a:fontRef>
+        </p:style>
+        <p:txBody>
+          <a:bodyPr rtlCol="0" anchor="ctr"/>
+          <a:lstStyle/>
+          <a:p>
+            <a:pPr algn="ctr"/>
+            <a:r>
+              <a:rPr lang="en-US" sz="900" dirty="0">
+                <a:solidFill>
+                  <a:schemeClr val="tx1"/>
+                </a:solidFill>
+              </a:rPr>
+              <a:t>Bedrock Consortium Project Series LLC</a:t>
+            </a:r>
+          </a:p>
+        </p:txBody>
+      </p:sp>
+      <p:sp>
+        <p:nvSpPr>
+          <p:cNvPr id="41" name="Rectangle 40">
+            <a:extLst>
+              <a:ext uri="{FF2B5EF4-FFF2-40B4-BE49-F238E27FC236}">
+                <a16:creationId xmlns:a16="http://schemas.microsoft.com/office/drawing/2014/main" id="{0FDC8FA4-2C91-794A-9E9A-BB5DDE3ADADF}"/>
+              </a:ext>
+            </a:extLst>
+          </p:cNvPr>
+          <p:cNvSpPr/>
+          <p:nvPr/>
+        </p:nvSpPr>
+        <p:spPr>
+          <a:xfrm>
+            <a:off x="225072" y="4169636"/>
+            <a:ext cx="1694464" cy="445035"/>
+          </a:xfrm>
+          <a:prstGeom prst="rect">
+            <a:avLst/>
+          </a:prstGeom>
+          <a:solidFill>
+            <a:schemeClr val="accent4">
+              <a:lumMod val="20000"/>
+              <a:lumOff val="80000"/>
+            </a:schemeClr>
+          </a:solidFill>
+        </p:spPr>
+        <p:style>
+          <a:lnRef idx="2">
+            <a:schemeClr val="accent1">
+              <a:shade val="50000"/>
+            </a:schemeClr>
+          </a:lnRef>
+          <a:fillRef idx="1">
+            <a:schemeClr val="accent1"/>
+          </a:fillRef>
+          <a:effectRef idx="0">
+            <a:schemeClr val="accent1"/>
+          </a:effectRef>
+          <a:fontRef idx="minor">
+            <a:schemeClr val="lt1"/>
+          </a:fontRef>
+        </p:style>
+        <p:txBody>
+          <a:bodyPr rtlCol="0" anchor="ctr"/>
+          <a:lstStyle/>
+          <a:p>
+            <a:pPr algn="ctr"/>
+            <a:r>
+              <a:rPr lang="en-US" sz="900" dirty="0">
+                <a:solidFill>
+                  <a:schemeClr val="tx1"/>
+                </a:solidFill>
+              </a:rPr>
+              <a:t>Contributors</a:t>
+            </a:r>
+          </a:p>
+        </p:txBody>
+      </p:sp>
+      <p:sp>
+        <p:nvSpPr>
+          <p:cNvPr id="2" name="TextBox 1">
+            <a:extLst>
+              <a:ext uri="{FF2B5EF4-FFF2-40B4-BE49-F238E27FC236}">
+                <a16:creationId xmlns:a16="http://schemas.microsoft.com/office/drawing/2014/main" id="{3A0097A2-E146-2048-86E5-1DFEA643AEF6}"/>
+              </a:ext>
+            </a:extLst>
+          </p:cNvPr>
+          <p:cNvSpPr txBox="1"/>
+          <p:nvPr/>
+        </p:nvSpPr>
+        <p:spPr>
+          <a:xfrm>
+            <a:off x="4562739" y="789474"/>
+            <a:ext cx="3093091" cy="276999"/>
+          </a:xfrm>
+          <a:prstGeom prst="rect">
+            <a:avLst/>
+          </a:prstGeom>
+          <a:noFill/>
+        </p:spPr>
+        <p:txBody>
+          <a:bodyPr wrap="none" rtlCol="0">
+            <a:spAutoFit/>
+          </a:bodyPr>
+          <a:lstStyle/>
+          <a:p>
+            <a:r>
+              <a:rPr lang="en-US" sz="1200" dirty="0"/>
+              <a:t>Legal membership entity for the Directed Fund</a:t>
+            </a:r>
+          </a:p>
+        </p:txBody>
+      </p:sp>
+      <p:sp>
+        <p:nvSpPr>
+          <p:cNvPr id="45" name="TextBox 44">
+            <a:extLst>
+              <a:ext uri="{FF2B5EF4-FFF2-40B4-BE49-F238E27FC236}">
+                <a16:creationId xmlns:a16="http://schemas.microsoft.com/office/drawing/2014/main" id="{0E1593EC-5665-D440-B020-876D718708A9}"/>
+              </a:ext>
+            </a:extLst>
+          </p:cNvPr>
+          <p:cNvSpPr txBox="1"/>
+          <p:nvPr/>
+        </p:nvSpPr>
+        <p:spPr>
+          <a:xfrm>
+            <a:off x="4562737" y="3049949"/>
+            <a:ext cx="3188526" cy="276999"/>
+          </a:xfrm>
+          <a:prstGeom prst="rect">
+            <a:avLst/>
+          </a:prstGeom>
+          <a:noFill/>
+        </p:spPr>
+        <p:txBody>
+          <a:bodyPr wrap="square" rtlCol="0">
+            <a:spAutoFit/>
+          </a:bodyPr>
+          <a:lstStyle/>
+          <a:p>
+            <a:r>
+              <a:rPr lang="en-US" sz="1200" dirty="0"/>
+              <a:t>Hold trademark assets for series entities </a:t>
+            </a:r>
+          </a:p>
+        </p:txBody>
+      </p:sp>
+      <p:sp>
+        <p:nvSpPr>
+          <p:cNvPr id="46" name="TextBox 45">
+            <a:extLst>
+              <a:ext uri="{FF2B5EF4-FFF2-40B4-BE49-F238E27FC236}">
+                <a16:creationId xmlns:a16="http://schemas.microsoft.com/office/drawing/2014/main" id="{807005F5-7701-CB45-A5C7-10D0623147A7}"/>
+              </a:ext>
+            </a:extLst>
+          </p:cNvPr>
+          <p:cNvSpPr txBox="1"/>
+          <p:nvPr/>
+        </p:nvSpPr>
+        <p:spPr>
+          <a:xfrm>
+            <a:off x="4562737" y="2225779"/>
+            <a:ext cx="4523925" cy="461665"/>
+          </a:xfrm>
+          <a:prstGeom prst="rect">
+            <a:avLst/>
+          </a:prstGeom>
+          <a:noFill/>
+        </p:spPr>
+        <p:txBody>
+          <a:bodyPr wrap="square" rtlCol="0">
+            <a:spAutoFit/>
+          </a:bodyPr>
+          <a:lstStyle/>
+          <a:p>
+            <a:r>
+              <a:rPr lang="en-US" sz="1200" dirty="0"/>
+              <a:t>Transaction entity (e.g. transaction fees), adopts and publishes core agreements for the network (e.g. steward agreement, policies, etc.) </a:t>
+            </a:r>
+          </a:p>
+        </p:txBody>
+      </p:sp>
+      <p:sp>
+        <p:nvSpPr>
+          <p:cNvPr id="47" name="TextBox 46">
+            <a:extLst>
+              <a:ext uri="{FF2B5EF4-FFF2-40B4-BE49-F238E27FC236}">
+                <a16:creationId xmlns:a16="http://schemas.microsoft.com/office/drawing/2014/main" id="{89BFA241-B877-6745-B708-A48C4A32F0A9}"/>
+              </a:ext>
+            </a:extLst>
+          </p:cNvPr>
+          <p:cNvSpPr txBox="1"/>
+          <p:nvPr/>
+        </p:nvSpPr>
+        <p:spPr>
+          <a:xfrm>
+            <a:off x="4562738" y="1374395"/>
+            <a:ext cx="4523924" cy="646331"/>
+          </a:xfrm>
+          <a:prstGeom prst="rect">
+            <a:avLst/>
+          </a:prstGeom>
+          <a:noFill/>
+        </p:spPr>
+        <p:txBody>
+          <a:bodyPr wrap="square" rtlCol="0">
+            <a:spAutoFit/>
+          </a:bodyPr>
+          <a:lstStyle/>
+          <a:p>
+            <a:r>
+              <a:rPr lang="en-US" sz="1200" dirty="0"/>
+              <a:t>Project Participation Agreement, binds member to project funding commitments, policies, etc. Governance of directed fund and customized network agreements (hosted by LF Data Networks, LLC)</a:t>
+            </a:r>
+          </a:p>
+        </p:txBody>
+      </p:sp>
+      <p:sp>
+        <p:nvSpPr>
+          <p:cNvPr id="4" name="Rectangle 3">
+            <a:extLst>
+              <a:ext uri="{FF2B5EF4-FFF2-40B4-BE49-F238E27FC236}">
+                <a16:creationId xmlns:a16="http://schemas.microsoft.com/office/drawing/2014/main" id="{9ADEDA97-D236-C049-942A-9F0559210A53}"/>
+              </a:ext>
+            </a:extLst>
+          </p:cNvPr>
+          <p:cNvSpPr/>
+          <p:nvPr/>
+        </p:nvSpPr>
+        <p:spPr>
+          <a:xfrm>
+            <a:off x="4562738" y="3688023"/>
+            <a:ext cx="4123132" cy="461665"/>
+          </a:xfrm>
+          <a:prstGeom prst="rect">
+            <a:avLst/>
+          </a:prstGeom>
+        </p:spPr>
+        <p:txBody>
+          <a:bodyPr wrap="square">
+            <a:spAutoFit/>
+          </a:bodyPr>
+          <a:lstStyle/>
+          <a:p>
+            <a:r>
+              <a:rPr lang="en-US" sz="1200" dirty="0"/>
+              <a:t>Technical Charter for open source project, plus CLA for capturing IP commitments to open source projects</a:t>
+            </a:r>
+          </a:p>
+        </p:txBody>
+      </p:sp>
+      <p:sp>
+        <p:nvSpPr>
+          <p:cNvPr id="48" name="Rectangle 47">
+            <a:extLst>
+              <a:ext uri="{FF2B5EF4-FFF2-40B4-BE49-F238E27FC236}">
+                <a16:creationId xmlns:a16="http://schemas.microsoft.com/office/drawing/2014/main" id="{7088B30D-4020-DC4B-A5AA-72934B573516}"/>
+              </a:ext>
+            </a:extLst>
+          </p:cNvPr>
+          <p:cNvSpPr/>
+          <p:nvPr/>
+        </p:nvSpPr>
+        <p:spPr>
+          <a:xfrm>
+            <a:off x="4562738" y="4198671"/>
+            <a:ext cx="3998441" cy="461665"/>
+          </a:xfrm>
+          <a:prstGeom prst="rect">
+            <a:avLst/>
+          </a:prstGeom>
+        </p:spPr>
+        <p:txBody>
+          <a:bodyPr wrap="square">
+            <a:spAutoFit/>
+          </a:bodyPr>
+          <a:lstStyle/>
+          <a:p>
+            <a:r>
+              <a:rPr lang="en-US" sz="1200" dirty="0"/>
+              <a:t>Anyone can contribute to the technical project or use the code under the open source license</a:t>
+            </a:r>
+          </a:p>
+        </p:txBody>
+      </p:sp>
+      <p:sp>
+        <p:nvSpPr>
+          <p:cNvPr id="5" name="Document 4">
+            <a:extLst>
+              <a:ext uri="{FF2B5EF4-FFF2-40B4-BE49-F238E27FC236}">
+                <a16:creationId xmlns:a16="http://schemas.microsoft.com/office/drawing/2014/main" id="{B9FA2F98-85EF-264E-8BCA-31BAD91AA600}"/>
+              </a:ext>
+            </a:extLst>
+          </p:cNvPr>
+          <p:cNvSpPr/>
+          <p:nvPr/>
+        </p:nvSpPr>
+        <p:spPr>
+          <a:xfrm>
+            <a:off x="2964072" y="1420838"/>
+            <a:ext cx="732800" cy="444998"/>
+          </a:xfrm>
+          <a:prstGeom prst="flowChartDocument">
+            <a:avLst/>
+          </a:prstGeom>
+          <a:solidFill>
+            <a:schemeClr val="accent6">
+              <a:lumMod val="40000"/>
+              <a:lumOff val="60000"/>
+            </a:schemeClr>
+          </a:solidFill>
+        </p:spPr>
+        <p:style>
+          <a:lnRef idx="1">
+            <a:schemeClr val="accent1"/>
+          </a:lnRef>
+          <a:fillRef idx="3">
+            <a:schemeClr val="accent1"/>
+          </a:fillRef>
+          <a:effectRef idx="2">
+            <a:schemeClr val="accent1"/>
+          </a:effectRef>
+          <a:fontRef idx="minor">
+            <a:schemeClr val="lt1"/>
+          </a:fontRef>
+        </p:style>
+        <p:txBody>
+          <a:bodyPr rot="0" spcFirstLastPara="0" vertOverflow="overflow" horzOverflow="overflow" vert="horz" wrap="square" lIns="68580" tIns="34290" rIns="68580" bIns="34290" numCol="1" spcCol="0" rtlCol="0" fromWordArt="0" anchor="ctr" anchorCtr="0" forceAA="0" compatLnSpc="1">
+            <a:prstTxWarp prst="textNoShape">
+              <a:avLst/>
+            </a:prstTxWarp>
+            <a:noAutofit/>
+          </a:bodyPr>
+          <a:lstStyle/>
+          <a:p>
+            <a:pPr algn="ctr"/>
+            <a:r>
+              <a:rPr lang="en-US" sz="825" dirty="0">
+                <a:solidFill>
+                  <a:schemeClr val="tx1"/>
+                </a:solidFill>
+              </a:rPr>
+              <a:t>Sign Participation Agreement</a:t>
+            </a:r>
+          </a:p>
+        </p:txBody>
+      </p:sp>
+      <p:sp>
+        <p:nvSpPr>
+          <p:cNvPr id="49" name="Document 48">
+            <a:extLst>
+              <a:ext uri="{FF2B5EF4-FFF2-40B4-BE49-F238E27FC236}">
+                <a16:creationId xmlns:a16="http://schemas.microsoft.com/office/drawing/2014/main" id="{1B1ADC89-8433-8C4F-8918-7DA05E714AE6}"/>
+              </a:ext>
+            </a:extLst>
+          </p:cNvPr>
+          <p:cNvSpPr/>
+          <p:nvPr/>
+        </p:nvSpPr>
+        <p:spPr>
+          <a:xfrm>
+            <a:off x="2174829" y="3659024"/>
+            <a:ext cx="732800" cy="444998"/>
+          </a:xfrm>
+          <a:prstGeom prst="flowChartDocument">
+            <a:avLst/>
+          </a:prstGeom>
+          <a:solidFill>
+            <a:schemeClr val="accent6">
+              <a:lumMod val="40000"/>
+              <a:lumOff val="60000"/>
+            </a:schemeClr>
+          </a:solidFill>
+        </p:spPr>
+        <p:style>
+          <a:lnRef idx="1">
+            <a:schemeClr val="accent1"/>
+          </a:lnRef>
+          <a:fillRef idx="3">
+            <a:schemeClr val="accent1"/>
+          </a:fillRef>
+          <a:effectRef idx="2">
+            <a:schemeClr val="accent1"/>
+          </a:effectRef>
+          <a:fontRef idx="minor">
+            <a:schemeClr val="lt1"/>
+          </a:fontRef>
+        </p:style>
+        <p:txBody>
+          <a:bodyPr rot="0" spcFirstLastPara="0" vertOverflow="overflow" horzOverflow="overflow" vert="horz" wrap="square" lIns="68580" tIns="34290" rIns="68580" bIns="34290" numCol="1" spcCol="0" rtlCol="0" fromWordArt="0" anchor="ctr" anchorCtr="0" forceAA="0" compatLnSpc="1">
+            <a:prstTxWarp prst="textNoShape">
+              <a:avLst/>
+            </a:prstTxWarp>
+            <a:noAutofit/>
+          </a:bodyPr>
+          <a:lstStyle/>
+          <a:p>
+            <a:pPr algn="ctr"/>
+            <a:r>
+              <a:rPr lang="en-US" sz="825" dirty="0">
+                <a:solidFill>
+                  <a:schemeClr val="tx1"/>
+                </a:solidFill>
+              </a:rPr>
+              <a:t>Sign CLA (optional)</a:t>
+            </a:r>
+          </a:p>
+        </p:txBody>
+      </p:sp>
+      <p:sp>
+        <p:nvSpPr>
+          <p:cNvPr id="51" name="Document 50">
+            <a:extLst>
+              <a:ext uri="{FF2B5EF4-FFF2-40B4-BE49-F238E27FC236}">
+                <a16:creationId xmlns:a16="http://schemas.microsoft.com/office/drawing/2014/main" id="{645ED636-825B-3446-A49B-A84D4372CA3F}"/>
+              </a:ext>
+            </a:extLst>
+          </p:cNvPr>
+          <p:cNvSpPr/>
+          <p:nvPr/>
+        </p:nvSpPr>
+        <p:spPr>
+          <a:xfrm>
+            <a:off x="3751608" y="1420801"/>
+            <a:ext cx="732800" cy="444998"/>
+          </a:xfrm>
+          <a:prstGeom prst="flowChartDocument">
+            <a:avLst/>
+          </a:prstGeom>
+          <a:solidFill>
+            <a:schemeClr val="accent6">
+              <a:lumMod val="40000"/>
+              <a:lumOff val="60000"/>
+            </a:schemeClr>
+          </a:solidFill>
+        </p:spPr>
+        <p:style>
+          <a:lnRef idx="1">
+            <a:schemeClr val="accent1"/>
+          </a:lnRef>
+          <a:fillRef idx="3">
+            <a:schemeClr val="accent1"/>
+          </a:fillRef>
+          <a:effectRef idx="2">
+            <a:schemeClr val="accent1"/>
+          </a:effectRef>
+          <a:fontRef idx="minor">
+            <a:schemeClr val="lt1"/>
+          </a:fontRef>
+        </p:style>
+        <p:txBody>
+          <a:bodyPr rot="0" spcFirstLastPara="0" vertOverflow="overflow" horzOverflow="overflow" vert="horz" wrap="square" lIns="68580" tIns="34290" rIns="68580" bIns="34290" numCol="1" spcCol="0" rtlCol="0" fromWordArt="0" anchor="ctr" anchorCtr="0" forceAA="0" compatLnSpc="1">
+            <a:prstTxWarp prst="textNoShape">
+              <a:avLst/>
+            </a:prstTxWarp>
+            <a:noAutofit/>
+          </a:bodyPr>
+          <a:lstStyle/>
+          <a:p>
+            <a:pPr algn="ctr"/>
+            <a:r>
+              <a:rPr lang="en-US" sz="825" dirty="0">
+                <a:solidFill>
+                  <a:schemeClr val="tx1"/>
+                </a:solidFill>
+              </a:rPr>
+              <a:t>Sign Network Agreements</a:t>
+            </a:r>
+          </a:p>
+        </p:txBody>
+      </p:sp>
+      <p:sp>
+        <p:nvSpPr>
+          <p:cNvPr id="52" name="Document 51">
+            <a:extLst>
+              <a:ext uri="{FF2B5EF4-FFF2-40B4-BE49-F238E27FC236}">
+                <a16:creationId xmlns:a16="http://schemas.microsoft.com/office/drawing/2014/main" id="{D7DFF022-7A09-7B46-A0B3-F27800F5B065}"/>
+              </a:ext>
+            </a:extLst>
+          </p:cNvPr>
+          <p:cNvSpPr/>
+          <p:nvPr/>
+        </p:nvSpPr>
+        <p:spPr>
+          <a:xfrm>
+            <a:off x="2176536" y="1434094"/>
+            <a:ext cx="732800" cy="444998"/>
+          </a:xfrm>
+          <a:prstGeom prst="flowChartDocument">
+            <a:avLst/>
+          </a:prstGeom>
+          <a:solidFill>
+            <a:schemeClr val="accent6">
+              <a:lumMod val="40000"/>
+              <a:lumOff val="60000"/>
+            </a:schemeClr>
+          </a:solidFill>
+        </p:spPr>
+        <p:style>
+          <a:lnRef idx="1">
+            <a:schemeClr val="accent1"/>
+          </a:lnRef>
+          <a:fillRef idx="3">
+            <a:schemeClr val="accent1"/>
+          </a:fillRef>
+          <a:effectRef idx="2">
+            <a:schemeClr val="accent1"/>
+          </a:effectRef>
+          <a:fontRef idx="minor">
+            <a:schemeClr val="lt1"/>
+          </a:fontRef>
+        </p:style>
+        <p:txBody>
+          <a:bodyPr rot="0" spcFirstLastPara="0" vertOverflow="overflow" horzOverflow="overflow" vert="horz" wrap="square" lIns="68580" tIns="34290" rIns="68580" bIns="34290" numCol="1" spcCol="0" rtlCol="0" fromWordArt="0" anchor="ctr" anchorCtr="0" forceAA="0" compatLnSpc="1">
+            <a:prstTxWarp prst="textNoShape">
+              <a:avLst/>
+            </a:prstTxWarp>
+            <a:noAutofit/>
+          </a:bodyPr>
+          <a:lstStyle/>
+          <a:p>
+            <a:pPr algn="ctr"/>
+            <a:r>
+              <a:rPr lang="en-US" sz="825" dirty="0">
+                <a:solidFill>
+                  <a:schemeClr val="tx1"/>
+                </a:solidFill>
+              </a:rPr>
+              <a:t>Sign LF Membership Agreement</a:t>
+            </a:r>
+          </a:p>
+        </p:txBody>
+      </p:sp>
+      <p:sp>
+        <p:nvSpPr>
+          <p:cNvPr id="53" name="Document 52">
+            <a:extLst>
+              <a:ext uri="{FF2B5EF4-FFF2-40B4-BE49-F238E27FC236}">
+                <a16:creationId xmlns:a16="http://schemas.microsoft.com/office/drawing/2014/main" id="{00DCAF59-8396-2C4C-AC6D-8DB5FBFDA796}"/>
+              </a:ext>
+            </a:extLst>
+          </p:cNvPr>
+          <p:cNvSpPr/>
+          <p:nvPr/>
+        </p:nvSpPr>
+        <p:spPr>
+          <a:xfrm>
+            <a:off x="3706784" y="2256708"/>
+            <a:ext cx="777624" cy="484905"/>
+          </a:xfrm>
+          <a:prstGeom prst="flowChartDocument">
+            <a:avLst/>
+          </a:prstGeom>
+          <a:solidFill>
+            <a:schemeClr val="accent6">
+              <a:lumMod val="40000"/>
+              <a:lumOff val="60000"/>
+            </a:schemeClr>
+          </a:solidFill>
+        </p:spPr>
+        <p:style>
+          <a:lnRef idx="1">
+            <a:schemeClr val="accent1"/>
+          </a:lnRef>
+          <a:fillRef idx="3">
+            <a:schemeClr val="accent1"/>
+          </a:fillRef>
+          <a:effectRef idx="2">
+            <a:schemeClr val="accent1"/>
+          </a:effectRef>
+          <a:fontRef idx="minor">
+            <a:schemeClr val="lt1"/>
+          </a:fontRef>
+        </p:style>
+        <p:txBody>
+          <a:bodyPr rot="0" spcFirstLastPara="0" vertOverflow="overflow" horzOverflow="overflow" vert="horz" wrap="square" lIns="68580" tIns="34290" rIns="68580" bIns="34290" numCol="1" spcCol="0" rtlCol="0" fromWordArt="0" anchor="ctr" anchorCtr="0" forceAA="0" compatLnSpc="1">
+            <a:prstTxWarp prst="textNoShape">
+              <a:avLst/>
+            </a:prstTxWarp>
+            <a:noAutofit/>
+          </a:bodyPr>
+          <a:lstStyle/>
+          <a:p>
+            <a:pPr algn="ctr"/>
+            <a:r>
+              <a:rPr lang="en-US" sz="825" dirty="0">
+                <a:solidFill>
+                  <a:schemeClr val="tx1"/>
+                </a:solidFill>
+              </a:rPr>
+              <a:t>Sign Network Agreements (non-member)</a:t>
+            </a:r>
+          </a:p>
+        </p:txBody>
+      </p:sp>
+      <p:sp>
+        <p:nvSpPr>
+          <p:cNvPr id="54" name="Title 7">
+            <a:extLst>
+              <a:ext uri="{FF2B5EF4-FFF2-40B4-BE49-F238E27FC236}">
+                <a16:creationId xmlns:a16="http://schemas.microsoft.com/office/drawing/2014/main" id="{1A2A3853-C3E3-B54C-ADF5-2D994B3CFBDB}"/>
               </a:ext>
             </a:extLst>
           </p:cNvPr>
@@ -9299,8 +11697,8 @@
         </p:nvSpPr>
         <p:spPr>
           <a:xfrm>
-            <a:off x="4484408" y="45859"/>
-            <a:ext cx="3093091" cy="435392"/>
+            <a:off x="2031651" y="45859"/>
+            <a:ext cx="2531086" cy="435392"/>
           </a:xfrm>
           <a:prstGeom prst="rect">
             <a:avLst/>
@@ -9329,7 +11727,281 @@
           <a:p>
             <a:r>
               <a:rPr lang="en-US" sz="2000" dirty="0"/>
+              <a:t>Signing Requirements</a:t>
+            </a:r>
+          </a:p>
+        </p:txBody>
+      </p:sp>
+      <p:sp>
+        <p:nvSpPr>
+          <p:cNvPr id="55" name="Title 7">
+            <a:extLst>
+              <a:ext uri="{FF2B5EF4-FFF2-40B4-BE49-F238E27FC236}">
+                <a16:creationId xmlns:a16="http://schemas.microsoft.com/office/drawing/2014/main" id="{6748F80D-5D4F-DC4E-BD58-EC7D7AECE51E}"/>
+              </a:ext>
+            </a:extLst>
+          </p:cNvPr>
+          <p:cNvSpPr txBox="1">
+            <a:spLocks/>
+          </p:cNvSpPr>
+          <p:nvPr/>
+        </p:nvSpPr>
+        <p:spPr>
+          <a:xfrm>
+            <a:off x="4484408" y="45859"/>
+            <a:ext cx="3093091" cy="435392"/>
+          </a:xfrm>
+          <a:prstGeom prst="rect">
+            <a:avLst/>
+          </a:prstGeom>
+        </p:spPr>
+        <p:txBody>
+          <a:bodyPr vert="horz" lIns="91440" tIns="45720" rIns="91440" bIns="45720" rtlCol="0" anchor="ctr">
+            <a:noAutofit/>
+          </a:bodyPr>
+          <a:lstStyle>
+            <a:lvl1pPr algn="ctr" defTabSz="342900" rtl="0" eaLnBrk="1" latinLnBrk="0" hangingPunct="1">
+              <a:spcBef>
+                <a:spcPct val="0"/>
+              </a:spcBef>
+              <a:buNone/>
+              <a:defRPr sz="3300" kern="1200">
+                <a:solidFill>
+                  <a:srgbClr val="168FDF"/>
+                </a:solidFill>
+                <a:latin typeface="+mj-lt"/>
+                <a:ea typeface="+mj-ea"/>
+                <a:cs typeface="+mj-cs"/>
+              </a:defRPr>
+            </a:lvl1pPr>
+          </a:lstStyle>
+          <a:p>
+            <a:r>
+              <a:rPr lang="en-US" sz="2000" dirty="0"/>
               <a:t>Description / Role</a:t>
+            </a:r>
+          </a:p>
+        </p:txBody>
+      </p:sp>
+      <p:cxnSp>
+        <p:nvCxnSpPr>
+          <p:cNvPr id="11" name="Straight Connector 10">
+            <a:extLst>
+              <a:ext uri="{FF2B5EF4-FFF2-40B4-BE49-F238E27FC236}">
+                <a16:creationId xmlns:a16="http://schemas.microsoft.com/office/drawing/2014/main" id="{247C2C39-A761-D24F-AFB9-DDF72398E8D6}"/>
+              </a:ext>
+            </a:extLst>
+          </p:cNvPr>
+          <p:cNvCxnSpPr>
+            <a:cxnSpLocks/>
+          </p:cNvCxnSpPr>
+          <p:nvPr/>
+        </p:nvCxnSpPr>
+        <p:spPr>
+          <a:xfrm>
+            <a:off x="109057" y="2104961"/>
+            <a:ext cx="8759198" cy="35331"/>
+          </a:xfrm>
+          <a:prstGeom prst="line">
+            <a:avLst/>
+          </a:prstGeom>
+        </p:spPr>
+        <p:style>
+          <a:lnRef idx="2">
+            <a:schemeClr val="accent1"/>
+          </a:lnRef>
+          <a:fillRef idx="0">
+            <a:schemeClr val="accent1"/>
+          </a:fillRef>
+          <a:effectRef idx="1">
+            <a:schemeClr val="accent1"/>
+          </a:effectRef>
+          <a:fontRef idx="minor">
+            <a:schemeClr val="tx1"/>
+          </a:fontRef>
+        </p:style>
+      </p:cxnSp>
+      <p:sp>
+        <p:nvSpPr>
+          <p:cNvPr id="12" name="TextBox 11">
+            <a:extLst>
+              <a:ext uri="{FF2B5EF4-FFF2-40B4-BE49-F238E27FC236}">
+                <a16:creationId xmlns:a16="http://schemas.microsoft.com/office/drawing/2014/main" id="{FCB30ED3-2250-3449-AED9-D159D4807A20}"/>
+              </a:ext>
+            </a:extLst>
+          </p:cNvPr>
+          <p:cNvSpPr txBox="1"/>
+          <p:nvPr/>
+        </p:nvSpPr>
+        <p:spPr>
+          <a:xfrm>
+            <a:off x="17362" y="1870507"/>
+            <a:ext cx="736099" cy="261610"/>
+          </a:xfrm>
+          <a:prstGeom prst="rect">
+            <a:avLst/>
+          </a:prstGeom>
+          <a:noFill/>
+        </p:spPr>
+        <p:txBody>
+          <a:bodyPr wrap="none" rtlCol="0">
+            <a:spAutoFit/>
+          </a:bodyPr>
+          <a:lstStyle/>
+          <a:p>
+            <a:r>
+              <a:rPr lang="en-US" sz="1100" dirty="0"/>
+              <a:t>Members</a:t>
+            </a:r>
+          </a:p>
+        </p:txBody>
+      </p:sp>
+      <p:sp>
+        <p:nvSpPr>
+          <p:cNvPr id="33" name="TextBox 32">
+            <a:extLst>
+              <a:ext uri="{FF2B5EF4-FFF2-40B4-BE49-F238E27FC236}">
+                <a16:creationId xmlns:a16="http://schemas.microsoft.com/office/drawing/2014/main" id="{529EB88E-10A1-564F-A390-38EF37B9F96F}"/>
+              </a:ext>
+            </a:extLst>
+          </p:cNvPr>
+          <p:cNvSpPr txBox="1"/>
+          <p:nvPr/>
+        </p:nvSpPr>
+        <p:spPr>
+          <a:xfrm>
+            <a:off x="6418" y="2104961"/>
+            <a:ext cx="1018227" cy="261610"/>
+          </a:xfrm>
+          <a:prstGeom prst="rect">
+            <a:avLst/>
+          </a:prstGeom>
+          <a:noFill/>
+        </p:spPr>
+        <p:txBody>
+          <a:bodyPr wrap="none" rtlCol="0">
+            <a:spAutoFit/>
+          </a:bodyPr>
+          <a:lstStyle/>
+          <a:p>
+            <a:r>
+              <a:rPr lang="en-US" sz="1100" dirty="0"/>
+              <a:t>Non-Members</a:t>
+            </a:r>
+          </a:p>
+        </p:txBody>
+      </p:sp>
+      <p:sp>
+        <p:nvSpPr>
+          <p:cNvPr id="32" name="Rectangle 31">
+            <a:extLst>
+              <a:ext uri="{FF2B5EF4-FFF2-40B4-BE49-F238E27FC236}">
+                <a16:creationId xmlns:a16="http://schemas.microsoft.com/office/drawing/2014/main" id="{9B53D409-F987-8444-AE22-9780785EA6A8}"/>
+              </a:ext>
+            </a:extLst>
+          </p:cNvPr>
+          <p:cNvSpPr/>
+          <p:nvPr/>
+        </p:nvSpPr>
+        <p:spPr>
+          <a:xfrm>
+            <a:off x="230979" y="2932630"/>
+            <a:ext cx="1769325" cy="599135"/>
+          </a:xfrm>
+          <a:prstGeom prst="rect">
+            <a:avLst/>
+          </a:prstGeom>
+          <a:solidFill>
+            <a:schemeClr val="accent4">
+              <a:lumMod val="75000"/>
+            </a:schemeClr>
+          </a:solidFill>
+        </p:spPr>
+        <p:style>
+          <a:lnRef idx="2">
+            <a:schemeClr val="accent1">
+              <a:shade val="50000"/>
+            </a:schemeClr>
+          </a:lnRef>
+          <a:fillRef idx="1">
+            <a:schemeClr val="accent1"/>
+          </a:fillRef>
+          <a:effectRef idx="0">
+            <a:schemeClr val="accent1"/>
+          </a:effectRef>
+          <a:fontRef idx="minor">
+            <a:schemeClr val="lt1"/>
+          </a:fontRef>
+        </p:style>
+        <p:txBody>
+          <a:bodyPr rtlCol="0" anchor="ctr"/>
+          <a:lstStyle/>
+          <a:p>
+            <a:pPr algn="ctr"/>
+            <a:r>
+              <a:rPr lang="en-US" sz="1200" dirty="0"/>
+              <a:t>LF Network Projects LLC</a:t>
+            </a:r>
+          </a:p>
+          <a:p>
+            <a:pPr algn="ctr"/>
+            <a:r>
+              <a:rPr lang="en-US" sz="1200" dirty="0"/>
+              <a:t>(Delaware Series LLC)</a:t>
+            </a:r>
+          </a:p>
+        </p:txBody>
+      </p:sp>
+      <p:sp>
+        <p:nvSpPr>
+          <p:cNvPr id="34" name="Rectangle 33">
+            <a:extLst>
+              <a:ext uri="{FF2B5EF4-FFF2-40B4-BE49-F238E27FC236}">
+                <a16:creationId xmlns:a16="http://schemas.microsoft.com/office/drawing/2014/main" id="{B9B63B45-1E46-CC40-AB43-213A1C3D9B5A}"/>
+              </a:ext>
+            </a:extLst>
+          </p:cNvPr>
+          <p:cNvSpPr/>
+          <p:nvPr/>
+        </p:nvSpPr>
+        <p:spPr>
+          <a:xfrm>
+            <a:off x="247339" y="2391178"/>
+            <a:ext cx="1752966" cy="445034"/>
+          </a:xfrm>
+          <a:prstGeom prst="rect">
+            <a:avLst/>
+          </a:prstGeom>
+          <a:solidFill>
+            <a:schemeClr val="accent4">
+              <a:lumMod val="75000"/>
+            </a:schemeClr>
+          </a:solidFill>
+        </p:spPr>
+        <p:style>
+          <a:lnRef idx="2">
+            <a:schemeClr val="accent1">
+              <a:shade val="50000"/>
+            </a:schemeClr>
+          </a:lnRef>
+          <a:fillRef idx="1">
+            <a:schemeClr val="accent1"/>
+          </a:fillRef>
+          <a:effectRef idx="0">
+            <a:schemeClr val="accent1"/>
+          </a:effectRef>
+          <a:fontRef idx="minor">
+            <a:schemeClr val="lt1"/>
+          </a:fontRef>
+        </p:style>
+        <p:txBody>
+          <a:bodyPr rtlCol="0" anchor="ctr"/>
+          <a:lstStyle/>
+          <a:p>
+            <a:pPr algn="ctr"/>
+            <a:r>
+              <a:rPr lang="en-US" sz="1200" dirty="0"/>
+              <a:t>LF Operational Projects LLC (Delaware LLC)</a:t>
             </a:r>
           </a:p>
         </p:txBody>
@@ -9337,7 +12009,1792 @@
     </p:spTree>
     <p:extLst>
       <p:ext uri="{BB962C8B-B14F-4D97-AF65-F5344CB8AC3E}">
-        <p14:creationId xmlns:p14="http://schemas.microsoft.com/office/powerpoint/2010/main" val="1213828607"/>
+        <p14:creationId xmlns:p14="http://schemas.microsoft.com/office/powerpoint/2010/main" val="607870131"/>
+      </p:ext>
+    </p:extLst>
+  </p:cSld>
+  <p:clrMapOvr>
+    <a:masterClrMapping/>
+  </p:clrMapOvr>
+  <p:transition>
+    <p:wipe dir="r"/>
+  </p:transition>
+</p:sld>
+</file>
+
+<file path=ppt/slides/slide8.xml><?xml version="1.0" encoding="utf-8"?>
+<p:sld xmlns:a="http://schemas.openxmlformats.org/drawingml/2006/main" xmlns:r="http://schemas.openxmlformats.org/officeDocument/2006/relationships" xmlns:p="http://schemas.openxmlformats.org/presentationml/2006/main">
+  <p:cSld>
+    <p:spTree>
+      <p:nvGrpSpPr>
+        <p:cNvPr id="1" name=""/>
+        <p:cNvGrpSpPr/>
+        <p:nvPr/>
+      </p:nvGrpSpPr>
+      <p:grpSpPr>
+        <a:xfrm>
+          <a:off x="0" y="0"/>
+          <a:ext cx="0" cy="0"/>
+          <a:chOff x="0" y="0"/>
+          <a:chExt cx="0" cy="0"/>
+        </a:xfrm>
+      </p:grpSpPr>
+      <p:sp>
+        <p:nvSpPr>
+          <p:cNvPr id="10" name="Rectangle 9">
+            <a:extLst>
+              <a:ext uri="{FF2B5EF4-FFF2-40B4-BE49-F238E27FC236}">
+                <a16:creationId xmlns:a16="http://schemas.microsoft.com/office/drawing/2014/main" id="{2EA8BAFB-B89A-574F-AC3D-93B1255FE2C5}"/>
+              </a:ext>
+            </a:extLst>
+          </p:cNvPr>
+          <p:cNvSpPr/>
+          <p:nvPr/>
+        </p:nvSpPr>
+        <p:spPr>
+          <a:xfrm>
+            <a:off x="2833060" y="335560"/>
+            <a:ext cx="3338542" cy="785124"/>
+          </a:xfrm>
+          <a:prstGeom prst="rect">
+            <a:avLst/>
+          </a:prstGeom>
+        </p:spPr>
+        <p:style>
+          <a:lnRef idx="2">
+            <a:schemeClr val="accent1">
+              <a:shade val="50000"/>
+            </a:schemeClr>
+          </a:lnRef>
+          <a:fillRef idx="1">
+            <a:schemeClr val="accent1"/>
+          </a:fillRef>
+          <a:effectRef idx="0">
+            <a:schemeClr val="accent1"/>
+          </a:effectRef>
+          <a:fontRef idx="minor">
+            <a:schemeClr val="lt1"/>
+          </a:fontRef>
+        </p:style>
+        <p:txBody>
+          <a:bodyPr rtlCol="0" anchor="ctr"/>
+          <a:lstStyle/>
+          <a:p>
+            <a:pPr algn="ctr"/>
+            <a:r>
+              <a:rPr lang="en-US" sz="1600" b="1" dirty="0"/>
+              <a:t>The Linux Foundation</a:t>
+            </a:r>
+          </a:p>
+          <a:p>
+            <a:pPr algn="ctr"/>
+            <a:r>
+              <a:rPr lang="en-US" sz="1200" dirty="0"/>
+              <a:t>Oregon Mutual Benefit Corporation, 501(c)6</a:t>
+            </a:r>
+          </a:p>
+        </p:txBody>
+      </p:sp>
+      <p:cxnSp>
+        <p:nvCxnSpPr>
+          <p:cNvPr id="12" name="Straight Connector 11">
+            <a:extLst>
+              <a:ext uri="{FF2B5EF4-FFF2-40B4-BE49-F238E27FC236}">
+                <a16:creationId xmlns:a16="http://schemas.microsoft.com/office/drawing/2014/main" id="{A06C6700-C4CA-DA47-B6F6-3E09647153C7}"/>
+              </a:ext>
+            </a:extLst>
+          </p:cNvPr>
+          <p:cNvCxnSpPr>
+            <a:cxnSpLocks/>
+            <a:endCxn id="6" idx="0"/>
+          </p:cNvCxnSpPr>
+          <p:nvPr/>
+        </p:nvCxnSpPr>
+        <p:spPr>
+          <a:xfrm>
+            <a:off x="4572000" y="1120684"/>
+            <a:ext cx="0" cy="653210"/>
+          </a:xfrm>
+          <a:prstGeom prst="line">
+            <a:avLst/>
+          </a:prstGeom>
+          <a:ln w="28575">
+            <a:solidFill>
+              <a:schemeClr val="tx1"/>
+            </a:solidFill>
+          </a:ln>
+        </p:spPr>
+        <p:style>
+          <a:lnRef idx="2">
+            <a:schemeClr val="accent1"/>
+          </a:lnRef>
+          <a:fillRef idx="0">
+            <a:schemeClr val="accent1"/>
+          </a:fillRef>
+          <a:effectRef idx="1">
+            <a:schemeClr val="accent1"/>
+          </a:effectRef>
+          <a:fontRef idx="minor">
+            <a:schemeClr val="tx1"/>
+          </a:fontRef>
+        </p:style>
+      </p:cxnSp>
+      <p:cxnSp>
+        <p:nvCxnSpPr>
+          <p:cNvPr id="14" name="Straight Connector 13">
+            <a:extLst>
+              <a:ext uri="{FF2B5EF4-FFF2-40B4-BE49-F238E27FC236}">
+                <a16:creationId xmlns:a16="http://schemas.microsoft.com/office/drawing/2014/main" id="{E842242B-9923-9E49-BDEA-A2B3A0682B4B}"/>
+              </a:ext>
+            </a:extLst>
+          </p:cNvPr>
+          <p:cNvCxnSpPr>
+            <a:cxnSpLocks/>
+            <a:endCxn id="8" idx="0"/>
+          </p:cNvCxnSpPr>
+          <p:nvPr/>
+        </p:nvCxnSpPr>
+        <p:spPr>
+          <a:xfrm flipH="1">
+            <a:off x="2277662" y="2785042"/>
+            <a:ext cx="1354687" cy="657565"/>
+          </a:xfrm>
+          <a:prstGeom prst="line">
+            <a:avLst/>
+          </a:prstGeom>
+          <a:ln w="28575">
+            <a:solidFill>
+              <a:schemeClr val="tx1"/>
+            </a:solidFill>
+          </a:ln>
+        </p:spPr>
+        <p:style>
+          <a:lnRef idx="2">
+            <a:schemeClr val="accent1"/>
+          </a:lnRef>
+          <a:fillRef idx="0">
+            <a:schemeClr val="accent1"/>
+          </a:fillRef>
+          <a:effectRef idx="1">
+            <a:schemeClr val="accent1"/>
+          </a:effectRef>
+          <a:fontRef idx="minor">
+            <a:schemeClr val="tx1"/>
+          </a:fontRef>
+        </p:style>
+      </p:cxnSp>
+      <p:cxnSp>
+        <p:nvCxnSpPr>
+          <p:cNvPr id="16" name="Straight Connector 15">
+            <a:extLst>
+              <a:ext uri="{FF2B5EF4-FFF2-40B4-BE49-F238E27FC236}">
+                <a16:creationId xmlns:a16="http://schemas.microsoft.com/office/drawing/2014/main" id="{A16E51B0-5061-0F46-8C79-07B284A8E27C}"/>
+              </a:ext>
+            </a:extLst>
+          </p:cNvPr>
+          <p:cNvCxnSpPr>
+            <a:cxnSpLocks/>
+            <a:endCxn id="7" idx="0"/>
+          </p:cNvCxnSpPr>
+          <p:nvPr/>
+        </p:nvCxnSpPr>
+        <p:spPr>
+          <a:xfrm>
+            <a:off x="5686699" y="2785042"/>
+            <a:ext cx="1172735" cy="657565"/>
+          </a:xfrm>
+          <a:prstGeom prst="line">
+            <a:avLst/>
+          </a:prstGeom>
+          <a:ln w="28575">
+            <a:solidFill>
+              <a:schemeClr val="tx1"/>
+            </a:solidFill>
+          </a:ln>
+        </p:spPr>
+        <p:style>
+          <a:lnRef idx="2">
+            <a:schemeClr val="accent1"/>
+          </a:lnRef>
+          <a:fillRef idx="0">
+            <a:schemeClr val="accent1"/>
+          </a:fillRef>
+          <a:effectRef idx="1">
+            <a:schemeClr val="accent1"/>
+          </a:effectRef>
+          <a:fontRef idx="minor">
+            <a:schemeClr val="tx1"/>
+          </a:fontRef>
+        </p:style>
+      </p:cxnSp>
+      <p:sp>
+        <p:nvSpPr>
+          <p:cNvPr id="8" name="Rounded Rectangle 7">
+            <a:extLst>
+              <a:ext uri="{FF2B5EF4-FFF2-40B4-BE49-F238E27FC236}">
+                <a16:creationId xmlns:a16="http://schemas.microsoft.com/office/drawing/2014/main" id="{586D5DA2-E025-F447-9944-A6F11813979E}"/>
+              </a:ext>
+            </a:extLst>
+          </p:cNvPr>
+          <p:cNvSpPr/>
+          <p:nvPr/>
+        </p:nvSpPr>
+        <p:spPr>
+          <a:xfrm>
+            <a:off x="794284" y="3442607"/>
+            <a:ext cx="2966755" cy="1138101"/>
+          </a:xfrm>
+          <a:prstGeom prst="roundRect">
+            <a:avLst/>
+          </a:prstGeom>
+          <a:solidFill>
+            <a:srgbClr val="E7E0EC"/>
+          </a:solidFill>
+        </p:spPr>
+        <p:style>
+          <a:lnRef idx="1">
+            <a:schemeClr val="accent1"/>
+          </a:lnRef>
+          <a:fillRef idx="3">
+            <a:schemeClr val="accent1"/>
+          </a:fillRef>
+          <a:effectRef idx="2">
+            <a:schemeClr val="accent1"/>
+          </a:effectRef>
+          <a:fontRef idx="minor">
+            <a:schemeClr val="lt1"/>
+          </a:fontRef>
+        </p:style>
+        <p:txBody>
+          <a:bodyPr rtlCol="0" anchor="ctr"/>
+          <a:lstStyle/>
+          <a:p>
+            <a:pPr algn="ctr"/>
+            <a:r>
+              <a:rPr lang="en-US" sz="1600" b="1" dirty="0">
+                <a:solidFill>
+                  <a:schemeClr val="tx1"/>
+                </a:solidFill>
+                <a:latin typeface="IBM Plex Sans Condensed Text" panose="020B0506050203000203" pitchFamily="34" charset="77"/>
+              </a:rPr>
+              <a:t>Bedrock Consortium Project</a:t>
+            </a:r>
+          </a:p>
+          <a:p>
+            <a:pPr algn="ctr"/>
+            <a:r>
+              <a:rPr lang="en-US" sz="1100" b="1" dirty="0">
+                <a:solidFill>
+                  <a:schemeClr val="tx1"/>
+                </a:solidFill>
+                <a:latin typeface="American Typewriter" panose="02090604020004020304" pitchFamily="18" charset="77"/>
+              </a:rPr>
+              <a:t>Technical Project</a:t>
+            </a:r>
+          </a:p>
+          <a:p>
+            <a:pPr algn="ctr"/>
+            <a:r>
+              <a:rPr lang="en-US" sz="1000" i="1" dirty="0">
+                <a:solidFill>
+                  <a:schemeClr val="tx1"/>
+                </a:solidFill>
+                <a:latin typeface="American Typewriter" panose="02090604020004020304" pitchFamily="18" charset="77"/>
+              </a:rPr>
+              <a:t>Delaware Series LLC</a:t>
+            </a:r>
+          </a:p>
+          <a:p>
+            <a:pPr algn="ctr"/>
+            <a:endParaRPr lang="en-US" sz="1100" b="1" dirty="0">
+              <a:solidFill>
+                <a:schemeClr val="tx1"/>
+              </a:solidFill>
+              <a:latin typeface="IBM Plex Sans Condensed Text" panose="020B0506050203000203" pitchFamily="34" charset="77"/>
+            </a:endParaRPr>
+          </a:p>
+          <a:p>
+            <a:pPr algn="ctr"/>
+            <a:r>
+              <a:rPr lang="en-US" sz="1100" b="1" dirty="0">
+                <a:solidFill>
+                  <a:schemeClr val="tx1"/>
+                </a:solidFill>
+                <a:latin typeface="IBM Plex Sans Condensed Text" panose="020B0506050203000203" pitchFamily="34" charset="77"/>
+              </a:rPr>
+              <a:t>GitHub Repo:  </a:t>
+            </a:r>
+            <a:r>
+              <a:rPr lang="en-US" sz="1100" dirty="0">
+                <a:solidFill>
+                  <a:schemeClr val="tx1"/>
+                </a:solidFill>
+              </a:rPr>
+              <a:t>bedrock-consortium/tsc</a:t>
+            </a:r>
+            <a:endParaRPr lang="en-US" sz="1100" b="1" dirty="0">
+              <a:solidFill>
+                <a:schemeClr val="tx1"/>
+              </a:solidFill>
+              <a:latin typeface="IBM Plex Sans Condensed Text" panose="020B0506050203000203" pitchFamily="34" charset="77"/>
+            </a:endParaRPr>
+          </a:p>
+        </p:txBody>
+      </p:sp>
+      <p:sp>
+        <p:nvSpPr>
+          <p:cNvPr id="7" name="Rounded Rectangle 6">
+            <a:extLst>
+              <a:ext uri="{FF2B5EF4-FFF2-40B4-BE49-F238E27FC236}">
+                <a16:creationId xmlns:a16="http://schemas.microsoft.com/office/drawing/2014/main" id="{9785FF17-1A64-B148-A447-5A467571FDE6}"/>
+              </a:ext>
+            </a:extLst>
+          </p:cNvPr>
+          <p:cNvSpPr/>
+          <p:nvPr/>
+        </p:nvSpPr>
+        <p:spPr>
+          <a:xfrm>
+            <a:off x="5376056" y="3442607"/>
+            <a:ext cx="2966755" cy="1138101"/>
+          </a:xfrm>
+          <a:prstGeom prst="roundRect">
+            <a:avLst/>
+          </a:prstGeom>
+          <a:solidFill>
+            <a:srgbClr val="5F4A7A"/>
+          </a:solidFill>
+        </p:spPr>
+        <p:style>
+          <a:lnRef idx="1">
+            <a:schemeClr val="accent1"/>
+          </a:lnRef>
+          <a:fillRef idx="3">
+            <a:schemeClr val="accent1"/>
+          </a:fillRef>
+          <a:effectRef idx="2">
+            <a:schemeClr val="accent1"/>
+          </a:effectRef>
+          <a:fontRef idx="minor">
+            <a:schemeClr val="lt1"/>
+          </a:fontRef>
+        </p:style>
+        <p:txBody>
+          <a:bodyPr rtlCol="0" anchor="ctr"/>
+          <a:lstStyle/>
+          <a:p>
+            <a:pPr algn="ctr"/>
+            <a:r>
+              <a:rPr lang="en-US" sz="1600" b="1" dirty="0">
+                <a:solidFill>
+                  <a:srgbClr val="FFFF00"/>
+                </a:solidFill>
+                <a:latin typeface="IBM Plex Sans Condensed Text" panose="020B0506050203000203" pitchFamily="34" charset="77"/>
+              </a:rPr>
+              <a:t>Bedrock Business Utility</a:t>
+            </a:r>
+          </a:p>
+          <a:p>
+            <a:pPr algn="ctr"/>
+            <a:r>
+              <a:rPr lang="en-US" sz="1100" dirty="0">
+                <a:solidFill>
+                  <a:schemeClr val="bg1"/>
+                </a:solidFill>
+                <a:latin typeface="American Typewriter" panose="02090604020004020304" pitchFamily="18" charset="77"/>
+              </a:rPr>
+              <a:t>Operational Project</a:t>
+            </a:r>
+          </a:p>
+          <a:p>
+            <a:pPr algn="ctr"/>
+            <a:r>
+              <a:rPr lang="en-US" sz="1000" i="1" dirty="0">
+                <a:solidFill>
+                  <a:schemeClr val="bg1">
+                    <a:lumMod val="85000"/>
+                  </a:schemeClr>
+                </a:solidFill>
+                <a:latin typeface="American Typewriter" panose="02090604020004020304" pitchFamily="18" charset="77"/>
+              </a:rPr>
+              <a:t>Delaware LLC</a:t>
+            </a:r>
+          </a:p>
+          <a:p>
+            <a:pPr algn="ctr"/>
+            <a:endParaRPr lang="en-US" sz="1100" b="1" dirty="0">
+              <a:solidFill>
+                <a:schemeClr val="tx1"/>
+              </a:solidFill>
+              <a:latin typeface="IBM Plex Sans Condensed Text" panose="020B0506050203000203" pitchFamily="34" charset="77"/>
+            </a:endParaRPr>
+          </a:p>
+          <a:p>
+            <a:pPr algn="ctr"/>
+            <a:r>
+              <a:rPr lang="en-US" sz="1100" b="1" dirty="0">
+                <a:solidFill>
+                  <a:schemeClr val="bg1"/>
+                </a:solidFill>
+                <a:latin typeface="IBM Plex Sans Condensed Text" panose="020B0506050203000203" pitchFamily="34" charset="77"/>
+              </a:rPr>
+              <a:t>Utility DID Root Namespace</a:t>
+            </a:r>
+            <a:r>
+              <a:rPr lang="en-US" sz="1100" b="1" dirty="0">
+                <a:solidFill>
+                  <a:schemeClr val="tx1"/>
+                </a:solidFill>
+                <a:latin typeface="IBM Plex Sans Condensed Text" panose="020B0506050203000203" pitchFamily="34" charset="77"/>
+              </a:rPr>
+              <a:t>:  </a:t>
+            </a:r>
+            <a:r>
+              <a:rPr lang="en-US" sz="1100" dirty="0">
+                <a:solidFill>
+                  <a:srgbClr val="FFFF00"/>
+                </a:solidFill>
+              </a:rPr>
+              <a:t>did:bbu</a:t>
+            </a:r>
+            <a:endParaRPr lang="en-US" sz="1100" b="1" dirty="0">
+              <a:solidFill>
+                <a:srgbClr val="FFFF00"/>
+              </a:solidFill>
+              <a:latin typeface="IBM Plex Sans Condensed Text" panose="020B0506050203000203" pitchFamily="34" charset="77"/>
+            </a:endParaRPr>
+          </a:p>
+        </p:txBody>
+      </p:sp>
+      <p:sp>
+        <p:nvSpPr>
+          <p:cNvPr id="6" name="Rounded Rectangle 5">
+            <a:extLst>
+              <a:ext uri="{FF2B5EF4-FFF2-40B4-BE49-F238E27FC236}">
+                <a16:creationId xmlns:a16="http://schemas.microsoft.com/office/drawing/2014/main" id="{87487B8C-A7B3-0049-96C4-F8406214B0FA}"/>
+              </a:ext>
+            </a:extLst>
+          </p:cNvPr>
+          <p:cNvSpPr/>
+          <p:nvPr/>
+        </p:nvSpPr>
+        <p:spPr>
+          <a:xfrm>
+            <a:off x="2535043" y="1773894"/>
+            <a:ext cx="4073914" cy="1015503"/>
+          </a:xfrm>
+          <a:prstGeom prst="roundRect">
+            <a:avLst/>
+          </a:prstGeom>
+          <a:solidFill>
+            <a:srgbClr val="C6DAF2"/>
+          </a:solidFill>
+        </p:spPr>
+        <p:style>
+          <a:lnRef idx="1">
+            <a:schemeClr val="accent1"/>
+          </a:lnRef>
+          <a:fillRef idx="3">
+            <a:schemeClr val="accent1"/>
+          </a:fillRef>
+          <a:effectRef idx="2">
+            <a:schemeClr val="accent1"/>
+          </a:effectRef>
+          <a:fontRef idx="minor">
+            <a:schemeClr val="lt1"/>
+          </a:fontRef>
+        </p:style>
+        <p:txBody>
+          <a:bodyPr rtlCol="0" anchor="ctr"/>
+          <a:lstStyle/>
+          <a:p>
+            <a:pPr algn="ctr"/>
+            <a:r>
+              <a:rPr lang="en-US" sz="1600" b="1" dirty="0">
+                <a:solidFill>
+                  <a:schemeClr val="tx1"/>
+                </a:solidFill>
+                <a:latin typeface="IBM Plex Sans Condensed Text" panose="020B0506050203000203" pitchFamily="34" charset="77"/>
+              </a:rPr>
+              <a:t>Bedrock Business Utility Fund</a:t>
+            </a:r>
+          </a:p>
+          <a:p>
+            <a:pPr algn="ctr"/>
+            <a:r>
+              <a:rPr lang="en-US" sz="1100" b="1" dirty="0">
+                <a:solidFill>
+                  <a:schemeClr val="tx1"/>
+                </a:solidFill>
+                <a:latin typeface="American Typewriter" panose="02090604020004020304" pitchFamily="18" charset="77"/>
+              </a:rPr>
+              <a:t>Directed Fund</a:t>
+            </a:r>
+          </a:p>
+          <a:p>
+            <a:pPr algn="ctr"/>
+            <a:endParaRPr lang="en-US" sz="1100" b="1" dirty="0">
+              <a:solidFill>
+                <a:schemeClr val="tx1"/>
+              </a:solidFill>
+              <a:latin typeface="IBM Plex Sans Condensed Text" panose="020B0506050203000203" pitchFamily="34" charset="77"/>
+            </a:endParaRPr>
+          </a:p>
+          <a:p>
+            <a:pPr algn="ctr"/>
+            <a:r>
+              <a:rPr lang="en-US" sz="1100" b="1" dirty="0">
+                <a:solidFill>
+                  <a:schemeClr val="tx1"/>
+                </a:solidFill>
+                <a:latin typeface="IBM Plex Sans Condensed Text" panose="020B0506050203000203" pitchFamily="34" charset="77"/>
+              </a:rPr>
+              <a:t>GitHub Repo:  </a:t>
+            </a:r>
+            <a:r>
+              <a:rPr lang="en-US" sz="1100" dirty="0">
+                <a:solidFill>
+                  <a:schemeClr val="tx1"/>
+                </a:solidFill>
+              </a:rPr>
+              <a:t>bedrock-consortium/bbu-gf</a:t>
+            </a:r>
+            <a:endParaRPr lang="en-US" sz="1100" b="1" dirty="0">
+              <a:solidFill>
+                <a:schemeClr val="tx1"/>
+              </a:solidFill>
+              <a:latin typeface="IBM Plex Sans Condensed Text" panose="020B0506050203000203" pitchFamily="34" charset="77"/>
+            </a:endParaRPr>
+          </a:p>
+          <a:p>
+            <a:pPr algn="ctr"/>
+            <a:endParaRPr lang="en-US" sz="1100" b="1" dirty="0">
+              <a:solidFill>
+                <a:schemeClr val="tx1"/>
+              </a:solidFill>
+              <a:latin typeface="IBM Plex Sans Condensed Text" panose="020B0506050203000203" pitchFamily="34" charset="77"/>
+            </a:endParaRPr>
+          </a:p>
+        </p:txBody>
+      </p:sp>
+    </p:spTree>
+    <p:extLst>
+      <p:ext uri="{BB962C8B-B14F-4D97-AF65-F5344CB8AC3E}">
+        <p14:creationId xmlns:p14="http://schemas.microsoft.com/office/powerpoint/2010/main" val="10841595"/>
+      </p:ext>
+    </p:extLst>
+  </p:cSld>
+  <p:clrMapOvr>
+    <a:masterClrMapping/>
+  </p:clrMapOvr>
+</p:sld>
+</file>
+
+<file path=ppt/slides/slide9.xml><?xml version="1.0" encoding="utf-8"?>
+<p:sld xmlns:a="http://schemas.openxmlformats.org/drawingml/2006/main" xmlns:r="http://schemas.openxmlformats.org/officeDocument/2006/relationships" xmlns:p="http://schemas.openxmlformats.org/presentationml/2006/main">
+  <p:cSld>
+    <p:spTree>
+      <p:nvGrpSpPr>
+        <p:cNvPr id="1" name=""/>
+        <p:cNvGrpSpPr/>
+        <p:nvPr/>
+      </p:nvGrpSpPr>
+      <p:grpSpPr>
+        <a:xfrm>
+          <a:off x="0" y="0"/>
+          <a:ext cx="0" cy="0"/>
+          <a:chOff x="0" y="0"/>
+          <a:chExt cx="0" cy="0"/>
+        </a:xfrm>
+      </p:grpSpPr>
+      <p:sp>
+        <p:nvSpPr>
+          <p:cNvPr id="8" name="Title 7">
+            <a:extLst>
+              <a:ext uri="{FF2B5EF4-FFF2-40B4-BE49-F238E27FC236}">
+                <a16:creationId xmlns:a16="http://schemas.microsoft.com/office/drawing/2014/main" id="{B2FA13F5-C6F4-46C1-838A-EC69FC41AADA}"/>
+              </a:ext>
+            </a:extLst>
+          </p:cNvPr>
+          <p:cNvSpPr>
+            <a:spLocks noGrp="1"/>
+          </p:cNvSpPr>
+          <p:nvPr>
+            <p:ph type="title"/>
+          </p:nvPr>
+        </p:nvSpPr>
+        <p:spPr>
+          <a:xfrm>
+            <a:off x="591875" y="46794"/>
+            <a:ext cx="1133339" cy="435392"/>
+          </a:xfrm>
+        </p:spPr>
+        <p:txBody>
+          <a:bodyPr>
+            <a:noAutofit/>
+          </a:bodyPr>
+          <a:lstStyle/>
+          <a:p>
+            <a:r>
+              <a:rPr lang="en-US" sz="2000" dirty="0"/>
+              <a:t>Entity</a:t>
+            </a:r>
+          </a:p>
+        </p:txBody>
+      </p:sp>
+      <p:sp>
+        <p:nvSpPr>
+          <p:cNvPr id="6" name="Slide Number Placeholder 5">
+            <a:extLst>
+              <a:ext uri="{FF2B5EF4-FFF2-40B4-BE49-F238E27FC236}">
+                <a16:creationId xmlns:a16="http://schemas.microsoft.com/office/drawing/2014/main" id="{6DC3E9BB-401E-4CDB-A1AD-CE0F2D418BB1}"/>
+              </a:ext>
+            </a:extLst>
+          </p:cNvPr>
+          <p:cNvSpPr>
+            <a:spLocks noGrp="1"/>
+          </p:cNvSpPr>
+          <p:nvPr>
+            <p:ph type="sldNum" sz="quarter" idx="4294967295"/>
+          </p:nvPr>
+        </p:nvSpPr>
+        <p:spPr>
+          <a:xfrm>
+            <a:off x="8868255" y="4937760"/>
+            <a:ext cx="275746" cy="205740"/>
+          </a:xfrm>
+        </p:spPr>
+        <p:txBody>
+          <a:bodyPr/>
+          <a:lstStyle/>
+          <a:p>
+            <a:fld id="{AD86CF49-6971-4508-8862-A2909EA0DB5B}" type="slidenum">
+              <a:rPr lang="en-US" smtClean="0"/>
+              <a:pPr/>
+              <a:t>9</a:t>
+            </a:fld>
+            <a:endParaRPr lang="en-US" dirty="0"/>
+          </a:p>
+        </p:txBody>
+      </p:sp>
+      <p:sp>
+        <p:nvSpPr>
+          <p:cNvPr id="31" name="Rectangle 30">
+            <a:extLst>
+              <a:ext uri="{FF2B5EF4-FFF2-40B4-BE49-F238E27FC236}">
+                <a16:creationId xmlns:a16="http://schemas.microsoft.com/office/drawing/2014/main" id="{37D5FEA2-1CD5-8C4F-A004-71C4DAA92698}"/>
+              </a:ext>
+            </a:extLst>
+          </p:cNvPr>
+          <p:cNvSpPr/>
+          <p:nvPr/>
+        </p:nvSpPr>
+        <p:spPr>
+          <a:xfrm>
+            <a:off x="269689" y="550513"/>
+            <a:ext cx="1730615" cy="785124"/>
+          </a:xfrm>
+          <a:prstGeom prst="rect">
+            <a:avLst/>
+          </a:prstGeom>
+        </p:spPr>
+        <p:style>
+          <a:lnRef idx="2">
+            <a:schemeClr val="accent1">
+              <a:shade val="50000"/>
+            </a:schemeClr>
+          </a:lnRef>
+          <a:fillRef idx="1">
+            <a:schemeClr val="accent1"/>
+          </a:fillRef>
+          <a:effectRef idx="0">
+            <a:schemeClr val="accent1"/>
+          </a:effectRef>
+          <a:fontRef idx="minor">
+            <a:schemeClr val="lt1"/>
+          </a:fontRef>
+        </p:style>
+        <p:txBody>
+          <a:bodyPr rtlCol="0" anchor="ctr"/>
+          <a:lstStyle/>
+          <a:p>
+            <a:pPr algn="ctr"/>
+            <a:r>
+              <a:rPr lang="en-US" sz="1200" dirty="0"/>
+              <a:t>The Linux Foundation</a:t>
+            </a:r>
+          </a:p>
+          <a:p>
+            <a:pPr algn="ctr"/>
+            <a:r>
+              <a:rPr lang="en-US" sz="1200" dirty="0"/>
+              <a:t>(Oregon Mutual Benefit Corporation, 501(c)6)</a:t>
+            </a:r>
+          </a:p>
+        </p:txBody>
+      </p:sp>
+      <p:sp>
+        <p:nvSpPr>
+          <p:cNvPr id="30" name="Rectangle 29">
+            <a:extLst>
+              <a:ext uri="{FF2B5EF4-FFF2-40B4-BE49-F238E27FC236}">
+                <a16:creationId xmlns:a16="http://schemas.microsoft.com/office/drawing/2014/main" id="{BBC32AE8-5F7E-1044-AC13-644AB626F69C}"/>
+              </a:ext>
+            </a:extLst>
+          </p:cNvPr>
+          <p:cNvSpPr/>
+          <p:nvPr/>
+        </p:nvSpPr>
+        <p:spPr>
+          <a:xfrm>
+            <a:off x="1035972" y="1419700"/>
+            <a:ext cx="964332" cy="445035"/>
+          </a:xfrm>
+          <a:prstGeom prst="rect">
+            <a:avLst/>
+          </a:prstGeom>
+          <a:solidFill>
+            <a:schemeClr val="tx2">
+              <a:lumMod val="20000"/>
+              <a:lumOff val="80000"/>
+            </a:schemeClr>
+          </a:solidFill>
+        </p:spPr>
+        <p:style>
+          <a:lnRef idx="2">
+            <a:schemeClr val="accent1">
+              <a:shade val="50000"/>
+            </a:schemeClr>
+          </a:lnRef>
+          <a:fillRef idx="1">
+            <a:schemeClr val="accent1"/>
+          </a:fillRef>
+          <a:effectRef idx="0">
+            <a:schemeClr val="accent1"/>
+          </a:effectRef>
+          <a:fontRef idx="minor">
+            <a:schemeClr val="lt1"/>
+          </a:fontRef>
+        </p:style>
+        <p:txBody>
+          <a:bodyPr rtlCol="0" anchor="ctr"/>
+          <a:lstStyle/>
+          <a:p>
+            <a:pPr algn="ctr"/>
+            <a:r>
+              <a:rPr lang="en-US" sz="900" dirty="0">
+                <a:solidFill>
+                  <a:schemeClr val="tx1"/>
+                </a:solidFill>
+              </a:rPr>
+              <a:t>Bedrock Business Utility Directed Fund</a:t>
+            </a:r>
+          </a:p>
+        </p:txBody>
+      </p:sp>
+      <p:cxnSp>
+        <p:nvCxnSpPr>
+          <p:cNvPr id="37" name="Straight Connector 36">
+            <a:extLst>
+              <a:ext uri="{FF2B5EF4-FFF2-40B4-BE49-F238E27FC236}">
+                <a16:creationId xmlns:a16="http://schemas.microsoft.com/office/drawing/2014/main" id="{49DAF085-0225-6E42-80EC-35DB671179DE}"/>
+              </a:ext>
+            </a:extLst>
+          </p:cNvPr>
+          <p:cNvCxnSpPr>
+            <a:cxnSpLocks/>
+          </p:cNvCxnSpPr>
+          <p:nvPr/>
+        </p:nvCxnSpPr>
+        <p:spPr>
+          <a:xfrm>
+            <a:off x="964012" y="1349320"/>
+            <a:ext cx="0" cy="1615011"/>
+          </a:xfrm>
+          <a:prstGeom prst="line">
+            <a:avLst/>
+          </a:prstGeom>
+        </p:spPr>
+        <p:style>
+          <a:lnRef idx="1">
+            <a:schemeClr val="accent1"/>
+          </a:lnRef>
+          <a:fillRef idx="0">
+            <a:schemeClr val="accent1"/>
+          </a:fillRef>
+          <a:effectRef idx="0">
+            <a:schemeClr val="accent1"/>
+          </a:effectRef>
+          <a:fontRef idx="minor">
+            <a:schemeClr val="tx1"/>
+          </a:fontRef>
+        </p:style>
+      </p:cxnSp>
+      <p:sp>
+        <p:nvSpPr>
+          <p:cNvPr id="39" name="Rectangle 38">
+            <a:extLst>
+              <a:ext uri="{FF2B5EF4-FFF2-40B4-BE49-F238E27FC236}">
+                <a16:creationId xmlns:a16="http://schemas.microsoft.com/office/drawing/2014/main" id="{BD403882-CAE1-2748-8B79-DE4E2C78E440}"/>
+              </a:ext>
+            </a:extLst>
+          </p:cNvPr>
+          <p:cNvSpPr/>
+          <p:nvPr/>
+        </p:nvSpPr>
+        <p:spPr>
+          <a:xfrm>
+            <a:off x="230979" y="3628183"/>
+            <a:ext cx="1694465" cy="445035"/>
+          </a:xfrm>
+          <a:prstGeom prst="rect">
+            <a:avLst/>
+          </a:prstGeom>
+          <a:solidFill>
+            <a:schemeClr val="accent4">
+              <a:lumMod val="20000"/>
+              <a:lumOff val="80000"/>
+            </a:schemeClr>
+          </a:solidFill>
+        </p:spPr>
+        <p:style>
+          <a:lnRef idx="2">
+            <a:schemeClr val="accent1">
+              <a:shade val="50000"/>
+            </a:schemeClr>
+          </a:lnRef>
+          <a:fillRef idx="1">
+            <a:schemeClr val="accent1"/>
+          </a:fillRef>
+          <a:effectRef idx="0">
+            <a:schemeClr val="accent1"/>
+          </a:effectRef>
+          <a:fontRef idx="minor">
+            <a:schemeClr val="lt1"/>
+          </a:fontRef>
+        </p:style>
+        <p:txBody>
+          <a:bodyPr rtlCol="0" anchor="ctr"/>
+          <a:lstStyle/>
+          <a:p>
+            <a:pPr algn="ctr"/>
+            <a:r>
+              <a:rPr lang="en-US" sz="900" dirty="0">
+                <a:solidFill>
+                  <a:schemeClr val="tx1"/>
+                </a:solidFill>
+              </a:rPr>
+              <a:t>Bedrock Consortium Project Series LLC</a:t>
+            </a:r>
+          </a:p>
+        </p:txBody>
+      </p:sp>
+      <p:sp>
+        <p:nvSpPr>
+          <p:cNvPr id="41" name="Rectangle 40">
+            <a:extLst>
+              <a:ext uri="{FF2B5EF4-FFF2-40B4-BE49-F238E27FC236}">
+                <a16:creationId xmlns:a16="http://schemas.microsoft.com/office/drawing/2014/main" id="{0FDC8FA4-2C91-794A-9E9A-BB5DDE3ADADF}"/>
+              </a:ext>
+            </a:extLst>
+          </p:cNvPr>
+          <p:cNvSpPr/>
+          <p:nvPr/>
+        </p:nvSpPr>
+        <p:spPr>
+          <a:xfrm>
+            <a:off x="225072" y="4169636"/>
+            <a:ext cx="1694464" cy="445035"/>
+          </a:xfrm>
+          <a:prstGeom prst="rect">
+            <a:avLst/>
+          </a:prstGeom>
+          <a:solidFill>
+            <a:schemeClr val="accent4">
+              <a:lumMod val="20000"/>
+              <a:lumOff val="80000"/>
+            </a:schemeClr>
+          </a:solidFill>
+        </p:spPr>
+        <p:style>
+          <a:lnRef idx="2">
+            <a:schemeClr val="accent1">
+              <a:shade val="50000"/>
+            </a:schemeClr>
+          </a:lnRef>
+          <a:fillRef idx="1">
+            <a:schemeClr val="accent1"/>
+          </a:fillRef>
+          <a:effectRef idx="0">
+            <a:schemeClr val="accent1"/>
+          </a:effectRef>
+          <a:fontRef idx="minor">
+            <a:schemeClr val="lt1"/>
+          </a:fontRef>
+        </p:style>
+        <p:txBody>
+          <a:bodyPr rtlCol="0" anchor="ctr"/>
+          <a:lstStyle/>
+          <a:p>
+            <a:pPr algn="ctr"/>
+            <a:r>
+              <a:rPr lang="en-US" sz="900" dirty="0">
+                <a:solidFill>
+                  <a:schemeClr val="tx1"/>
+                </a:solidFill>
+              </a:rPr>
+              <a:t>Contributors</a:t>
+            </a:r>
+          </a:p>
+        </p:txBody>
+      </p:sp>
+      <p:sp>
+        <p:nvSpPr>
+          <p:cNvPr id="2" name="TextBox 1">
+            <a:extLst>
+              <a:ext uri="{FF2B5EF4-FFF2-40B4-BE49-F238E27FC236}">
+                <a16:creationId xmlns:a16="http://schemas.microsoft.com/office/drawing/2014/main" id="{3A0097A2-E146-2048-86E5-1DFEA643AEF6}"/>
+              </a:ext>
+            </a:extLst>
+          </p:cNvPr>
+          <p:cNvSpPr txBox="1"/>
+          <p:nvPr/>
+        </p:nvSpPr>
+        <p:spPr>
+          <a:xfrm>
+            <a:off x="4562739" y="789474"/>
+            <a:ext cx="3093091" cy="276999"/>
+          </a:xfrm>
+          <a:prstGeom prst="rect">
+            <a:avLst/>
+          </a:prstGeom>
+          <a:noFill/>
+        </p:spPr>
+        <p:txBody>
+          <a:bodyPr wrap="none" rtlCol="0">
+            <a:spAutoFit/>
+          </a:bodyPr>
+          <a:lstStyle/>
+          <a:p>
+            <a:r>
+              <a:rPr lang="en-US" sz="1200" dirty="0"/>
+              <a:t>Legal membership entity for the Directed Fund</a:t>
+            </a:r>
+          </a:p>
+        </p:txBody>
+      </p:sp>
+      <p:sp>
+        <p:nvSpPr>
+          <p:cNvPr id="45" name="TextBox 44">
+            <a:extLst>
+              <a:ext uri="{FF2B5EF4-FFF2-40B4-BE49-F238E27FC236}">
+                <a16:creationId xmlns:a16="http://schemas.microsoft.com/office/drawing/2014/main" id="{0E1593EC-5665-D440-B020-876D718708A9}"/>
+              </a:ext>
+            </a:extLst>
+          </p:cNvPr>
+          <p:cNvSpPr txBox="1"/>
+          <p:nvPr/>
+        </p:nvSpPr>
+        <p:spPr>
+          <a:xfrm>
+            <a:off x="4562737" y="3049949"/>
+            <a:ext cx="3188526" cy="276999"/>
+          </a:xfrm>
+          <a:prstGeom prst="rect">
+            <a:avLst/>
+          </a:prstGeom>
+          <a:noFill/>
+        </p:spPr>
+        <p:txBody>
+          <a:bodyPr wrap="square" rtlCol="0">
+            <a:spAutoFit/>
+          </a:bodyPr>
+          <a:lstStyle/>
+          <a:p>
+            <a:r>
+              <a:rPr lang="en-US" sz="1200" dirty="0"/>
+              <a:t>Hold trademark assets for series entities </a:t>
+            </a:r>
+          </a:p>
+        </p:txBody>
+      </p:sp>
+      <p:sp>
+        <p:nvSpPr>
+          <p:cNvPr id="46" name="TextBox 45">
+            <a:extLst>
+              <a:ext uri="{FF2B5EF4-FFF2-40B4-BE49-F238E27FC236}">
+                <a16:creationId xmlns:a16="http://schemas.microsoft.com/office/drawing/2014/main" id="{807005F5-7701-CB45-A5C7-10D0623147A7}"/>
+              </a:ext>
+            </a:extLst>
+          </p:cNvPr>
+          <p:cNvSpPr txBox="1"/>
+          <p:nvPr/>
+        </p:nvSpPr>
+        <p:spPr>
+          <a:xfrm>
+            <a:off x="4562737" y="2225779"/>
+            <a:ext cx="4523925" cy="461665"/>
+          </a:xfrm>
+          <a:prstGeom prst="rect">
+            <a:avLst/>
+          </a:prstGeom>
+          <a:noFill/>
+        </p:spPr>
+        <p:txBody>
+          <a:bodyPr wrap="square" rtlCol="0">
+            <a:spAutoFit/>
+          </a:bodyPr>
+          <a:lstStyle/>
+          <a:p>
+            <a:r>
+              <a:rPr lang="en-US" sz="1200" dirty="0"/>
+              <a:t>Transaction entity (e.g. transaction fees), adopts and publishes core agreements for the network (e.g. steward agreement, policies, etc.) </a:t>
+            </a:r>
+          </a:p>
+        </p:txBody>
+      </p:sp>
+      <p:sp>
+        <p:nvSpPr>
+          <p:cNvPr id="47" name="TextBox 46">
+            <a:extLst>
+              <a:ext uri="{FF2B5EF4-FFF2-40B4-BE49-F238E27FC236}">
+                <a16:creationId xmlns:a16="http://schemas.microsoft.com/office/drawing/2014/main" id="{89BFA241-B877-6745-B708-A48C4A32F0A9}"/>
+              </a:ext>
+            </a:extLst>
+          </p:cNvPr>
+          <p:cNvSpPr txBox="1"/>
+          <p:nvPr/>
+        </p:nvSpPr>
+        <p:spPr>
+          <a:xfrm>
+            <a:off x="4562738" y="1374395"/>
+            <a:ext cx="4523924" cy="646331"/>
+          </a:xfrm>
+          <a:prstGeom prst="rect">
+            <a:avLst/>
+          </a:prstGeom>
+          <a:noFill/>
+        </p:spPr>
+        <p:txBody>
+          <a:bodyPr wrap="square" rtlCol="0">
+            <a:spAutoFit/>
+          </a:bodyPr>
+          <a:lstStyle/>
+          <a:p>
+            <a:r>
+              <a:rPr lang="en-US" sz="1200" dirty="0"/>
+              <a:t>Project Participation Agreement, binds member to project funding commitments, policies, etc. Governance of directed fund and customized network agreements (hosted by LF Data Networks, LLC)</a:t>
+            </a:r>
+          </a:p>
+        </p:txBody>
+      </p:sp>
+      <p:sp>
+        <p:nvSpPr>
+          <p:cNvPr id="4" name="Rectangle 3">
+            <a:extLst>
+              <a:ext uri="{FF2B5EF4-FFF2-40B4-BE49-F238E27FC236}">
+                <a16:creationId xmlns:a16="http://schemas.microsoft.com/office/drawing/2014/main" id="{9ADEDA97-D236-C049-942A-9F0559210A53}"/>
+              </a:ext>
+            </a:extLst>
+          </p:cNvPr>
+          <p:cNvSpPr/>
+          <p:nvPr/>
+        </p:nvSpPr>
+        <p:spPr>
+          <a:xfrm>
+            <a:off x="4562738" y="3688023"/>
+            <a:ext cx="4123132" cy="461665"/>
+          </a:xfrm>
+          <a:prstGeom prst="rect">
+            <a:avLst/>
+          </a:prstGeom>
+        </p:spPr>
+        <p:txBody>
+          <a:bodyPr wrap="square">
+            <a:spAutoFit/>
+          </a:bodyPr>
+          <a:lstStyle/>
+          <a:p>
+            <a:r>
+              <a:rPr lang="en-US" sz="1200" dirty="0"/>
+              <a:t>Technical Charter for open source project, plus CLA for capturing IP commitments to open source projects</a:t>
+            </a:r>
+          </a:p>
+        </p:txBody>
+      </p:sp>
+      <p:sp>
+        <p:nvSpPr>
+          <p:cNvPr id="48" name="Rectangle 47">
+            <a:extLst>
+              <a:ext uri="{FF2B5EF4-FFF2-40B4-BE49-F238E27FC236}">
+                <a16:creationId xmlns:a16="http://schemas.microsoft.com/office/drawing/2014/main" id="{7088B30D-4020-DC4B-A5AA-72934B573516}"/>
+              </a:ext>
+            </a:extLst>
+          </p:cNvPr>
+          <p:cNvSpPr/>
+          <p:nvPr/>
+        </p:nvSpPr>
+        <p:spPr>
+          <a:xfrm>
+            <a:off x="4562738" y="4198671"/>
+            <a:ext cx="3998441" cy="461665"/>
+          </a:xfrm>
+          <a:prstGeom prst="rect">
+            <a:avLst/>
+          </a:prstGeom>
+        </p:spPr>
+        <p:txBody>
+          <a:bodyPr wrap="square">
+            <a:spAutoFit/>
+          </a:bodyPr>
+          <a:lstStyle/>
+          <a:p>
+            <a:r>
+              <a:rPr lang="en-US" sz="1200" dirty="0"/>
+              <a:t>Anyone can contribute to the technical project or use the code under the open source license</a:t>
+            </a:r>
+          </a:p>
+        </p:txBody>
+      </p:sp>
+      <p:sp>
+        <p:nvSpPr>
+          <p:cNvPr id="5" name="Document 4">
+            <a:extLst>
+              <a:ext uri="{FF2B5EF4-FFF2-40B4-BE49-F238E27FC236}">
+                <a16:creationId xmlns:a16="http://schemas.microsoft.com/office/drawing/2014/main" id="{B9FA2F98-85EF-264E-8BCA-31BAD91AA600}"/>
+              </a:ext>
+            </a:extLst>
+          </p:cNvPr>
+          <p:cNvSpPr/>
+          <p:nvPr/>
+        </p:nvSpPr>
+        <p:spPr>
+          <a:xfrm>
+            <a:off x="2964072" y="1420838"/>
+            <a:ext cx="732800" cy="444998"/>
+          </a:xfrm>
+          <a:prstGeom prst="flowChartDocument">
+            <a:avLst/>
+          </a:prstGeom>
+          <a:solidFill>
+            <a:schemeClr val="accent6">
+              <a:lumMod val="40000"/>
+              <a:lumOff val="60000"/>
+            </a:schemeClr>
+          </a:solidFill>
+        </p:spPr>
+        <p:style>
+          <a:lnRef idx="1">
+            <a:schemeClr val="accent1"/>
+          </a:lnRef>
+          <a:fillRef idx="3">
+            <a:schemeClr val="accent1"/>
+          </a:fillRef>
+          <a:effectRef idx="2">
+            <a:schemeClr val="accent1"/>
+          </a:effectRef>
+          <a:fontRef idx="minor">
+            <a:schemeClr val="lt1"/>
+          </a:fontRef>
+        </p:style>
+        <p:txBody>
+          <a:bodyPr rot="0" spcFirstLastPara="0" vertOverflow="overflow" horzOverflow="overflow" vert="horz" wrap="square" lIns="68580" tIns="34290" rIns="68580" bIns="34290" numCol="1" spcCol="0" rtlCol="0" fromWordArt="0" anchor="ctr" anchorCtr="0" forceAA="0" compatLnSpc="1">
+            <a:prstTxWarp prst="textNoShape">
+              <a:avLst/>
+            </a:prstTxWarp>
+            <a:noAutofit/>
+          </a:bodyPr>
+          <a:lstStyle/>
+          <a:p>
+            <a:pPr algn="ctr"/>
+            <a:r>
+              <a:rPr lang="en-US" sz="825" dirty="0">
+                <a:solidFill>
+                  <a:schemeClr val="tx1"/>
+                </a:solidFill>
+              </a:rPr>
+              <a:t>Sign Participation Agreement</a:t>
+            </a:r>
+          </a:p>
+        </p:txBody>
+      </p:sp>
+      <p:sp>
+        <p:nvSpPr>
+          <p:cNvPr id="49" name="Document 48">
+            <a:extLst>
+              <a:ext uri="{FF2B5EF4-FFF2-40B4-BE49-F238E27FC236}">
+                <a16:creationId xmlns:a16="http://schemas.microsoft.com/office/drawing/2014/main" id="{1B1ADC89-8433-8C4F-8918-7DA05E714AE6}"/>
+              </a:ext>
+            </a:extLst>
+          </p:cNvPr>
+          <p:cNvSpPr/>
+          <p:nvPr/>
+        </p:nvSpPr>
+        <p:spPr>
+          <a:xfrm>
+            <a:off x="2174829" y="3659024"/>
+            <a:ext cx="732800" cy="444998"/>
+          </a:xfrm>
+          <a:prstGeom prst="flowChartDocument">
+            <a:avLst/>
+          </a:prstGeom>
+          <a:solidFill>
+            <a:schemeClr val="accent6">
+              <a:lumMod val="40000"/>
+              <a:lumOff val="60000"/>
+            </a:schemeClr>
+          </a:solidFill>
+        </p:spPr>
+        <p:style>
+          <a:lnRef idx="1">
+            <a:schemeClr val="accent1"/>
+          </a:lnRef>
+          <a:fillRef idx="3">
+            <a:schemeClr val="accent1"/>
+          </a:fillRef>
+          <a:effectRef idx="2">
+            <a:schemeClr val="accent1"/>
+          </a:effectRef>
+          <a:fontRef idx="minor">
+            <a:schemeClr val="lt1"/>
+          </a:fontRef>
+        </p:style>
+        <p:txBody>
+          <a:bodyPr rot="0" spcFirstLastPara="0" vertOverflow="overflow" horzOverflow="overflow" vert="horz" wrap="square" lIns="68580" tIns="34290" rIns="68580" bIns="34290" numCol="1" spcCol="0" rtlCol="0" fromWordArt="0" anchor="ctr" anchorCtr="0" forceAA="0" compatLnSpc="1">
+            <a:prstTxWarp prst="textNoShape">
+              <a:avLst/>
+            </a:prstTxWarp>
+            <a:noAutofit/>
+          </a:bodyPr>
+          <a:lstStyle/>
+          <a:p>
+            <a:pPr algn="ctr"/>
+            <a:r>
+              <a:rPr lang="en-US" sz="825" dirty="0">
+                <a:solidFill>
+                  <a:schemeClr val="tx1"/>
+                </a:solidFill>
+              </a:rPr>
+              <a:t>Sign CLA (optional)</a:t>
+            </a:r>
+          </a:p>
+        </p:txBody>
+      </p:sp>
+      <p:sp>
+        <p:nvSpPr>
+          <p:cNvPr id="51" name="Document 50">
+            <a:extLst>
+              <a:ext uri="{FF2B5EF4-FFF2-40B4-BE49-F238E27FC236}">
+                <a16:creationId xmlns:a16="http://schemas.microsoft.com/office/drawing/2014/main" id="{645ED636-825B-3446-A49B-A84D4372CA3F}"/>
+              </a:ext>
+            </a:extLst>
+          </p:cNvPr>
+          <p:cNvSpPr/>
+          <p:nvPr/>
+        </p:nvSpPr>
+        <p:spPr>
+          <a:xfrm>
+            <a:off x="3751608" y="1420801"/>
+            <a:ext cx="732800" cy="444998"/>
+          </a:xfrm>
+          <a:prstGeom prst="flowChartDocument">
+            <a:avLst/>
+          </a:prstGeom>
+          <a:solidFill>
+            <a:schemeClr val="accent6">
+              <a:lumMod val="40000"/>
+              <a:lumOff val="60000"/>
+            </a:schemeClr>
+          </a:solidFill>
+        </p:spPr>
+        <p:style>
+          <a:lnRef idx="1">
+            <a:schemeClr val="accent1"/>
+          </a:lnRef>
+          <a:fillRef idx="3">
+            <a:schemeClr val="accent1"/>
+          </a:fillRef>
+          <a:effectRef idx="2">
+            <a:schemeClr val="accent1"/>
+          </a:effectRef>
+          <a:fontRef idx="minor">
+            <a:schemeClr val="lt1"/>
+          </a:fontRef>
+        </p:style>
+        <p:txBody>
+          <a:bodyPr rot="0" spcFirstLastPara="0" vertOverflow="overflow" horzOverflow="overflow" vert="horz" wrap="square" lIns="68580" tIns="34290" rIns="68580" bIns="34290" numCol="1" spcCol="0" rtlCol="0" fromWordArt="0" anchor="ctr" anchorCtr="0" forceAA="0" compatLnSpc="1">
+            <a:prstTxWarp prst="textNoShape">
+              <a:avLst/>
+            </a:prstTxWarp>
+            <a:noAutofit/>
+          </a:bodyPr>
+          <a:lstStyle/>
+          <a:p>
+            <a:pPr algn="ctr"/>
+            <a:r>
+              <a:rPr lang="en-US" sz="825" dirty="0">
+                <a:solidFill>
+                  <a:schemeClr val="tx1"/>
+                </a:solidFill>
+              </a:rPr>
+              <a:t>Sign Network Agreements</a:t>
+            </a:r>
+          </a:p>
+        </p:txBody>
+      </p:sp>
+      <p:sp>
+        <p:nvSpPr>
+          <p:cNvPr id="52" name="Document 51">
+            <a:extLst>
+              <a:ext uri="{FF2B5EF4-FFF2-40B4-BE49-F238E27FC236}">
+                <a16:creationId xmlns:a16="http://schemas.microsoft.com/office/drawing/2014/main" id="{D7DFF022-7A09-7B46-A0B3-F27800F5B065}"/>
+              </a:ext>
+            </a:extLst>
+          </p:cNvPr>
+          <p:cNvSpPr/>
+          <p:nvPr/>
+        </p:nvSpPr>
+        <p:spPr>
+          <a:xfrm>
+            <a:off x="2176536" y="1434094"/>
+            <a:ext cx="732800" cy="444998"/>
+          </a:xfrm>
+          <a:prstGeom prst="flowChartDocument">
+            <a:avLst/>
+          </a:prstGeom>
+          <a:solidFill>
+            <a:schemeClr val="accent6">
+              <a:lumMod val="40000"/>
+              <a:lumOff val="60000"/>
+            </a:schemeClr>
+          </a:solidFill>
+        </p:spPr>
+        <p:style>
+          <a:lnRef idx="1">
+            <a:schemeClr val="accent1"/>
+          </a:lnRef>
+          <a:fillRef idx="3">
+            <a:schemeClr val="accent1"/>
+          </a:fillRef>
+          <a:effectRef idx="2">
+            <a:schemeClr val="accent1"/>
+          </a:effectRef>
+          <a:fontRef idx="minor">
+            <a:schemeClr val="lt1"/>
+          </a:fontRef>
+        </p:style>
+        <p:txBody>
+          <a:bodyPr rot="0" spcFirstLastPara="0" vertOverflow="overflow" horzOverflow="overflow" vert="horz" wrap="square" lIns="68580" tIns="34290" rIns="68580" bIns="34290" numCol="1" spcCol="0" rtlCol="0" fromWordArt="0" anchor="ctr" anchorCtr="0" forceAA="0" compatLnSpc="1">
+            <a:prstTxWarp prst="textNoShape">
+              <a:avLst/>
+            </a:prstTxWarp>
+            <a:noAutofit/>
+          </a:bodyPr>
+          <a:lstStyle/>
+          <a:p>
+            <a:pPr algn="ctr"/>
+            <a:r>
+              <a:rPr lang="en-US" sz="825" dirty="0">
+                <a:solidFill>
+                  <a:schemeClr val="tx1"/>
+                </a:solidFill>
+              </a:rPr>
+              <a:t>Sign LF Membership Agreement</a:t>
+            </a:r>
+          </a:p>
+        </p:txBody>
+      </p:sp>
+      <p:sp>
+        <p:nvSpPr>
+          <p:cNvPr id="53" name="Document 52">
+            <a:extLst>
+              <a:ext uri="{FF2B5EF4-FFF2-40B4-BE49-F238E27FC236}">
+                <a16:creationId xmlns:a16="http://schemas.microsoft.com/office/drawing/2014/main" id="{00DCAF59-8396-2C4C-AC6D-8DB5FBFDA796}"/>
+              </a:ext>
+            </a:extLst>
+          </p:cNvPr>
+          <p:cNvSpPr/>
+          <p:nvPr/>
+        </p:nvSpPr>
+        <p:spPr>
+          <a:xfrm>
+            <a:off x="3706784" y="2256708"/>
+            <a:ext cx="777624" cy="484905"/>
+          </a:xfrm>
+          <a:prstGeom prst="flowChartDocument">
+            <a:avLst/>
+          </a:prstGeom>
+          <a:solidFill>
+            <a:schemeClr val="accent6">
+              <a:lumMod val="40000"/>
+              <a:lumOff val="60000"/>
+            </a:schemeClr>
+          </a:solidFill>
+        </p:spPr>
+        <p:style>
+          <a:lnRef idx="1">
+            <a:schemeClr val="accent1"/>
+          </a:lnRef>
+          <a:fillRef idx="3">
+            <a:schemeClr val="accent1"/>
+          </a:fillRef>
+          <a:effectRef idx="2">
+            <a:schemeClr val="accent1"/>
+          </a:effectRef>
+          <a:fontRef idx="minor">
+            <a:schemeClr val="lt1"/>
+          </a:fontRef>
+        </p:style>
+        <p:txBody>
+          <a:bodyPr rot="0" spcFirstLastPara="0" vertOverflow="overflow" horzOverflow="overflow" vert="horz" wrap="square" lIns="68580" tIns="34290" rIns="68580" bIns="34290" numCol="1" spcCol="0" rtlCol="0" fromWordArt="0" anchor="ctr" anchorCtr="0" forceAA="0" compatLnSpc="1">
+            <a:prstTxWarp prst="textNoShape">
+              <a:avLst/>
+            </a:prstTxWarp>
+            <a:noAutofit/>
+          </a:bodyPr>
+          <a:lstStyle/>
+          <a:p>
+            <a:pPr algn="ctr"/>
+            <a:r>
+              <a:rPr lang="en-US" sz="825" dirty="0">
+                <a:solidFill>
+                  <a:schemeClr val="tx1"/>
+                </a:solidFill>
+              </a:rPr>
+              <a:t>Sign Network Agreements (non-member)</a:t>
+            </a:r>
+          </a:p>
+        </p:txBody>
+      </p:sp>
+      <p:sp>
+        <p:nvSpPr>
+          <p:cNvPr id="54" name="Title 7">
+            <a:extLst>
+              <a:ext uri="{FF2B5EF4-FFF2-40B4-BE49-F238E27FC236}">
+                <a16:creationId xmlns:a16="http://schemas.microsoft.com/office/drawing/2014/main" id="{1A2A3853-C3E3-B54C-ADF5-2D994B3CFBDB}"/>
+              </a:ext>
+            </a:extLst>
+          </p:cNvPr>
+          <p:cNvSpPr txBox="1">
+            <a:spLocks/>
+          </p:cNvSpPr>
+          <p:nvPr/>
+        </p:nvSpPr>
+        <p:spPr>
+          <a:xfrm>
+            <a:off x="2031651" y="45859"/>
+            <a:ext cx="2531086" cy="435392"/>
+          </a:xfrm>
+          <a:prstGeom prst="rect">
+            <a:avLst/>
+          </a:prstGeom>
+        </p:spPr>
+        <p:txBody>
+          <a:bodyPr vert="horz" lIns="91440" tIns="45720" rIns="91440" bIns="45720" rtlCol="0" anchor="ctr">
+            <a:noAutofit/>
+          </a:bodyPr>
+          <a:lstStyle>
+            <a:lvl1pPr algn="ctr" defTabSz="342900" rtl="0" eaLnBrk="1" latinLnBrk="0" hangingPunct="1">
+              <a:spcBef>
+                <a:spcPct val="0"/>
+              </a:spcBef>
+              <a:buNone/>
+              <a:defRPr sz="3300" kern="1200">
+                <a:solidFill>
+                  <a:srgbClr val="168FDF"/>
+                </a:solidFill>
+                <a:latin typeface="+mj-lt"/>
+                <a:ea typeface="+mj-ea"/>
+                <a:cs typeface="+mj-cs"/>
+              </a:defRPr>
+            </a:lvl1pPr>
+          </a:lstStyle>
+          <a:p>
+            <a:r>
+              <a:rPr lang="en-US" sz="2000" dirty="0"/>
+              <a:t>Signing Requirements</a:t>
+            </a:r>
+          </a:p>
+        </p:txBody>
+      </p:sp>
+      <p:sp>
+        <p:nvSpPr>
+          <p:cNvPr id="55" name="Title 7">
+            <a:extLst>
+              <a:ext uri="{FF2B5EF4-FFF2-40B4-BE49-F238E27FC236}">
+                <a16:creationId xmlns:a16="http://schemas.microsoft.com/office/drawing/2014/main" id="{6748F80D-5D4F-DC4E-BD58-EC7D7AECE51E}"/>
+              </a:ext>
+            </a:extLst>
+          </p:cNvPr>
+          <p:cNvSpPr txBox="1">
+            <a:spLocks/>
+          </p:cNvSpPr>
+          <p:nvPr/>
+        </p:nvSpPr>
+        <p:spPr>
+          <a:xfrm>
+            <a:off x="4484408" y="45859"/>
+            <a:ext cx="3093091" cy="435392"/>
+          </a:xfrm>
+          <a:prstGeom prst="rect">
+            <a:avLst/>
+          </a:prstGeom>
+        </p:spPr>
+        <p:txBody>
+          <a:bodyPr vert="horz" lIns="91440" tIns="45720" rIns="91440" bIns="45720" rtlCol="0" anchor="ctr">
+            <a:noAutofit/>
+          </a:bodyPr>
+          <a:lstStyle>
+            <a:lvl1pPr algn="ctr" defTabSz="342900" rtl="0" eaLnBrk="1" latinLnBrk="0" hangingPunct="1">
+              <a:spcBef>
+                <a:spcPct val="0"/>
+              </a:spcBef>
+              <a:buNone/>
+              <a:defRPr sz="3300" kern="1200">
+                <a:solidFill>
+                  <a:srgbClr val="168FDF"/>
+                </a:solidFill>
+                <a:latin typeface="+mj-lt"/>
+                <a:ea typeface="+mj-ea"/>
+                <a:cs typeface="+mj-cs"/>
+              </a:defRPr>
+            </a:lvl1pPr>
+          </a:lstStyle>
+          <a:p>
+            <a:r>
+              <a:rPr lang="en-US" sz="2000" dirty="0"/>
+              <a:t>Description / Role</a:t>
+            </a:r>
+          </a:p>
+        </p:txBody>
+      </p:sp>
+      <p:cxnSp>
+        <p:nvCxnSpPr>
+          <p:cNvPr id="11" name="Straight Connector 10">
+            <a:extLst>
+              <a:ext uri="{FF2B5EF4-FFF2-40B4-BE49-F238E27FC236}">
+                <a16:creationId xmlns:a16="http://schemas.microsoft.com/office/drawing/2014/main" id="{247C2C39-A761-D24F-AFB9-DDF72398E8D6}"/>
+              </a:ext>
+            </a:extLst>
+          </p:cNvPr>
+          <p:cNvCxnSpPr>
+            <a:cxnSpLocks/>
+          </p:cNvCxnSpPr>
+          <p:nvPr/>
+        </p:nvCxnSpPr>
+        <p:spPr>
+          <a:xfrm>
+            <a:off x="109057" y="2104961"/>
+            <a:ext cx="8759198" cy="35331"/>
+          </a:xfrm>
+          <a:prstGeom prst="line">
+            <a:avLst/>
+          </a:prstGeom>
+        </p:spPr>
+        <p:style>
+          <a:lnRef idx="2">
+            <a:schemeClr val="accent1"/>
+          </a:lnRef>
+          <a:fillRef idx="0">
+            <a:schemeClr val="accent1"/>
+          </a:fillRef>
+          <a:effectRef idx="1">
+            <a:schemeClr val="accent1"/>
+          </a:effectRef>
+          <a:fontRef idx="minor">
+            <a:schemeClr val="tx1"/>
+          </a:fontRef>
+        </p:style>
+      </p:cxnSp>
+      <p:sp>
+        <p:nvSpPr>
+          <p:cNvPr id="12" name="TextBox 11">
+            <a:extLst>
+              <a:ext uri="{FF2B5EF4-FFF2-40B4-BE49-F238E27FC236}">
+                <a16:creationId xmlns:a16="http://schemas.microsoft.com/office/drawing/2014/main" id="{FCB30ED3-2250-3449-AED9-D159D4807A20}"/>
+              </a:ext>
+            </a:extLst>
+          </p:cNvPr>
+          <p:cNvSpPr txBox="1"/>
+          <p:nvPr/>
+        </p:nvSpPr>
+        <p:spPr>
+          <a:xfrm>
+            <a:off x="17362" y="1870507"/>
+            <a:ext cx="736099" cy="261610"/>
+          </a:xfrm>
+          <a:prstGeom prst="rect">
+            <a:avLst/>
+          </a:prstGeom>
+          <a:noFill/>
+        </p:spPr>
+        <p:txBody>
+          <a:bodyPr wrap="none" rtlCol="0">
+            <a:spAutoFit/>
+          </a:bodyPr>
+          <a:lstStyle/>
+          <a:p>
+            <a:r>
+              <a:rPr lang="en-US" sz="1100" dirty="0"/>
+              <a:t>Members</a:t>
+            </a:r>
+          </a:p>
+        </p:txBody>
+      </p:sp>
+      <p:sp>
+        <p:nvSpPr>
+          <p:cNvPr id="33" name="TextBox 32">
+            <a:extLst>
+              <a:ext uri="{FF2B5EF4-FFF2-40B4-BE49-F238E27FC236}">
+                <a16:creationId xmlns:a16="http://schemas.microsoft.com/office/drawing/2014/main" id="{529EB88E-10A1-564F-A390-38EF37B9F96F}"/>
+              </a:ext>
+            </a:extLst>
+          </p:cNvPr>
+          <p:cNvSpPr txBox="1"/>
+          <p:nvPr/>
+        </p:nvSpPr>
+        <p:spPr>
+          <a:xfrm>
+            <a:off x="6418" y="2104961"/>
+            <a:ext cx="1018227" cy="261610"/>
+          </a:xfrm>
+          <a:prstGeom prst="rect">
+            <a:avLst/>
+          </a:prstGeom>
+          <a:noFill/>
+        </p:spPr>
+        <p:txBody>
+          <a:bodyPr wrap="none" rtlCol="0">
+            <a:spAutoFit/>
+          </a:bodyPr>
+          <a:lstStyle/>
+          <a:p>
+            <a:r>
+              <a:rPr lang="en-US" sz="1100" dirty="0"/>
+              <a:t>Non-Members</a:t>
+            </a:r>
+          </a:p>
+        </p:txBody>
+      </p:sp>
+      <p:sp>
+        <p:nvSpPr>
+          <p:cNvPr id="32" name="Rectangle 31">
+            <a:extLst>
+              <a:ext uri="{FF2B5EF4-FFF2-40B4-BE49-F238E27FC236}">
+                <a16:creationId xmlns:a16="http://schemas.microsoft.com/office/drawing/2014/main" id="{9B53D409-F987-8444-AE22-9780785EA6A8}"/>
+              </a:ext>
+            </a:extLst>
+          </p:cNvPr>
+          <p:cNvSpPr/>
+          <p:nvPr/>
+        </p:nvSpPr>
+        <p:spPr>
+          <a:xfrm>
+            <a:off x="230979" y="2932630"/>
+            <a:ext cx="1769325" cy="599135"/>
+          </a:xfrm>
+          <a:prstGeom prst="rect">
+            <a:avLst/>
+          </a:prstGeom>
+          <a:solidFill>
+            <a:schemeClr val="accent4">
+              <a:lumMod val="75000"/>
+            </a:schemeClr>
+          </a:solidFill>
+        </p:spPr>
+        <p:style>
+          <a:lnRef idx="2">
+            <a:schemeClr val="accent1">
+              <a:shade val="50000"/>
+            </a:schemeClr>
+          </a:lnRef>
+          <a:fillRef idx="1">
+            <a:schemeClr val="accent1"/>
+          </a:fillRef>
+          <a:effectRef idx="0">
+            <a:schemeClr val="accent1"/>
+          </a:effectRef>
+          <a:fontRef idx="minor">
+            <a:schemeClr val="lt1"/>
+          </a:fontRef>
+        </p:style>
+        <p:txBody>
+          <a:bodyPr rtlCol="0" anchor="ctr"/>
+          <a:lstStyle/>
+          <a:p>
+            <a:pPr algn="ctr"/>
+            <a:r>
+              <a:rPr lang="en-US" sz="1200" dirty="0"/>
+              <a:t>LF Network Projects LLC</a:t>
+            </a:r>
+          </a:p>
+          <a:p>
+            <a:pPr algn="ctr"/>
+            <a:r>
+              <a:rPr lang="en-US" sz="1200" dirty="0"/>
+              <a:t>(Delaware Series LLC)</a:t>
+            </a:r>
+          </a:p>
+        </p:txBody>
+      </p:sp>
+      <p:sp>
+        <p:nvSpPr>
+          <p:cNvPr id="34" name="Rectangle 33">
+            <a:extLst>
+              <a:ext uri="{FF2B5EF4-FFF2-40B4-BE49-F238E27FC236}">
+                <a16:creationId xmlns:a16="http://schemas.microsoft.com/office/drawing/2014/main" id="{B9B63B45-1E46-CC40-AB43-213A1C3D9B5A}"/>
+              </a:ext>
+            </a:extLst>
+          </p:cNvPr>
+          <p:cNvSpPr/>
+          <p:nvPr/>
+        </p:nvSpPr>
+        <p:spPr>
+          <a:xfrm>
+            <a:off x="247339" y="2391178"/>
+            <a:ext cx="1752966" cy="445034"/>
+          </a:xfrm>
+          <a:prstGeom prst="rect">
+            <a:avLst/>
+          </a:prstGeom>
+          <a:solidFill>
+            <a:schemeClr val="accent4">
+              <a:lumMod val="75000"/>
+            </a:schemeClr>
+          </a:solidFill>
+        </p:spPr>
+        <p:style>
+          <a:lnRef idx="2">
+            <a:schemeClr val="accent1">
+              <a:shade val="50000"/>
+            </a:schemeClr>
+          </a:lnRef>
+          <a:fillRef idx="1">
+            <a:schemeClr val="accent1"/>
+          </a:fillRef>
+          <a:effectRef idx="0">
+            <a:schemeClr val="accent1"/>
+          </a:effectRef>
+          <a:fontRef idx="minor">
+            <a:schemeClr val="lt1"/>
+          </a:fontRef>
+        </p:style>
+        <p:txBody>
+          <a:bodyPr rtlCol="0" anchor="ctr"/>
+          <a:lstStyle/>
+          <a:p>
+            <a:pPr algn="ctr"/>
+            <a:r>
+              <a:rPr lang="en-US" sz="1200" dirty="0"/>
+              <a:t>LF Operational Projects LLC (Delaware LLC)</a:t>
+            </a:r>
+          </a:p>
+        </p:txBody>
+      </p:sp>
+    </p:spTree>
+    <p:extLst>
+      <p:ext uri="{BB962C8B-B14F-4D97-AF65-F5344CB8AC3E}">
+        <p14:creationId xmlns:p14="http://schemas.microsoft.com/office/powerpoint/2010/main" val="3676124992"/>
       </p:ext>
     </p:extLst>
   </p:cSld>

--- a/_images/bbu_diagrams.pptx
+++ b/_images/bbu_diagrams.pptx
@@ -4605,8 +4605,8 @@
         </p:nvSpPr>
         <p:spPr>
           <a:xfrm>
-            <a:off x="2833060" y="335560"/>
-            <a:ext cx="3338542" cy="785124"/>
+            <a:off x="2707340" y="335560"/>
+            <a:ext cx="3872753" cy="1718379"/>
           </a:xfrm>
           <a:prstGeom prst="rect">
             <a:avLst/>
@@ -4629,7 +4629,7 @@
           </a:fontRef>
         </p:style>
         <p:txBody>
-          <a:bodyPr rtlCol="0" anchor="ctr"/>
+          <a:bodyPr rtlCol="0" anchor="t"/>
           <a:lstStyle/>
           <a:p>
             <a:pPr algn="ctr"/>
@@ -4649,23 +4649,22 @@
       </p:sp>
       <p:cxnSp>
         <p:nvCxnSpPr>
-          <p:cNvPr id="12" name="Straight Connector 11">
-            <a:extLst>
-              <a:ext uri="{FF2B5EF4-FFF2-40B4-BE49-F238E27FC236}">
-                <a16:creationId xmlns:a16="http://schemas.microsoft.com/office/drawing/2014/main" id="{A06C6700-C4CA-DA47-B6F6-3E09647153C7}"/>
+          <p:cNvPr id="14" name="Straight Connector 13">
+            <a:extLst>
+              <a:ext uri="{FF2B5EF4-FFF2-40B4-BE49-F238E27FC236}">
+                <a16:creationId xmlns:a16="http://schemas.microsoft.com/office/drawing/2014/main" id="{E842242B-9923-9E49-BDEA-A2B3A0682B4B}"/>
               </a:ext>
             </a:extLst>
           </p:cNvPr>
           <p:cNvCxnSpPr>
             <a:cxnSpLocks/>
-            <a:endCxn id="6" idx="0"/>
           </p:cNvCxnSpPr>
           <p:nvPr/>
         </p:nvCxnSpPr>
         <p:spPr>
-          <a:xfrm>
-            <a:off x="4572000" y="1120684"/>
-            <a:ext cx="0" cy="653210"/>
+          <a:xfrm flipH="1">
+            <a:off x="3334743" y="1898970"/>
+            <a:ext cx="914530" cy="906983"/>
           </a:xfrm>
           <a:prstGeom prst="line">
             <a:avLst/>
@@ -4674,50 +4673,7 @@
             <a:solidFill>
               <a:schemeClr val="tx1"/>
             </a:solidFill>
-          </a:ln>
-        </p:spPr>
-        <p:style>
-          <a:lnRef idx="2">
-            <a:schemeClr val="accent1"/>
-          </a:lnRef>
-          <a:fillRef idx="0">
-            <a:schemeClr val="accent1"/>
-          </a:fillRef>
-          <a:effectRef idx="1">
-            <a:schemeClr val="accent1"/>
-          </a:effectRef>
-          <a:fontRef idx="minor">
-            <a:schemeClr val="tx1"/>
-          </a:fontRef>
-        </p:style>
-      </p:cxnSp>
-      <p:cxnSp>
-        <p:nvCxnSpPr>
-          <p:cNvPr id="14" name="Straight Connector 13">
-            <a:extLst>
-              <a:ext uri="{FF2B5EF4-FFF2-40B4-BE49-F238E27FC236}">
-                <a16:creationId xmlns:a16="http://schemas.microsoft.com/office/drawing/2014/main" id="{E842242B-9923-9E49-BDEA-A2B3A0682B4B}"/>
-              </a:ext>
-            </a:extLst>
-          </p:cNvPr>
-          <p:cNvCxnSpPr>
-            <a:cxnSpLocks/>
-            <a:endCxn id="8" idx="0"/>
-          </p:cNvCxnSpPr>
-          <p:nvPr/>
-        </p:nvCxnSpPr>
-        <p:spPr>
-          <a:xfrm flipH="1">
-            <a:off x="2277662" y="2785042"/>
-            <a:ext cx="1354687" cy="657565"/>
-          </a:xfrm>
-          <a:prstGeom prst="line">
-            <a:avLst/>
-          </a:prstGeom>
-          <a:ln w="28575">
-            <a:solidFill>
-              <a:schemeClr val="tx1"/>
-            </a:solidFill>
+            <a:tailEnd type="triangle" w="med" len="med"/>
           </a:ln>
         </p:spPr>
         <p:style>
@@ -4746,14 +4702,13 @@
           </p:cNvPr>
           <p:cNvCxnSpPr>
             <a:cxnSpLocks/>
-            <a:endCxn id="7" idx="0"/>
           </p:cNvCxnSpPr>
           <p:nvPr/>
         </p:nvCxnSpPr>
         <p:spPr>
           <a:xfrm>
-            <a:off x="5686699" y="2785042"/>
-            <a:ext cx="1172735" cy="657565"/>
+            <a:off x="4894729" y="1898970"/>
+            <a:ext cx="948022" cy="906983"/>
           </a:xfrm>
           <a:prstGeom prst="line">
             <a:avLst/>
@@ -4762,6 +4717,7 @@
             <a:solidFill>
               <a:schemeClr val="tx1"/>
             </a:solidFill>
+            <a:tailEnd type="triangle"/>
           </a:ln>
         </p:spPr>
         <p:style>
@@ -4781,10 +4737,10 @@
       </p:cxnSp>
       <p:sp>
         <p:nvSpPr>
-          <p:cNvPr id="8" name="Rounded Rectangle 7">
-            <a:extLst>
-              <a:ext uri="{FF2B5EF4-FFF2-40B4-BE49-F238E27FC236}">
-                <a16:creationId xmlns:a16="http://schemas.microsoft.com/office/drawing/2014/main" id="{586D5DA2-E025-F447-9944-A6F11813979E}"/>
+          <p:cNvPr id="24" name="Rectangle 23">
+            <a:extLst>
+              <a:ext uri="{FF2B5EF4-FFF2-40B4-BE49-F238E27FC236}">
+                <a16:creationId xmlns:a16="http://schemas.microsoft.com/office/drawing/2014/main" id="{303BE2B7-FCDB-BC42-805D-95BFB1F6D121}"/>
               </a:ext>
             </a:extLst>
           </p:cNvPr>
@@ -4793,24 +4749,26 @@
         </p:nvSpPr>
         <p:spPr>
           <a:xfrm>
-            <a:off x="794284" y="3442607"/>
-            <a:ext cx="2966755" cy="1138101"/>
-          </a:xfrm>
-          <a:prstGeom prst="roundRect">
+            <a:off x="537883" y="2869739"/>
+            <a:ext cx="3571256" cy="1827855"/>
+          </a:xfrm>
+          <a:prstGeom prst="rect">
             <a:avLst/>
           </a:prstGeom>
           <a:solidFill>
-            <a:srgbClr val="EBF3DF"/>
+            <a:srgbClr val="00B050"/>
           </a:solidFill>
         </p:spPr>
         <p:style>
-          <a:lnRef idx="1">
-            <a:schemeClr val="accent1"/>
+          <a:lnRef idx="2">
+            <a:schemeClr val="accent1">
+              <a:shade val="50000"/>
+            </a:schemeClr>
           </a:lnRef>
-          <a:fillRef idx="3">
+          <a:fillRef idx="1">
             <a:schemeClr val="accent1"/>
           </a:fillRef>
-          <a:effectRef idx="2">
+          <a:effectRef idx="0">
             <a:schemeClr val="accent1"/>
           </a:effectRef>
           <a:fontRef idx="minor">
@@ -4818,6 +4776,61 @@
           </a:fontRef>
         </p:style>
         <p:txBody>
+          <a:bodyPr rtlCol="0" anchor="t"/>
+          <a:lstStyle/>
+          <a:p>
+            <a:r>
+              <a:rPr lang="en-US" sz="1600" b="1" dirty="0"/>
+              <a:t>LF Projects LLC</a:t>
+            </a:r>
+          </a:p>
+          <a:p>
+            <a:r>
+              <a:rPr lang="en-US" sz="1200" dirty="0"/>
+              <a:t>Delaware Series LLC</a:t>
+            </a:r>
+          </a:p>
+        </p:txBody>
+      </p:sp>
+      <p:sp>
+        <p:nvSpPr>
+          <p:cNvPr id="8" name="Rounded Rectangle 7">
+            <a:extLst>
+              <a:ext uri="{FF2B5EF4-FFF2-40B4-BE49-F238E27FC236}">
+                <a16:creationId xmlns:a16="http://schemas.microsoft.com/office/drawing/2014/main" id="{586D5DA2-E025-F447-9944-A6F11813979E}"/>
+              </a:ext>
+            </a:extLst>
+          </p:cNvPr>
+          <p:cNvSpPr/>
+          <p:nvPr/>
+        </p:nvSpPr>
+        <p:spPr>
+          <a:xfrm>
+            <a:off x="794283" y="3397872"/>
+            <a:ext cx="2966755" cy="1138101"/>
+          </a:xfrm>
+          <a:prstGeom prst="roundRect">
+            <a:avLst/>
+          </a:prstGeom>
+          <a:solidFill>
+            <a:srgbClr val="EBF3DF"/>
+          </a:solidFill>
+        </p:spPr>
+        <p:style>
+          <a:lnRef idx="1">
+            <a:schemeClr val="accent1"/>
+          </a:lnRef>
+          <a:fillRef idx="3">
+            <a:schemeClr val="accent1"/>
+          </a:fillRef>
+          <a:effectRef idx="2">
+            <a:schemeClr val="accent1"/>
+          </a:effectRef>
+          <a:fontRef idx="minor">
+            <a:schemeClr val="lt1"/>
+          </a:fontRef>
+        </p:style>
+        <p:txBody>
           <a:bodyPr rtlCol="0" anchor="ctr"/>
           <a:lstStyle/>
           <a:p>
@@ -4841,7 +4854,7 @@
                 </a:solidFill>
                 <a:latin typeface="American Typewriter" panose="02090604020004020304" pitchFamily="18" charset="77"/>
               </a:rPr>
-              <a:t>Technical Project</a:t>
+              <a:t>LF Projects LLC</a:t>
             </a:r>
           </a:p>
           <a:p>
@@ -4895,10 +4908,10 @@
       </p:sp>
       <p:sp>
         <p:nvSpPr>
-          <p:cNvPr id="7" name="Rounded Rectangle 6">
-            <a:extLst>
-              <a:ext uri="{FF2B5EF4-FFF2-40B4-BE49-F238E27FC236}">
-                <a16:creationId xmlns:a16="http://schemas.microsoft.com/office/drawing/2014/main" id="{9785FF17-1A64-B148-A447-5A467571FDE6}"/>
+          <p:cNvPr id="27" name="Rectangle 26">
+            <a:extLst>
+              <a:ext uri="{FF2B5EF4-FFF2-40B4-BE49-F238E27FC236}">
+                <a16:creationId xmlns:a16="http://schemas.microsoft.com/office/drawing/2014/main" id="{30798FC8-8D36-A544-A5BD-E3A55431A383}"/>
               </a:ext>
             </a:extLst>
           </p:cNvPr>
@@ -4907,24 +4920,26 @@
         </p:nvSpPr>
         <p:spPr>
           <a:xfrm>
-            <a:off x="5376056" y="3442607"/>
-            <a:ext cx="2966755" cy="1138101"/>
-          </a:xfrm>
-          <a:prstGeom prst="roundRect">
+            <a:off x="5034862" y="2869739"/>
+            <a:ext cx="3571255" cy="1827855"/>
+          </a:xfrm>
+          <a:prstGeom prst="rect">
             <a:avLst/>
           </a:prstGeom>
           <a:solidFill>
-            <a:srgbClr val="E7E0EC"/>
+            <a:srgbClr val="5E4A7B"/>
           </a:solidFill>
         </p:spPr>
         <p:style>
-          <a:lnRef idx="1">
-            <a:schemeClr val="accent1"/>
+          <a:lnRef idx="2">
+            <a:schemeClr val="accent1">
+              <a:shade val="50000"/>
+            </a:schemeClr>
           </a:lnRef>
-          <a:fillRef idx="3">
+          <a:fillRef idx="1">
             <a:schemeClr val="accent1"/>
           </a:fillRef>
-          <a:effectRef idx="2">
+          <a:effectRef idx="0">
             <a:schemeClr val="accent1"/>
           </a:effectRef>
           <a:fontRef idx="minor">
@@ -4932,6 +4947,65 @@
           </a:fontRef>
         </p:style>
         <p:txBody>
+          <a:bodyPr rtlCol="0" anchor="t"/>
+          <a:lstStyle/>
+          <a:p>
+            <a:r>
+              <a:rPr lang="en-US" sz="1600" b="1" dirty="0"/>
+              <a:t>LF Governance Networks, Inc</a:t>
+            </a:r>
+            <a:r>
+              <a:rPr lang="en-US" sz="1600" dirty="0"/>
+              <a:t>. </a:t>
+            </a:r>
+          </a:p>
+          <a:p>
+            <a:r>
+              <a:rPr lang="en-US" sz="1200" dirty="0"/>
+              <a:t>Delaware Nonprofit Corp</a:t>
+            </a:r>
+          </a:p>
+        </p:txBody>
+      </p:sp>
+      <p:sp>
+        <p:nvSpPr>
+          <p:cNvPr id="7" name="Rounded Rectangle 6">
+            <a:extLst>
+              <a:ext uri="{FF2B5EF4-FFF2-40B4-BE49-F238E27FC236}">
+                <a16:creationId xmlns:a16="http://schemas.microsoft.com/office/drawing/2014/main" id="{9785FF17-1A64-B148-A447-5A467571FDE6}"/>
+              </a:ext>
+            </a:extLst>
+          </p:cNvPr>
+          <p:cNvSpPr/>
+          <p:nvPr/>
+        </p:nvSpPr>
+        <p:spPr>
+          <a:xfrm>
+            <a:off x="5376056" y="3442607"/>
+            <a:ext cx="2966755" cy="1138101"/>
+          </a:xfrm>
+          <a:prstGeom prst="roundRect">
+            <a:avLst/>
+          </a:prstGeom>
+          <a:solidFill>
+            <a:srgbClr val="E7E0EC"/>
+          </a:solidFill>
+        </p:spPr>
+        <p:style>
+          <a:lnRef idx="1">
+            <a:schemeClr val="accent1"/>
+          </a:lnRef>
+          <a:fillRef idx="3">
+            <a:schemeClr val="accent1"/>
+          </a:fillRef>
+          <a:effectRef idx="2">
+            <a:schemeClr val="accent1"/>
+          </a:effectRef>
+          <a:fontRef idx="minor">
+            <a:schemeClr val="lt1"/>
+          </a:fontRef>
+        </p:style>
+        <p:txBody>
           <a:bodyPr rtlCol="0" anchor="ctr"/>
           <a:lstStyle/>
           <a:p>
@@ -4955,7 +5029,7 @@
                 </a:solidFill>
                 <a:latin typeface="American Typewriter" panose="02090604020004020304" pitchFamily="18" charset="77"/>
               </a:rPr>
-              <a:t>Governance Networks, Inc.</a:t>
+              <a:t>LF Governance Networks, Inc.</a:t>
             </a:r>
           </a:p>
           <a:p>
@@ -5021,8 +5095,8 @@
         </p:nvSpPr>
         <p:spPr>
           <a:xfrm>
-            <a:off x="2535043" y="1773894"/>
-            <a:ext cx="4073914" cy="1015503"/>
+            <a:off x="3003175" y="883467"/>
+            <a:ext cx="3245225" cy="1015503"/>
           </a:xfrm>
           <a:prstGeom prst="roundRect">
             <a:avLst/>
@@ -5153,6 +5227,82 @@
                 </a:solidFill>
               </a:rPr>
               <a:t>LATEST</a:t>
+            </a:r>
+          </a:p>
+        </p:txBody>
+      </p:sp>
+      <p:sp>
+        <p:nvSpPr>
+          <p:cNvPr id="11" name="TextBox 10">
+            <a:extLst>
+              <a:ext uri="{FF2B5EF4-FFF2-40B4-BE49-F238E27FC236}">
+                <a16:creationId xmlns:a16="http://schemas.microsoft.com/office/drawing/2014/main" id="{310E5EC8-2F3B-844C-9079-4C75BA64B7A3}"/>
+              </a:ext>
+            </a:extLst>
+          </p:cNvPr>
+          <p:cNvSpPr txBox="1"/>
+          <p:nvPr/>
+        </p:nvSpPr>
+        <p:spPr>
+          <a:xfrm>
+            <a:off x="5591739" y="2202418"/>
+            <a:ext cx="1588990" cy="369332"/>
+          </a:xfrm>
+          <a:prstGeom prst="rect">
+            <a:avLst/>
+          </a:prstGeom>
+          <a:noFill/>
+        </p:spPr>
+        <p:txBody>
+          <a:bodyPr wrap="square" rtlCol="0">
+            <a:spAutoFit/>
+          </a:bodyPr>
+          <a:lstStyle/>
+          <a:p>
+            <a:r>
+              <a:rPr lang="en-US" sz="900" b="1" dirty="0"/>
+              <a:t>Enables the legal governance structure of a Utility</a:t>
+            </a:r>
+          </a:p>
+        </p:txBody>
+      </p:sp>
+      <p:sp>
+        <p:nvSpPr>
+          <p:cNvPr id="13" name="TextBox 12">
+            <a:extLst>
+              <a:ext uri="{FF2B5EF4-FFF2-40B4-BE49-F238E27FC236}">
+                <a16:creationId xmlns:a16="http://schemas.microsoft.com/office/drawing/2014/main" id="{A037D5BA-FC03-6A48-B53D-590912B487A4}"/>
+              </a:ext>
+            </a:extLst>
+          </p:cNvPr>
+          <p:cNvSpPr txBox="1"/>
+          <p:nvPr/>
+        </p:nvSpPr>
+        <p:spPr>
+          <a:xfrm>
+            <a:off x="2340173" y="2209871"/>
+            <a:ext cx="1326004" cy="369332"/>
+          </a:xfrm>
+          <a:prstGeom prst="rect">
+            <a:avLst/>
+          </a:prstGeom>
+          <a:noFill/>
+        </p:spPr>
+        <p:txBody>
+          <a:bodyPr wrap="none" rtlCol="0">
+            <a:spAutoFit/>
+          </a:bodyPr>
+          <a:lstStyle/>
+          <a:p>
+            <a:r>
+              <a:rPr lang="en-US" sz="900" b="1" dirty="0"/>
+              <a:t>Supports Collaboration </a:t>
+            </a:r>
+          </a:p>
+          <a:p>
+            <a:r>
+              <a:rPr lang="en-US" sz="900" b="1" dirty="0"/>
+              <a:t>of Utility Software</a:t>
             </a:r>
           </a:p>
         </p:txBody>
@@ -5189,6 +5339,101 @@
       </p:grpSpPr>
       <p:sp>
         <p:nvSpPr>
+          <p:cNvPr id="40" name="Rectangle 39">
+            <a:extLst>
+              <a:ext uri="{FF2B5EF4-FFF2-40B4-BE49-F238E27FC236}">
+                <a16:creationId xmlns:a16="http://schemas.microsoft.com/office/drawing/2014/main" id="{2A107CFF-1AD6-3642-A1D6-11286423A424}"/>
+              </a:ext>
+            </a:extLst>
+          </p:cNvPr>
+          <p:cNvSpPr/>
+          <p:nvPr/>
+        </p:nvSpPr>
+        <p:spPr>
+          <a:xfrm>
+            <a:off x="257604" y="3867084"/>
+            <a:ext cx="1934605" cy="1117041"/>
+          </a:xfrm>
+          <a:prstGeom prst="rect">
+            <a:avLst/>
+          </a:prstGeom>
+          <a:solidFill>
+            <a:srgbClr val="00B050"/>
+          </a:solidFill>
+        </p:spPr>
+        <p:style>
+          <a:lnRef idx="2">
+            <a:schemeClr val="accent1">
+              <a:shade val="50000"/>
+            </a:schemeClr>
+          </a:lnRef>
+          <a:fillRef idx="1">
+            <a:schemeClr val="accent1"/>
+          </a:fillRef>
+          <a:effectRef idx="0">
+            <a:schemeClr val="accent1"/>
+          </a:effectRef>
+          <a:fontRef idx="minor">
+            <a:schemeClr val="lt1"/>
+          </a:fontRef>
+        </p:style>
+        <p:txBody>
+          <a:bodyPr rtlCol="0" anchor="t"/>
+          <a:lstStyle/>
+          <a:p>
+            <a:r>
+              <a:rPr lang="en-US" sz="1100" dirty="0"/>
+              <a:t>LF Projects LLC</a:t>
+            </a:r>
+          </a:p>
+          <a:p>
+            <a:r>
+              <a:rPr lang="en-US" sz="1000" i="1" dirty="0"/>
+              <a:t>(Delaware Series LLC)</a:t>
+            </a:r>
+          </a:p>
+        </p:txBody>
+      </p:sp>
+      <p:cxnSp>
+        <p:nvCxnSpPr>
+          <p:cNvPr id="37" name="Straight Connector 36">
+            <a:extLst>
+              <a:ext uri="{FF2B5EF4-FFF2-40B4-BE49-F238E27FC236}">
+                <a16:creationId xmlns:a16="http://schemas.microsoft.com/office/drawing/2014/main" id="{49DAF085-0225-6E42-80EC-35DB671179DE}"/>
+              </a:ext>
+            </a:extLst>
+          </p:cNvPr>
+          <p:cNvCxnSpPr>
+            <a:cxnSpLocks/>
+          </p:cNvCxnSpPr>
+          <p:nvPr/>
+        </p:nvCxnSpPr>
+        <p:spPr>
+          <a:xfrm>
+            <a:off x="1950129" y="1870507"/>
+            <a:ext cx="0" cy="2013117"/>
+          </a:xfrm>
+          <a:prstGeom prst="line">
+            <a:avLst/>
+          </a:prstGeom>
+        </p:spPr>
+        <p:style>
+          <a:lnRef idx="1">
+            <a:schemeClr val="accent1"/>
+          </a:lnRef>
+          <a:fillRef idx="0">
+            <a:schemeClr val="accent1"/>
+          </a:fillRef>
+          <a:effectRef idx="0">
+            <a:schemeClr val="accent1"/>
+          </a:effectRef>
+          <a:fontRef idx="minor">
+            <a:schemeClr val="tx1"/>
+          </a:fontRef>
+        </p:style>
+      </p:cxnSp>
+      <p:sp>
+        <p:nvSpPr>
           <p:cNvPr id="8" name="Title 7">
             <a:extLst>
               <a:ext uri="{FF2B5EF4-FFF2-40B4-BE49-F238E27FC236}">
@@ -5272,7 +5517,7 @@
         <p:spPr>
           <a:xfrm>
             <a:off x="269689" y="550513"/>
-            <a:ext cx="1730615" cy="785124"/>
+            <a:ext cx="1906846" cy="1328169"/>
           </a:xfrm>
           <a:prstGeom prst="rect">
             <a:avLst/>
@@ -5295,7 +5540,7 @@
           </a:fontRef>
         </p:style>
         <p:txBody>
-          <a:bodyPr rtlCol="0" anchor="ctr"/>
+          <a:bodyPr rtlCol="0" anchor="t"/>
           <a:lstStyle/>
           <a:p>
             <a:pPr algn="ctr"/>
@@ -5327,8 +5572,8 @@
         </p:nvSpPr>
         <p:spPr>
           <a:xfrm>
-            <a:off x="1035972" y="1419700"/>
-            <a:ext cx="964332" cy="445035"/>
+            <a:off x="362905" y="1274884"/>
+            <a:ext cx="1714891" cy="445035"/>
           </a:xfrm>
           <a:prstGeom prst="rect">
             <a:avLst/>
@@ -5367,49 +5612,22 @@
                   <a:schemeClr val="tx1"/>
                 </a:solidFill>
               </a:rPr>
-              <a:t>Bedrock Business Utility Directed Fund</a:t>
-            </a:r>
-          </a:p>
-        </p:txBody>
-      </p:sp>
-      <p:cxnSp>
-        <p:nvCxnSpPr>
-          <p:cNvPr id="37" name="Straight Connector 36">
-            <a:extLst>
-              <a:ext uri="{FF2B5EF4-FFF2-40B4-BE49-F238E27FC236}">
-                <a16:creationId xmlns:a16="http://schemas.microsoft.com/office/drawing/2014/main" id="{49DAF085-0225-6E42-80EC-35DB671179DE}"/>
-              </a:ext>
-            </a:extLst>
-          </p:cNvPr>
-          <p:cNvCxnSpPr>
-            <a:cxnSpLocks/>
-          </p:cNvCxnSpPr>
-          <p:nvPr/>
-        </p:nvCxnSpPr>
-        <p:spPr>
-          <a:xfrm>
-            <a:off x="964012" y="1349320"/>
-            <a:ext cx="0" cy="1615011"/>
-          </a:xfrm>
-          <a:prstGeom prst="line">
-            <a:avLst/>
-          </a:prstGeom>
-        </p:spPr>
-        <p:style>
-          <a:lnRef idx="1">
-            <a:schemeClr val="accent1"/>
-          </a:lnRef>
-          <a:fillRef idx="0">
-            <a:schemeClr val="accent1"/>
-          </a:fillRef>
-          <a:effectRef idx="0">
-            <a:schemeClr val="accent1"/>
-          </a:effectRef>
-          <a:fontRef idx="minor">
-            <a:schemeClr val="tx1"/>
-          </a:fontRef>
-        </p:style>
-      </p:cxnSp>
+              <a:t>Bedrock Consortium</a:t>
+            </a:r>
+          </a:p>
+          <a:p>
+            <a:pPr algn="ctr"/>
+            <a:r>
+              <a:rPr lang="en-US" sz="900" dirty="0">
+                <a:solidFill>
+                  <a:schemeClr val="tx1"/>
+                </a:solidFill>
+              </a:rPr>
+              <a:t>Directed Fund</a:t>
+            </a:r>
+          </a:p>
+        </p:txBody>
+      </p:sp>
       <p:sp>
         <p:nvSpPr>
           <p:cNvPr id="39" name="Rectangle 38">
@@ -5424,8 +5642,8 @@
         </p:nvSpPr>
         <p:spPr>
           <a:xfrm>
-            <a:off x="291011" y="3850699"/>
-            <a:ext cx="1694465" cy="445035"/>
+            <a:off x="362905" y="4348318"/>
+            <a:ext cx="1714883" cy="445035"/>
           </a:xfrm>
           <a:prstGeom prst="rect">
             <a:avLst/>
@@ -5479,62 +5697,6 @@
       </p:sp>
       <p:sp>
         <p:nvSpPr>
-          <p:cNvPr id="41" name="Rectangle 40">
-            <a:extLst>
-              <a:ext uri="{FF2B5EF4-FFF2-40B4-BE49-F238E27FC236}">
-                <a16:creationId xmlns:a16="http://schemas.microsoft.com/office/drawing/2014/main" id="{0FDC8FA4-2C91-794A-9E9A-BB5DDE3ADADF}"/>
-              </a:ext>
-            </a:extLst>
-          </p:cNvPr>
-          <p:cNvSpPr/>
-          <p:nvPr/>
-        </p:nvSpPr>
-        <p:spPr>
-          <a:xfrm>
-            <a:off x="285104" y="4392152"/>
-            <a:ext cx="1694464" cy="445035"/>
-          </a:xfrm>
-          <a:prstGeom prst="rect">
-            <a:avLst/>
-          </a:prstGeom>
-          <a:solidFill>
-            <a:srgbClr val="EAF2E0"/>
-          </a:solidFill>
-        </p:spPr>
-        <p:style>
-          <a:lnRef idx="2">
-            <a:schemeClr val="accent1">
-              <a:shade val="50000"/>
-            </a:schemeClr>
-          </a:lnRef>
-          <a:fillRef idx="1">
-            <a:schemeClr val="accent1"/>
-          </a:fillRef>
-          <a:effectRef idx="0">
-            <a:schemeClr val="accent1"/>
-          </a:effectRef>
-          <a:fontRef idx="minor">
-            <a:schemeClr val="lt1"/>
-          </a:fontRef>
-        </p:style>
-        <p:txBody>
-          <a:bodyPr rtlCol="0" anchor="ctr"/>
-          <a:lstStyle/>
-          <a:p>
-            <a:pPr algn="ctr"/>
-            <a:r>
-              <a:rPr lang="en-US" sz="900" dirty="0">
-                <a:solidFill>
-                  <a:schemeClr val="tx1"/>
-                </a:solidFill>
-              </a:rPr>
-              <a:t>Contributors</a:t>
-            </a:r>
-          </a:p>
-        </p:txBody>
-      </p:sp>
-      <p:sp>
-        <p:nvSpPr>
           <p:cNvPr id="2" name="TextBox 1">
             <a:extLst>
               <a:ext uri="{FF2B5EF4-FFF2-40B4-BE49-F238E27FC236}">
@@ -5547,43 +5709,8 @@
         </p:nvSpPr>
         <p:spPr>
           <a:xfrm>
-            <a:off x="4562739" y="789474"/>
-            <a:ext cx="3093091" cy="276999"/>
-          </a:xfrm>
-          <a:prstGeom prst="rect">
-            <a:avLst/>
-          </a:prstGeom>
-          <a:noFill/>
-        </p:spPr>
-        <p:txBody>
-          <a:bodyPr wrap="none" rtlCol="0">
-            <a:spAutoFit/>
-          </a:bodyPr>
-          <a:lstStyle/>
-          <a:p>
-            <a:r>
-              <a:rPr lang="en-US" sz="1200" dirty="0"/>
-              <a:t>Legal membership entity for the Directed Fund</a:t>
-            </a:r>
-          </a:p>
-        </p:txBody>
-      </p:sp>
-      <p:sp>
-        <p:nvSpPr>
-          <p:cNvPr id="45" name="TextBox 44">
-            <a:extLst>
-              <a:ext uri="{FF2B5EF4-FFF2-40B4-BE49-F238E27FC236}">
-                <a16:creationId xmlns:a16="http://schemas.microsoft.com/office/drawing/2014/main" id="{0E1593EC-5665-D440-B020-876D718708A9}"/>
-              </a:ext>
-            </a:extLst>
-          </p:cNvPr>
-          <p:cNvSpPr txBox="1"/>
-          <p:nvPr/>
-        </p:nvSpPr>
-        <p:spPr>
-          <a:xfrm>
-            <a:off x="4572000" y="3305224"/>
-            <a:ext cx="3188526" cy="276999"/>
+            <a:off x="4923974" y="547447"/>
+            <a:ext cx="3511813" cy="276999"/>
           </a:xfrm>
           <a:prstGeom prst="rect">
             <a:avLst/>
@@ -5598,17 +5725,17 @@
           <a:p>
             <a:r>
               <a:rPr lang="en-US" sz="1200" dirty="0"/>
-              <a:t>Hold trademark assets for series entities </a:t>
-            </a:r>
-          </a:p>
-        </p:txBody>
-      </p:sp>
-      <p:sp>
-        <p:nvSpPr>
-          <p:cNvPr id="46" name="TextBox 45">
-            <a:extLst>
-              <a:ext uri="{FF2B5EF4-FFF2-40B4-BE49-F238E27FC236}">
-                <a16:creationId xmlns:a16="http://schemas.microsoft.com/office/drawing/2014/main" id="{807005F5-7701-CB45-A5C7-10D0623147A7}"/>
+              <a:t>Legal membership entity for the Directed Fund</a:t>
+            </a:r>
+          </a:p>
+        </p:txBody>
+      </p:sp>
+      <p:sp>
+        <p:nvSpPr>
+          <p:cNvPr id="45" name="TextBox 44">
+            <a:extLst>
+              <a:ext uri="{FF2B5EF4-FFF2-40B4-BE49-F238E27FC236}">
+                <a16:creationId xmlns:a16="http://schemas.microsoft.com/office/drawing/2014/main" id="{0E1593EC-5665-D440-B020-876D718708A9}"/>
               </a:ext>
             </a:extLst>
           </p:cNvPr>
@@ -5617,8 +5744,8 @@
         </p:nvSpPr>
         <p:spPr>
           <a:xfrm>
-            <a:off x="4572000" y="2861821"/>
-            <a:ext cx="4523925" cy="461665"/>
+            <a:off x="4996890" y="2935671"/>
+            <a:ext cx="3871365" cy="461665"/>
           </a:xfrm>
           <a:prstGeom prst="rect">
             <a:avLst/>
@@ -5633,17 +5760,17 @@
           <a:p>
             <a:r>
               <a:rPr lang="en-US" sz="1200" dirty="0"/>
-              <a:t>Transaction entity (e.g. transaction fees), adopts and publishes core agreements for the utility (e.g. steward agreement, policies, etc.) </a:t>
-            </a:r>
-          </a:p>
-        </p:txBody>
-      </p:sp>
-      <p:sp>
-        <p:nvSpPr>
-          <p:cNvPr id="47" name="TextBox 46">
-            <a:extLst>
-              <a:ext uri="{FF2B5EF4-FFF2-40B4-BE49-F238E27FC236}">
-                <a16:creationId xmlns:a16="http://schemas.microsoft.com/office/drawing/2014/main" id="{89BFA241-B877-6745-B708-A48C4A32F0A9}"/>
+              <a:t>A Utility is represented by a collection of legal instruments specified under a governance framework.</a:t>
+            </a:r>
+          </a:p>
+        </p:txBody>
+      </p:sp>
+      <p:sp>
+        <p:nvSpPr>
+          <p:cNvPr id="46" name="TextBox 45">
+            <a:extLst>
+              <a:ext uri="{FF2B5EF4-FFF2-40B4-BE49-F238E27FC236}">
+                <a16:creationId xmlns:a16="http://schemas.microsoft.com/office/drawing/2014/main" id="{807005F5-7701-CB45-A5C7-10D0623147A7}"/>
               </a:ext>
             </a:extLst>
           </p:cNvPr>
@@ -5652,8 +5779,8 @@
         </p:nvSpPr>
         <p:spPr>
           <a:xfrm>
-            <a:off x="4562738" y="1374395"/>
-            <a:ext cx="4523924" cy="646331"/>
+            <a:off x="4996890" y="2327274"/>
+            <a:ext cx="4009238" cy="461665"/>
           </a:xfrm>
           <a:prstGeom prst="rect">
             <a:avLst/>
@@ -5668,7 +5795,42 @@
           <a:p>
             <a:r>
               <a:rPr lang="en-US" sz="1200" dirty="0"/>
-              <a:t>Project Participation Agreement, binds member to project funding commitments, policies, etc. Governance of directed fund and customized network agreements (hosted by LF Data Networks, LLC)</a:t>
+              <a:t>Non-Profit entity that enables the legal governance structure of one or more utilities.</a:t>
+            </a:r>
+          </a:p>
+        </p:txBody>
+      </p:sp>
+      <p:sp>
+        <p:nvSpPr>
+          <p:cNvPr id="47" name="TextBox 46">
+            <a:extLst>
+              <a:ext uri="{FF2B5EF4-FFF2-40B4-BE49-F238E27FC236}">
+                <a16:creationId xmlns:a16="http://schemas.microsoft.com/office/drawing/2014/main" id="{89BFA241-B877-6745-B708-A48C4A32F0A9}"/>
+              </a:ext>
+            </a:extLst>
+          </p:cNvPr>
+          <p:cNvSpPr txBox="1"/>
+          <p:nvPr/>
+        </p:nvSpPr>
+        <p:spPr>
+          <a:xfrm>
+            <a:off x="5002306" y="1227801"/>
+            <a:ext cx="4003821" cy="830997"/>
+          </a:xfrm>
+          <a:prstGeom prst="rect">
+            <a:avLst/>
+          </a:prstGeom>
+          <a:noFill/>
+        </p:spPr>
+        <p:txBody>
+          <a:bodyPr wrap="square" rtlCol="0">
+            <a:spAutoFit/>
+          </a:bodyPr>
+          <a:lstStyle/>
+          <a:p>
+            <a:r>
+              <a:rPr lang="en-US" sz="1200" dirty="0"/>
+              <a:t>Project Participation Agreement, binds member to project funding commitments, policies, etc. Governance of directed fund and customized utility agreements (hosted by LF Governance Networks, Inc.)</a:t>
             </a:r>
           </a:p>
         </p:txBody>
@@ -5687,8 +5849,8 @@
         </p:nvSpPr>
         <p:spPr>
           <a:xfrm>
-            <a:off x="4562737" y="3850699"/>
-            <a:ext cx="4123132" cy="461665"/>
+            <a:off x="4992524" y="3850699"/>
+            <a:ext cx="3693344" cy="461665"/>
           </a:xfrm>
           <a:prstGeom prst="rect">
             <a:avLst/>
@@ -5702,7 +5864,7 @@
           <a:p>
             <a:r>
               <a:rPr lang="en-US" sz="1200" dirty="0"/>
-              <a:t>Technical Charter for open source project, plus CLA for capturing IP commitments to open source projects</a:t>
+              <a:t>Linux Foundation affiliate entity that hosts open source projects.</a:t>
             </a:r>
           </a:p>
         </p:txBody>
@@ -5721,8 +5883,8 @@
         </p:nvSpPr>
         <p:spPr>
           <a:xfrm>
-            <a:off x="4562737" y="4361347"/>
-            <a:ext cx="3998441" cy="461665"/>
+            <a:off x="4992524" y="4365220"/>
+            <a:ext cx="4079758" cy="646331"/>
           </a:xfrm>
           <a:prstGeom prst="rect">
             <a:avLst/>
@@ -5736,7 +5898,7 @@
           <a:p>
             <a:r>
               <a:rPr lang="en-US" sz="1200" dirty="0"/>
-              <a:t>Anyone can contribute to the technical project or use the code under the open source license</a:t>
+              <a:t>A specific technical project associated with a Technical Charter setup as its own Series LLC under the LF Projects LLC. A project  may require a CLA. </a:t>
             </a:r>
           </a:p>
         </p:txBody>
@@ -5755,7 +5917,7 @@
         </p:nvSpPr>
         <p:spPr>
           <a:xfrm>
-            <a:off x="2964072" y="1420838"/>
+            <a:off x="3124631" y="1267923"/>
             <a:ext cx="732800" cy="444998"/>
           </a:xfrm>
           <a:prstGeom prst="flowChartDocument">
@@ -5817,7 +5979,7 @@
         </p:nvSpPr>
         <p:spPr>
           <a:xfrm>
-            <a:off x="2176536" y="3850736"/>
+            <a:off x="2337733" y="4392202"/>
             <a:ext cx="732800" cy="444998"/>
           </a:xfrm>
           <a:prstGeom prst="flowChartDocument">
@@ -5879,7 +6041,7 @@
         </p:nvSpPr>
         <p:spPr>
           <a:xfrm>
-            <a:off x="3751608" y="1420801"/>
+            <a:off x="3912167" y="1267886"/>
             <a:ext cx="732800" cy="444998"/>
           </a:xfrm>
           <a:prstGeom prst="flowChartDocument">
@@ -5941,7 +6103,7 @@
         </p:nvSpPr>
         <p:spPr>
           <a:xfrm>
-            <a:off x="2176536" y="1434094"/>
+            <a:off x="2337733" y="1280769"/>
             <a:ext cx="732800" cy="444998"/>
           </a:xfrm>
           <a:prstGeom prst="flowChartDocument">
@@ -5991,68 +6153,6 @@
       </p:sp>
       <p:sp>
         <p:nvSpPr>
-          <p:cNvPr id="53" name="Document 52">
-            <a:extLst>
-              <a:ext uri="{FF2B5EF4-FFF2-40B4-BE49-F238E27FC236}">
-                <a16:creationId xmlns:a16="http://schemas.microsoft.com/office/drawing/2014/main" id="{00DCAF59-8396-2C4C-AC6D-8DB5FBFDA796}"/>
-              </a:ext>
-            </a:extLst>
-          </p:cNvPr>
-          <p:cNvSpPr/>
-          <p:nvPr/>
-        </p:nvSpPr>
-        <p:spPr>
-          <a:xfrm>
-            <a:off x="3751608" y="3110333"/>
-            <a:ext cx="777624" cy="484905"/>
-          </a:xfrm>
-          <a:prstGeom prst="flowChartDocument">
-            <a:avLst/>
-          </a:prstGeom>
-          <a:solidFill>
-            <a:schemeClr val="accent6">
-              <a:lumMod val="40000"/>
-              <a:lumOff val="60000"/>
-            </a:schemeClr>
-          </a:solidFill>
-        </p:spPr>
-        <p:style>
-          <a:lnRef idx="1">
-            <a:schemeClr val="accent1"/>
-          </a:lnRef>
-          <a:fillRef idx="3">
-            <a:schemeClr val="accent1"/>
-          </a:fillRef>
-          <a:effectRef idx="2">
-            <a:schemeClr val="accent1"/>
-          </a:effectRef>
-          <a:fontRef idx="minor">
-            <a:schemeClr val="lt1"/>
-          </a:fontRef>
-        </p:style>
-        <p:txBody>
-          <a:bodyPr rot="0" spcFirstLastPara="0" vertOverflow="overflow" horzOverflow="overflow" vert="horz" wrap="square" lIns="68580" tIns="34290" rIns="68580" bIns="34290" numCol="1" spcCol="0" rtlCol="0" fromWordArt="0" anchor="ctr" anchorCtr="0" forceAA="0" compatLnSpc="1">
-            <a:prstTxWarp prst="textNoShape">
-              <a:avLst/>
-            </a:prstTxWarp>
-            <a:noAutofit/>
-          </a:bodyPr>
-          <a:lstStyle/>
-          <a:p>
-            <a:pPr algn="ctr"/>
-            <a:r>
-              <a:rPr lang="en-US" sz="825" dirty="0">
-                <a:solidFill>
-                  <a:schemeClr val="tx1"/>
-                </a:solidFill>
-              </a:rPr>
-              <a:t>Sign Utility Agreements (non-member)</a:t>
-            </a:r>
-          </a:p>
-        </p:txBody>
-      </p:sp>
-      <p:sp>
-        <p:nvSpPr>
           <p:cNvPr id="54" name="Title 7">
             <a:extLst>
               <a:ext uri="{FF2B5EF4-FFF2-40B4-BE49-F238E27FC236}">
@@ -6067,7 +6167,7 @@
         </p:nvSpPr>
         <p:spPr>
           <a:xfrm>
-            <a:off x="2031651" y="45859"/>
+            <a:off x="2192210" y="45859"/>
             <a:ext cx="2531086" cy="435392"/>
           </a:xfrm>
           <a:prstGeom prst="rect">
@@ -6240,8 +6340,8 @@
         </p:nvSpPr>
         <p:spPr>
           <a:xfrm>
-            <a:off x="6418" y="2104961"/>
-            <a:ext cx="1018227" cy="261610"/>
+            <a:off x="17362" y="2122626"/>
+            <a:ext cx="622286" cy="261610"/>
           </a:xfrm>
           <a:prstGeom prst="rect">
             <a:avLst/>
@@ -6256,7 +6356,7 @@
           <a:p>
             <a:r>
               <a:rPr lang="en-US" sz="1100" dirty="0"/>
-              <a:t>Non-Members</a:t>
+              <a:t>Anyone</a:t>
             </a:r>
           </a:p>
         </p:txBody>
@@ -6314,8 +6414,8 @@
         </p:nvSpPr>
         <p:spPr>
           <a:xfrm>
-            <a:off x="269690" y="2446117"/>
-            <a:ext cx="1730614" cy="575270"/>
+            <a:off x="269689" y="2446116"/>
+            <a:ext cx="1906847" cy="1100776"/>
           </a:xfrm>
           <a:prstGeom prst="rect">
             <a:avLst/>
@@ -6343,19 +6443,15 @@
           </a:fontRef>
         </p:style>
         <p:txBody>
-          <a:bodyPr rtlCol="0" anchor="ctr"/>
-          <a:lstStyle/>
-          <a:p>
-            <a:pPr algn="ctr"/>
-            <a:r>
-              <a:rPr lang="en-US" sz="1200" dirty="0"/>
-              <a:t>LF Governance Networks, Inc.</a:t>
-            </a:r>
-          </a:p>
-          <a:p>
-            <a:pPr algn="ctr"/>
+          <a:bodyPr rtlCol="0" anchor="t"/>
+          <a:lstStyle/>
+          <a:p>
             <a:r>
               <a:rPr lang="en-US" sz="1100" dirty="0"/>
+              <a:t>LF Governance Networks, Inc. </a:t>
+            </a:r>
+            <a:r>
+              <a:rPr lang="en-US" sz="1000" i="1" dirty="0"/>
               <a:t>(Delaware Nonprofit Corp)</a:t>
             </a:r>
           </a:p>
@@ -6375,8 +6471,8 @@
         </p:nvSpPr>
         <p:spPr>
           <a:xfrm>
-            <a:off x="269689" y="3110333"/>
-            <a:ext cx="1730614" cy="469641"/>
+            <a:off x="362906" y="3007856"/>
+            <a:ext cx="1714885" cy="405583"/>
           </a:xfrm>
           <a:prstGeom prst="rect">
             <a:avLst/>
@@ -6416,6 +6512,68 @@
                 </a:solidFill>
               </a:rPr>
               <a:t>Bedrock Business Utility</a:t>
+            </a:r>
+          </a:p>
+        </p:txBody>
+      </p:sp>
+      <p:sp>
+        <p:nvSpPr>
+          <p:cNvPr id="53" name="Document 52">
+            <a:extLst>
+              <a:ext uri="{FF2B5EF4-FFF2-40B4-BE49-F238E27FC236}">
+                <a16:creationId xmlns:a16="http://schemas.microsoft.com/office/drawing/2014/main" id="{00DCAF59-8396-2C4C-AC6D-8DB5FBFDA796}"/>
+              </a:ext>
+            </a:extLst>
+          </p:cNvPr>
+          <p:cNvSpPr/>
+          <p:nvPr/>
+        </p:nvSpPr>
+        <p:spPr>
+          <a:xfrm>
+            <a:off x="3867343" y="3004604"/>
+            <a:ext cx="777624" cy="484905"/>
+          </a:xfrm>
+          <a:prstGeom prst="flowChartDocument">
+            <a:avLst/>
+          </a:prstGeom>
+          <a:solidFill>
+            <a:schemeClr val="accent6">
+              <a:lumMod val="40000"/>
+              <a:lumOff val="60000"/>
+            </a:schemeClr>
+          </a:solidFill>
+        </p:spPr>
+        <p:style>
+          <a:lnRef idx="1">
+            <a:schemeClr val="accent1"/>
+          </a:lnRef>
+          <a:fillRef idx="3">
+            <a:schemeClr val="accent1"/>
+          </a:fillRef>
+          <a:effectRef idx="2">
+            <a:schemeClr val="accent1"/>
+          </a:effectRef>
+          <a:fontRef idx="minor">
+            <a:schemeClr val="lt1"/>
+          </a:fontRef>
+        </p:style>
+        <p:txBody>
+          <a:bodyPr rot="0" spcFirstLastPara="0" vertOverflow="overflow" horzOverflow="overflow" vert="horz" wrap="square" lIns="68580" tIns="34290" rIns="68580" bIns="34290" numCol="1" spcCol="0" rtlCol="0" fromWordArt="0" anchor="ctr" anchorCtr="0" forceAA="0" compatLnSpc="1">
+            <a:prstTxWarp prst="textNoShape">
+              <a:avLst/>
+            </a:prstTxWarp>
+            <a:noAutofit/>
+          </a:bodyPr>
+          <a:lstStyle/>
+          <a:p>
+            <a:pPr algn="ctr"/>
+            <a:r>
+              <a:rPr lang="en-US" sz="825" dirty="0">
+                <a:solidFill>
+                  <a:schemeClr val="tx1"/>
+                </a:solidFill>
+              </a:rPr>
+              <a:t>Sign Utility Agreements (non-member)</a:t>
             </a:r>
           </a:p>
         </p:txBody>

--- a/_images/bbu_diagrams.pptx
+++ b/_images/bbu_diagrams.pptx
@@ -5815,7 +5815,7 @@
         <p:spPr>
           <a:xfrm>
             <a:off x="5002306" y="1227801"/>
-            <a:ext cx="4003821" cy="830997"/>
+            <a:ext cx="4003821" cy="646331"/>
           </a:xfrm>
           <a:prstGeom prst="rect">
             <a:avLst/>
@@ -5830,7 +5830,7 @@
           <a:p>
             <a:r>
               <a:rPr lang="en-US" sz="1200" dirty="0"/>
-              <a:t>Project Participation Agreement, binds member to project funding commitments, policies, etc. Governance of directed fund and customized utility agreements (hosted by LF Governance Networks, Inc.)</a:t>
+              <a:t>Project Participation Agreement, binds member to project funding commitments, policies, governance and customized utility agreements (hosted by LF Governance Networks, Inc.)</a:t>
             </a:r>
           </a:p>
         </p:txBody>
